--- a/Bài 6 Mô hình ngôn ngữ.pptx
+++ b/Bài 6 Mô hình ngôn ngữ.pptx
@@ -5,7 +5,7 @@
     <p:sldMasterId id="2147483652" r:id="rId1"/>
   </p:sldMasterIdLst>
   <p:notesMasterIdLst>
-    <p:notesMasterId r:id="rId26"/>
+    <p:notesMasterId r:id="rId27"/>
   </p:notesMasterIdLst>
   <p:sldIdLst>
     <p:sldId id="313" r:id="rId2"/>
@@ -31,7 +31,8 @@
     <p:sldId id="414" r:id="rId22"/>
     <p:sldId id="421" r:id="rId23"/>
     <p:sldId id="431" r:id="rId24"/>
-    <p:sldId id="418" r:id="rId25"/>
+    <p:sldId id="434" r:id="rId25"/>
+    <p:sldId id="418" r:id="rId26"/>
   </p:sldIdLst>
   <p:sldSz cx="9144000" cy="6858000" type="screen4x3"/>
   <p:notesSz cx="6858000" cy="9144000"/>
@@ -162,7 +163,7 @@
   </p:defaultTextStyle>
   <p:extLst>
     <p:ext uri="{EFAFB233-063F-42B5-8137-9DF3F51BA10A}">
-      <p15:sldGuideLst xmlns:p15="http://schemas.microsoft.com/office/powerpoint/2012/main" xmlns="">
+      <p15:sldGuideLst xmlns:p15="http://schemas.microsoft.com/office/powerpoint/2012/main">
         <p15:guide id="1" orient="horz" pos="2160">
           <p15:clr>
             <a:srgbClr val="A4A3A4"/>
@@ -6643,7 +6644,6 @@
               <a:rPr lang="vi-VN" sz="3200" dirty="0" smtClean="0"/>
               <a:t>Tìm kiếm và trình diễn thông tin</a:t>
             </a:r>
-            <a:endParaRPr lang="vi-VN" sz="3200" dirty="0" smtClean="0"/>
           </a:p>
         </p:txBody>
       </p:sp>
@@ -6659,20 +6659,32 @@
         </p:nvSpPr>
         <p:spPr>
           <a:xfrm>
-            <a:off x="1371600" y="3501008"/>
-            <a:ext cx="6400800" cy="1752600"/>
+            <a:off x="467544" y="3501008"/>
+            <a:ext cx="8424936" cy="1752600"/>
           </a:xfrm>
         </p:spPr>
         <p:txBody>
           <a:bodyPr/>
           <a:lstStyle/>
           <a:p>
-            <a:pPr eaLnBrk="1" hangingPunct="1"/>
+            <a:pPr algn="just" eaLnBrk="1" hangingPunct="1"/>
             <a:r>
               <a:rPr lang="vi-VN" sz="2800" dirty="0" smtClean="0"/>
-              <a:t>Chương 6. Mô hình ngôn ngữ</a:t>
-            </a:r>
-            <a:endParaRPr lang="vi-VN" sz="2000" dirty="0" smtClean="0"/>
+              <a:t>Chương 6. Mô hình ngôn </a:t>
+            </a:r>
+            <a:r>
+              <a:rPr lang="vi-VN" sz="2800" dirty="0" smtClean="0"/>
+              <a:t>ngữ</a:t>
+            </a:r>
+            <a:endParaRPr lang="en-US" sz="2800" dirty="0" smtClean="0"/>
+          </a:p>
+          <a:p>
+            <a:pPr algn="just" eaLnBrk="1" hangingPunct="1"/>
+            <a:r>
+              <a:rPr lang="en-US" sz="2400" dirty="0" smtClean="0"/>
+              <a:t>IIR.Chap12. Language models for information retrieval</a:t>
+            </a:r>
+            <a:endParaRPr lang="vi-VN" sz="1800" dirty="0" smtClean="0"/>
           </a:p>
         </p:txBody>
       </p:sp>
@@ -7239,7 +7251,6 @@
               <a:rPr lang="vi-VN" sz="3200" dirty="0" smtClean="0"/>
               <a:t>Kết hợp giả thuyết unigram và giả thuyết đa thức</a:t>
             </a:r>
-            <a:endParaRPr lang="vi-VN" sz="3200" dirty="0" smtClean="0"/>
           </a:p>
         </p:txBody>
       </p:sp>
@@ -7402,7 +7413,7 @@
                         <m:sSubPr>
                           <m:ctrlPr>
                             <a:rPr lang="vi-VN" sz="2800" b="0" i="1" smtClean="0">
-                              <a:latin typeface="Cambria Math"/>
+                              <a:latin typeface="Cambria Math" panose="02040503050406030204" pitchFamily="18" charset="0"/>
                             </a:rPr>
                           </m:ctrlPr>
                         </m:sSubPr>
@@ -7433,7 +7444,7 @@
                         <m:fPr>
                           <m:ctrlPr>
                             <a:rPr lang="en-US" sz="2800" b="0" i="1" smtClean="0">
-                              <a:latin typeface="Cambria Math"/>
+                              <a:latin typeface="Cambria Math" panose="02040503050406030204" pitchFamily="18" charset="0"/>
                             </a:rPr>
                           </m:ctrlPr>
                         </m:fPr>
@@ -7442,7 +7453,7 @@
                             <m:sSubPr>
                               <m:ctrlPr>
                                 <a:rPr lang="en-US" sz="2800" b="0" i="1">
-                                  <a:latin typeface="Cambria Math"/>
+                                  <a:latin typeface="Cambria Math" panose="02040503050406030204" pitchFamily="18" charset="0"/>
                                 </a:rPr>
                               </m:ctrlPr>
                             </m:sSubPr>
@@ -7475,7 +7486,7 @@
                             <m:sSubPr>
                               <m:ctrlPr>
                                 <a:rPr lang="en-US" sz="2800" b="0" i="1" smtClean="0">
-                                  <a:latin typeface="Cambria Math"/>
+                                  <a:latin typeface="Cambria Math" panose="02040503050406030204" pitchFamily="18" charset="0"/>
                                 </a:rPr>
                               </m:ctrlPr>
                             </m:sSubPr>
@@ -7492,7 +7503,7 @@
                                 <m:sSubPr>
                                   <m:ctrlPr>
                                     <a:rPr lang="en-US" sz="2800" b="0" i="1" smtClean="0">
-                                      <a:latin typeface="Cambria Math"/>
+                                      <a:latin typeface="Cambria Math" panose="02040503050406030204" pitchFamily="18" charset="0"/>
                                     </a:rPr>
                                   </m:ctrlPr>
                                 </m:sSubPr>
@@ -7537,7 +7548,7 @@
                             <m:sSubPr>
                               <m:ctrlPr>
                                 <a:rPr lang="en-US" sz="2800" b="0" i="1">
-                                  <a:latin typeface="Cambria Math"/>
+                                  <a:latin typeface="Cambria Math" panose="02040503050406030204" pitchFamily="18" charset="0"/>
                                 </a:rPr>
                               </m:ctrlPr>
                             </m:sSubPr>
@@ -7554,7 +7565,7 @@
                                 <m:sSubPr>
                                   <m:ctrlPr>
                                     <a:rPr lang="en-US" sz="2800" b="0" i="1">
-                                      <a:latin typeface="Cambria Math"/>
+                                      <a:latin typeface="Cambria Math" panose="02040503050406030204" pitchFamily="18" charset="0"/>
                                     </a:rPr>
                                   </m:ctrlPr>
                                 </m:sSubPr>
@@ -7599,7 +7610,7 @@
                             <m:sSubPr>
                               <m:ctrlPr>
                                 <a:rPr lang="en-US" sz="2800" b="0" i="1">
-                                  <a:latin typeface="Cambria Math"/>
+                                  <a:latin typeface="Cambria Math" panose="02040503050406030204" pitchFamily="18" charset="0"/>
                                 </a:rPr>
                               </m:ctrlPr>
                             </m:sSubPr>
@@ -7616,7 +7627,7 @@
                                 <m:sSubPr>
                                   <m:ctrlPr>
                                     <a:rPr lang="en-US" sz="2800" b="0" i="1">
-                                      <a:latin typeface="Cambria Math"/>
+                                      <a:latin typeface="Cambria Math" panose="02040503050406030204" pitchFamily="18" charset="0"/>
                                     </a:rPr>
                                   </m:ctrlPr>
                                 </m:sSubPr>
@@ -7955,7 +7966,6 @@
               <a:rPr lang="vi-VN" sz="3600" dirty="0" smtClean="0"/>
               <a:t>Đại lượng xếp hạng</a:t>
             </a:r>
-            <a:endParaRPr lang="vi-VN" sz="3600" dirty="0" smtClean="0"/>
           </a:p>
         </p:txBody>
       </p:sp>
@@ -8070,8 +8080,8 @@
           </a:p>
         </p:txBody>
       </p:sp>
-      <mc:AlternateContent xmlns:mc="http://schemas.openxmlformats.org/markup-compatibility/2006">
-        <mc:Choice xmlns:a14="http://schemas.microsoft.com/office/drawing/2010/main" Requires="a14">
+      <mc:AlternateContent xmlns:mc="http://schemas.openxmlformats.org/markup-compatibility/2006" xmlns:a14="http://schemas.microsoft.com/office/drawing/2010/main">
+        <mc:Choice Requires="a14">
           <p:sp>
             <p:nvSpPr>
               <p:cNvPr id="2" name="TextBox 1"/>
@@ -8094,7 +8104,6 @@
               </a:bodyPr>
               <a:lstStyle/>
               <a:p>
-                <a:pPr/>
                 <a:r>
                   <a:rPr lang="en-US" sz="2400" b="0" dirty="0" smtClean="0"/>
                   <a:t>RSV</a:t>
@@ -8105,7 +8114,7 @@
                       <m:dPr>
                         <m:ctrlPr>
                           <a:rPr lang="en-US" sz="2400" b="0" i="1" smtClean="0">
-                            <a:latin typeface="Cambria Math"/>
+                            <a:latin typeface="Cambria Math" panose="02040503050406030204" pitchFamily="18" charset="0"/>
                           </a:rPr>
                         </m:ctrlPr>
                       </m:dPr>
@@ -8142,7 +8151,7 @@
                         <m:supHide m:val="on"/>
                         <m:ctrlPr>
                           <a:rPr lang="en-US" sz="2400" b="0" i="1" smtClean="0">
-                            <a:latin typeface="Cambria Math"/>
+                            <a:latin typeface="Cambria Math" panose="02040503050406030204" pitchFamily="18" charset="0"/>
                           </a:rPr>
                         </m:ctrlPr>
                       </m:naryPr>
@@ -8201,7 +8210,7 @@
                           <m:sSubPr>
                             <m:ctrlPr>
                               <a:rPr lang="en-US" sz="2400" b="0" i="1" smtClean="0">
-                                <a:latin typeface="Cambria Math"/>
+                                <a:latin typeface="Cambria Math" panose="02040503050406030204" pitchFamily="18" charset="0"/>
                               </a:rPr>
                             </m:ctrlPr>
                           </m:sSubPr>
@@ -8237,7 +8246,7 @@
             </p:txBody>
           </p:sp>
         </mc:Choice>
-        <mc:Fallback>
+        <mc:Fallback xmlns="">
           <p:sp>
             <p:nvSpPr>
               <p:cNvPr id="2" name="TextBox 1"/>
@@ -8276,8 +8285,8 @@
           </p:sp>
         </mc:Fallback>
       </mc:AlternateContent>
-      <mc:AlternateContent xmlns:mc="http://schemas.openxmlformats.org/markup-compatibility/2006">
-        <mc:Choice xmlns:a14="http://schemas.microsoft.com/office/drawing/2010/main" Requires="a14">
+      <mc:AlternateContent xmlns:mc="http://schemas.openxmlformats.org/markup-compatibility/2006" xmlns:a14="http://schemas.microsoft.com/office/drawing/2010/main">
+        <mc:Choice Requires="a14">
           <p:sp>
             <p:nvSpPr>
               <p:cNvPr id="8" name="TextBox 7"/>
@@ -8300,7 +8309,6 @@
               </a:bodyPr>
               <a:lstStyle/>
               <a:p>
-                <a:pPr/>
                 <a:r>
                   <a:rPr lang="en-US" sz="2400" b="0" dirty="0" smtClean="0"/>
                   <a:t>RSV</a:t>
@@ -8311,7 +8319,7 @@
                       <m:dPr>
                         <m:ctrlPr>
                           <a:rPr lang="en-US" sz="2400" b="0" i="1" smtClean="0">
-                            <a:latin typeface="Cambria Math"/>
+                            <a:latin typeface="Cambria Math" panose="02040503050406030204" pitchFamily="18" charset="0"/>
                           </a:rPr>
                         </m:ctrlPr>
                       </m:dPr>
@@ -8348,7 +8356,7 @@
                         <m:supHide m:val="on"/>
                         <m:ctrlPr>
                           <a:rPr lang="en-US" sz="2400" b="0" i="1" smtClean="0">
-                            <a:latin typeface="Cambria Math"/>
+                            <a:latin typeface="Cambria Math" panose="02040503050406030204" pitchFamily="18" charset="0"/>
                           </a:rPr>
                         </m:ctrlPr>
                       </m:naryPr>
@@ -8418,7 +8426,7 @@
                           <m:sSupPr>
                             <m:ctrlPr>
                               <a:rPr lang="en-US" sz="2400" b="0" i="1" smtClean="0">
-                                <a:latin typeface="Cambria Math"/>
+                                <a:latin typeface="Cambria Math" panose="02040503050406030204" pitchFamily="18" charset="0"/>
                               </a:rPr>
                             </m:ctrlPr>
                           </m:sSupPr>
@@ -8451,7 +8459,7 @@
                               <m:sSubPr>
                                 <m:ctrlPr>
                                   <a:rPr lang="en-US" sz="2400" b="0" i="1" smtClean="0">
-                                    <a:latin typeface="Cambria Math"/>
+                                    <a:latin typeface="Cambria Math" panose="02040503050406030204" pitchFamily="18" charset="0"/>
                                   </a:rPr>
                                 </m:ctrlPr>
                               </m:sSubPr>
@@ -8484,7 +8492,7 @@
                               <m:sSubPr>
                                 <m:ctrlPr>
                                   <a:rPr lang="en-US" sz="2400" b="0" i="1" smtClean="0">
-                                    <a:latin typeface="Cambria Math"/>
+                                    <a:latin typeface="Cambria Math" panose="02040503050406030204" pitchFamily="18" charset="0"/>
                                   </a:rPr>
                                 </m:ctrlPr>
                               </m:sSubPr>
@@ -8528,7 +8536,7 @@
             </p:txBody>
           </p:sp>
         </mc:Choice>
-        <mc:Fallback>
+        <mc:Fallback xmlns="">
           <p:sp>
             <p:nvSpPr>
               <p:cNvPr id="8" name="TextBox 7"/>
@@ -8567,8 +8575,8 @@
           </p:sp>
         </mc:Fallback>
       </mc:AlternateContent>
-      <mc:AlternateContent xmlns:mc="http://schemas.openxmlformats.org/markup-compatibility/2006">
-        <mc:Choice xmlns:a14="http://schemas.microsoft.com/office/drawing/2010/main" Requires="a14">
+      <mc:AlternateContent xmlns:mc="http://schemas.openxmlformats.org/markup-compatibility/2006" xmlns:a14="http://schemas.microsoft.com/office/drawing/2010/main">
+        <mc:Choice Requires="a14">
           <p:sp>
             <p:nvSpPr>
               <p:cNvPr id="9" name="TextBox 8"/>
@@ -8608,7 +8616,7 @@
                         <m:dPr>
                           <m:ctrlPr>
                             <a:rPr lang="en-US" sz="2400" b="0" i="1" smtClean="0">
-                              <a:latin typeface="Cambria Math"/>
+                              <a:latin typeface="Cambria Math" panose="02040503050406030204" pitchFamily="18" charset="0"/>
                             </a:rPr>
                           </m:ctrlPr>
                         </m:dPr>
@@ -8625,7 +8633,7 @@
                             <m:sSubPr>
                               <m:ctrlPr>
                                 <a:rPr lang="en-US" sz="2400" b="0" i="1" smtClean="0">
-                                  <a:latin typeface="Cambria Math"/>
+                                  <a:latin typeface="Cambria Math" panose="02040503050406030204" pitchFamily="18" charset="0"/>
                                 </a:rPr>
                               </m:ctrlPr>
                             </m:sSubPr>
@@ -8658,7 +8666,7 @@
                         <m:fPr>
                           <m:ctrlPr>
                             <a:rPr lang="en-US" sz="2400" b="0" i="1" smtClean="0">
-                              <a:latin typeface="Cambria Math"/>
+                              <a:latin typeface="Cambria Math" panose="02040503050406030204" pitchFamily="18" charset="0"/>
                             </a:rPr>
                           </m:ctrlPr>
                         </m:fPr>
@@ -8667,7 +8675,7 @@
                             <m:sSubPr>
                               <m:ctrlPr>
                                 <a:rPr lang="en-US" sz="2400" b="0" i="1" smtClean="0">
-                                  <a:latin typeface="Cambria Math"/>
+                                  <a:latin typeface="Cambria Math" panose="02040503050406030204" pitchFamily="18" charset="0"/>
                                 </a:rPr>
                               </m:ctrlPr>
                             </m:sSubPr>
@@ -8706,7 +8714,7 @@
                             <m:sSubPr>
                               <m:ctrlPr>
                                 <a:rPr lang="en-US" sz="2400" b="0" i="1" smtClean="0">
-                                  <a:latin typeface="Cambria Math"/>
+                                  <a:latin typeface="Cambria Math" panose="02040503050406030204" pitchFamily="18" charset="0"/>
                                 </a:rPr>
                               </m:ctrlPr>
                             </m:sSubPr>
@@ -8737,7 +8745,7 @@
             </p:txBody>
           </p:sp>
         </mc:Choice>
-        <mc:Fallback>
+        <mc:Fallback xmlns="">
           <p:sp>
             <p:nvSpPr>
               <p:cNvPr id="9" name="TextBox 8"/>
@@ -9013,12 +9021,11 @@
               <a:rPr lang="vi-VN" sz="3600" dirty="0" smtClean="0"/>
               <a:t>Mô hình bộ dữ liệu</a:t>
             </a:r>
-            <a:endParaRPr lang="vi-VN" sz="3600" dirty="0" smtClean="0"/>
           </a:p>
         </p:txBody>
       </p:sp>
-      <mc:AlternateContent xmlns:mc="http://schemas.openxmlformats.org/markup-compatibility/2006">
-        <mc:Choice xmlns:a14="http://schemas.microsoft.com/office/drawing/2010/main" Requires="a14">
+      <mc:AlternateContent xmlns:mc="http://schemas.openxmlformats.org/markup-compatibility/2006" xmlns:a14="http://schemas.microsoft.com/office/drawing/2010/main">
+        <mc:Choice Requires="a14">
           <p:sp>
             <p:nvSpPr>
               <p:cNvPr id="12291" name="Rectangle 3"/>
@@ -9091,7 +9098,7 @@
                               <a:solidFill>
                                 <a:srgbClr val="000000"/>
                               </a:solidFill>
-                              <a:latin typeface="Cambria Math"/>
+                              <a:latin typeface="Cambria Math" panose="02040503050406030204" pitchFamily="18" charset="0"/>
                             </a:rPr>
                           </m:ctrlPr>
                         </m:dPr>
@@ -9114,7 +9121,7 @@
                                   <a:solidFill>
                                     <a:srgbClr val="000000"/>
                                   </a:solidFill>
-                                  <a:latin typeface="Cambria Math"/>
+                                  <a:latin typeface="Cambria Math" panose="02040503050406030204" pitchFamily="18" charset="0"/>
                                 </a:rPr>
                               </m:ctrlPr>
                             </m:sSubPr>
@@ -9159,7 +9166,7 @@
                               <a:solidFill>
                                 <a:srgbClr val="000000"/>
                               </a:solidFill>
-                              <a:latin typeface="Cambria Math"/>
+                              <a:latin typeface="Cambria Math" panose="02040503050406030204" pitchFamily="18" charset="0"/>
                             </a:rPr>
                           </m:ctrlPr>
                         </m:fPr>
@@ -9171,7 +9178,7 @@
                                   <a:solidFill>
                                     <a:srgbClr val="000000"/>
                                   </a:solidFill>
-                                  <a:latin typeface="Cambria Math"/>
+                                  <a:latin typeface="Cambria Math" panose="02040503050406030204" pitchFamily="18" charset="0"/>
                                 </a:rPr>
                               </m:ctrlPr>
                             </m:sSubPr>
@@ -9225,7 +9232,7 @@
                                   <a:solidFill>
                                     <a:srgbClr val="000000"/>
                                   </a:solidFill>
-                                  <a:latin typeface="Cambria Math"/>
+                                  <a:latin typeface="Cambria Math" panose="02040503050406030204" pitchFamily="18" charset="0"/>
                                 </a:rPr>
                               </m:ctrlPr>
                             </m:sSubPr>
@@ -9298,15 +9305,7 @@
                       <a:srgbClr val="000000"/>
                     </a:solidFill>
                   </a:rPr>
-                  <a:t> </a:t>
-                </a:r>
-                <a:r>
-                  <a:rPr lang="vi-VN" sz="2400" dirty="0" smtClean="0">
-                    <a:solidFill>
-                      <a:srgbClr val="000000"/>
-                    </a:solidFill>
-                  </a:rPr>
-                  <a:t>là mô hình sinh xác định trên bộ dữ liệu </a:t>
+                  <a:t> là mô hình sinh xác định trên bộ dữ liệu </a:t>
                 </a:r>
                 <a:r>
                   <a:rPr lang="vi-VN" sz="2400" i="1" dirty="0" smtClean="0">
@@ -9333,7 +9332,7 @@
                             <a:solidFill>
                               <a:srgbClr val="000000"/>
                             </a:solidFill>
-                            <a:latin typeface="Cambria Math"/>
+                            <a:latin typeface="Cambria Math" panose="02040503050406030204" pitchFamily="18" charset="0"/>
                           </a:rPr>
                         </m:ctrlPr>
                       </m:sSubPr>
@@ -9378,7 +9377,7 @@
                             <a:solidFill>
                               <a:srgbClr val="000000"/>
                             </a:solidFill>
-                            <a:latin typeface="Cambria Math"/>
+                            <a:latin typeface="Cambria Math" panose="02040503050406030204" pitchFamily="18" charset="0"/>
                           </a:rPr>
                         </m:ctrlPr>
                       </m:naryPr>
@@ -9425,7 +9424,7 @@
                                 <a:solidFill>
                                   <a:srgbClr val="000000"/>
                                 </a:solidFill>
-                                <a:latin typeface="Cambria Math"/>
+                                <a:latin typeface="Cambria Math" panose="02040503050406030204" pitchFamily="18" charset="0"/>
                               </a:rPr>
                             </m:ctrlPr>
                           </m:sSubPr>
@@ -9492,7 +9491,7 @@
             </p:txBody>
           </p:sp>
         </mc:Choice>
-        <mc:Fallback>
+        <mc:Fallback xmlns="">
           <p:sp>
             <p:nvSpPr>
               <p:cNvPr id="12291" name="Rectangle 3"/>
@@ -9604,12 +9603,11 @@
               <a:rPr lang="vi-VN" sz="3600" dirty="0" smtClean="0"/>
               <a:t>Làm mịn tuyến tính</a:t>
             </a:r>
-            <a:endParaRPr lang="vi-VN" sz="3600" dirty="0" smtClean="0"/>
           </a:p>
         </p:txBody>
       </p:sp>
-      <mc:AlternateContent xmlns:mc="http://schemas.openxmlformats.org/markup-compatibility/2006">
-        <mc:Choice xmlns:a14="http://schemas.microsoft.com/office/drawing/2010/main" Requires="a14">
+      <mc:AlternateContent xmlns:mc="http://schemas.openxmlformats.org/markup-compatibility/2006" xmlns:a14="http://schemas.microsoft.com/office/drawing/2010/main">
+        <mc:Choice Requires="a14">
           <p:sp>
             <p:nvSpPr>
               <p:cNvPr id="12291" name="Rectangle 3"/>
@@ -9847,11 +9845,6 @@
                   </a:rPr>
                   <a:t>)</a:t>
                 </a:r>
-                <a:endParaRPr lang="en-US" sz="2800" dirty="0" smtClean="0">
-                  <a:solidFill>
-                    <a:srgbClr val="000000"/>
-                  </a:solidFill>
-                </a:endParaRPr>
               </a:p>
               <a:p>
                 <a:pPr marL="0" indent="0" eaLnBrk="1" hangingPunct="1">
@@ -9873,7 +9866,7 @@
                               <a:solidFill>
                                 <a:srgbClr val="000000"/>
                               </a:solidFill>
-                              <a:latin typeface="Cambria Math"/>
+                              <a:latin typeface="Cambria Math" panose="02040503050406030204" pitchFamily="18" charset="0"/>
                             </a:rPr>
                           </m:ctrlPr>
                         </m:sSubPr>
@@ -9945,7 +9938,7 @@
                               <a:solidFill>
                                 <a:srgbClr val="000000"/>
                               </a:solidFill>
-                              <a:latin typeface="Cambria Math"/>
+                              <a:latin typeface="Cambria Math" panose="02040503050406030204" pitchFamily="18" charset="0"/>
                             </a:rPr>
                           </m:ctrlPr>
                         </m:fPr>
@@ -9957,7 +9950,7 @@
                                   <a:solidFill>
                                     <a:srgbClr val="000000"/>
                                   </a:solidFill>
-                                  <a:latin typeface="Cambria Math"/>
+                                  <a:latin typeface="Cambria Math" panose="02040503050406030204" pitchFamily="18" charset="0"/>
                                 </a:rPr>
                               </m:ctrlPr>
                             </m:sSubPr>
@@ -10011,7 +10004,7 @@
                                   <a:solidFill>
                                     <a:srgbClr val="000000"/>
                                   </a:solidFill>
-                                  <a:latin typeface="Cambria Math"/>
+                                  <a:latin typeface="Cambria Math" panose="02040503050406030204" pitchFamily="18" charset="0"/>
                                 </a:rPr>
                               </m:ctrlPr>
                             </m:sSubPr>
@@ -10078,7 +10071,7 @@
                               <a:solidFill>
                                 <a:srgbClr val="000000"/>
                               </a:solidFill>
-                              <a:latin typeface="Cambria Math"/>
+                              <a:latin typeface="Cambria Math" panose="02040503050406030204" pitchFamily="18" charset="0"/>
                             </a:rPr>
                           </m:ctrlPr>
                         </m:fPr>
@@ -10090,7 +10083,7 @@
                                   <a:solidFill>
                                     <a:srgbClr val="000000"/>
                                   </a:solidFill>
-                                  <a:latin typeface="Cambria Math"/>
+                                  <a:latin typeface="Cambria Math" panose="02040503050406030204" pitchFamily="18" charset="0"/>
                                 </a:rPr>
                               </m:ctrlPr>
                             </m:sSubPr>
@@ -10144,7 +10137,7 @@
                                   <a:solidFill>
                                     <a:srgbClr val="000000"/>
                                   </a:solidFill>
-                                  <a:latin typeface="Cambria Math"/>
+                                  <a:latin typeface="Cambria Math" panose="02040503050406030204" pitchFamily="18" charset="0"/>
                                 </a:rPr>
                               </m:ctrlPr>
                             </m:sSubPr>
@@ -10185,7 +10178,7 @@
             </p:txBody>
           </p:sp>
         </mc:Choice>
-        <mc:Fallback>
+        <mc:Fallback xmlns="">
           <p:sp>
             <p:nvSpPr>
               <p:cNvPr id="12291" name="Rectangle 3"/>
@@ -10340,12 +10333,11 @@
               <a:rPr lang="vi-VN" sz="3600" dirty="0" smtClean="0"/>
               <a:t>Đại lượng xếp hạng sau khi làm mịn</a:t>
             </a:r>
-            <a:endParaRPr lang="vi-VN" sz="3600" dirty="0" smtClean="0"/>
           </a:p>
         </p:txBody>
       </p:sp>
-      <mc:AlternateContent xmlns:mc="http://schemas.openxmlformats.org/markup-compatibility/2006">
-        <mc:Choice xmlns:a14="http://schemas.microsoft.com/office/drawing/2010/main" Requires="a14">
+      <mc:AlternateContent xmlns:mc="http://schemas.openxmlformats.org/markup-compatibility/2006" xmlns:a14="http://schemas.microsoft.com/office/drawing/2010/main">
+        <mc:Choice Requires="a14">
           <p:sp>
             <p:nvSpPr>
               <p:cNvPr id="12291" name="Rectangle 3"/>
@@ -10447,7 +10439,7 @@
                               <a:solidFill>
                                 <a:srgbClr val="000000"/>
                               </a:solidFill>
-                              <a:latin typeface="Cambria Math"/>
+                              <a:latin typeface="Cambria Math" panose="02040503050406030204" pitchFamily="18" charset="0"/>
                             </a:rPr>
                           </m:ctrlPr>
                         </m:naryPr>
@@ -10494,7 +10486,7 @@
                                   <a:solidFill>
                                     <a:srgbClr val="000000"/>
                                   </a:solidFill>
-                                  <a:latin typeface="Cambria Math"/>
+                                  <a:latin typeface="Cambria Math" panose="02040503050406030204" pitchFamily="18" charset="0"/>
                                 </a:rPr>
                               </m:ctrlPr>
                             </m:dPr>
@@ -10517,7 +10509,7 @@
                                       <a:solidFill>
                                         <a:srgbClr val="000000"/>
                                       </a:solidFill>
-                                      <a:latin typeface="Cambria Math"/>
+                                      <a:latin typeface="Cambria Math" panose="02040503050406030204" pitchFamily="18" charset="0"/>
                                     </a:rPr>
                                   </m:ctrlPr>
                                 </m:fPr>
@@ -10529,7 +10521,7 @@
                                           <a:solidFill>
                                             <a:srgbClr val="000000"/>
                                           </a:solidFill>
-                                          <a:latin typeface="Cambria Math"/>
+                                          <a:latin typeface="Cambria Math" panose="02040503050406030204" pitchFamily="18" charset="0"/>
                                         </a:rPr>
                                       </m:ctrlPr>
                                     </m:sSubPr>
@@ -10583,7 +10575,7 @@
                                           <a:solidFill>
                                             <a:srgbClr val="000000"/>
                                           </a:solidFill>
-                                          <a:latin typeface="Cambria Math"/>
+                                          <a:latin typeface="Cambria Math" panose="02040503050406030204" pitchFamily="18" charset="0"/>
                                         </a:rPr>
                                       </m:ctrlPr>
                                     </m:sSubPr>
@@ -10659,7 +10651,7 @@
                                       <a:solidFill>
                                         <a:srgbClr val="000000"/>
                                       </a:solidFill>
-                                      <a:latin typeface="Cambria Math"/>
+                                      <a:latin typeface="Cambria Math" panose="02040503050406030204" pitchFamily="18" charset="0"/>
                                     </a:rPr>
                                   </m:ctrlPr>
                                 </m:fPr>
@@ -10671,7 +10663,7 @@
                                           <a:solidFill>
                                             <a:srgbClr val="000000"/>
                                           </a:solidFill>
-                                          <a:latin typeface="Cambria Math"/>
+                                          <a:latin typeface="Cambria Math" panose="02040503050406030204" pitchFamily="18" charset="0"/>
                                         </a:rPr>
                                       </m:ctrlPr>
                                     </m:sSubPr>
@@ -10725,7 +10717,7 @@
                                           <a:solidFill>
                                             <a:srgbClr val="000000"/>
                                           </a:solidFill>
-                                          <a:latin typeface="Cambria Math"/>
+                                          <a:latin typeface="Cambria Math" panose="02040503050406030204" pitchFamily="18" charset="0"/>
                                         </a:rPr>
                                       </m:ctrlPr>
                                     </m:sSubPr>
@@ -10780,7 +10772,7 @@
             </p:txBody>
           </p:sp>
         </mc:Choice>
-        <mc:Fallback>
+        <mc:Fallback xmlns="">
           <p:sp>
             <p:nvSpPr>
               <p:cNvPr id="12291" name="Rectangle 3"/>
@@ -11039,7 +11031,6 @@
               <a:rPr lang="vi-VN" sz="3600" dirty="0" smtClean="0"/>
               <a:t>Giá trị tham số</a:t>
             </a:r>
-            <a:endParaRPr lang="vi-VN" sz="3600" dirty="0" smtClean="0"/>
           </a:p>
         </p:txBody>
       </p:sp>
@@ -11204,11 +11195,6 @@
               </a:rPr>
               <a:t>để đạt được chất lượng cao.</a:t>
             </a:r>
-            <a:endParaRPr lang="vi-VN" sz="2800" dirty="0" smtClean="0">
-              <a:solidFill>
-                <a:srgbClr val="000000"/>
-              </a:solidFill>
-            </a:endParaRPr>
           </a:p>
         </p:txBody>
       </p:sp>
@@ -11286,7 +11272,6 @@
               <a:rPr lang="vi-VN" sz="3600" dirty="0" smtClean="0"/>
               <a:t>Giả thuyết mô hình ngôn ngữ</a:t>
             </a:r>
-            <a:endParaRPr lang="vi-VN" sz="3600" dirty="0" smtClean="0"/>
           </a:p>
         </p:txBody>
       </p:sp>
@@ -11394,11 +11379,6 @@
               </a:rPr>
               <a:t> chính là văn bản trong tưởng tượng của người dùng.</a:t>
             </a:r>
-            <a:endParaRPr lang="vi-VN" sz="2800" dirty="0" smtClean="0">
-              <a:solidFill>
-                <a:srgbClr val="000000"/>
-              </a:solidFill>
-            </a:endParaRPr>
           </a:p>
         </p:txBody>
       </p:sp>
@@ -11749,7 +11729,6 @@
               <a:rPr lang="vi-VN" sz="3600" dirty="0" smtClean="0"/>
               <a:t>Thử nghiệm của Ponte và Croft</a:t>
             </a:r>
-            <a:endParaRPr lang="vi-VN" sz="3600" dirty="0" smtClean="0"/>
           </a:p>
         </p:txBody>
       </p:sp>
@@ -11793,11 +11772,6 @@
               </a:rPr>
               <a:t>…Tuy nhiên chưa hoàn toàn thay thế được VSM trong thực tế</a:t>
             </a:r>
-            <a:endParaRPr lang="vi-VN" sz="2000" dirty="0" smtClean="0">
-              <a:solidFill>
-                <a:srgbClr val="000000"/>
-              </a:solidFill>
-            </a:endParaRPr>
           </a:p>
         </p:txBody>
       </p:sp>
@@ -12136,21 +12110,8 @@
                   <a:srgbClr val="000000"/>
                 </a:solidFill>
               </a:rPr>
-              <a:t>= </a:t>
-            </a:r>
-            <a:r>
-              <a:rPr lang="en-US" sz="2400" dirty="0" smtClean="0">
-                <a:solidFill>
-                  <a:srgbClr val="000000"/>
-                </a:solidFill>
-              </a:rPr>
-              <a:t>0.5</a:t>
-            </a:r>
-            <a:endParaRPr lang="en-US" sz="2400" dirty="0" smtClean="0">
-              <a:solidFill>
-                <a:srgbClr val="000000"/>
-              </a:solidFill>
-            </a:endParaRPr>
+              <a:t>= 0.5</a:t>
+            </a:r>
           </a:p>
         </p:txBody>
       </p:sp>
@@ -12274,13 +12235,6 @@
               </a:rPr>
               <a:t>Ước lượng xác suất</a:t>
             </a:r>
-            <a:endParaRPr lang="vi-VN" sz="2800" dirty="0" smtClean="0">
-              <a:solidFill>
-                <a:schemeClr val="bg1">
-                  <a:lumMod val="65000"/>
-                </a:schemeClr>
-              </a:solidFill>
-            </a:endParaRPr>
           </a:p>
           <a:p>
             <a:pPr algn="just" eaLnBrk="1" hangingPunct="1">
@@ -12398,7 +12352,6 @@
               <a:rPr lang="vi-VN" sz="3600" dirty="0" smtClean="0"/>
               <a:t>Ví dụ 1</a:t>
             </a:r>
-            <a:endParaRPr lang="vi-VN" sz="3600" dirty="0" smtClean="0"/>
           </a:p>
         </p:txBody>
       </p:sp>
@@ -12601,11 +12554,6 @@
               </a:rPr>
               <a:t>1</a:t>
             </a:r>
-            <a:endParaRPr lang="vi-VN" sz="2400" baseline="-25000" dirty="0" smtClean="0">
-              <a:solidFill>
-                <a:srgbClr val="000000"/>
-              </a:solidFill>
-            </a:endParaRPr>
           </a:p>
         </p:txBody>
       </p:sp>
@@ -12688,7 +12636,6 @@
               <a:rPr lang="vi-VN" sz="3600" dirty="0" smtClean="0"/>
               <a:t>Ví dụ 2</a:t>
             </a:r>
-            <a:endParaRPr lang="vi-VN" sz="3600" dirty="0" smtClean="0"/>
           </a:p>
         </p:txBody>
       </p:sp>
@@ -13526,10 +13473,114 @@
           <a:bodyPr/>
           <a:lstStyle/>
           <a:p>
-            <a:pPr eaLnBrk="1" hangingPunct="1"/>
+            <a:pPr algn="just" eaLnBrk="1" hangingPunct="1"/>
+            <a:r>
+              <a:rPr lang="en-US" sz="2400" dirty="0" err="1"/>
+              <a:t>Sử</a:t>
+            </a:r>
+            <a:r>
+              <a:rPr lang="en-US" sz="2400" dirty="0"/>
+              <a:t> </a:t>
+            </a:r>
+            <a:r>
+              <a:rPr lang="en-US" sz="2400" dirty="0" err="1"/>
+              <a:t>dụng</a:t>
+            </a:r>
+            <a:r>
+              <a:rPr lang="en-US" sz="2400" dirty="0"/>
+              <a:t> </a:t>
+            </a:r>
+            <a:r>
+              <a:rPr lang="en-US" sz="2400" dirty="0" err="1"/>
+              <a:t>mô</a:t>
+            </a:r>
+            <a:r>
+              <a:rPr lang="en-US" sz="2400" dirty="0"/>
+              <a:t> </a:t>
+            </a:r>
+            <a:r>
+              <a:rPr lang="en-US" sz="2400" dirty="0" err="1"/>
+              <a:t>hình</a:t>
+            </a:r>
+            <a:r>
+              <a:rPr lang="en-US" sz="2400" dirty="0"/>
+              <a:t> unigram </a:t>
+            </a:r>
+            <a:r>
+              <a:rPr lang="en-US" sz="2400" dirty="0" err="1"/>
+              <a:t>và</a:t>
+            </a:r>
+            <a:r>
+              <a:rPr lang="en-US" sz="2400" dirty="0"/>
+              <a:t> </a:t>
+            </a:r>
+            <a:r>
+              <a:rPr lang="en-US" sz="2400" dirty="0" err="1"/>
+              <a:t>phương</a:t>
+            </a:r>
+            <a:r>
+              <a:rPr lang="en-US" sz="2400" dirty="0"/>
+              <a:t> </a:t>
+            </a:r>
+            <a:r>
+              <a:rPr lang="en-US" sz="2400" dirty="0" err="1"/>
+              <a:t>pháp</a:t>
+            </a:r>
+            <a:r>
+              <a:rPr lang="en-US" sz="2400" dirty="0"/>
+              <a:t> </a:t>
+            </a:r>
+            <a:r>
+              <a:rPr lang="en-US" sz="2400" dirty="0" err="1"/>
+              <a:t>ước</a:t>
+            </a:r>
+            <a:r>
+              <a:rPr lang="en-US" sz="2400" dirty="0"/>
+              <a:t> </a:t>
+            </a:r>
+            <a:r>
+              <a:rPr lang="en-US" sz="2400" dirty="0" err="1"/>
+              <a:t>lượng</a:t>
+            </a:r>
+            <a:r>
+              <a:rPr lang="en-US" sz="2400" dirty="0"/>
+              <a:t> </a:t>
+            </a:r>
+            <a:r>
+              <a:rPr lang="en-US" sz="2400" dirty="0" err="1"/>
+              <a:t>xác</a:t>
+            </a:r>
+            <a:r>
+              <a:rPr lang="en-US" sz="2400" dirty="0"/>
+              <a:t> </a:t>
+            </a:r>
+            <a:r>
+              <a:rPr lang="en-US" sz="2400" dirty="0" err="1"/>
+              <a:t>suất</a:t>
+            </a:r>
+            <a:r>
+              <a:rPr lang="en-US" sz="2400" dirty="0"/>
+              <a:t> </a:t>
+            </a:r>
+            <a:r>
+              <a:rPr lang="en-US" sz="2400" dirty="0" err="1"/>
+              <a:t>cực</a:t>
+            </a:r>
+            <a:r>
+              <a:rPr lang="en-US" sz="2400" dirty="0"/>
+              <a:t> </a:t>
+            </a:r>
             <a:r>
               <a:rPr lang="en-US" sz="2400" dirty="0" err="1" smtClean="0"/>
-              <a:t>Hãy</a:t>
+              <a:t>đại</a:t>
+            </a:r>
+            <a:r>
+              <a:rPr lang="en-US" sz="2400" dirty="0" smtClean="0"/>
+              <a:t>, </a:t>
+            </a:r>
+            <a:r>
+              <a:rPr lang="en-US" sz="2400" dirty="0" err="1" smtClean="0"/>
+              <a:t>hãy</a:t>
             </a:r>
             <a:r>
               <a:rPr lang="en-US" sz="2400" dirty="0" smtClean="0"/>
@@ -13617,7 +13668,11 @@
             </a:r>
           </a:p>
           <a:p>
-            <a:pPr marL="0" indent="0" algn="just" eaLnBrk="1" hangingPunct="1">
+            <a:pPr eaLnBrk="1" hangingPunct="1"/>
+            <a:endParaRPr lang="en-US" sz="2400" dirty="0" smtClean="0"/>
+          </a:p>
+          <a:p>
+            <a:pPr marL="0" indent="0" algn="ctr" eaLnBrk="1" hangingPunct="1">
               <a:buNone/>
             </a:pPr>
             <a:r>
@@ -13646,106 +13701,13 @@
             </a:r>
             <a:r>
               <a:rPr lang="en-US" sz="2400" dirty="0" smtClean="0"/>
-              <a:t> martin”</a:t>
-            </a:r>
-          </a:p>
-          <a:p>
-            <a:pPr marL="0" indent="0" eaLnBrk="1" hangingPunct="1">
-              <a:buNone/>
-            </a:pPr>
+              <a:t> martin</a:t>
+            </a:r>
             <a:r>
               <a:rPr lang="en-US" sz="2400" dirty="0" smtClean="0"/>
-              <a:t>Theo </a:t>
-            </a:r>
-            <a:r>
-              <a:rPr lang="en-US" sz="2400" dirty="0" err="1" smtClean="0"/>
-              <a:t>mô</a:t>
-            </a:r>
-            <a:r>
-              <a:rPr lang="en-US" sz="2400" dirty="0" smtClean="0"/>
-              <a:t> </a:t>
-            </a:r>
-            <a:r>
-              <a:rPr lang="en-US" sz="2400" dirty="0" err="1" smtClean="0"/>
-              <a:t>hình</a:t>
-            </a:r>
-            <a:r>
-              <a:rPr lang="en-US" sz="2400" dirty="0" smtClean="0"/>
-              <a:t> unigram </a:t>
-            </a:r>
-            <a:r>
-              <a:rPr lang="en-US" sz="2400" dirty="0" err="1" smtClean="0"/>
-              <a:t>và</a:t>
-            </a:r>
-            <a:r>
-              <a:rPr lang="en-US" sz="2400" dirty="0" smtClean="0"/>
-              <a:t> </a:t>
-            </a:r>
-            <a:r>
-              <a:rPr lang="en-US" sz="2400" dirty="0" err="1" smtClean="0"/>
-              <a:t>phương</a:t>
-            </a:r>
-            <a:r>
-              <a:rPr lang="en-US" sz="2400" dirty="0" smtClean="0"/>
-              <a:t> </a:t>
-            </a:r>
-            <a:r>
-              <a:rPr lang="en-US" sz="2400" dirty="0" err="1" smtClean="0"/>
-              <a:t>pháp</a:t>
-            </a:r>
-            <a:r>
-              <a:rPr lang="en-US" sz="2400" dirty="0" smtClean="0"/>
-              <a:t> </a:t>
-            </a:r>
-            <a:r>
-              <a:rPr lang="en-US" sz="2400" dirty="0" err="1" smtClean="0"/>
-              <a:t>ước</a:t>
-            </a:r>
-            <a:r>
-              <a:rPr lang="en-US" sz="2400" dirty="0" smtClean="0"/>
-              <a:t> </a:t>
-            </a:r>
-            <a:r>
-              <a:rPr lang="en-US" sz="2400" dirty="0" err="1" smtClean="0"/>
-              <a:t>lượng</a:t>
-            </a:r>
-            <a:r>
-              <a:rPr lang="en-US" sz="2400" dirty="0" smtClean="0"/>
-              <a:t> </a:t>
-            </a:r>
-            <a:r>
-              <a:rPr lang="en-US" sz="2400" dirty="0" err="1" smtClean="0"/>
-              <a:t>xác</a:t>
-            </a:r>
-            <a:r>
-              <a:rPr lang="en-US" sz="2400" dirty="0" smtClean="0"/>
-              <a:t> </a:t>
-            </a:r>
-            <a:r>
-              <a:rPr lang="en-US" sz="2400" dirty="0" err="1" smtClean="0"/>
-              <a:t>suất</a:t>
-            </a:r>
-            <a:r>
-              <a:rPr lang="en-US" sz="2400" dirty="0" smtClean="0"/>
-              <a:t> </a:t>
-            </a:r>
-            <a:r>
-              <a:rPr lang="en-US" sz="2400" dirty="0" err="1" smtClean="0"/>
-              <a:t>cực</a:t>
-            </a:r>
-            <a:r>
-              <a:rPr lang="en-US" sz="2400" dirty="0" smtClean="0"/>
-              <a:t> </a:t>
-            </a:r>
-            <a:r>
-              <a:rPr lang="en-US" sz="2400" dirty="0" err="1" smtClean="0"/>
-              <a:t>đại</a:t>
-            </a:r>
-            <a:r>
-              <a:rPr lang="en-US" sz="2400" dirty="0" smtClean="0"/>
-              <a:t>.</a:t>
-            </a:r>
-            <a:endParaRPr lang="vi-VN" sz="2400" dirty="0" smtClean="0"/>
+              <a:t>”</a:t>
+            </a:r>
+            <a:endParaRPr lang="en-US" sz="2400" dirty="0" smtClean="0"/>
           </a:p>
         </p:txBody>
       </p:sp>
@@ -13792,6 +13754,158 @@
 </file>
 
 <file path=ppt/slides/slide24.xml><?xml version="1.0" encoding="utf-8"?>
+<p:sld xmlns:a="http://schemas.openxmlformats.org/drawingml/2006/main" xmlns:r="http://schemas.openxmlformats.org/officeDocument/2006/relationships" xmlns:p="http://schemas.openxmlformats.org/presentationml/2006/main">
+  <p:cSld>
+    <p:spTree>
+      <p:nvGrpSpPr>
+        <p:cNvPr id="1" name=""/>
+        <p:cNvGrpSpPr/>
+        <p:nvPr/>
+      </p:nvGrpSpPr>
+      <p:grpSpPr>
+        <a:xfrm>
+          <a:off x="0" y="0"/>
+          <a:ext cx="0" cy="0"/>
+          <a:chOff x="0" y="0"/>
+          <a:chExt cx="0" cy="0"/>
+        </a:xfrm>
+      </p:grpSpPr>
+      <p:sp>
+        <p:nvSpPr>
+          <p:cNvPr id="16386" name="Rectangle 2"/>
+          <p:cNvSpPr>
+            <a:spLocks noGrp="1" noChangeArrowheads="1"/>
+          </p:cNvSpPr>
+          <p:nvPr>
+            <p:ph type="title"/>
+          </p:nvPr>
+        </p:nvSpPr>
+        <p:spPr/>
+        <p:txBody>
+          <a:bodyPr/>
+          <a:lstStyle/>
+          <a:p>
+            <a:pPr eaLnBrk="1" hangingPunct="1"/>
+            <a:r>
+              <a:rPr lang="en-US" sz="3600" dirty="0" err="1" smtClean="0"/>
+              <a:t>Bài</a:t>
+            </a:r>
+            <a:r>
+              <a:rPr lang="en-US" sz="3600" dirty="0" smtClean="0"/>
+              <a:t> </a:t>
+            </a:r>
+            <a:r>
+              <a:rPr lang="en-US" sz="3600" dirty="0" smtClean="0"/>
+              <a:t>2</a:t>
+            </a:r>
+            <a:endParaRPr lang="vi-VN" sz="3600" dirty="0" smtClean="0"/>
+          </a:p>
+        </p:txBody>
+      </p:sp>
+      <p:sp>
+        <p:nvSpPr>
+          <p:cNvPr id="16387" name="Rectangle 3"/>
+          <p:cNvSpPr>
+            <a:spLocks noGrp="1" noChangeArrowheads="1"/>
+          </p:cNvSpPr>
+          <p:nvPr>
+            <p:ph type="body" idx="1"/>
+          </p:nvPr>
+        </p:nvSpPr>
+        <p:spPr>
+          <a:xfrm>
+            <a:off x="611560" y="2017713"/>
+            <a:ext cx="8343528" cy="4114800"/>
+          </a:xfrm>
+        </p:spPr>
+        <p:txBody>
+          <a:bodyPr/>
+          <a:lstStyle/>
+          <a:p>
+            <a:pPr algn="just" eaLnBrk="1" hangingPunct="1"/>
+            <a:r>
+              <a:rPr lang="vi-VN" sz="2400" dirty="0" smtClean="0"/>
+              <a:t>Hãy viết cho mỗi đại lượng sau một câu mô tả về ảnh hưởng của những đại lượng này đến xếp hạng văn bản theo mô hình ngôn ngữ:</a:t>
+            </a:r>
+          </a:p>
+          <a:p>
+            <a:pPr lvl="1" algn="just" eaLnBrk="1" hangingPunct="1"/>
+            <a:r>
+              <a:rPr lang="vi-VN" sz="2000" dirty="0" smtClean="0"/>
+              <a:t>a) Tần suất từ trong văn bản;</a:t>
+            </a:r>
+          </a:p>
+          <a:p>
+            <a:pPr lvl="1" algn="just" eaLnBrk="1" hangingPunct="1"/>
+            <a:r>
+              <a:rPr lang="vi-VN" sz="2000" dirty="0" smtClean="0"/>
+              <a:t>b) Tần suất bộ dữ liệu của từ;</a:t>
+            </a:r>
+          </a:p>
+          <a:p>
+            <a:pPr lvl="1" algn="just" eaLnBrk="1" hangingPunct="1"/>
+            <a:r>
+              <a:rPr lang="vi-VN" sz="2000" dirty="0" smtClean="0"/>
+              <a:t>c) Tần suất văn bản của từ;</a:t>
+            </a:r>
+          </a:p>
+          <a:p>
+            <a:pPr lvl="1" algn="just" eaLnBrk="1" hangingPunct="1"/>
+            <a:r>
+              <a:rPr lang="vi-VN" sz="2000" dirty="0" smtClean="0"/>
+              <a:t>d) Chuẩn hóa theo độ dài</a:t>
+            </a:r>
+            <a:r>
+              <a:rPr lang="en-US" sz="2000" dirty="0" smtClean="0"/>
+              <a:t>;</a:t>
+            </a:r>
+            <a:endParaRPr lang="en-US" sz="2000" dirty="0" smtClean="0"/>
+          </a:p>
+        </p:txBody>
+      </p:sp>
+      <p:sp>
+        <p:nvSpPr>
+          <p:cNvPr id="2" name="Slide Number Placeholder 1"/>
+          <p:cNvSpPr>
+            <a:spLocks noGrp="1"/>
+          </p:cNvSpPr>
+          <p:nvPr>
+            <p:ph type="sldNum" sz="quarter" idx="12"/>
+          </p:nvPr>
+        </p:nvSpPr>
+        <p:spPr/>
+        <p:txBody>
+          <a:bodyPr/>
+          <a:lstStyle/>
+          <a:p>
+            <a:pPr>
+              <a:defRPr/>
+            </a:pPr>
+            <a:fld id="{18D75DDA-CB64-4086-83FF-BB38D2754AC9}" type="slidenum">
+              <a:rPr lang="vi-VN" smtClean="0"/>
+              <a:pPr>
+                <a:defRPr/>
+              </a:pPr>
+              <a:t>24</a:t>
+            </a:fld>
+            <a:endParaRPr lang="vi-VN"/>
+          </a:p>
+        </p:txBody>
+      </p:sp>
+    </p:spTree>
+    <p:extLst>
+      <p:ext uri="{BB962C8B-B14F-4D97-AF65-F5344CB8AC3E}">
+        <p14:creationId xmlns:p14="http://schemas.microsoft.com/office/powerpoint/2010/main" val="3913895204"/>
+      </p:ext>
+    </p:extLst>
+  </p:cSld>
+  <p:clrMapOvr>
+    <a:masterClrMapping/>
+  </p:clrMapOvr>
+</p:sld>
+</file>
+
+<file path=ppt/slides/slide25.xml><?xml version="1.0" encoding="utf-8"?>
 <p:sld xmlns:a="http://schemas.openxmlformats.org/drawingml/2006/main" xmlns:r="http://schemas.openxmlformats.org/officeDocument/2006/relationships" xmlns:p="http://schemas.openxmlformats.org/presentationml/2006/main">
   <p:cSld>
     <p:spTree>
@@ -13905,7 +14019,7 @@
               <a:pPr>
                 <a:defRPr/>
               </a:pPr>
-              <a:t>24</a:t>
+              <a:t>25</a:t>
             </a:fld>
             <a:endParaRPr lang="vi-VN"/>
           </a:p>
@@ -14080,7 +14194,6 @@
               <a:rPr lang="vi-VN" sz="3600" dirty="0" smtClean="0"/>
               <a:t>Sinh văn bản dựa trên máy trạng thái hữu hạn</a:t>
             </a:r>
-            <a:endParaRPr lang="vi-VN" sz="3600" dirty="0" smtClean="0"/>
           </a:p>
         </p:txBody>
       </p:sp>
@@ -14174,7 +14287,6 @@
               <a:rPr lang="vi-VN" sz="2000" dirty="0" smtClean="0"/>
               <a:t>Không thể sinh: “wish I wish” hoặc “I wish I”. </a:t>
             </a:r>
-            <a:endParaRPr lang="vi-VN" sz="2000" dirty="0" smtClean="0"/>
           </a:p>
         </p:txBody>
       </p:sp>
@@ -14344,7 +14456,6 @@
               <a:rPr lang="vi-VN" sz="3600" dirty="0" smtClean="0"/>
               <a:t>Máy một trạng thái</a:t>
             </a:r>
-            <a:endParaRPr lang="vi-VN" sz="3600" dirty="0" smtClean="0"/>
           </a:p>
         </p:txBody>
       </p:sp>
@@ -15936,7 +16047,6 @@
               <a:rPr lang="vi-VN" sz="3600" dirty="0" smtClean="0"/>
               <a:t>Đại lượng xếp hạng</a:t>
             </a:r>
-            <a:endParaRPr lang="vi-VN" sz="3600" dirty="0" smtClean="0"/>
           </a:p>
         </p:txBody>
       </p:sp>
@@ -16729,7 +16839,7 @@
   </a:extraClrSchemeLst>
   <a:extLst>
     <a:ext uri="{05A4C25C-085E-4340-85A3-A5531E510DB2}">
-      <thm15:themeFamily xmlns:thm15="http://schemas.microsoft.com/office/thememl/2012/main" xmlns="" name="Office Theme" id="{62F939B6-93AF-4DB8-9C6B-D6C7DFDC589F}" vid="{4A3C46E8-61CC-4603-A589-7422A47A8E4A}"/>
+      <thm15:themeFamily xmlns:thm15="http://schemas.microsoft.com/office/thememl/2012/main" name="Office Theme" id="{62F939B6-93AF-4DB8-9C6B-D6C7DFDC589F}" vid="{4A3C46E8-61CC-4603-A589-7422A47A8E4A}"/>
     </a:ext>
   </a:extLst>
 </a:theme>
@@ -16990,7 +17100,7 @@
   <a:extraClrSchemeLst/>
   <a:extLst>
     <a:ext uri="{05A4C25C-085E-4340-85A3-A5531E510DB2}">
-      <thm15:themeFamily xmlns:thm15="http://schemas.microsoft.com/office/thememl/2012/main" xmlns="" name="Office Theme" id="{62F939B6-93AF-4DB8-9C6B-D6C7DFDC589F}" vid="{4A3C46E8-61CC-4603-A589-7422A47A8E4A}"/>
+      <thm15:themeFamily xmlns:thm15="http://schemas.microsoft.com/office/thememl/2012/main" name="Office Theme" id="{62F939B6-93AF-4DB8-9C6B-D6C7DFDC589F}" vid="{4A3C46E8-61CC-4603-A589-7422A47A8E4A}"/>
     </a:ext>
   </a:extLst>
 </a:theme>

--- a/Bài 6 Mô hình ngôn ngữ.pptx
+++ b/Bài 6 Mô hình ngôn ngữ.pptx
@@ -163,7 +163,7 @@
   </p:defaultTextStyle>
   <p:extLst>
     <p:ext uri="{EFAFB233-063F-42B5-8137-9DF3F51BA10A}">
-      <p15:sldGuideLst xmlns:p15="http://schemas.microsoft.com/office/powerpoint/2012/main">
+      <p15:sldGuideLst xmlns:p15="http://schemas.microsoft.com/office/powerpoint/2012/main" xmlns="">
         <p15:guide id="1" orient="horz" pos="2160">
           <p15:clr>
             <a:srgbClr val="A4A3A4"/>
@@ -6670,19 +6670,19 @@
             <a:pPr algn="just" eaLnBrk="1" hangingPunct="1"/>
             <a:r>
               <a:rPr lang="vi-VN" sz="2800" dirty="0" smtClean="0"/>
-              <a:t>Chương 6. Mô hình ngôn </a:t>
-            </a:r>
-            <a:r>
-              <a:rPr lang="vi-VN" sz="2800" dirty="0" smtClean="0"/>
-              <a:t>ngữ</a:t>
+              <a:t>Chương 6. Mô hình ngôn ngữ</a:t>
             </a:r>
             <a:endParaRPr lang="en-US" sz="2800" dirty="0" smtClean="0"/>
           </a:p>
           <a:p>
             <a:pPr algn="just" eaLnBrk="1" hangingPunct="1"/>
             <a:r>
+              <a:rPr lang="en-US" sz="2400" smtClean="0"/>
+              <a:t>IIR.C12</a:t>
+            </a:r>
+            <a:r>
               <a:rPr lang="en-US" sz="2400" dirty="0" smtClean="0"/>
-              <a:t>IIR.Chap12. Language models for information retrieval</a:t>
+              <a:t>. Language models for information retrieval</a:t>
             </a:r>
             <a:endParaRPr lang="vi-VN" sz="1800" dirty="0" smtClean="0"/>
           </a:p>
@@ -7413,7 +7413,7 @@
                         <m:sSubPr>
                           <m:ctrlPr>
                             <a:rPr lang="vi-VN" sz="2800" b="0" i="1" smtClean="0">
-                              <a:latin typeface="Cambria Math" panose="02040503050406030204" pitchFamily="18" charset="0"/>
+                              <a:latin typeface="Cambria Math"/>
                             </a:rPr>
                           </m:ctrlPr>
                         </m:sSubPr>
@@ -7444,7 +7444,7 @@
                         <m:fPr>
                           <m:ctrlPr>
                             <a:rPr lang="en-US" sz="2800" b="0" i="1" smtClean="0">
-                              <a:latin typeface="Cambria Math" panose="02040503050406030204" pitchFamily="18" charset="0"/>
+                              <a:latin typeface="Cambria Math"/>
                             </a:rPr>
                           </m:ctrlPr>
                         </m:fPr>
@@ -7453,7 +7453,7 @@
                             <m:sSubPr>
                               <m:ctrlPr>
                                 <a:rPr lang="en-US" sz="2800" b="0" i="1">
-                                  <a:latin typeface="Cambria Math" panose="02040503050406030204" pitchFamily="18" charset="0"/>
+                                  <a:latin typeface="Cambria Math"/>
                                 </a:rPr>
                               </m:ctrlPr>
                             </m:sSubPr>
@@ -7486,7 +7486,7 @@
                             <m:sSubPr>
                               <m:ctrlPr>
                                 <a:rPr lang="en-US" sz="2800" b="0" i="1" smtClean="0">
-                                  <a:latin typeface="Cambria Math" panose="02040503050406030204" pitchFamily="18" charset="0"/>
+                                  <a:latin typeface="Cambria Math"/>
                                 </a:rPr>
                               </m:ctrlPr>
                             </m:sSubPr>
@@ -7503,7 +7503,7 @@
                                 <m:sSubPr>
                                   <m:ctrlPr>
                                     <a:rPr lang="en-US" sz="2800" b="0" i="1" smtClean="0">
-                                      <a:latin typeface="Cambria Math" panose="02040503050406030204" pitchFamily="18" charset="0"/>
+                                      <a:latin typeface="Cambria Math"/>
                                     </a:rPr>
                                   </m:ctrlPr>
                                 </m:sSubPr>
@@ -7548,7 +7548,7 @@
                             <m:sSubPr>
                               <m:ctrlPr>
                                 <a:rPr lang="en-US" sz="2800" b="0" i="1">
-                                  <a:latin typeface="Cambria Math" panose="02040503050406030204" pitchFamily="18" charset="0"/>
+                                  <a:latin typeface="Cambria Math"/>
                                 </a:rPr>
                               </m:ctrlPr>
                             </m:sSubPr>
@@ -7565,7 +7565,7 @@
                                 <m:sSubPr>
                                   <m:ctrlPr>
                                     <a:rPr lang="en-US" sz="2800" b="0" i="1">
-                                      <a:latin typeface="Cambria Math" panose="02040503050406030204" pitchFamily="18" charset="0"/>
+                                      <a:latin typeface="Cambria Math"/>
                                     </a:rPr>
                                   </m:ctrlPr>
                                 </m:sSubPr>
@@ -7610,7 +7610,7 @@
                             <m:sSubPr>
                               <m:ctrlPr>
                                 <a:rPr lang="en-US" sz="2800" b="0" i="1">
-                                  <a:latin typeface="Cambria Math" panose="02040503050406030204" pitchFamily="18" charset="0"/>
+                                  <a:latin typeface="Cambria Math"/>
                                 </a:rPr>
                               </m:ctrlPr>
                             </m:sSubPr>
@@ -7627,7 +7627,7 @@
                                 <m:sSubPr>
                                   <m:ctrlPr>
                                     <a:rPr lang="en-US" sz="2800" b="0" i="1">
-                                      <a:latin typeface="Cambria Math" panose="02040503050406030204" pitchFamily="18" charset="0"/>
+                                      <a:latin typeface="Cambria Math"/>
                                     </a:rPr>
                                   </m:ctrlPr>
                                 </m:sSubPr>
@@ -8114,7 +8114,7 @@
                       <m:dPr>
                         <m:ctrlPr>
                           <a:rPr lang="en-US" sz="2400" b="0" i="1" smtClean="0">
-                            <a:latin typeface="Cambria Math" panose="02040503050406030204" pitchFamily="18" charset="0"/>
+                            <a:latin typeface="Cambria Math"/>
                           </a:rPr>
                         </m:ctrlPr>
                       </m:dPr>
@@ -8151,7 +8151,7 @@
                         <m:supHide m:val="on"/>
                         <m:ctrlPr>
                           <a:rPr lang="en-US" sz="2400" b="0" i="1" smtClean="0">
-                            <a:latin typeface="Cambria Math" panose="02040503050406030204" pitchFamily="18" charset="0"/>
+                            <a:latin typeface="Cambria Math"/>
                           </a:rPr>
                         </m:ctrlPr>
                       </m:naryPr>
@@ -8210,7 +8210,7 @@
                           <m:sSubPr>
                             <m:ctrlPr>
                               <a:rPr lang="en-US" sz="2400" b="0" i="1" smtClean="0">
-                                <a:latin typeface="Cambria Math" panose="02040503050406030204" pitchFamily="18" charset="0"/>
+                                <a:latin typeface="Cambria Math"/>
                               </a:rPr>
                             </m:ctrlPr>
                           </m:sSubPr>
@@ -8319,7 +8319,7 @@
                       <m:dPr>
                         <m:ctrlPr>
                           <a:rPr lang="en-US" sz="2400" b="0" i="1" smtClean="0">
-                            <a:latin typeface="Cambria Math" panose="02040503050406030204" pitchFamily="18" charset="0"/>
+                            <a:latin typeface="Cambria Math"/>
                           </a:rPr>
                         </m:ctrlPr>
                       </m:dPr>
@@ -8356,7 +8356,7 @@
                         <m:supHide m:val="on"/>
                         <m:ctrlPr>
                           <a:rPr lang="en-US" sz="2400" b="0" i="1" smtClean="0">
-                            <a:latin typeface="Cambria Math" panose="02040503050406030204" pitchFamily="18" charset="0"/>
+                            <a:latin typeface="Cambria Math"/>
                           </a:rPr>
                         </m:ctrlPr>
                       </m:naryPr>
@@ -8426,7 +8426,7 @@
                           <m:sSupPr>
                             <m:ctrlPr>
                               <a:rPr lang="en-US" sz="2400" b="0" i="1" smtClean="0">
-                                <a:latin typeface="Cambria Math" panose="02040503050406030204" pitchFamily="18" charset="0"/>
+                                <a:latin typeface="Cambria Math"/>
                               </a:rPr>
                             </m:ctrlPr>
                           </m:sSupPr>
@@ -8459,7 +8459,7 @@
                               <m:sSubPr>
                                 <m:ctrlPr>
                                   <a:rPr lang="en-US" sz="2400" b="0" i="1" smtClean="0">
-                                    <a:latin typeface="Cambria Math" panose="02040503050406030204" pitchFamily="18" charset="0"/>
+                                    <a:latin typeface="Cambria Math"/>
                                   </a:rPr>
                                 </m:ctrlPr>
                               </m:sSubPr>
@@ -8492,7 +8492,7 @@
                               <m:sSubPr>
                                 <m:ctrlPr>
                                   <a:rPr lang="en-US" sz="2400" b="0" i="1" smtClean="0">
-                                    <a:latin typeface="Cambria Math" panose="02040503050406030204" pitchFamily="18" charset="0"/>
+                                    <a:latin typeface="Cambria Math"/>
                                   </a:rPr>
                                 </m:ctrlPr>
                               </m:sSubPr>
@@ -8616,7 +8616,7 @@
                         <m:dPr>
                           <m:ctrlPr>
                             <a:rPr lang="en-US" sz="2400" b="0" i="1" smtClean="0">
-                              <a:latin typeface="Cambria Math" panose="02040503050406030204" pitchFamily="18" charset="0"/>
+                              <a:latin typeface="Cambria Math"/>
                             </a:rPr>
                           </m:ctrlPr>
                         </m:dPr>
@@ -8633,7 +8633,7 @@
                             <m:sSubPr>
                               <m:ctrlPr>
                                 <a:rPr lang="en-US" sz="2400" b="0" i="1" smtClean="0">
-                                  <a:latin typeface="Cambria Math" panose="02040503050406030204" pitchFamily="18" charset="0"/>
+                                  <a:latin typeface="Cambria Math"/>
                                 </a:rPr>
                               </m:ctrlPr>
                             </m:sSubPr>
@@ -8666,7 +8666,7 @@
                         <m:fPr>
                           <m:ctrlPr>
                             <a:rPr lang="en-US" sz="2400" b="0" i="1" smtClean="0">
-                              <a:latin typeface="Cambria Math" panose="02040503050406030204" pitchFamily="18" charset="0"/>
+                              <a:latin typeface="Cambria Math"/>
                             </a:rPr>
                           </m:ctrlPr>
                         </m:fPr>
@@ -8675,7 +8675,7 @@
                             <m:sSubPr>
                               <m:ctrlPr>
                                 <a:rPr lang="en-US" sz="2400" b="0" i="1" smtClean="0">
-                                  <a:latin typeface="Cambria Math" panose="02040503050406030204" pitchFamily="18" charset="0"/>
+                                  <a:latin typeface="Cambria Math"/>
                                 </a:rPr>
                               </m:ctrlPr>
                             </m:sSubPr>
@@ -8714,7 +8714,7 @@
                             <m:sSubPr>
                               <m:ctrlPr>
                                 <a:rPr lang="en-US" sz="2400" b="0" i="1" smtClean="0">
-                                  <a:latin typeface="Cambria Math" panose="02040503050406030204" pitchFamily="18" charset="0"/>
+                                  <a:latin typeface="Cambria Math"/>
                                 </a:rPr>
                               </m:ctrlPr>
                             </m:sSubPr>
@@ -9098,7 +9098,7 @@
                               <a:solidFill>
                                 <a:srgbClr val="000000"/>
                               </a:solidFill>
-                              <a:latin typeface="Cambria Math" panose="02040503050406030204" pitchFamily="18" charset="0"/>
+                              <a:latin typeface="Cambria Math"/>
                             </a:rPr>
                           </m:ctrlPr>
                         </m:dPr>
@@ -9121,7 +9121,7 @@
                                   <a:solidFill>
                                     <a:srgbClr val="000000"/>
                                   </a:solidFill>
-                                  <a:latin typeface="Cambria Math" panose="02040503050406030204" pitchFamily="18" charset="0"/>
+                                  <a:latin typeface="Cambria Math"/>
                                 </a:rPr>
                               </m:ctrlPr>
                             </m:sSubPr>
@@ -9166,7 +9166,7 @@
                               <a:solidFill>
                                 <a:srgbClr val="000000"/>
                               </a:solidFill>
-                              <a:latin typeface="Cambria Math" panose="02040503050406030204" pitchFamily="18" charset="0"/>
+                              <a:latin typeface="Cambria Math"/>
                             </a:rPr>
                           </m:ctrlPr>
                         </m:fPr>
@@ -9178,7 +9178,7 @@
                                   <a:solidFill>
                                     <a:srgbClr val="000000"/>
                                   </a:solidFill>
-                                  <a:latin typeface="Cambria Math" panose="02040503050406030204" pitchFamily="18" charset="0"/>
+                                  <a:latin typeface="Cambria Math"/>
                                 </a:rPr>
                               </m:ctrlPr>
                             </m:sSubPr>
@@ -9232,7 +9232,7 @@
                                   <a:solidFill>
                                     <a:srgbClr val="000000"/>
                                   </a:solidFill>
-                                  <a:latin typeface="Cambria Math" panose="02040503050406030204" pitchFamily="18" charset="0"/>
+                                  <a:latin typeface="Cambria Math"/>
                                 </a:rPr>
                               </m:ctrlPr>
                             </m:sSubPr>
@@ -9332,7 +9332,7 @@
                             <a:solidFill>
                               <a:srgbClr val="000000"/>
                             </a:solidFill>
-                            <a:latin typeface="Cambria Math" panose="02040503050406030204" pitchFamily="18" charset="0"/>
+                            <a:latin typeface="Cambria Math"/>
                           </a:rPr>
                         </m:ctrlPr>
                       </m:sSubPr>
@@ -9377,7 +9377,7 @@
                             <a:solidFill>
                               <a:srgbClr val="000000"/>
                             </a:solidFill>
-                            <a:latin typeface="Cambria Math" panose="02040503050406030204" pitchFamily="18" charset="0"/>
+                            <a:latin typeface="Cambria Math"/>
                           </a:rPr>
                         </m:ctrlPr>
                       </m:naryPr>
@@ -9424,7 +9424,7 @@
                                 <a:solidFill>
                                   <a:srgbClr val="000000"/>
                                 </a:solidFill>
-                                <a:latin typeface="Cambria Math" panose="02040503050406030204" pitchFamily="18" charset="0"/>
+                                <a:latin typeface="Cambria Math"/>
                               </a:rPr>
                             </m:ctrlPr>
                           </m:sSubPr>
@@ -9866,7 +9866,7 @@
                               <a:solidFill>
                                 <a:srgbClr val="000000"/>
                               </a:solidFill>
-                              <a:latin typeface="Cambria Math" panose="02040503050406030204" pitchFamily="18" charset="0"/>
+                              <a:latin typeface="Cambria Math"/>
                             </a:rPr>
                           </m:ctrlPr>
                         </m:sSubPr>
@@ -9938,7 +9938,7 @@
                               <a:solidFill>
                                 <a:srgbClr val="000000"/>
                               </a:solidFill>
-                              <a:latin typeface="Cambria Math" panose="02040503050406030204" pitchFamily="18" charset="0"/>
+                              <a:latin typeface="Cambria Math"/>
                             </a:rPr>
                           </m:ctrlPr>
                         </m:fPr>
@@ -9950,7 +9950,7 @@
                                   <a:solidFill>
                                     <a:srgbClr val="000000"/>
                                   </a:solidFill>
-                                  <a:latin typeface="Cambria Math" panose="02040503050406030204" pitchFamily="18" charset="0"/>
+                                  <a:latin typeface="Cambria Math"/>
                                 </a:rPr>
                               </m:ctrlPr>
                             </m:sSubPr>
@@ -10004,7 +10004,7 @@
                                   <a:solidFill>
                                     <a:srgbClr val="000000"/>
                                   </a:solidFill>
-                                  <a:latin typeface="Cambria Math" panose="02040503050406030204" pitchFamily="18" charset="0"/>
+                                  <a:latin typeface="Cambria Math"/>
                                 </a:rPr>
                               </m:ctrlPr>
                             </m:sSubPr>
@@ -10071,7 +10071,7 @@
                               <a:solidFill>
                                 <a:srgbClr val="000000"/>
                               </a:solidFill>
-                              <a:latin typeface="Cambria Math" panose="02040503050406030204" pitchFamily="18" charset="0"/>
+                              <a:latin typeface="Cambria Math"/>
                             </a:rPr>
                           </m:ctrlPr>
                         </m:fPr>
@@ -10083,7 +10083,7 @@
                                   <a:solidFill>
                                     <a:srgbClr val="000000"/>
                                   </a:solidFill>
-                                  <a:latin typeface="Cambria Math" panose="02040503050406030204" pitchFamily="18" charset="0"/>
+                                  <a:latin typeface="Cambria Math"/>
                                 </a:rPr>
                               </m:ctrlPr>
                             </m:sSubPr>
@@ -10137,7 +10137,7 @@
                                   <a:solidFill>
                                     <a:srgbClr val="000000"/>
                                   </a:solidFill>
-                                  <a:latin typeface="Cambria Math" panose="02040503050406030204" pitchFamily="18" charset="0"/>
+                                  <a:latin typeface="Cambria Math"/>
                                 </a:rPr>
                               </m:ctrlPr>
                             </m:sSubPr>
@@ -10439,7 +10439,7 @@
                               <a:solidFill>
                                 <a:srgbClr val="000000"/>
                               </a:solidFill>
-                              <a:latin typeface="Cambria Math" panose="02040503050406030204" pitchFamily="18" charset="0"/>
+                              <a:latin typeface="Cambria Math"/>
                             </a:rPr>
                           </m:ctrlPr>
                         </m:naryPr>
@@ -10486,7 +10486,7 @@
                                   <a:solidFill>
                                     <a:srgbClr val="000000"/>
                                   </a:solidFill>
-                                  <a:latin typeface="Cambria Math" panose="02040503050406030204" pitchFamily="18" charset="0"/>
+                                  <a:latin typeface="Cambria Math"/>
                                 </a:rPr>
                               </m:ctrlPr>
                             </m:dPr>
@@ -10509,7 +10509,7 @@
                                       <a:solidFill>
                                         <a:srgbClr val="000000"/>
                                       </a:solidFill>
-                                      <a:latin typeface="Cambria Math" panose="02040503050406030204" pitchFamily="18" charset="0"/>
+                                      <a:latin typeface="Cambria Math"/>
                                     </a:rPr>
                                   </m:ctrlPr>
                                 </m:fPr>
@@ -10521,7 +10521,7 @@
                                           <a:solidFill>
                                             <a:srgbClr val="000000"/>
                                           </a:solidFill>
-                                          <a:latin typeface="Cambria Math" panose="02040503050406030204" pitchFamily="18" charset="0"/>
+                                          <a:latin typeface="Cambria Math"/>
                                         </a:rPr>
                                       </m:ctrlPr>
                                     </m:sSubPr>
@@ -10575,7 +10575,7 @@
                                           <a:solidFill>
                                             <a:srgbClr val="000000"/>
                                           </a:solidFill>
-                                          <a:latin typeface="Cambria Math" panose="02040503050406030204" pitchFamily="18" charset="0"/>
+                                          <a:latin typeface="Cambria Math"/>
                                         </a:rPr>
                                       </m:ctrlPr>
                                     </m:sSubPr>
@@ -10651,7 +10651,7 @@
                                       <a:solidFill>
                                         <a:srgbClr val="000000"/>
                                       </a:solidFill>
-                                      <a:latin typeface="Cambria Math" panose="02040503050406030204" pitchFamily="18" charset="0"/>
+                                      <a:latin typeface="Cambria Math"/>
                                     </a:rPr>
                                   </m:ctrlPr>
                                 </m:fPr>
@@ -10663,7 +10663,7 @@
                                           <a:solidFill>
                                             <a:srgbClr val="000000"/>
                                           </a:solidFill>
-                                          <a:latin typeface="Cambria Math" panose="02040503050406030204" pitchFamily="18" charset="0"/>
+                                          <a:latin typeface="Cambria Math"/>
                                         </a:rPr>
                                       </m:ctrlPr>
                                     </m:sSubPr>
@@ -10717,7 +10717,7 @@
                                           <a:solidFill>
                                             <a:srgbClr val="000000"/>
                                           </a:solidFill>
-                                          <a:latin typeface="Cambria Math" panose="02040503050406030204" pitchFamily="18" charset="0"/>
+                                          <a:latin typeface="Cambria Math"/>
                                         </a:rPr>
                                       </m:ctrlPr>
                                     </m:sSubPr>
@@ -13701,13 +13701,8 @@
             </a:r>
             <a:r>
               <a:rPr lang="en-US" sz="2400" dirty="0" smtClean="0"/>
-              <a:t> martin</a:t>
-            </a:r>
-            <a:r>
-              <a:rPr lang="en-US" sz="2400" dirty="0" smtClean="0"/>
-              <a:t>”</a:t>
-            </a:r>
-            <a:endParaRPr lang="en-US" sz="2400" dirty="0" smtClean="0"/>
+              <a:t> martin”</a:t>
+            </a:r>
           </a:p>
         </p:txBody>
       </p:sp>
@@ -13792,11 +13787,7 @@
             </a:r>
             <a:r>
               <a:rPr lang="en-US" sz="3600" dirty="0" smtClean="0"/>
-              <a:t> </a:t>
-            </a:r>
-            <a:r>
-              <a:rPr lang="en-US" sz="3600" dirty="0" smtClean="0"/>
-              <a:t>2</a:t>
+              <a:t> 2</a:t>
             </a:r>
             <a:endParaRPr lang="vi-VN" sz="3600" dirty="0" smtClean="0"/>
           </a:p>
@@ -13859,7 +13850,6 @@
               <a:rPr lang="en-US" sz="2000" dirty="0" smtClean="0"/>
               <a:t>;</a:t>
             </a:r>
-            <a:endParaRPr lang="en-US" sz="2000" dirty="0" smtClean="0"/>
           </a:p>
         </p:txBody>
       </p:sp>
@@ -16839,7 +16829,7 @@
   </a:extraClrSchemeLst>
   <a:extLst>
     <a:ext uri="{05A4C25C-085E-4340-85A3-A5531E510DB2}">
-      <thm15:themeFamily xmlns:thm15="http://schemas.microsoft.com/office/thememl/2012/main" name="Office Theme" id="{62F939B6-93AF-4DB8-9C6B-D6C7DFDC589F}" vid="{4A3C46E8-61CC-4603-A589-7422A47A8E4A}"/>
+      <thm15:themeFamily xmlns:thm15="http://schemas.microsoft.com/office/thememl/2012/main" xmlns="" name="Office Theme" id="{62F939B6-93AF-4DB8-9C6B-D6C7DFDC589F}" vid="{4A3C46E8-61CC-4603-A589-7422A47A8E4A}"/>
     </a:ext>
   </a:extLst>
 </a:theme>
@@ -17100,7 +17090,7 @@
   <a:extraClrSchemeLst/>
   <a:extLst>
     <a:ext uri="{05A4C25C-085E-4340-85A3-A5531E510DB2}">
-      <thm15:themeFamily xmlns:thm15="http://schemas.microsoft.com/office/thememl/2012/main" name="Office Theme" id="{62F939B6-93AF-4DB8-9C6B-D6C7DFDC589F}" vid="{4A3C46E8-61CC-4603-A589-7422A47A8E4A}"/>
+      <thm15:themeFamily xmlns:thm15="http://schemas.microsoft.com/office/thememl/2012/main" xmlns="" name="Office Theme" id="{62F939B6-93AF-4DB8-9C6B-D6C7DFDC589F}" vid="{4A3C46E8-61CC-4603-A589-7422A47A8E4A}"/>
     </a:ext>
   </a:extLst>
 </a:theme>

--- a/Bài 6 Mô hình ngôn ngữ.pptx
+++ b/Bài 6 Mô hình ngôn ngữ.pptx
@@ -163,7 +163,7 @@
   </p:defaultTextStyle>
   <p:extLst>
     <p:ext uri="{EFAFB233-063F-42B5-8137-9DF3F51BA10A}">
-      <p15:sldGuideLst xmlns:p15="http://schemas.microsoft.com/office/powerpoint/2012/main" xmlns="">
+      <p15:sldGuideLst xmlns="" xmlns:p15="http://schemas.microsoft.com/office/powerpoint/2012/main">
         <p15:guide id="1" orient="horz" pos="2160">
           <p15:clr>
             <a:srgbClr val="A4A3A4"/>
@@ -6659,8 +6659,8 @@
         </p:nvSpPr>
         <p:spPr>
           <a:xfrm>
-            <a:off x="467544" y="3501008"/>
-            <a:ext cx="8424936" cy="1752600"/>
+            <a:off x="611560" y="3501008"/>
+            <a:ext cx="8280920" cy="1752600"/>
           </a:xfrm>
         </p:spPr>
         <p:txBody>
@@ -6669,8 +6669,12 @@
           <a:p>
             <a:pPr algn="just" eaLnBrk="1" hangingPunct="1"/>
             <a:r>
+              <a:rPr lang="vi-VN" sz="2800" smtClean="0"/>
+              <a:t>Bài 6</a:t>
+            </a:r>
+            <a:r>
               <a:rPr lang="vi-VN" sz="2800" dirty="0" smtClean="0"/>
-              <a:t>Chương 6. Mô hình ngôn ngữ</a:t>
+              <a:t>. Mô hình ngôn ngữ</a:t>
             </a:r>
             <a:endParaRPr lang="en-US" sz="2800" dirty="0" smtClean="0"/>
           </a:p>
@@ -16829,7 +16833,7 @@
   </a:extraClrSchemeLst>
   <a:extLst>
     <a:ext uri="{05A4C25C-085E-4340-85A3-A5531E510DB2}">
-      <thm15:themeFamily xmlns:thm15="http://schemas.microsoft.com/office/thememl/2012/main" xmlns="" name="Office Theme" id="{62F939B6-93AF-4DB8-9C6B-D6C7DFDC589F}" vid="{4A3C46E8-61CC-4603-A589-7422A47A8E4A}"/>
+      <thm15:themeFamily xmlns="" xmlns:thm15="http://schemas.microsoft.com/office/thememl/2012/main" name="Office Theme" id="{62F939B6-93AF-4DB8-9C6B-D6C7DFDC589F}" vid="{4A3C46E8-61CC-4603-A589-7422A47A8E4A}"/>
     </a:ext>
   </a:extLst>
 </a:theme>
@@ -17090,7 +17094,7 @@
   <a:extraClrSchemeLst/>
   <a:extLst>
     <a:ext uri="{05A4C25C-085E-4340-85A3-A5531E510DB2}">
-      <thm15:themeFamily xmlns:thm15="http://schemas.microsoft.com/office/thememl/2012/main" xmlns="" name="Office Theme" id="{62F939B6-93AF-4DB8-9C6B-D6C7DFDC589F}" vid="{4A3C46E8-61CC-4603-A589-7422A47A8E4A}"/>
+      <thm15:themeFamily xmlns="" xmlns:thm15="http://schemas.microsoft.com/office/thememl/2012/main" name="Office Theme" id="{62F939B6-93AF-4DB8-9C6B-D6C7DFDC589F}" vid="{4A3C46E8-61CC-4603-A589-7422A47A8E4A}"/>
     </a:ext>
   </a:extLst>
 </a:theme>

--- a/Bài 6 Mô hình ngôn ngữ.pptx
+++ b/Bài 6 Mô hình ngôn ngữ.pptx
@@ -163,7 +163,7 @@
   </p:defaultTextStyle>
   <p:extLst>
     <p:ext uri="{EFAFB233-063F-42B5-8137-9DF3F51BA10A}">
-      <p15:sldGuideLst xmlns="" xmlns:p15="http://schemas.microsoft.com/office/powerpoint/2012/main">
+      <p15:sldGuideLst xmlns:p15="http://schemas.microsoft.com/office/powerpoint/2012/main" xmlns="">
         <p15:guide id="1" orient="horz" pos="2160">
           <p15:clr>
             <a:srgbClr val="A4A3A4"/>
@@ -13442,16 +13442,16 @@
           <a:p>
             <a:pPr eaLnBrk="1" hangingPunct="1"/>
             <a:r>
-              <a:rPr lang="en-US" sz="3600" dirty="0" err="1" smtClean="0"/>
+              <a:rPr lang="en-US" sz="3600" err="1" smtClean="0"/>
               <a:t>Bài</a:t>
             </a:r>
             <a:r>
-              <a:rPr lang="en-US" sz="3600" dirty="0" smtClean="0"/>
+              <a:rPr lang="en-US" sz="3600" smtClean="0"/>
               <a:t> </a:t>
             </a:r>
             <a:r>
-              <a:rPr lang="en-US" sz="3600" dirty="0" err="1" smtClean="0"/>
-              <a:t>tập</a:t>
+              <a:rPr lang="en-US" sz="3600" smtClean="0"/>
+              <a:t>tập 6.1</a:t>
             </a:r>
             <a:endParaRPr lang="vi-VN" sz="3600" dirty="0" smtClean="0"/>
           </a:p>
@@ -13786,12 +13786,16 @@
           <a:p>
             <a:pPr eaLnBrk="1" hangingPunct="1"/>
             <a:r>
-              <a:rPr lang="en-US" sz="3600" dirty="0" err="1" smtClean="0"/>
+              <a:rPr lang="en-US" sz="3600" err="1" smtClean="0"/>
               <a:t>Bài</a:t>
             </a:r>
             <a:r>
-              <a:rPr lang="en-US" sz="3600" dirty="0" smtClean="0"/>
-              <a:t> 2</a:t>
+              <a:rPr lang="en-US" sz="3600" smtClean="0"/>
+              <a:t> </a:t>
+            </a:r>
+            <a:r>
+              <a:rPr lang="en-US" sz="3600" smtClean="0"/>
+              <a:t>tập 6.2</a:t>
             </a:r>
             <a:endParaRPr lang="vi-VN" sz="3600" dirty="0" smtClean="0"/>
           </a:p>
@@ -16833,7 +16837,7 @@
   </a:extraClrSchemeLst>
   <a:extLst>
     <a:ext uri="{05A4C25C-085E-4340-85A3-A5531E510DB2}">
-      <thm15:themeFamily xmlns="" xmlns:thm15="http://schemas.microsoft.com/office/thememl/2012/main" name="Office Theme" id="{62F939B6-93AF-4DB8-9C6B-D6C7DFDC589F}" vid="{4A3C46E8-61CC-4603-A589-7422A47A8E4A}"/>
+      <thm15:themeFamily xmlns:thm15="http://schemas.microsoft.com/office/thememl/2012/main" xmlns="" name="Office Theme" id="{62F939B6-93AF-4DB8-9C6B-D6C7DFDC589F}" vid="{4A3C46E8-61CC-4603-A589-7422A47A8E4A}"/>
     </a:ext>
   </a:extLst>
 </a:theme>
@@ -17094,7 +17098,7 @@
   <a:extraClrSchemeLst/>
   <a:extLst>
     <a:ext uri="{05A4C25C-085E-4340-85A3-A5531E510DB2}">
-      <thm15:themeFamily xmlns="" xmlns:thm15="http://schemas.microsoft.com/office/thememl/2012/main" name="Office Theme" id="{62F939B6-93AF-4DB8-9C6B-D6C7DFDC589F}" vid="{4A3C46E8-61CC-4603-A589-7422A47A8E4A}"/>
+      <thm15:themeFamily xmlns:thm15="http://schemas.microsoft.com/office/thememl/2012/main" xmlns="" name="Office Theme" id="{62F939B6-93AF-4DB8-9C6B-D6C7DFDC589F}" vid="{4A3C46E8-61CC-4603-A589-7422A47A8E4A}"/>
     </a:ext>
   </a:extLst>
 </a:theme>

--- a/Bài 6 Mô hình ngôn ngữ.pptx
+++ b/Bài 6 Mô hình ngôn ngữ.pptx
@@ -5,34 +5,35 @@
     <p:sldMasterId id="2147483652" r:id="rId1"/>
   </p:sldMasterIdLst>
   <p:notesMasterIdLst>
-    <p:notesMasterId r:id="rId27"/>
+    <p:notesMasterId r:id="rId28"/>
   </p:notesMasterIdLst>
   <p:sldIdLst>
     <p:sldId id="313" r:id="rId2"/>
     <p:sldId id="428" r:id="rId3"/>
     <p:sldId id="403" r:id="rId4"/>
     <p:sldId id="404" r:id="rId5"/>
-    <p:sldId id="405" r:id="rId6"/>
-    <p:sldId id="429" r:id="rId7"/>
-    <p:sldId id="422" r:id="rId8"/>
-    <p:sldId id="432" r:id="rId9"/>
-    <p:sldId id="424" r:id="rId10"/>
-    <p:sldId id="425" r:id="rId11"/>
-    <p:sldId id="433" r:id="rId12"/>
-    <p:sldId id="410" r:id="rId13"/>
-    <p:sldId id="427" r:id="rId14"/>
-    <p:sldId id="426" r:id="rId15"/>
-    <p:sldId id="411" r:id="rId16"/>
-    <p:sldId id="412" r:id="rId17"/>
-    <p:sldId id="430" r:id="rId18"/>
-    <p:sldId id="415" r:id="rId19"/>
-    <p:sldId id="413" r:id="rId20"/>
-    <p:sldId id="420" r:id="rId21"/>
-    <p:sldId id="414" r:id="rId22"/>
-    <p:sldId id="421" r:id="rId23"/>
-    <p:sldId id="431" r:id="rId24"/>
-    <p:sldId id="434" r:id="rId25"/>
-    <p:sldId id="418" r:id="rId26"/>
+    <p:sldId id="435" r:id="rId6"/>
+    <p:sldId id="405" r:id="rId7"/>
+    <p:sldId id="429" r:id="rId8"/>
+    <p:sldId id="422" r:id="rId9"/>
+    <p:sldId id="432" r:id="rId10"/>
+    <p:sldId id="424" r:id="rId11"/>
+    <p:sldId id="425" r:id="rId12"/>
+    <p:sldId id="433" r:id="rId13"/>
+    <p:sldId id="410" r:id="rId14"/>
+    <p:sldId id="427" r:id="rId15"/>
+    <p:sldId id="426" r:id="rId16"/>
+    <p:sldId id="411" r:id="rId17"/>
+    <p:sldId id="412" r:id="rId18"/>
+    <p:sldId id="430" r:id="rId19"/>
+    <p:sldId id="415" r:id="rId20"/>
+    <p:sldId id="413" r:id="rId21"/>
+    <p:sldId id="420" r:id="rId22"/>
+    <p:sldId id="414" r:id="rId23"/>
+    <p:sldId id="421" r:id="rId24"/>
+    <p:sldId id="431" r:id="rId25"/>
+    <p:sldId id="434" r:id="rId26"/>
+    <p:sldId id="418" r:id="rId27"/>
   </p:sldIdLst>
   <p:sldSz cx="9144000" cy="6858000" type="screen4x3"/>
   <p:notesSz cx="6858000" cy="9144000"/>
@@ -163,7 +164,7 @@
   </p:defaultTextStyle>
   <p:extLst>
     <p:ext uri="{EFAFB233-063F-42B5-8137-9DF3F51BA10A}">
-      <p15:sldGuideLst xmlns:p15="http://schemas.microsoft.com/office/powerpoint/2012/main" xmlns="">
+      <p15:sldGuideLst xmlns="" xmlns:p15="http://schemas.microsoft.com/office/powerpoint/2012/main">
         <p15:guide id="1" orient="horz" pos="2160">
           <p15:clr>
             <a:srgbClr val="A4A3A4"/>
@@ -7252,6 +7253,461 @@
           <a:p>
             <a:pPr eaLnBrk="1" hangingPunct="1"/>
             <a:r>
+              <a:rPr lang="en-US" sz="3600" dirty="0" err="1" smtClean="0"/>
+              <a:t>Xác</a:t>
+            </a:r>
+            <a:r>
+              <a:rPr lang="en-US" sz="3600" dirty="0" smtClean="0"/>
+              <a:t> </a:t>
+            </a:r>
+            <a:r>
+              <a:rPr lang="en-US" sz="3600" dirty="0" err="1" smtClean="0"/>
+              <a:t>suất</a:t>
+            </a:r>
+            <a:r>
+              <a:rPr lang="en-US" sz="3600" dirty="0" smtClean="0"/>
+              <a:t> </a:t>
+            </a:r>
+            <a:r>
+              <a:rPr lang="en-US" sz="3600" dirty="0" err="1" smtClean="0"/>
+              <a:t>văn</a:t>
+            </a:r>
+            <a:r>
+              <a:rPr lang="en-US" sz="3600" dirty="0" smtClean="0"/>
+              <a:t> </a:t>
+            </a:r>
+            <a:r>
+              <a:rPr lang="en-US" sz="3600" dirty="0" err="1" smtClean="0"/>
+              <a:t>bản</a:t>
+            </a:r>
+            <a:r>
+              <a:rPr lang="en-US" sz="3600" dirty="0" smtClean="0"/>
+              <a:t> </a:t>
+            </a:r>
+            <a:r>
+              <a:rPr lang="en-US" sz="3600" dirty="0" err="1" smtClean="0"/>
+              <a:t>sinh</a:t>
+            </a:r>
+            <a:r>
+              <a:rPr lang="en-US" sz="3600" dirty="0" smtClean="0"/>
+              <a:t> </a:t>
+            </a:r>
+            <a:r>
+              <a:rPr lang="en-US" sz="3600" dirty="0" err="1" smtClean="0"/>
+              <a:t>truy</a:t>
+            </a:r>
+            <a:r>
+              <a:rPr lang="en-US" sz="3600" dirty="0" smtClean="0"/>
+              <a:t> </a:t>
+            </a:r>
+            <a:r>
+              <a:rPr lang="en-US" sz="3600" dirty="0" err="1" smtClean="0"/>
+              <a:t>vấn</a:t>
+            </a:r>
+            <a:endParaRPr lang="vi-VN" sz="3600" dirty="0" smtClean="0"/>
+          </a:p>
+        </p:txBody>
+      </p:sp>
+      <p:sp>
+        <p:nvSpPr>
+          <p:cNvPr id="10243" name="Rectangle 3"/>
+          <p:cNvSpPr>
+            <a:spLocks noGrp="1" noChangeArrowheads="1"/>
+          </p:cNvSpPr>
+          <p:nvPr>
+            <p:ph type="body" idx="1"/>
+          </p:nvPr>
+        </p:nvSpPr>
+        <p:spPr>
+          <a:xfrm>
+            <a:off x="611560" y="2017713"/>
+            <a:ext cx="8343528" cy="2923455"/>
+          </a:xfrm>
+        </p:spPr>
+        <p:txBody>
+          <a:bodyPr/>
+          <a:lstStyle/>
+          <a:p>
+            <a:pPr eaLnBrk="1" hangingPunct="1"/>
+            <a:r>
+              <a:rPr lang="vi-VN" sz="2400" dirty="0" smtClean="0">
+                <a:solidFill>
+                  <a:srgbClr val="000000"/>
+                </a:solidFill>
+              </a:rPr>
+              <a:t>Theo luật Bayes</a:t>
+            </a:r>
+          </a:p>
+          <a:p>
+            <a:pPr marL="0" indent="0" eaLnBrk="1" hangingPunct="1">
+              <a:buNone/>
+            </a:pPr>
+            <a:endParaRPr lang="vi-VN" sz="2400" dirty="0" smtClean="0">
+              <a:solidFill>
+                <a:srgbClr val="000000"/>
+              </a:solidFill>
+            </a:endParaRPr>
+          </a:p>
+          <a:p>
+            <a:pPr eaLnBrk="1" hangingPunct="1"/>
+            <a:endParaRPr lang="vi-VN" sz="2400" dirty="0" smtClean="0">
+              <a:solidFill>
+                <a:srgbClr val="000000"/>
+              </a:solidFill>
+            </a:endParaRPr>
+          </a:p>
+          <a:p>
+            <a:pPr lvl="1" eaLnBrk="1" hangingPunct="1"/>
+            <a:r>
+              <a:rPr lang="vi-VN" sz="2000" dirty="0" smtClean="0">
+                <a:solidFill>
+                  <a:srgbClr val="000000"/>
+                </a:solidFill>
+              </a:rPr>
+              <a:t>P(q) là hằng số;</a:t>
+            </a:r>
+          </a:p>
+          <a:p>
+            <a:pPr eaLnBrk="1" hangingPunct="1"/>
+            <a:r>
+              <a:rPr lang="vi-VN" sz="2400" dirty="0" smtClean="0">
+                <a:solidFill>
+                  <a:srgbClr val="000000"/>
+                </a:solidFill>
+              </a:rPr>
+              <a:t>Giả sử P(d) là đồng nhất đối với tất cả văn bản;</a:t>
+            </a:r>
+          </a:p>
+          <a:p>
+            <a:pPr lvl="1" eaLnBrk="1" hangingPunct="1"/>
+            <a:r>
+              <a:rPr lang="vi-VN" sz="2000" dirty="0" smtClean="0">
+                <a:solidFill>
+                  <a:srgbClr val="000000"/>
+                </a:solidFill>
+              </a:rPr>
+              <a:t>Có thể xếp hạng theo P(q|d): Xác suất sinh truy vấn.</a:t>
+            </a:r>
+          </a:p>
+          <a:p>
+            <a:pPr marL="0" indent="0" eaLnBrk="1" hangingPunct="1">
+              <a:buNone/>
+            </a:pPr>
+            <a:endParaRPr lang="vi-VN" sz="2400" dirty="0" smtClean="0">
+              <a:solidFill>
+                <a:srgbClr val="000000"/>
+              </a:solidFill>
+            </a:endParaRPr>
+          </a:p>
+        </p:txBody>
+      </p:sp>
+      <p:pic>
+        <p:nvPicPr>
+          <p:cNvPr id="2" name="Picture 1"/>
+          <p:cNvPicPr>
+            <a:picLocks noChangeAspect="1"/>
+          </p:cNvPicPr>
+          <p:nvPr/>
+        </p:nvPicPr>
+        <p:blipFill>
+          <a:blip r:embed="rId2"/>
+          <a:stretch>
+            <a:fillRect/>
+          </a:stretch>
+        </p:blipFill>
+        <p:spPr>
+          <a:xfrm>
+            <a:off x="1979712" y="2564904"/>
+            <a:ext cx="4733925" cy="600075"/>
+          </a:xfrm>
+          <a:prstGeom prst="rect">
+            <a:avLst/>
+          </a:prstGeom>
+        </p:spPr>
+      </p:pic>
+      <p:sp>
+        <p:nvSpPr>
+          <p:cNvPr id="3" name="Slide Number Placeholder 2"/>
+          <p:cNvSpPr>
+            <a:spLocks noGrp="1"/>
+          </p:cNvSpPr>
+          <p:nvPr>
+            <p:ph type="sldNum" sz="quarter" idx="12"/>
+          </p:nvPr>
+        </p:nvSpPr>
+        <p:spPr/>
+        <p:txBody>
+          <a:bodyPr/>
+          <a:lstStyle/>
+          <a:p>
+            <a:pPr>
+              <a:defRPr/>
+            </a:pPr>
+            <a:fld id="{18D75DDA-CB64-4086-83FF-BB38D2754AC9}" type="slidenum">
+              <a:rPr lang="vi-VN" smtClean="0"/>
+              <a:pPr>
+                <a:defRPr/>
+              </a:pPr>
+              <a:t>10</a:t>
+            </a:fld>
+            <a:endParaRPr lang="vi-VN"/>
+          </a:p>
+        </p:txBody>
+      </p:sp>
+      <p:sp>
+        <p:nvSpPr>
+          <p:cNvPr id="4" name="TextBox 3"/>
+          <p:cNvSpPr txBox="1"/>
+          <p:nvPr/>
+        </p:nvSpPr>
+        <p:spPr>
+          <a:xfrm>
+            <a:off x="288826" y="5229200"/>
+            <a:ext cx="8631238" cy="830997"/>
+          </a:xfrm>
+          <a:prstGeom prst="rect">
+            <a:avLst/>
+          </a:prstGeom>
+          <a:noFill/>
+        </p:spPr>
+        <p:txBody>
+          <a:bodyPr wrap="square" rtlCol="0">
+            <a:spAutoFit/>
+          </a:bodyPr>
+          <a:lstStyle/>
+          <a:p>
+            <a:pPr algn="just"/>
+            <a:r>
+              <a:rPr lang="vi-VN" sz="2400" b="0" dirty="0" smtClean="0">
+                <a:solidFill>
+                  <a:schemeClr val="tx2"/>
+                </a:solidFill>
+              </a:rPr>
+              <a:t>Văn bản thường dài hơn </a:t>
+            </a:r>
+            <a:r>
+              <a:rPr lang="vi-VN" sz="2400" b="0" dirty="0">
+                <a:solidFill>
+                  <a:schemeClr val="tx2"/>
+                </a:solidFill>
+              </a:rPr>
+              <a:t>so với truy </a:t>
+            </a:r>
+            <a:r>
+              <a:rPr lang="vi-VN" sz="2400" b="0" dirty="0" smtClean="0">
+                <a:solidFill>
+                  <a:schemeClr val="tx2"/>
+                </a:solidFill>
+              </a:rPr>
+              <a:t>vấn</a:t>
+            </a:r>
+            <a:r>
+              <a:rPr lang="en-US" sz="2400" b="0" dirty="0" smtClean="0">
+                <a:solidFill>
+                  <a:schemeClr val="tx2"/>
+                </a:solidFill>
+              </a:rPr>
+              <a:t> </a:t>
+            </a:r>
+            <a:r>
+              <a:rPr lang="en-US" sz="2400" b="0" dirty="0" err="1" smtClean="0">
+                <a:solidFill>
+                  <a:schemeClr val="tx2"/>
+                </a:solidFill>
+              </a:rPr>
+              <a:t>cho</a:t>
+            </a:r>
+            <a:r>
+              <a:rPr lang="en-US" sz="2400" b="0" dirty="0" smtClean="0">
+                <a:solidFill>
+                  <a:schemeClr val="tx2"/>
+                </a:solidFill>
+              </a:rPr>
+              <a:t> </a:t>
+            </a:r>
+            <a:r>
+              <a:rPr lang="en-US" sz="2400" b="0" dirty="0" err="1" smtClean="0">
+                <a:solidFill>
+                  <a:schemeClr val="tx2"/>
+                </a:solidFill>
+              </a:rPr>
+              <a:t>nên</a:t>
+            </a:r>
+            <a:r>
+              <a:rPr lang="en-US" sz="2400" b="0" dirty="0" smtClean="0">
+                <a:solidFill>
+                  <a:schemeClr val="tx2"/>
+                </a:solidFill>
+              </a:rPr>
+              <a:t> </a:t>
+            </a:r>
+            <a:r>
+              <a:rPr lang="en-US" sz="2400" b="0" dirty="0" err="1" smtClean="0">
+                <a:solidFill>
+                  <a:schemeClr val="tx2"/>
+                </a:solidFill>
+              </a:rPr>
+              <a:t>cũng</a:t>
+            </a:r>
+            <a:r>
+              <a:rPr lang="vi-VN" sz="2400" b="0" dirty="0" smtClean="0">
+                <a:solidFill>
+                  <a:schemeClr val="tx2"/>
+                </a:solidFill>
+              </a:rPr>
+              <a:t> </a:t>
+            </a:r>
+            <a:r>
+              <a:rPr lang="vi-VN" sz="2400" b="0" dirty="0" smtClean="0">
+                <a:solidFill>
+                  <a:schemeClr val="tx2"/>
+                </a:solidFill>
+              </a:rPr>
+              <a:t>thuận tiên hơn </a:t>
+            </a:r>
+            <a:r>
+              <a:rPr lang="en-US" sz="2400" b="0" dirty="0" err="1" smtClean="0">
+                <a:solidFill>
+                  <a:schemeClr val="tx2"/>
+                </a:solidFill>
+              </a:rPr>
+              <a:t>khi</a:t>
+            </a:r>
+            <a:r>
+              <a:rPr lang="en-US" sz="2400" b="0" dirty="0" smtClean="0">
+                <a:solidFill>
+                  <a:schemeClr val="tx2"/>
+                </a:solidFill>
+              </a:rPr>
+              <a:t> </a:t>
+            </a:r>
+            <a:r>
+              <a:rPr lang="en-US" sz="2400" b="0" dirty="0" err="1" smtClean="0">
+                <a:solidFill>
+                  <a:schemeClr val="tx2"/>
+                </a:solidFill>
+              </a:rPr>
+              <a:t>sử</a:t>
+            </a:r>
+            <a:r>
+              <a:rPr lang="en-US" sz="2400" b="0" dirty="0" smtClean="0">
+                <a:solidFill>
+                  <a:schemeClr val="tx2"/>
+                </a:solidFill>
+              </a:rPr>
+              <a:t> </a:t>
+            </a:r>
+            <a:r>
+              <a:rPr lang="en-US" sz="2400" b="0" dirty="0" err="1" smtClean="0">
+                <a:solidFill>
+                  <a:schemeClr val="tx2"/>
+                </a:solidFill>
+              </a:rPr>
+              <a:t>dụng</a:t>
+            </a:r>
+            <a:r>
+              <a:rPr lang="en-US" sz="2400" b="0" dirty="0" smtClean="0">
+                <a:solidFill>
+                  <a:schemeClr val="tx2"/>
+                </a:solidFill>
+              </a:rPr>
+              <a:t> </a:t>
+            </a:r>
+            <a:r>
+              <a:rPr lang="en-US" sz="2400" b="0" dirty="0" err="1" smtClean="0">
+                <a:solidFill>
+                  <a:schemeClr val="tx2"/>
+                </a:solidFill>
+              </a:rPr>
+              <a:t>để</a:t>
+            </a:r>
+            <a:r>
+              <a:rPr lang="en-US" sz="2400" b="0" dirty="0" smtClean="0">
+                <a:solidFill>
+                  <a:schemeClr val="tx2"/>
+                </a:solidFill>
+              </a:rPr>
+              <a:t> </a:t>
+            </a:r>
+            <a:r>
+              <a:rPr lang="vi-VN" sz="2400" b="0" dirty="0" smtClean="0">
+                <a:solidFill>
+                  <a:schemeClr val="tx2"/>
+                </a:solidFill>
+              </a:rPr>
+              <a:t>tính </a:t>
+            </a:r>
+            <a:r>
+              <a:rPr lang="vi-VN" sz="2400" b="0" dirty="0" smtClean="0">
+                <a:solidFill>
+                  <a:schemeClr val="tx2"/>
+                </a:solidFill>
+              </a:rPr>
+              <a:t>các đại lượng xác </a:t>
+            </a:r>
+            <a:r>
+              <a:rPr lang="vi-VN" sz="2400" b="0" dirty="0" smtClean="0">
+                <a:solidFill>
+                  <a:schemeClr val="tx2"/>
+                </a:solidFill>
+              </a:rPr>
+              <a:t>suất.</a:t>
+            </a:r>
+            <a:endParaRPr lang="vi-VN" sz="2400" b="0" dirty="0">
+              <a:solidFill>
+                <a:schemeClr val="tx2"/>
+              </a:solidFill>
+            </a:endParaRPr>
+          </a:p>
+        </p:txBody>
+      </p:sp>
+    </p:spTree>
+    <p:extLst>
+      <p:ext uri="{BB962C8B-B14F-4D97-AF65-F5344CB8AC3E}">
+        <p14:creationId xmlns:p14="http://schemas.microsoft.com/office/powerpoint/2010/main" val="3940973416"/>
+      </p:ext>
+    </p:extLst>
+  </p:cSld>
+  <p:clrMapOvr>
+    <a:masterClrMapping/>
+  </p:clrMapOvr>
+</p:sld>
+</file>
+
+<file path=ppt/slides/slide11.xml><?xml version="1.0" encoding="utf-8"?>
+<p:sld xmlns:a="http://schemas.openxmlformats.org/drawingml/2006/main" xmlns:r="http://schemas.openxmlformats.org/officeDocument/2006/relationships" xmlns:p="http://schemas.openxmlformats.org/presentationml/2006/main">
+  <p:cSld>
+    <p:spTree>
+      <p:nvGrpSpPr>
+        <p:cNvPr id="1" name=""/>
+        <p:cNvGrpSpPr/>
+        <p:nvPr/>
+      </p:nvGrpSpPr>
+      <p:grpSpPr>
+        <a:xfrm>
+          <a:off x="0" y="0"/>
+          <a:ext cx="0" cy="0"/>
+          <a:chOff x="0" y="0"/>
+          <a:chExt cx="0" cy="0"/>
+        </a:xfrm>
+      </p:grpSpPr>
+      <p:sp>
+        <p:nvSpPr>
+          <p:cNvPr id="10242" name="Rectangle 2"/>
+          <p:cNvSpPr>
+            <a:spLocks noGrp="1" noChangeArrowheads="1"/>
+          </p:cNvSpPr>
+          <p:nvPr>
+            <p:ph type="title"/>
+          </p:nvPr>
+        </p:nvSpPr>
+        <p:spPr/>
+        <p:txBody>
+          <a:bodyPr/>
+          <a:lstStyle/>
+          <a:p>
+            <a:pPr eaLnBrk="1" hangingPunct="1"/>
+            <a:r>
               <a:rPr lang="vi-VN" sz="3200" dirty="0" smtClean="0"/>
               <a:t>Kết hợp giả thuyết unigram và giả thuyết đa thức</a:t>
             </a:r>
@@ -7376,7 +7832,7 @@
               <a:pPr>
                 <a:defRPr/>
               </a:pPr>
-              <a:t>10</a:t>
+              <a:t>11</a:t>
             </a:fld>
             <a:endParaRPr lang="vi-VN"/>
           </a:p>
@@ -7933,7 +8389,7 @@
 </p:sld>
 </file>
 
-<file path=ppt/slides/slide11.xml><?xml version="1.0" encoding="utf-8"?>
+<file path=ppt/slides/slide12.xml><?xml version="1.0" encoding="utf-8"?>
 <p:sld xmlns:a="http://schemas.openxmlformats.org/drawingml/2006/main" xmlns:r="http://schemas.openxmlformats.org/officeDocument/2006/relationships" xmlns:p="http://schemas.openxmlformats.org/presentationml/2006/main">
   <p:cSld>
     <p:spTree>
@@ -7968,8 +8424,37 @@
             <a:pPr eaLnBrk="1" hangingPunct="1"/>
             <a:r>
               <a:rPr lang="vi-VN" sz="3600" dirty="0" smtClean="0"/>
-              <a:t>Đại lượng xếp hạng</a:t>
-            </a:r>
+              <a:t>Đại lượng </a:t>
+            </a:r>
+            <a:r>
+              <a:rPr lang="en-US" sz="3600" dirty="0" err="1" smtClean="0"/>
+              <a:t>kết</a:t>
+            </a:r>
+            <a:r>
+              <a:rPr lang="en-US" sz="3600" dirty="0" smtClean="0"/>
+              <a:t> </a:t>
+            </a:r>
+            <a:r>
+              <a:rPr lang="en-US" sz="3600" dirty="0" err="1" smtClean="0"/>
+              <a:t>quả</a:t>
+            </a:r>
+            <a:r>
+              <a:rPr lang="en-US" sz="3600" dirty="0" smtClean="0"/>
+              <a:t> </a:t>
+            </a:r>
+            <a:r>
+              <a:rPr lang="en-US" sz="3600" dirty="0" err="1" smtClean="0"/>
+              <a:t>tìm</a:t>
+            </a:r>
+            <a:r>
+              <a:rPr lang="en-US" sz="3600" dirty="0" smtClean="0"/>
+              <a:t> </a:t>
+            </a:r>
+            <a:r>
+              <a:rPr lang="en-US" sz="3600" dirty="0" err="1" smtClean="0"/>
+              <a:t>kiếm</a:t>
+            </a:r>
+            <a:endParaRPr lang="vi-VN" sz="3600" dirty="0" smtClean="0"/>
           </a:p>
         </p:txBody>
       </p:sp>
@@ -8000,8 +8485,77 @@
                   <a:srgbClr val="000000"/>
                 </a:solidFill>
               </a:rPr>
-              <a:t>Hàm đại lượng xếp hạng:</a:t>
-            </a:r>
+              <a:t>Hàm đại lượng </a:t>
+            </a:r>
+            <a:r>
+              <a:rPr lang="en-US" sz="2400" dirty="0" err="1" smtClean="0">
+                <a:solidFill>
+                  <a:srgbClr val="000000"/>
+                </a:solidFill>
+              </a:rPr>
+              <a:t>kết</a:t>
+            </a:r>
+            <a:r>
+              <a:rPr lang="en-US" sz="2400" dirty="0" smtClean="0">
+                <a:solidFill>
+                  <a:srgbClr val="000000"/>
+                </a:solidFill>
+              </a:rPr>
+              <a:t> </a:t>
+            </a:r>
+            <a:r>
+              <a:rPr lang="en-US" sz="2400" dirty="0" err="1" smtClean="0">
+                <a:solidFill>
+                  <a:srgbClr val="000000"/>
+                </a:solidFill>
+              </a:rPr>
+              <a:t>quả</a:t>
+            </a:r>
+            <a:r>
+              <a:rPr lang="en-US" sz="2400" dirty="0" smtClean="0">
+                <a:solidFill>
+                  <a:srgbClr val="000000"/>
+                </a:solidFill>
+              </a:rPr>
+              <a:t> </a:t>
+            </a:r>
+            <a:r>
+              <a:rPr lang="en-US" sz="2400" dirty="0" err="1" smtClean="0">
+                <a:solidFill>
+                  <a:srgbClr val="000000"/>
+                </a:solidFill>
+              </a:rPr>
+              <a:t>tìm</a:t>
+            </a:r>
+            <a:r>
+              <a:rPr lang="en-US" sz="2400" dirty="0" smtClean="0">
+                <a:solidFill>
+                  <a:srgbClr val="000000"/>
+                </a:solidFill>
+              </a:rPr>
+              <a:t> </a:t>
+            </a:r>
+            <a:r>
+              <a:rPr lang="en-US" sz="2400" dirty="0" err="1" smtClean="0">
+                <a:solidFill>
+                  <a:srgbClr val="000000"/>
+                </a:solidFill>
+              </a:rPr>
+              <a:t>kiếm</a:t>
+            </a:r>
+            <a:r>
+              <a:rPr lang="vi-VN" sz="2400" dirty="0" smtClean="0">
+                <a:solidFill>
+                  <a:srgbClr val="000000"/>
+                </a:solidFill>
+              </a:rPr>
+              <a:t>:</a:t>
+            </a:r>
+            <a:endParaRPr lang="vi-VN" sz="2400" dirty="0" smtClean="0">
+              <a:solidFill>
+                <a:srgbClr val="000000"/>
+              </a:solidFill>
+            </a:endParaRPr>
           </a:p>
           <a:p>
             <a:pPr eaLnBrk="1" hangingPunct="1"/>
@@ -8796,7 +9350,7 @@
         </p:nvSpPr>
         <p:spPr>
           <a:xfrm>
-            <a:off x="524420" y="5241394"/>
+            <a:off x="524420" y="5157192"/>
             <a:ext cx="8136904" cy="707886"/>
           </a:xfrm>
           <a:prstGeom prst="rect">
@@ -8931,7 +9485,7 @@
               <a:pPr>
                 <a:defRPr/>
               </a:pPr>
-              <a:t>11</a:t>
+              <a:t>12</a:t>
             </a:fld>
             <a:endParaRPr lang="vi-VN"/>
           </a:p>
@@ -8945,8 +9499,8 @@
         </p:nvSpPr>
         <p:spPr>
           <a:xfrm>
-            <a:off x="527412" y="6093296"/>
-            <a:ext cx="8133911" cy="400110"/>
+            <a:off x="527412" y="6009094"/>
+            <a:ext cx="8133911" cy="707886"/>
           </a:xfrm>
           <a:prstGeom prst="rect">
             <a:avLst/>
@@ -8960,12 +9514,62 @@
           <a:lstStyle/>
           <a:p>
             <a:r>
+              <a:rPr lang="en-US" sz="2000" b="0" dirty="0" err="1" smtClean="0">
+                <a:solidFill>
+                  <a:schemeClr val="tx2"/>
+                </a:solidFill>
+              </a:rPr>
+              <a:t>Thuật</a:t>
+            </a:r>
+            <a:r>
+              <a:rPr lang="en-US" sz="2000" b="0" dirty="0" smtClean="0">
+                <a:solidFill>
+                  <a:schemeClr val="tx2"/>
+                </a:solidFill>
+              </a:rPr>
+              <a:t> </a:t>
+            </a:r>
+            <a:r>
+              <a:rPr lang="en-US" sz="2000" b="0" dirty="0" err="1" smtClean="0">
+                <a:solidFill>
+                  <a:schemeClr val="tx2"/>
+                </a:solidFill>
+              </a:rPr>
+              <a:t>ngữ</a:t>
+            </a:r>
+            <a:r>
+              <a:rPr lang="en-US" sz="2000" b="0" dirty="0" smtClean="0">
+                <a:solidFill>
+                  <a:schemeClr val="tx2"/>
+                </a:solidFill>
+              </a:rPr>
+              <a:t>:</a:t>
+            </a:r>
+          </a:p>
+          <a:p>
+            <a:r>
+              <a:rPr lang="en-US" sz="2000" b="0" dirty="0">
+                <a:solidFill>
+                  <a:schemeClr val="tx2"/>
+                </a:solidFill>
+              </a:rPr>
+              <a:t>	</a:t>
+            </a:r>
+            <a:r>
               <a:rPr lang="vi-VN" sz="2000" b="0" dirty="0" smtClean="0">
                 <a:solidFill>
                   <a:schemeClr val="tx2"/>
                 </a:solidFill>
               </a:rPr>
-              <a:t>Ước lượng khả năng cực đại: Maximum likelihood estimation.</a:t>
+              <a:t>Ước </a:t>
+            </a:r>
+            <a:r>
+              <a:rPr lang="vi-VN" sz="2000" b="0" dirty="0" smtClean="0">
+                <a:solidFill>
+                  <a:schemeClr val="tx2"/>
+                </a:solidFill>
+              </a:rPr>
+              <a:t>lượng khả năng cực đại: Maximum likelihood estimation.</a:t>
             </a:r>
             <a:endParaRPr lang="vi-VN" sz="2000" b="0" dirty="0">
               <a:solidFill>
@@ -8988,7 +9592,7 @@
 </p:sld>
 </file>
 
-<file path=ppt/slides/slide12.xml><?xml version="1.0" encoding="utf-8"?>
+<file path=ppt/slides/slide13.xml><?xml version="1.0" encoding="utf-8"?>
 <p:sld xmlns:a="http://schemas.openxmlformats.org/drawingml/2006/main" xmlns:r="http://schemas.openxmlformats.org/officeDocument/2006/relationships" xmlns:p="http://schemas.openxmlformats.org/presentationml/2006/main">
   <p:cSld>
     <p:spTree>
@@ -9023,13 +9627,49 @@
             <a:pPr eaLnBrk="1" hangingPunct="1"/>
             <a:r>
               <a:rPr lang="vi-VN" sz="3600" dirty="0" smtClean="0"/>
-              <a:t>Mô hình bộ dữ liệu</a:t>
+              <a:t>Mô </a:t>
+            </a:r>
+            <a:r>
+              <a:rPr lang="vi-VN" sz="3600" dirty="0" smtClean="0"/>
+              <a:t>hình</a:t>
+            </a:r>
+            <a:r>
+              <a:rPr lang="en-US" sz="3600" dirty="0" smtClean="0"/>
+              <a:t> </a:t>
+            </a:r>
+            <a:r>
+              <a:rPr lang="en-US" sz="3600" dirty="0" err="1" smtClean="0"/>
+              <a:t>ngôn</a:t>
+            </a:r>
+            <a:r>
+              <a:rPr lang="en-US" sz="3600" dirty="0" smtClean="0"/>
+              <a:t> </a:t>
+            </a:r>
+            <a:r>
+              <a:rPr lang="en-US" sz="3600" dirty="0" err="1" smtClean="0"/>
+              <a:t>ngữ</a:t>
+            </a:r>
+            <a:r>
+              <a:rPr lang="en-US" sz="3600" dirty="0" smtClean="0"/>
+              <a:t> </a:t>
+            </a:r>
+            <a:r>
+              <a:rPr lang="en-US" sz="3600" dirty="0" err="1" smtClean="0"/>
+              <a:t>của</a:t>
+            </a:r>
+            <a:r>
+              <a:rPr lang="vi-VN" sz="3600" dirty="0" smtClean="0"/>
+              <a:t> </a:t>
+            </a:r>
+            <a:r>
+              <a:rPr lang="vi-VN" sz="3600" dirty="0" smtClean="0"/>
+              <a:t>bộ dữ liệu</a:t>
             </a:r>
           </a:p>
         </p:txBody>
       </p:sp>
-      <mc:AlternateContent xmlns:mc="http://schemas.openxmlformats.org/markup-compatibility/2006" xmlns:a14="http://schemas.microsoft.com/office/drawing/2010/main">
-        <mc:Choice Requires="a14">
+      <mc:AlternateContent xmlns:mc="http://schemas.openxmlformats.org/markup-compatibility/2006">
+        <mc:Choice xmlns:a14="http://schemas.microsoft.com/office/drawing/2010/main" Requires="a14">
           <p:sp>
             <p:nvSpPr>
               <p:cNvPr id="12291" name="Rectangle 3"/>
@@ -9057,7 +9697,71 @@
                       <a:srgbClr val="000000"/>
                     </a:solidFill>
                   </a:rPr>
-                  <a:t>Tương tự văn bản, xác suất bộ dữ liệu sinh từ </a:t>
+                  <a:t>Tương tự văn bản, xác suất </a:t>
+                </a:r>
+                <a:r>
+                  <a:rPr lang="en-US" sz="2800" dirty="0" err="1" smtClean="0">
+                    <a:solidFill>
+                      <a:srgbClr val="000000"/>
+                    </a:solidFill>
+                  </a:rPr>
+                  <a:t>mô</a:t>
+                </a:r>
+                <a:r>
+                  <a:rPr lang="en-US" sz="2800" dirty="0" smtClean="0">
+                    <a:solidFill>
+                      <a:srgbClr val="000000"/>
+                    </a:solidFill>
+                  </a:rPr>
+                  <a:t> </a:t>
+                </a:r>
+                <a:r>
+                  <a:rPr lang="en-US" sz="2800" dirty="0" err="1" smtClean="0">
+                    <a:solidFill>
+                      <a:srgbClr val="000000"/>
+                    </a:solidFill>
+                  </a:rPr>
+                  <a:t>hình</a:t>
+                </a:r>
+                <a:r>
+                  <a:rPr lang="en-US" sz="2800" dirty="0" smtClean="0">
+                    <a:solidFill>
+                      <a:srgbClr val="000000"/>
+                    </a:solidFill>
+                  </a:rPr>
+                  <a:t> </a:t>
+                </a:r>
+                <a:r>
+                  <a:rPr lang="en-US" sz="2800" dirty="0" err="1" smtClean="0">
+                    <a:solidFill>
+                      <a:srgbClr val="000000"/>
+                    </a:solidFill>
+                  </a:rPr>
+                  <a:t>của</a:t>
+                </a:r>
+                <a:r>
+                  <a:rPr lang="en-US" sz="2800" dirty="0" smtClean="0">
+                    <a:solidFill>
+                      <a:srgbClr val="000000"/>
+                    </a:solidFill>
+                  </a:rPr>
+                  <a:t> </a:t>
+                </a:r>
+                <a:r>
+                  <a:rPr lang="vi-VN" sz="2800" dirty="0" smtClean="0">
+                    <a:solidFill>
+                      <a:srgbClr val="000000"/>
+                    </a:solidFill>
+                  </a:rPr>
+                  <a:t>bộ </a:t>
+                </a:r>
+                <a:r>
+                  <a:rPr lang="vi-VN" sz="2800" dirty="0" smtClean="0">
+                    <a:solidFill>
+                      <a:srgbClr val="000000"/>
+                    </a:solidFill>
+                  </a:rPr>
+                  <a:t>dữ liệu sinh từ </a:t>
                 </a:r>
                 <a:r>
                   <a:rPr lang="vi-VN" sz="2800" i="1" dirty="0" smtClean="0">
@@ -9068,6 +9772,118 @@
                   <a:t>t</a:t>
                 </a:r>
                 <a:r>
+                  <a:rPr lang="en-US" sz="2800" i="1" dirty="0" smtClean="0">
+                    <a:solidFill>
+                      <a:srgbClr val="000000"/>
+                    </a:solidFill>
+                  </a:rPr>
+                  <a:t> </a:t>
+                </a:r>
+                <a:r>
+                  <a:rPr lang="en-US" sz="2800" dirty="0" err="1" smtClean="0">
+                    <a:solidFill>
+                      <a:srgbClr val="000000"/>
+                    </a:solidFill>
+                  </a:rPr>
+                  <a:t>được</a:t>
+                </a:r>
+                <a:r>
+                  <a:rPr lang="en-US" sz="2800" dirty="0" smtClean="0">
+                    <a:solidFill>
+                      <a:srgbClr val="000000"/>
+                    </a:solidFill>
+                  </a:rPr>
+                  <a:t> </a:t>
+                </a:r>
+                <a:r>
+                  <a:rPr lang="en-US" sz="2800" dirty="0" err="1" smtClean="0">
+                    <a:solidFill>
+                      <a:srgbClr val="000000"/>
+                    </a:solidFill>
+                  </a:rPr>
+                  <a:t>xác</a:t>
+                </a:r>
+                <a:r>
+                  <a:rPr lang="en-US" sz="2800" dirty="0" smtClean="0">
+                    <a:solidFill>
+                      <a:srgbClr val="000000"/>
+                    </a:solidFill>
+                  </a:rPr>
+                  <a:t> </a:t>
+                </a:r>
+                <a:r>
+                  <a:rPr lang="en-US" sz="2800" dirty="0" err="1" smtClean="0">
+                    <a:solidFill>
+                      <a:srgbClr val="000000"/>
+                    </a:solidFill>
+                  </a:rPr>
+                  <a:t>định</a:t>
+                </a:r>
+                <a:r>
+                  <a:rPr lang="en-US" sz="2800" dirty="0" smtClean="0">
+                    <a:solidFill>
+                      <a:srgbClr val="000000"/>
+                    </a:solidFill>
+                  </a:rPr>
+                  <a:t> </a:t>
+                </a:r>
+                <a:r>
+                  <a:rPr lang="en-US" sz="2800" dirty="0" err="1" smtClean="0">
+                    <a:solidFill>
+                      <a:srgbClr val="000000"/>
+                    </a:solidFill>
+                  </a:rPr>
+                  <a:t>theo</a:t>
+                </a:r>
+                <a:r>
+                  <a:rPr lang="en-US" sz="2800" dirty="0" smtClean="0">
+                    <a:solidFill>
+                      <a:srgbClr val="000000"/>
+                    </a:solidFill>
+                  </a:rPr>
+                  <a:t> </a:t>
+                </a:r>
+                <a:r>
+                  <a:rPr lang="en-US" sz="2800" dirty="0" err="1" smtClean="0">
+                    <a:solidFill>
+                      <a:srgbClr val="000000"/>
+                    </a:solidFill>
+                  </a:rPr>
+                  <a:t>công</a:t>
+                </a:r>
+                <a:r>
+                  <a:rPr lang="en-US" sz="2800" dirty="0" smtClean="0">
+                    <a:solidFill>
+                      <a:srgbClr val="000000"/>
+                    </a:solidFill>
+                  </a:rPr>
+                  <a:t> </a:t>
+                </a:r>
+                <a:r>
+                  <a:rPr lang="en-US" sz="2800" dirty="0" err="1" smtClean="0">
+                    <a:solidFill>
+                      <a:srgbClr val="000000"/>
+                    </a:solidFill>
+                  </a:rPr>
+                  <a:t>thức</a:t>
+                </a:r>
+                <a:r>
+                  <a:rPr lang="en-US" sz="2800" dirty="0" smtClean="0">
+                    <a:solidFill>
+                      <a:srgbClr val="000000"/>
+                    </a:solidFill>
+                  </a:rPr>
+                  <a:t> </a:t>
+                </a:r>
+                <a:r>
+                  <a:rPr lang="en-US" sz="2800" dirty="0" err="1" smtClean="0">
+                    <a:solidFill>
+                      <a:srgbClr val="000000"/>
+                    </a:solidFill>
+                  </a:rPr>
+                  <a:t>sau</a:t>
+                </a:r>
+                <a:r>
                   <a:rPr lang="vi-VN" sz="2800" dirty="0" smtClean="0">
                     <a:solidFill>
                       <a:srgbClr val="000000"/>
@@ -9075,6 +9891,11 @@
                   </a:rPr>
                   <a:t>:</a:t>
                 </a:r>
+                <a:endParaRPr lang="vi-VN" sz="2800" dirty="0" smtClean="0">
+                  <a:solidFill>
+                    <a:srgbClr val="000000"/>
+                  </a:solidFill>
+                </a:endParaRPr>
               </a:p>
               <a:p>
                 <a:pPr marL="0" indent="0" algn="just" eaLnBrk="1" hangingPunct="1">
@@ -9309,7 +10130,63 @@
                       <a:srgbClr val="000000"/>
                     </a:solidFill>
                   </a:rPr>
-                  <a:t> là mô hình sinh xác định trên bộ dữ liệu </a:t>
+                  <a:t> là mô hình </a:t>
+                </a:r>
+                <a:r>
+                  <a:rPr lang="en-US" sz="2400" dirty="0" err="1" smtClean="0">
+                    <a:solidFill>
+                      <a:srgbClr val="000000"/>
+                    </a:solidFill>
+                  </a:rPr>
+                  <a:t>ngôn</a:t>
+                </a:r>
+                <a:r>
+                  <a:rPr lang="en-US" sz="2400" dirty="0" smtClean="0">
+                    <a:solidFill>
+                      <a:srgbClr val="000000"/>
+                    </a:solidFill>
+                  </a:rPr>
+                  <a:t> </a:t>
+                </a:r>
+                <a:r>
+                  <a:rPr lang="en-US" sz="2400" dirty="0" err="1" smtClean="0">
+                    <a:solidFill>
+                      <a:srgbClr val="000000"/>
+                    </a:solidFill>
+                  </a:rPr>
+                  <a:t>ngữ</a:t>
+                </a:r>
+                <a:r>
+                  <a:rPr lang="en-US" sz="2400" dirty="0" smtClean="0">
+                    <a:solidFill>
+                      <a:srgbClr val="000000"/>
+                    </a:solidFill>
+                  </a:rPr>
+                  <a:t> </a:t>
+                </a:r>
+                <a:r>
+                  <a:rPr lang="en-US" sz="2400" dirty="0" err="1" smtClean="0">
+                    <a:solidFill>
+                      <a:srgbClr val="000000"/>
+                    </a:solidFill>
+                  </a:rPr>
+                  <a:t>của</a:t>
+                </a:r>
+                <a:r>
+                  <a:rPr lang="vi-VN" sz="2400" dirty="0" smtClean="0">
+                    <a:solidFill>
+                      <a:srgbClr val="000000"/>
+                    </a:solidFill>
+                  </a:rPr>
+                  <a:t> </a:t>
+                </a:r>
+                <a:r>
+                  <a:rPr lang="vi-VN" sz="2400" dirty="0" smtClean="0">
+                    <a:solidFill>
+                      <a:srgbClr val="000000"/>
+                    </a:solidFill>
+                  </a:rPr>
+                  <a:t>bộ dữ liệu </a:t>
                 </a:r>
                 <a:r>
                   <a:rPr lang="vi-VN" sz="2400" i="1" dirty="0" smtClean="0">
@@ -9495,7 +10372,7 @@
             </p:txBody>
           </p:sp>
         </mc:Choice>
-        <mc:Fallback xmlns="">
+        <mc:Fallback>
           <p:sp>
             <p:nvSpPr>
               <p:cNvPr id="12291" name="Rectangle 3"/>
@@ -9514,7 +10391,7 @@
               <a:blipFill rotWithShape="1">
                 <a:blip r:embed="rId2"/>
                 <a:stretch>
-                  <a:fillRect l="-292" t="-1855" b="-12801"/>
+                  <a:fillRect l="-292" t="-1855" r="-2922" b="-25788"/>
                 </a:stretch>
               </a:blipFill>
             </p:spPr>
@@ -9523,7 +10400,7 @@
               <a:lstStyle/>
               <a:p>
                 <a:r>
-                  <a:rPr lang="vi-VN">
+                  <a:rPr lang="en-US">
                     <a:noFill/>
                   </a:rPr>
                   <a:t> </a:t>
@@ -9556,7 +10433,7 @@
               <a:pPr>
                 <a:defRPr/>
               </a:pPr>
-              <a:t>12</a:t>
+              <a:t>13</a:t>
             </a:fld>
             <a:endParaRPr lang="vi-VN"/>
           </a:p>
@@ -9570,7 +10447,7 @@
 </p:sld>
 </file>
 
-<file path=ppt/slides/slide13.xml><?xml version="1.0" encoding="utf-8"?>
+<file path=ppt/slides/slide14.xml><?xml version="1.0" encoding="utf-8"?>
 <p:sld xmlns:a="http://schemas.openxmlformats.org/drawingml/2006/main" xmlns:r="http://schemas.openxmlformats.org/officeDocument/2006/relationships" xmlns:p="http://schemas.openxmlformats.org/presentationml/2006/main">
   <p:cSld>
     <p:spTree>
@@ -9610,8 +10487,8 @@
           </a:p>
         </p:txBody>
       </p:sp>
-      <mc:AlternateContent xmlns:mc="http://schemas.openxmlformats.org/markup-compatibility/2006" xmlns:a14="http://schemas.microsoft.com/office/drawing/2010/main">
-        <mc:Choice Requires="a14">
+      <mc:AlternateContent xmlns:mc="http://schemas.openxmlformats.org/markup-compatibility/2006">
+        <mc:Choice xmlns:a14="http://schemas.microsoft.com/office/drawing/2010/main" Requires="a14">
           <p:sp>
             <p:nvSpPr>
               <p:cNvPr id="12291" name="Rectangle 3"/>
@@ -9639,11 +10516,43 @@
                       <a:srgbClr val="000000"/>
                     </a:solidFill>
                   </a:rPr>
-                  <a:t>Kết hợp mô hình văn bản và mô hình bộ dữ liệu</a:t>
+                  <a:t>Kết hợp </a:t>
+                </a:r>
+                <a:r>
+                  <a:rPr lang="vi-VN" sz="2800" dirty="0" smtClean="0">
+                    <a:solidFill>
+                      <a:srgbClr val="000000"/>
+                    </a:solidFill>
+                  </a:rPr>
+                  <a:t>văn </a:t>
+                </a:r>
+                <a:r>
+                  <a:rPr lang="vi-VN" sz="2800" dirty="0" smtClean="0">
+                    <a:solidFill>
+                      <a:srgbClr val="000000"/>
+                    </a:solidFill>
+                  </a:rPr>
+                  <a:t>bản và </a:t>
+                </a:r>
+                <a:r>
+                  <a:rPr lang="vi-VN" sz="2800" dirty="0" smtClean="0">
+                    <a:solidFill>
+                      <a:srgbClr val="000000"/>
+                    </a:solidFill>
+                  </a:rPr>
+                  <a:t>bộ </a:t>
+                </a:r>
+                <a:r>
+                  <a:rPr lang="vi-VN" sz="2800" dirty="0" smtClean="0">
+                    <a:solidFill>
+                      <a:srgbClr val="000000"/>
+                    </a:solidFill>
+                  </a:rPr>
+                  <a:t>dữ liệu</a:t>
                 </a:r>
               </a:p>
               <a:p>
-                <a:pPr marL="0" indent="0" algn="just" eaLnBrk="1" hangingPunct="1">
+                <a:pPr marL="0" indent="0" algn="ctr" eaLnBrk="1" hangingPunct="1">
                   <a:lnSpc>
                     <a:spcPct val="150000"/>
                   </a:lnSpc>
@@ -9851,7 +10760,7 @@
                 </a:r>
               </a:p>
               <a:p>
-                <a:pPr marL="0" indent="0" eaLnBrk="1" hangingPunct="1">
+                <a:pPr marL="0" indent="0" algn="ctr" eaLnBrk="1" hangingPunct="1">
                   <a:lnSpc>
                     <a:spcPct val="150000"/>
                   </a:lnSpc>
@@ -9860,7 +10769,7 @@
                 <a14:m>
                   <m:oMathPara xmlns:m="http://schemas.openxmlformats.org/officeDocument/2006/math">
                     <m:oMathParaPr>
-                      <m:jc m:val="left"/>
+                      <m:jc m:val="centerGroup"/>
                     </m:oMathParaPr>
                     <m:oMath xmlns:m="http://schemas.openxmlformats.org/officeDocument/2006/math">
                       <m:sSub>
@@ -10182,7 +11091,7 @@
             </p:txBody>
           </p:sp>
         </mc:Choice>
-        <mc:Fallback xmlns="">
+        <mc:Fallback>
           <p:sp>
             <p:nvSpPr>
               <p:cNvPr id="12291" name="Rectangle 3"/>
@@ -10201,7 +11110,7 @@
               <a:blipFill rotWithShape="1">
                 <a:blip r:embed="rId2"/>
                 <a:stretch>
-                  <a:fillRect l="-1461" t="-1855"/>
+                  <a:fillRect l="-292" t="-1855"/>
                 </a:stretch>
               </a:blipFill>
             </p:spPr>
@@ -10210,7 +11119,7 @@
               <a:lstStyle/>
               <a:p>
                 <a:r>
-                  <a:rPr lang="vi-VN">
+                  <a:rPr lang="en-US">
                     <a:noFill/>
                   </a:rPr>
                   <a:t> </a:t>
@@ -10243,7 +11152,7 @@
               <a:pPr>
                 <a:defRPr/>
               </a:pPr>
-              <a:t>13</a:t>
+              <a:t>14</a:t>
             </a:fld>
             <a:endParaRPr lang="vi-VN"/>
           </a:p>
@@ -10257,8 +11166,8 @@
         </p:nvSpPr>
         <p:spPr>
           <a:xfrm>
-            <a:off x="611560" y="5559623"/>
-            <a:ext cx="8136904" cy="461665"/>
+            <a:off x="539552" y="4797152"/>
+            <a:ext cx="8136904" cy="830997"/>
           </a:xfrm>
           <a:prstGeom prst="rect">
             <a:avLst/>
@@ -10272,12 +11181,62 @@
           <a:lstStyle/>
           <a:p>
             <a:r>
+              <a:rPr lang="en-US" sz="2400" b="0" dirty="0" err="1" smtClean="0">
+                <a:solidFill>
+                  <a:schemeClr val="tx2"/>
+                </a:solidFill>
+              </a:rPr>
+              <a:t>Thuật</a:t>
+            </a:r>
+            <a:r>
+              <a:rPr lang="en-US" sz="2400" b="0" dirty="0" smtClean="0">
+                <a:solidFill>
+                  <a:schemeClr val="tx2"/>
+                </a:solidFill>
+              </a:rPr>
+              <a:t> </a:t>
+            </a:r>
+            <a:r>
+              <a:rPr lang="en-US" sz="2400" b="0" dirty="0" err="1" smtClean="0">
+                <a:solidFill>
+                  <a:schemeClr val="tx2"/>
+                </a:solidFill>
+              </a:rPr>
+              <a:t>ngữ</a:t>
+            </a:r>
+            <a:r>
+              <a:rPr lang="en-US" sz="2400" b="0" dirty="0" smtClean="0">
+                <a:solidFill>
+                  <a:schemeClr val="tx2"/>
+                </a:solidFill>
+              </a:rPr>
+              <a:t>:</a:t>
+            </a:r>
+          </a:p>
+          <a:p>
+            <a:r>
+              <a:rPr lang="en-US" sz="2400" b="0" dirty="0">
+                <a:solidFill>
+                  <a:schemeClr val="tx2"/>
+                </a:solidFill>
+              </a:rPr>
+              <a:t>	</a:t>
+            </a:r>
+            <a:r>
               <a:rPr lang="vi-VN" sz="2400" b="0" dirty="0" smtClean="0">
                 <a:solidFill>
                   <a:schemeClr val="tx2"/>
                 </a:solidFill>
               </a:rPr>
-              <a:t>Làm mịn tuyến tính: Linear interpolation</a:t>
+              <a:t>Làm </a:t>
+            </a:r>
+            <a:r>
+              <a:rPr lang="vi-VN" sz="2400" b="0" dirty="0" smtClean="0">
+                <a:solidFill>
+                  <a:schemeClr val="tx2"/>
+                </a:solidFill>
+              </a:rPr>
+              <a:t>mịn tuyến tính: Linear interpolation</a:t>
             </a:r>
             <a:endParaRPr lang="vi-VN" sz="2400" b="0" dirty="0">
               <a:solidFill>
@@ -10300,7 +11259,7 @@
 </p:sld>
 </file>
 
-<file path=ppt/slides/slide14.xml><?xml version="1.0" encoding="utf-8"?>
+<file path=ppt/slides/slide15.xml><?xml version="1.0" encoding="utf-8"?>
 <p:sld xmlns:a="http://schemas.openxmlformats.org/drawingml/2006/main" xmlns:r="http://schemas.openxmlformats.org/officeDocument/2006/relationships" xmlns:p="http://schemas.openxmlformats.org/presentationml/2006/main">
   <p:cSld>
     <p:spTree>
@@ -10335,13 +11294,49 @@
             <a:pPr eaLnBrk="1" hangingPunct="1"/>
             <a:r>
               <a:rPr lang="vi-VN" sz="3600" dirty="0" smtClean="0"/>
-              <a:t>Đại lượng xếp hạng sau khi làm mịn</a:t>
+              <a:t>Đại lượng </a:t>
+            </a:r>
+            <a:r>
+              <a:rPr lang="en-US" sz="3600" dirty="0" err="1" smtClean="0"/>
+              <a:t>kết</a:t>
+            </a:r>
+            <a:r>
+              <a:rPr lang="en-US" sz="3600" dirty="0" smtClean="0"/>
+              <a:t> </a:t>
+            </a:r>
+            <a:r>
+              <a:rPr lang="en-US" sz="3600" dirty="0" err="1" smtClean="0"/>
+              <a:t>quả</a:t>
+            </a:r>
+            <a:r>
+              <a:rPr lang="en-US" sz="3600" dirty="0" smtClean="0"/>
+              <a:t> </a:t>
+            </a:r>
+            <a:r>
+              <a:rPr lang="en-US" sz="3600" dirty="0" err="1" smtClean="0"/>
+              <a:t>tìm</a:t>
+            </a:r>
+            <a:r>
+              <a:rPr lang="en-US" sz="3600" dirty="0" smtClean="0"/>
+              <a:t> </a:t>
+            </a:r>
+            <a:r>
+              <a:rPr lang="en-US" sz="3600" dirty="0" err="1" smtClean="0"/>
+              <a:t>kiếm</a:t>
+            </a:r>
+            <a:r>
+              <a:rPr lang="vi-VN" sz="3600" dirty="0" smtClean="0"/>
+              <a:t> </a:t>
+            </a:r>
+            <a:r>
+              <a:rPr lang="vi-VN" sz="3600" dirty="0" smtClean="0"/>
+              <a:t>sau khi làm mịn</a:t>
             </a:r>
           </a:p>
         </p:txBody>
       </p:sp>
-      <mc:AlternateContent xmlns:mc="http://schemas.openxmlformats.org/markup-compatibility/2006" xmlns:a14="http://schemas.microsoft.com/office/drawing/2010/main">
-        <mc:Choice Requires="a14">
+      <mc:AlternateContent xmlns:mc="http://schemas.openxmlformats.org/markup-compatibility/2006">
+        <mc:Choice xmlns:a14="http://schemas.microsoft.com/office/drawing/2010/main" Requires="a14">
           <p:sp>
             <p:nvSpPr>
               <p:cNvPr id="12291" name="Rectangle 3"/>
@@ -10354,8 +11349,8 @@
             </p:nvSpPr>
             <p:spPr>
               <a:xfrm>
-                <a:off x="611560" y="2017713"/>
-                <a:ext cx="8343528" cy="1555303"/>
+                <a:off x="611560" y="2132856"/>
+                <a:ext cx="8343528" cy="1483295"/>
               </a:xfrm>
             </p:spPr>
             <p:txBody>
@@ -10776,7 +11771,7 @@
             </p:txBody>
           </p:sp>
         </mc:Choice>
-        <mc:Fallback xmlns="">
+        <mc:Fallback>
           <p:sp>
             <p:nvSpPr>
               <p:cNvPr id="12291" name="Rectangle 3"/>
@@ -10789,13 +11784,13 @@
             </p:nvSpPr>
             <p:spPr>
               <a:xfrm>
-                <a:off x="611560" y="2017713"/>
-                <a:ext cx="8343528" cy="1555303"/>
+                <a:off x="611560" y="2132856"/>
+                <a:ext cx="8343528" cy="1483295"/>
               </a:xfrm>
               <a:blipFill rotWithShape="1">
                 <a:blip r:embed="rId2"/>
                 <a:stretch>
-                  <a:fillRect/>
+                  <a:fillRect l="-1461" b="-27160"/>
                 </a:stretch>
               </a:blipFill>
             </p:spPr>
@@ -10804,7 +11799,7 @@
               <a:lstStyle/>
               <a:p>
                 <a:r>
-                  <a:rPr lang="vi-VN">
+                  <a:rPr lang="en-US">
                     <a:noFill/>
                   </a:rPr>
                   <a:t> </a:t>
@@ -10837,7 +11832,7 @@
               <a:pPr>
                 <a:defRPr/>
               </a:pPr>
-              <a:t>14</a:t>
+              <a:t>15</a:t>
             </a:fld>
             <a:endParaRPr lang="vi-VN"/>
           </a:p>
@@ -10851,7 +11846,7 @@
         </p:nvSpPr>
         <p:spPr>
           <a:xfrm>
-            <a:off x="611560" y="3933056"/>
+            <a:off x="611560" y="3789040"/>
             <a:ext cx="8424936" cy="830997"/>
           </a:xfrm>
           <a:prstGeom prst="rect">
@@ -10998,7 +11993,7 @@
 </p:sld>
 </file>
 
-<file path=ppt/slides/slide15.xml><?xml version="1.0" encoding="utf-8"?>
+<file path=ppt/slides/slide16.xml><?xml version="1.0" encoding="utf-8"?>
 <p:sld xmlns:a="http://schemas.openxmlformats.org/drawingml/2006/main" xmlns:r="http://schemas.openxmlformats.org/officeDocument/2006/relationships" xmlns:p="http://schemas.openxmlformats.org/presentationml/2006/main">
   <p:cSld>
     <p:spTree>
@@ -11225,7 +12220,7 @@
               <a:pPr>
                 <a:defRPr/>
               </a:pPr>
-              <a:t>15</a:t>
+              <a:t>16</a:t>
             </a:fld>
             <a:endParaRPr lang="vi-VN"/>
           </a:p>
@@ -11239,7 +12234,7 @@
 </p:sld>
 </file>
 
-<file path=ppt/slides/slide16.xml><?xml version="1.0" encoding="utf-8"?>
+<file path=ppt/slides/slide17.xml><?xml version="1.0" encoding="utf-8"?>
 <p:sld xmlns:a="http://schemas.openxmlformats.org/drawingml/2006/main" xmlns:r="http://schemas.openxmlformats.org/officeDocument/2006/relationships" xmlns:p="http://schemas.openxmlformats.org/presentationml/2006/main">
   <p:cSld>
     <p:spTree>
@@ -11409,7 +12404,7 @@
               <a:pPr>
                 <a:defRPr/>
               </a:pPr>
-              <a:t>16</a:t>
+              <a:t>17</a:t>
             </a:fld>
             <a:endParaRPr lang="vi-VN"/>
           </a:p>
@@ -11423,7 +12418,7 @@
 </p:sld>
 </file>
 
-<file path=ppt/slides/slide17.xml><?xml version="1.0" encoding="utf-8"?>
+<file path=ppt/slides/slide18.xml><?xml version="1.0" encoding="utf-8"?>
 <p:sld xmlns:a="http://schemas.openxmlformats.org/drawingml/2006/main" xmlns:r="http://schemas.openxmlformats.org/officeDocument/2006/relationships" xmlns:p="http://schemas.openxmlformats.org/presentationml/2006/main">
   <p:cSld>
     <p:spTree>
@@ -11670,7 +12665,7 @@
               <a:pPr>
                 <a:defRPr/>
               </a:pPr>
-              <a:t>17</a:t>
+              <a:t>18</a:t>
             </a:fld>
             <a:endParaRPr lang="vi-VN"/>
           </a:p>
@@ -11696,7 +12691,7 @@
 </p:sld>
 </file>
 
-<file path=ppt/slides/slide18.xml><?xml version="1.0" encoding="utf-8"?>
+<file path=ppt/slides/slide19.xml><?xml version="1.0" encoding="utf-8"?>
 <p:sld xmlns:a="http://schemas.openxmlformats.org/drawingml/2006/main" xmlns:r="http://schemas.openxmlformats.org/officeDocument/2006/relationships" xmlns:p="http://schemas.openxmlformats.org/presentationml/2006/main">
   <p:cSld>
     <p:spTree>
@@ -11836,292 +12831,6 @@
       <p:sp>
         <p:nvSpPr>
           <p:cNvPr id="2" name="Slide Number Placeholder 1"/>
-          <p:cNvSpPr>
-            <a:spLocks noGrp="1"/>
-          </p:cNvSpPr>
-          <p:nvPr>
-            <p:ph type="sldNum" sz="quarter" idx="12"/>
-          </p:nvPr>
-        </p:nvSpPr>
-        <p:spPr/>
-        <p:txBody>
-          <a:bodyPr/>
-          <a:lstStyle/>
-          <a:p>
-            <a:pPr>
-              <a:defRPr/>
-            </a:pPr>
-            <a:fld id="{18D75DDA-CB64-4086-83FF-BB38D2754AC9}" type="slidenum">
-              <a:rPr lang="vi-VN" smtClean="0"/>
-              <a:pPr>
-                <a:defRPr/>
-              </a:pPr>
-              <a:t>18</a:t>
-            </a:fld>
-            <a:endParaRPr lang="vi-VN"/>
-          </a:p>
-        </p:txBody>
-      </p:sp>
-    </p:spTree>
-  </p:cSld>
-  <p:clrMapOvr>
-    <a:masterClrMapping/>
-  </p:clrMapOvr>
-</p:sld>
-</file>
-
-<file path=ppt/slides/slide19.xml><?xml version="1.0" encoding="utf-8"?>
-<p:sld xmlns:a="http://schemas.openxmlformats.org/drawingml/2006/main" xmlns:r="http://schemas.openxmlformats.org/officeDocument/2006/relationships" xmlns:p="http://schemas.openxmlformats.org/presentationml/2006/main">
-  <p:cSld>
-    <p:spTree>
-      <p:nvGrpSpPr>
-        <p:cNvPr id="1" name=""/>
-        <p:cNvGrpSpPr/>
-        <p:nvPr/>
-      </p:nvGrpSpPr>
-      <p:grpSpPr>
-        <a:xfrm>
-          <a:off x="0" y="0"/>
-          <a:ext cx="0" cy="0"/>
-          <a:chOff x="0" y="0"/>
-          <a:chExt cx="0" cy="0"/>
-        </a:xfrm>
-      </p:grpSpPr>
-      <p:sp>
-        <p:nvSpPr>
-          <p:cNvPr id="15362" name="Rectangle 2"/>
-          <p:cNvSpPr>
-            <a:spLocks noGrp="1" noChangeArrowheads="1"/>
-          </p:cNvSpPr>
-          <p:nvPr>
-            <p:ph type="title"/>
-          </p:nvPr>
-        </p:nvSpPr>
-        <p:spPr/>
-        <p:txBody>
-          <a:bodyPr/>
-          <a:lstStyle/>
-          <a:p>
-            <a:pPr eaLnBrk="1" hangingPunct="1"/>
-            <a:r>
-              <a:rPr lang="en-US" sz="3600" dirty="0" err="1" smtClean="0"/>
-              <a:t>Ví</a:t>
-            </a:r>
-            <a:r>
-              <a:rPr lang="en-US" sz="3600" dirty="0" smtClean="0"/>
-              <a:t> </a:t>
-            </a:r>
-            <a:r>
-              <a:rPr lang="en-US" sz="3600" dirty="0" err="1" smtClean="0"/>
-              <a:t>dụ</a:t>
-            </a:r>
-            <a:r>
-              <a:rPr lang="en-US" sz="3600" dirty="0" smtClean="0"/>
-              <a:t> 1</a:t>
-            </a:r>
-            <a:endParaRPr lang="vi-VN" sz="3600" dirty="0" smtClean="0"/>
-          </a:p>
-        </p:txBody>
-      </p:sp>
-      <p:sp>
-        <p:nvSpPr>
-          <p:cNvPr id="15363" name="Rectangle 3"/>
-          <p:cNvSpPr>
-            <a:spLocks noGrp="1" noChangeArrowheads="1"/>
-          </p:cNvSpPr>
-          <p:nvPr>
-            <p:ph type="body" idx="1"/>
-          </p:nvPr>
-        </p:nvSpPr>
-        <p:spPr>
-          <a:xfrm>
-            <a:off x="611560" y="2017713"/>
-            <a:ext cx="8343528" cy="4114800"/>
-          </a:xfrm>
-        </p:spPr>
-        <p:txBody>
-          <a:bodyPr/>
-          <a:lstStyle/>
-          <a:p>
-            <a:pPr algn="just" eaLnBrk="1" hangingPunct="1"/>
-            <a:r>
-              <a:rPr lang="vi-VN" sz="2400" dirty="0" smtClean="0">
-                <a:solidFill>
-                  <a:srgbClr val="000000"/>
-                </a:solidFill>
-              </a:rPr>
-              <a:t>Bộ dữ liệu: </a:t>
-            </a:r>
-            <a:r>
-              <a:rPr lang="en-US" sz="2400" i="1" dirty="0" smtClean="0">
-                <a:solidFill>
-                  <a:srgbClr val="000000"/>
-                </a:solidFill>
-              </a:rPr>
-              <a:t>d</a:t>
-            </a:r>
-            <a:r>
-              <a:rPr lang="en-US" sz="2400" i="1" baseline="-25000" dirty="0" smtClean="0">
-                <a:solidFill>
-                  <a:srgbClr val="000000"/>
-                </a:solidFill>
-              </a:rPr>
-              <a:t>1</a:t>
-            </a:r>
-            <a:r>
-              <a:rPr lang="en-US" sz="2400" dirty="0" smtClean="0">
-                <a:solidFill>
-                  <a:srgbClr val="000000"/>
-                </a:solidFill>
-              </a:rPr>
-              <a:t> </a:t>
-            </a:r>
-            <a:r>
-              <a:rPr lang="en-US" sz="2400" dirty="0" err="1" smtClean="0">
-                <a:solidFill>
-                  <a:srgbClr val="000000"/>
-                </a:solidFill>
-              </a:rPr>
-              <a:t>và</a:t>
-            </a:r>
-            <a:r>
-              <a:rPr lang="en-US" sz="2400" dirty="0" smtClean="0">
-                <a:solidFill>
-                  <a:srgbClr val="000000"/>
-                </a:solidFill>
-              </a:rPr>
-              <a:t> </a:t>
-            </a:r>
-            <a:r>
-              <a:rPr lang="en-US" sz="2400" i="1" dirty="0" smtClean="0">
-                <a:solidFill>
-                  <a:srgbClr val="000000"/>
-                </a:solidFill>
-              </a:rPr>
-              <a:t>d</a:t>
-            </a:r>
-            <a:r>
-              <a:rPr lang="en-US" sz="2400" i="1" baseline="-25000" dirty="0" smtClean="0">
-                <a:solidFill>
-                  <a:srgbClr val="000000"/>
-                </a:solidFill>
-              </a:rPr>
-              <a:t>2</a:t>
-            </a:r>
-          </a:p>
-          <a:p>
-            <a:pPr algn="just" eaLnBrk="1" hangingPunct="1"/>
-            <a:r>
-              <a:rPr lang="en-US" sz="2400" i="1" dirty="0" smtClean="0">
-                <a:solidFill>
-                  <a:srgbClr val="000000"/>
-                </a:solidFill>
-              </a:rPr>
-              <a:t>d</a:t>
-            </a:r>
-            <a:r>
-              <a:rPr lang="en-US" sz="2400" i="1" baseline="-25000" dirty="0" smtClean="0">
-                <a:solidFill>
-                  <a:srgbClr val="000000"/>
-                </a:solidFill>
-              </a:rPr>
-              <a:t>1</a:t>
-            </a:r>
-            <a:r>
-              <a:rPr lang="en-US" sz="2400" dirty="0" smtClean="0">
-                <a:solidFill>
-                  <a:srgbClr val="000000"/>
-                </a:solidFill>
-              </a:rPr>
-              <a:t>: Jackson was one of the most talented entertainers of all time</a:t>
-            </a:r>
-          </a:p>
-          <a:p>
-            <a:pPr algn="just" eaLnBrk="1" hangingPunct="1"/>
-            <a:r>
-              <a:rPr lang="en-US" sz="2400" i="1" dirty="0" smtClean="0">
-                <a:solidFill>
-                  <a:srgbClr val="000000"/>
-                </a:solidFill>
-              </a:rPr>
-              <a:t>d</a:t>
-            </a:r>
-            <a:r>
-              <a:rPr lang="en-US" sz="2400" i="1" baseline="-25000" dirty="0" smtClean="0">
-                <a:solidFill>
-                  <a:srgbClr val="000000"/>
-                </a:solidFill>
-              </a:rPr>
-              <a:t>2</a:t>
-            </a:r>
-            <a:r>
-              <a:rPr lang="en-US" sz="2400" dirty="0" smtClean="0">
-                <a:solidFill>
-                  <a:srgbClr val="000000"/>
-                </a:solidFill>
-              </a:rPr>
-              <a:t>: Michael Jackson anointed himself King of Pop </a:t>
-            </a:r>
-          </a:p>
-          <a:p>
-            <a:pPr algn="just" eaLnBrk="1" hangingPunct="1"/>
-            <a:r>
-              <a:rPr lang="vi-VN" sz="2400" dirty="0" smtClean="0">
-                <a:solidFill>
-                  <a:srgbClr val="000000"/>
-                </a:solidFill>
-              </a:rPr>
-              <a:t>Truy vấn </a:t>
-            </a:r>
-            <a:r>
-              <a:rPr lang="vi-VN" sz="2400" i="1" dirty="0" smtClean="0">
-                <a:solidFill>
-                  <a:srgbClr val="000000"/>
-                </a:solidFill>
-              </a:rPr>
-              <a:t>q</a:t>
-            </a:r>
-            <a:r>
-              <a:rPr lang="vi-VN" sz="2400" dirty="0" smtClean="0">
-                <a:solidFill>
-                  <a:srgbClr val="000000"/>
-                </a:solidFill>
-              </a:rPr>
-              <a:t>: Michael Jackson </a:t>
-            </a:r>
-          </a:p>
-          <a:p>
-            <a:pPr algn="just" eaLnBrk="1" hangingPunct="1"/>
-            <a:r>
-              <a:rPr lang="vi-VN" sz="2400" dirty="0" smtClean="0">
-                <a:solidFill>
-                  <a:srgbClr val="000000"/>
-                </a:solidFill>
-              </a:rPr>
-              <a:t>Xêp hạng văn bản theo mô hình ngôn ngữ, sử dụng làm mịn tyến tính với </a:t>
-            </a:r>
-            <a:r>
-              <a:rPr lang="el-GR" sz="2400" i="1" dirty="0" smtClean="0">
-                <a:solidFill>
-                  <a:srgbClr val="000000"/>
-                </a:solidFill>
-              </a:rPr>
-              <a:t>λ </a:t>
-            </a:r>
-            <a:r>
-              <a:rPr lang="en-US" sz="2400" dirty="0" smtClean="0">
-                <a:solidFill>
-                  <a:srgbClr val="000000"/>
-                </a:solidFill>
-              </a:rPr>
-              <a:t>= 0.5</a:t>
-            </a:r>
-          </a:p>
-        </p:txBody>
-      </p:sp>
-      <p:sp>
-        <p:nvSpPr>
-          <p:cNvPr id="3" name="Slide Number Placeholder 2"/>
           <p:cNvSpPr>
             <a:spLocks noGrp="1"/>
           </p:cNvSpPr>
@@ -12353,9 +13062,22 @@
           <a:p>
             <a:pPr eaLnBrk="1" hangingPunct="1"/>
             <a:r>
-              <a:rPr lang="vi-VN" sz="3600" dirty="0" smtClean="0"/>
-              <a:t>Ví dụ 1</a:t>
-            </a:r>
+              <a:rPr lang="en-US" sz="3600" dirty="0" err="1" smtClean="0"/>
+              <a:t>Ví</a:t>
+            </a:r>
+            <a:r>
+              <a:rPr lang="en-US" sz="3600" dirty="0" smtClean="0"/>
+              <a:t> </a:t>
+            </a:r>
+            <a:r>
+              <a:rPr lang="en-US" sz="3600" dirty="0" err="1" smtClean="0"/>
+              <a:t>dụ</a:t>
+            </a:r>
+            <a:r>
+              <a:rPr lang="en-US" sz="3600" dirty="0" smtClean="0"/>
+              <a:t> 1</a:t>
+            </a:r>
+            <a:endParaRPr lang="vi-VN" sz="3600" dirty="0" smtClean="0"/>
           </a:p>
         </p:txBody>
       </p:sp>
@@ -12381,12 +13103,28 @@
           <a:p>
             <a:pPr algn="just" eaLnBrk="1" hangingPunct="1"/>
             <a:r>
+              <a:rPr lang="vi-VN" sz="2400" dirty="0" smtClean="0">
+                <a:solidFill>
+                  <a:srgbClr val="000000"/>
+                </a:solidFill>
+              </a:rPr>
+              <a:t>Bộ dữ liệu: </a:t>
+            </a:r>
+            <a:r>
               <a:rPr lang="en-US" sz="2400" i="1" dirty="0" smtClean="0">
                 <a:solidFill>
                   <a:srgbClr val="000000"/>
                 </a:solidFill>
               </a:rPr>
-              <a:t>RSV</a:t>
+              <a:t>d</a:t>
+            </a:r>
+            <a:r>
+              <a:rPr lang="en-US" sz="2400" i="1" baseline="-25000" dirty="0" smtClean="0">
+                <a:solidFill>
+                  <a:srgbClr val="000000"/>
+                </a:solidFill>
+              </a:rPr>
+              <a:t>1</a:t>
             </a:r>
             <a:r>
               <a:rPr lang="en-US" sz="2400" dirty="0" smtClean="0">
@@ -12394,7 +13132,23 @@
                   <a:srgbClr val="000000"/>
                 </a:solidFill>
               </a:rPr>
-              <a:t>(</a:t>
+              <a:t> </a:t>
+            </a:r>
+            <a:r>
+              <a:rPr lang="en-US" sz="2400" dirty="0" err="1" smtClean="0">
+                <a:solidFill>
+                  <a:srgbClr val="000000"/>
+                </a:solidFill>
+              </a:rPr>
+              <a:t>và</a:t>
+            </a:r>
+            <a:r>
+              <a:rPr lang="en-US" sz="2400" dirty="0" smtClean="0">
+                <a:solidFill>
+                  <a:srgbClr val="000000"/>
+                </a:solidFill>
+              </a:rPr>
+              <a:t> </a:t>
             </a:r>
             <a:r>
               <a:rPr lang="en-US" sz="2400" i="1" dirty="0" smtClean="0">
@@ -12402,31 +13156,115 @@
                   <a:srgbClr val="000000"/>
                 </a:solidFill>
               </a:rPr>
+              <a:t>d</a:t>
+            </a:r>
+            <a:r>
+              <a:rPr lang="en-US" sz="2400" i="1" baseline="-25000" dirty="0" smtClean="0">
+                <a:solidFill>
+                  <a:srgbClr val="000000"/>
+                </a:solidFill>
+              </a:rPr>
+              <a:t>2</a:t>
+            </a:r>
+          </a:p>
+          <a:p>
+            <a:pPr algn="just" eaLnBrk="1" hangingPunct="1"/>
+            <a:r>
+              <a:rPr lang="en-US" sz="2400" i="1" dirty="0" smtClean="0">
+                <a:solidFill>
+                  <a:srgbClr val="000000"/>
+                </a:solidFill>
+              </a:rPr>
+              <a:t>d</a:t>
+            </a:r>
+            <a:r>
+              <a:rPr lang="en-US" sz="2400" i="1" baseline="-25000" dirty="0" smtClean="0">
+                <a:solidFill>
+                  <a:srgbClr val="000000"/>
+                </a:solidFill>
+              </a:rPr>
+              <a:t>1</a:t>
+            </a:r>
+            <a:r>
+              <a:rPr lang="en-US" sz="2400" dirty="0" smtClean="0">
+                <a:solidFill>
+                  <a:srgbClr val="000000"/>
+                </a:solidFill>
+              </a:rPr>
+              <a:t>: Jackson was one of the most talented entertainers of all time</a:t>
+            </a:r>
+          </a:p>
+          <a:p>
+            <a:pPr algn="just" eaLnBrk="1" hangingPunct="1"/>
+            <a:r>
+              <a:rPr lang="en-US" sz="2400" i="1" dirty="0" smtClean="0">
+                <a:solidFill>
+                  <a:srgbClr val="000000"/>
+                </a:solidFill>
+              </a:rPr>
+              <a:t>d</a:t>
+            </a:r>
+            <a:r>
+              <a:rPr lang="en-US" sz="2400" i="1" baseline="-25000" dirty="0" smtClean="0">
+                <a:solidFill>
+                  <a:srgbClr val="000000"/>
+                </a:solidFill>
+              </a:rPr>
+              <a:t>2</a:t>
+            </a:r>
+            <a:r>
+              <a:rPr lang="en-US" sz="2400" dirty="0" smtClean="0">
+                <a:solidFill>
+                  <a:srgbClr val="000000"/>
+                </a:solidFill>
+              </a:rPr>
+              <a:t>: Michael Jackson anointed himself King of Pop </a:t>
+            </a:r>
+          </a:p>
+          <a:p>
+            <a:pPr algn="just" eaLnBrk="1" hangingPunct="1"/>
+            <a:r>
+              <a:rPr lang="vi-VN" sz="2400" dirty="0" smtClean="0">
+                <a:solidFill>
+                  <a:srgbClr val="000000"/>
+                </a:solidFill>
+              </a:rPr>
+              <a:t>Truy vấn </a:t>
+            </a:r>
+            <a:r>
+              <a:rPr lang="vi-VN" sz="2400" i="1" dirty="0" smtClean="0">
+                <a:solidFill>
+                  <a:srgbClr val="000000"/>
+                </a:solidFill>
+              </a:rPr>
               <a:t>q</a:t>
             </a:r>
             <a:r>
-              <a:rPr lang="en-US" sz="2400" dirty="0">
-                <a:solidFill>
-                  <a:srgbClr val="000000"/>
-                </a:solidFill>
-              </a:rPr>
-              <a:t>,</a:t>
-            </a:r>
-            <a:r>
-              <a:rPr lang="en-US" sz="2400" i="1" dirty="0" smtClean="0">
-                <a:solidFill>
-                  <a:srgbClr val="000000"/>
-                </a:solidFill>
-              </a:rPr>
-              <a:t>d</a:t>
-            </a:r>
-            <a:r>
-              <a:rPr lang="en-US" sz="2400" i="1" baseline="-25000" dirty="0" smtClean="0">
-                <a:solidFill>
-                  <a:srgbClr val="000000"/>
-                </a:solidFill>
-              </a:rPr>
-              <a:t>1</a:t>
+              <a:rPr lang="vi-VN" sz="2400" dirty="0" smtClean="0">
+                <a:solidFill>
+                  <a:srgbClr val="000000"/>
+                </a:solidFill>
+              </a:rPr>
+              <a:t>: Michael Jackson </a:t>
+            </a:r>
+          </a:p>
+          <a:p>
+            <a:pPr algn="just" eaLnBrk="1" hangingPunct="1"/>
+            <a:r>
+              <a:rPr lang="vi-VN" sz="2400" dirty="0" smtClean="0">
+                <a:solidFill>
+                  <a:srgbClr val="000000"/>
+                </a:solidFill>
+              </a:rPr>
+              <a:t>Xêp hạng văn bản theo mô hình ngôn ngữ, sử dụng làm mịn tyến tính với </a:t>
+            </a:r>
+            <a:r>
+              <a:rPr lang="el-GR" sz="2400" i="1" dirty="0" smtClean="0">
+                <a:solidFill>
+                  <a:srgbClr val="000000"/>
+                </a:solidFill>
+              </a:rPr>
+              <a:t>λ </a:t>
             </a:r>
             <a:r>
               <a:rPr lang="en-US" sz="2400" dirty="0" smtClean="0">
@@ -12434,136 +13272,14 @@
                   <a:srgbClr val="000000"/>
                 </a:solidFill>
               </a:rPr>
-              <a:t>) = [(0/11 + 1/18)/2] x [(1/11 + 2/18)/2] ≈ 0.003</a:t>
-            </a:r>
-          </a:p>
-          <a:p>
-            <a:pPr algn="just" eaLnBrk="1" hangingPunct="1"/>
-            <a:r>
-              <a:rPr lang="en-US" sz="2400" i="1" dirty="0" smtClean="0">
-                <a:solidFill>
-                  <a:srgbClr val="000000"/>
-                </a:solidFill>
-              </a:rPr>
-              <a:t>RSV</a:t>
-            </a:r>
-            <a:r>
-              <a:rPr lang="en-US" sz="2400" dirty="0" smtClean="0">
-                <a:solidFill>
-                  <a:srgbClr val="000000"/>
-                </a:solidFill>
-              </a:rPr>
-              <a:t>(</a:t>
-            </a:r>
-            <a:r>
-              <a:rPr lang="en-US" sz="2400" i="1" dirty="0" smtClean="0">
-                <a:solidFill>
-                  <a:srgbClr val="000000"/>
-                </a:solidFill>
-              </a:rPr>
-              <a:t>q</a:t>
-            </a:r>
-            <a:r>
-              <a:rPr lang="en-US" sz="2400" dirty="0" smtClean="0">
-                <a:solidFill>
-                  <a:srgbClr val="000000"/>
-                </a:solidFill>
-              </a:rPr>
-              <a:t>,</a:t>
-            </a:r>
-            <a:r>
-              <a:rPr lang="en-US" sz="2400" i="1" dirty="0" smtClean="0">
-                <a:solidFill>
-                  <a:srgbClr val="000000"/>
-                </a:solidFill>
-              </a:rPr>
-              <a:t>d</a:t>
-            </a:r>
-            <a:r>
-              <a:rPr lang="en-US" sz="2400" i="1" baseline="-25000" dirty="0" smtClean="0">
-                <a:solidFill>
-                  <a:srgbClr val="000000"/>
-                </a:solidFill>
-              </a:rPr>
-              <a:t>2</a:t>
-            </a:r>
-            <a:r>
-              <a:rPr lang="en-US" sz="2400" dirty="0" smtClean="0">
-                <a:solidFill>
-                  <a:srgbClr val="000000"/>
-                </a:solidFill>
-              </a:rPr>
-              <a:t>) = [(1/7 + 1/18)/2] x [(1/7 + 2/18)/2] ≈ 0.013</a:t>
-            </a:r>
-          </a:p>
-          <a:p>
-            <a:pPr marL="0" indent="0" algn="just" eaLnBrk="1" hangingPunct="1">
-              <a:buNone/>
-            </a:pPr>
-            <a:endParaRPr lang="en-US" sz="2400" i="1" dirty="0" smtClean="0">
-              <a:solidFill>
-                <a:srgbClr val="000000"/>
-              </a:solidFill>
-            </a:endParaRPr>
-          </a:p>
-          <a:p>
-            <a:pPr marL="0" indent="0" algn="just" eaLnBrk="1" hangingPunct="1">
-              <a:buNone/>
-            </a:pPr>
-            <a:r>
-              <a:rPr lang="vi-VN" sz="2400" i="1" dirty="0" smtClean="0">
-                <a:solidFill>
-                  <a:srgbClr val="000000"/>
-                </a:solidFill>
-              </a:rPr>
-              <a:t>d</a:t>
-            </a:r>
-            <a:r>
-              <a:rPr lang="vi-VN" sz="2400" i="1" baseline="-25000" dirty="0" smtClean="0">
-                <a:solidFill>
-                  <a:srgbClr val="000000"/>
-                </a:solidFill>
-              </a:rPr>
-              <a:t>2</a:t>
-            </a:r>
-            <a:r>
-              <a:rPr lang="vi-VN" sz="2400" i="1" dirty="0" smtClean="0">
-                <a:solidFill>
-                  <a:srgbClr val="000000"/>
-                </a:solidFill>
-              </a:rPr>
-              <a:t> </a:t>
-            </a:r>
-            <a:r>
-              <a:rPr lang="vi-VN" sz="2400" dirty="0" smtClean="0">
-                <a:solidFill>
-                  <a:srgbClr val="000000"/>
-                </a:solidFill>
-              </a:rPr>
-              <a:t>được xếp hạng cao hơn </a:t>
-            </a:r>
-            <a:r>
-              <a:rPr lang="vi-VN" sz="2400" i="1" dirty="0" smtClean="0">
-                <a:solidFill>
-                  <a:srgbClr val="000000"/>
-                </a:solidFill>
-              </a:rPr>
-              <a:t>d</a:t>
-            </a:r>
-            <a:r>
-              <a:rPr lang="vi-VN" sz="2400" baseline="-25000" dirty="0" smtClean="0">
-                <a:solidFill>
-                  <a:srgbClr val="000000"/>
-                </a:solidFill>
-              </a:rPr>
-              <a:t>1</a:t>
+              <a:t>= 0.5</a:t>
             </a:r>
           </a:p>
         </p:txBody>
       </p:sp>
       <p:sp>
         <p:nvSpPr>
-          <p:cNvPr id="2" name="Slide Number Placeholder 1"/>
+          <p:cNvPr id="3" name="Slide Number Placeholder 2"/>
           <p:cNvSpPr>
             <a:spLocks noGrp="1"/>
           </p:cNvSpPr>
@@ -12591,11 +13307,6 @@
         </p:txBody>
       </p:sp>
     </p:spTree>
-    <p:extLst>
-      <p:ext uri="{BB962C8B-B14F-4D97-AF65-F5344CB8AC3E}">
-        <p14:creationId xmlns:p14="http://schemas.microsoft.com/office/powerpoint/2010/main" val="2940269642"/>
-      </p:ext>
-    </p:extLst>
   </p:cSld>
   <p:clrMapOvr>
     <a:masterClrMapping/>
@@ -12622,7 +13333,7 @@
       </p:grpSpPr>
       <p:sp>
         <p:nvSpPr>
-          <p:cNvPr id="16386" name="Rectangle 2"/>
+          <p:cNvPr id="15362" name="Rectangle 2"/>
           <p:cNvSpPr>
             <a:spLocks noGrp="1" noChangeArrowheads="1"/>
           </p:cNvSpPr>
@@ -12638,14 +13349,14 @@
             <a:pPr eaLnBrk="1" hangingPunct="1"/>
             <a:r>
               <a:rPr lang="vi-VN" sz="3600" dirty="0" smtClean="0"/>
-              <a:t>Ví dụ 2</a:t>
+              <a:t>Ví dụ 1</a:t>
             </a:r>
           </a:p>
         </p:txBody>
       </p:sp>
       <p:sp>
         <p:nvSpPr>
-          <p:cNvPr id="16387" name="Rectangle 3"/>
+          <p:cNvPr id="15363" name="Rectangle 3"/>
           <p:cNvSpPr>
             <a:spLocks noGrp="1" noChangeArrowheads="1"/>
           </p:cNvSpPr>
@@ -12663,54 +13374,14 @@
           <a:bodyPr/>
           <a:lstStyle/>
           <a:p>
-            <a:pPr eaLnBrk="1" hangingPunct="1"/>
-            <a:r>
-              <a:rPr lang="en-US" sz="2400" i="1" u="sng" dirty="0" err="1" smtClean="0">
-                <a:solidFill>
-                  <a:srgbClr val="000000"/>
-                </a:solidFill>
-              </a:rPr>
-              <a:t>Bộ</a:t>
-            </a:r>
-            <a:r>
-              <a:rPr lang="en-US" sz="2400" i="1" u="sng" dirty="0" smtClean="0">
-                <a:solidFill>
-                  <a:srgbClr val="000000"/>
-                </a:solidFill>
-              </a:rPr>
-              <a:t> </a:t>
-            </a:r>
-            <a:r>
-              <a:rPr lang="en-US" sz="2400" i="1" u="sng" dirty="0" err="1" smtClean="0">
-                <a:solidFill>
-                  <a:srgbClr val="000000"/>
-                </a:solidFill>
-              </a:rPr>
-              <a:t>dữ</a:t>
-            </a:r>
-            <a:r>
-              <a:rPr lang="en-US" sz="2400" i="1" u="sng" dirty="0" smtClean="0">
-                <a:solidFill>
-                  <a:srgbClr val="000000"/>
-                </a:solidFill>
-              </a:rPr>
-              <a:t> </a:t>
-            </a:r>
-            <a:r>
-              <a:rPr lang="en-US" sz="2400" i="1" u="sng" dirty="0" err="1" smtClean="0">
-                <a:solidFill>
-                  <a:srgbClr val="000000"/>
-                </a:solidFill>
-              </a:rPr>
-              <a:t>liệu</a:t>
-            </a:r>
-            <a:r>
-              <a:rPr lang="en-US" sz="2400" i="1" u="sng" dirty="0" smtClean="0">
-                <a:solidFill>
-                  <a:srgbClr val="000000"/>
-                </a:solidFill>
-              </a:rPr>
-              <a:t>:</a:t>
+            <a:pPr algn="just" eaLnBrk="1" hangingPunct="1"/>
+            <a:r>
+              <a:rPr lang="en-US" sz="2400" i="1" dirty="0" smtClean="0">
+                <a:solidFill>
+                  <a:srgbClr val="000000"/>
+                </a:solidFill>
+              </a:rPr>
+              <a:t>RSV</a:t>
             </a:r>
             <a:r>
               <a:rPr lang="en-US" sz="2400" dirty="0" smtClean="0">
@@ -12718,7 +13389,7 @@
                   <a:srgbClr val="000000"/>
                 </a:solidFill>
               </a:rPr>
-              <a:t> </a:t>
+              <a:t>(</a:t>
             </a:r>
             <a:r>
               <a:rPr lang="en-US" sz="2400" i="1" dirty="0" smtClean="0">
@@ -12726,6 +13397,22 @@
                   <a:srgbClr val="000000"/>
                 </a:solidFill>
               </a:rPr>
+              <a:t>q</a:t>
+            </a:r>
+            <a:r>
+              <a:rPr lang="en-US" sz="2400" dirty="0">
+                <a:solidFill>
+                  <a:srgbClr val="000000"/>
+                </a:solidFill>
+              </a:rPr>
+              <a:t>,</a:t>
+            </a:r>
+            <a:r>
+              <a:rPr lang="en-US" sz="2400" i="1" dirty="0" smtClean="0">
+                <a:solidFill>
+                  <a:srgbClr val="000000"/>
+                </a:solidFill>
+              </a:rPr>
               <a:t>d</a:t>
             </a:r>
             <a:r>
@@ -12742,15 +13429,18 @@
                   <a:srgbClr val="000000"/>
                 </a:solidFill>
               </a:rPr>
-              <a:t> </a:t>
-            </a:r>
-            <a:r>
-              <a:rPr lang="en-US" sz="2400" dirty="0" err="1" smtClean="0">
-                <a:solidFill>
-                  <a:srgbClr val="000000"/>
-                </a:solidFill>
-              </a:rPr>
-              <a:t>và</a:t>
+              <a:t>) = [(0/11 + 1/18)/2] x [(1/11 + 2/18)/2] ≈ 0.003</a:t>
+            </a:r>
+          </a:p>
+          <a:p>
+            <a:pPr algn="just" eaLnBrk="1" hangingPunct="1"/>
+            <a:r>
+              <a:rPr lang="en-US" sz="2400" i="1" dirty="0" smtClean="0">
+                <a:solidFill>
+                  <a:srgbClr val="000000"/>
+                </a:solidFill>
+              </a:rPr>
+              <a:t>RSV</a:t>
             </a:r>
             <a:r>
               <a:rPr lang="en-US" sz="2400" dirty="0" smtClean="0">
@@ -12758,7 +13448,7 @@
                   <a:srgbClr val="000000"/>
                 </a:solidFill>
               </a:rPr>
-              <a:t> </a:t>
+              <a:t>(</a:t>
             </a:r>
             <a:r>
               <a:rPr lang="en-US" sz="2400" i="1" dirty="0" smtClean="0">
@@ -12766,6 +13456,22 @@
                   <a:srgbClr val="000000"/>
                 </a:solidFill>
               </a:rPr>
+              <a:t>q</a:t>
+            </a:r>
+            <a:r>
+              <a:rPr lang="en-US" sz="2400" dirty="0" smtClean="0">
+                <a:solidFill>
+                  <a:srgbClr val="000000"/>
+                </a:solidFill>
+              </a:rPr>
+              <a:t>,</a:t>
+            </a:r>
+            <a:r>
+              <a:rPr lang="en-US" sz="2400" i="1" dirty="0" smtClean="0">
+                <a:solidFill>
+                  <a:srgbClr val="000000"/>
+                </a:solidFill>
+              </a:rPr>
               <a:t>d</a:t>
             </a:r>
             <a:r>
@@ -12776,162 +13482,77 @@
               </a:rPr>
               <a:t>2</a:t>
             </a:r>
-          </a:p>
-          <a:p>
-            <a:pPr eaLnBrk="1" hangingPunct="1"/>
-            <a:r>
-              <a:rPr lang="en-US" sz="2400" i="1" dirty="0" smtClean="0">
-                <a:solidFill>
-                  <a:srgbClr val="000000"/>
-                </a:solidFill>
-              </a:rPr>
-              <a:t>d</a:t>
-            </a:r>
-            <a:r>
-              <a:rPr lang="en-US" sz="2400" i="1" baseline="-25000" dirty="0" smtClean="0">
-                <a:solidFill>
-                  <a:srgbClr val="000000"/>
-                </a:solidFill>
-              </a:rPr>
-              <a:t>1</a:t>
-            </a:r>
-            <a:r>
-              <a:rPr lang="en-US" sz="2400" i="1" dirty="0" smtClean="0">
-                <a:solidFill>
-                  <a:srgbClr val="000000"/>
-                </a:solidFill>
-              </a:rPr>
-              <a:t> </a:t>
-            </a:r>
             <a:r>
               <a:rPr lang="en-US" sz="2400" dirty="0" smtClean="0">
                 <a:solidFill>
                   <a:srgbClr val="000000"/>
                 </a:solidFill>
               </a:rPr>
-              <a:t>: Xerox reports a profit but revenue is down </a:t>
-            </a:r>
-          </a:p>
-          <a:p>
-            <a:pPr eaLnBrk="1" hangingPunct="1"/>
-            <a:r>
-              <a:rPr lang="en-US" sz="2400" i="1" dirty="0" smtClean="0">
-                <a:solidFill>
-                  <a:srgbClr val="000000"/>
-                </a:solidFill>
-              </a:rPr>
-              <a:t>d</a:t>
-            </a:r>
-            <a:r>
-              <a:rPr lang="en-US" sz="2400" i="1" baseline="-25000" dirty="0" smtClean="0">
-                <a:solidFill>
-                  <a:srgbClr val="000000"/>
-                </a:solidFill>
-              </a:rPr>
-              <a:t>2</a:t>
-            </a:r>
-            <a:r>
-              <a:rPr lang="en-US" sz="2400" dirty="0" smtClean="0">
-                <a:solidFill>
-                  <a:srgbClr val="000000"/>
-                </a:solidFill>
-              </a:rPr>
-              <a:t>: </a:t>
-            </a:r>
-            <a:r>
-              <a:rPr lang="en-US" sz="2400" dirty="0" err="1" smtClean="0">
-                <a:solidFill>
-                  <a:srgbClr val="000000"/>
-                </a:solidFill>
-              </a:rPr>
-              <a:t>Lucene</a:t>
-            </a:r>
-            <a:r>
-              <a:rPr lang="en-US" sz="2400" dirty="0" smtClean="0">
-                <a:solidFill>
-                  <a:srgbClr val="000000"/>
-                </a:solidFill>
-              </a:rPr>
-              <a:t> narrows quarter loss but decreases further</a:t>
-            </a:r>
-          </a:p>
-          <a:p>
-            <a:pPr eaLnBrk="1" hangingPunct="1"/>
-            <a:r>
-              <a:rPr lang="en-US" sz="2400" i="1" u="sng" dirty="0" err="1" smtClean="0">
-                <a:solidFill>
-                  <a:srgbClr val="000000"/>
-                </a:solidFill>
-              </a:rPr>
-              <a:t>Truy</a:t>
-            </a:r>
-            <a:r>
-              <a:rPr lang="en-US" sz="2400" i="1" u="sng" dirty="0" smtClean="0">
-                <a:solidFill>
-                  <a:srgbClr val="000000"/>
-                </a:solidFill>
-              </a:rPr>
-              <a:t> </a:t>
-            </a:r>
-            <a:r>
-              <a:rPr lang="en-US" sz="2400" i="1" u="sng" dirty="0" err="1" smtClean="0">
-                <a:solidFill>
-                  <a:srgbClr val="000000"/>
-                </a:solidFill>
-              </a:rPr>
-              <a:t>vấn</a:t>
-            </a:r>
-            <a:r>
-              <a:rPr lang="en-US" sz="2400" i="1" u="sng" dirty="0" smtClean="0">
-                <a:solidFill>
-                  <a:srgbClr val="000000"/>
-                </a:solidFill>
-              </a:rPr>
-              <a:t> q:</a:t>
-            </a:r>
-            <a:r>
-              <a:rPr lang="en-US" sz="2400" dirty="0" smtClean="0">
-                <a:solidFill>
-                  <a:srgbClr val="000000"/>
-                </a:solidFill>
-              </a:rPr>
-              <a:t> revenue down</a:t>
-            </a:r>
-          </a:p>
-          <a:p>
-            <a:pPr eaLnBrk="1" hangingPunct="1"/>
-            <a:r>
-              <a:rPr lang="vi-VN" sz="2400" dirty="0">
-                <a:solidFill>
-                  <a:srgbClr val="000000"/>
-                </a:solidFill>
-              </a:rPr>
-              <a:t>Xêp hạng văn bản theo mô hình ngôn ngữ, sử dụng làm mịn tyến tính với </a:t>
-            </a:r>
-            <a:r>
-              <a:rPr lang="el-GR" sz="2400" i="1" dirty="0">
-                <a:solidFill>
-                  <a:srgbClr val="000000"/>
-                </a:solidFill>
-              </a:rPr>
-              <a:t>λ </a:t>
-            </a:r>
-            <a:r>
-              <a:rPr lang="en-US" sz="2400" dirty="0">
-                <a:solidFill>
-                  <a:srgbClr val="000000"/>
-                </a:solidFill>
-              </a:rPr>
-              <a:t>= 0.5</a:t>
-            </a:r>
-          </a:p>
-          <a:p>
-            <a:pPr eaLnBrk="1" hangingPunct="1"/>
-            <a:endParaRPr lang="en-US" sz="2400" dirty="0" smtClean="0">
+              <a:t>) = [(1/7 + 1/18)/2] x [(1/7 + 2/18)/2] ≈ 0.013</a:t>
+            </a:r>
+          </a:p>
+          <a:p>
+            <a:pPr marL="0" indent="0" algn="just" eaLnBrk="1" hangingPunct="1">
+              <a:buNone/>
+            </a:pPr>
+            <a:endParaRPr lang="en-US" sz="2400" i="1" dirty="0" smtClean="0">
               <a:solidFill>
                 <a:srgbClr val="000000"/>
               </a:solidFill>
             </a:endParaRPr>
+          </a:p>
+          <a:p>
+            <a:pPr marL="0" indent="0" algn="just" eaLnBrk="1" hangingPunct="1">
+              <a:buNone/>
+            </a:pPr>
+            <a:r>
+              <a:rPr lang="vi-VN" sz="2400" i="1" dirty="0" smtClean="0">
+                <a:solidFill>
+                  <a:srgbClr val="000000"/>
+                </a:solidFill>
+              </a:rPr>
+              <a:t>d</a:t>
+            </a:r>
+            <a:r>
+              <a:rPr lang="vi-VN" sz="2400" i="1" baseline="-25000" dirty="0" smtClean="0">
+                <a:solidFill>
+                  <a:srgbClr val="000000"/>
+                </a:solidFill>
+              </a:rPr>
+              <a:t>2</a:t>
+            </a:r>
+            <a:r>
+              <a:rPr lang="vi-VN" sz="2400" i="1" dirty="0" smtClean="0">
+                <a:solidFill>
+                  <a:srgbClr val="000000"/>
+                </a:solidFill>
+              </a:rPr>
+              <a:t> </a:t>
+            </a:r>
+            <a:r>
+              <a:rPr lang="vi-VN" sz="2400" dirty="0" smtClean="0">
+                <a:solidFill>
+                  <a:srgbClr val="000000"/>
+                </a:solidFill>
+              </a:rPr>
+              <a:t>được xếp hạng cao hơn </a:t>
+            </a:r>
+            <a:r>
+              <a:rPr lang="vi-VN" sz="2400" i="1" dirty="0" smtClean="0">
+                <a:solidFill>
+                  <a:srgbClr val="000000"/>
+                </a:solidFill>
+              </a:rPr>
+              <a:t>d</a:t>
+            </a:r>
+            <a:r>
+              <a:rPr lang="vi-VN" sz="2400" baseline="-25000" dirty="0" smtClean="0">
+                <a:solidFill>
+                  <a:srgbClr val="000000"/>
+                </a:solidFill>
+              </a:rPr>
+              <a:t>1</a:t>
+            </a:r>
           </a:p>
         </p:txBody>
       </p:sp>
@@ -12965,6 +13586,11 @@
         </p:txBody>
       </p:sp>
     </p:spTree>
+    <p:extLst>
+      <p:ext uri="{BB962C8B-B14F-4D97-AF65-F5344CB8AC3E}">
+        <p14:creationId xmlns:p14="http://schemas.microsoft.com/office/powerpoint/2010/main" val="2940269642"/>
+      </p:ext>
+    </p:extLst>
   </p:cSld>
   <p:clrMapOvr>
     <a:masterClrMapping/>
@@ -13006,22 +13632,9 @@
           <a:p>
             <a:pPr eaLnBrk="1" hangingPunct="1"/>
             <a:r>
-              <a:rPr lang="en-US" sz="3600" dirty="0" err="1" smtClean="0"/>
-              <a:t>Ví</a:t>
-            </a:r>
-            <a:r>
-              <a:rPr lang="en-US" sz="3600" dirty="0" smtClean="0"/>
-              <a:t> </a:t>
-            </a:r>
-            <a:r>
-              <a:rPr lang="en-US" sz="3600" dirty="0" err="1" smtClean="0"/>
-              <a:t>dụ</a:t>
-            </a:r>
-            <a:r>
-              <a:rPr lang="en-US" sz="3600" dirty="0" smtClean="0"/>
-              <a:t> 2</a:t>
-            </a:r>
-            <a:endParaRPr lang="vi-VN" sz="3600" dirty="0" smtClean="0"/>
+              <a:rPr lang="vi-VN" sz="3600" dirty="0" smtClean="0"/>
+              <a:t>Ví dụ 2</a:t>
+            </a:r>
           </a:p>
         </p:txBody>
       </p:sp>
@@ -13047,12 +13660,76 @@
           <a:p>
             <a:pPr eaLnBrk="1" hangingPunct="1"/>
             <a:r>
+              <a:rPr lang="en-US" sz="2400" i="1" u="sng" dirty="0" err="1" smtClean="0">
+                <a:solidFill>
+                  <a:srgbClr val="000000"/>
+                </a:solidFill>
+              </a:rPr>
+              <a:t>Bộ</a:t>
+            </a:r>
+            <a:r>
+              <a:rPr lang="en-US" sz="2400" i="1" u="sng" dirty="0" smtClean="0">
+                <a:solidFill>
+                  <a:srgbClr val="000000"/>
+                </a:solidFill>
+              </a:rPr>
+              <a:t> </a:t>
+            </a:r>
+            <a:r>
+              <a:rPr lang="en-US" sz="2400" i="1" u="sng" dirty="0" err="1" smtClean="0">
+                <a:solidFill>
+                  <a:srgbClr val="000000"/>
+                </a:solidFill>
+              </a:rPr>
+              <a:t>dữ</a:t>
+            </a:r>
+            <a:r>
+              <a:rPr lang="en-US" sz="2400" i="1" u="sng" dirty="0" smtClean="0">
+                <a:solidFill>
+                  <a:srgbClr val="000000"/>
+                </a:solidFill>
+              </a:rPr>
+              <a:t> </a:t>
+            </a:r>
+            <a:r>
+              <a:rPr lang="en-US" sz="2400" i="1" u="sng" dirty="0" err="1" smtClean="0">
+                <a:solidFill>
+                  <a:srgbClr val="000000"/>
+                </a:solidFill>
+              </a:rPr>
+              <a:t>liệu</a:t>
+            </a:r>
+            <a:r>
+              <a:rPr lang="en-US" sz="2400" i="1" u="sng" dirty="0" smtClean="0">
+                <a:solidFill>
+                  <a:srgbClr val="000000"/>
+                </a:solidFill>
+              </a:rPr>
+              <a:t>:</a:t>
+            </a:r>
+            <a:r>
+              <a:rPr lang="en-US" sz="2400" dirty="0" smtClean="0">
+                <a:solidFill>
+                  <a:srgbClr val="000000"/>
+                </a:solidFill>
+              </a:rPr>
+              <a:t> </a:t>
+            </a:r>
+            <a:r>
               <a:rPr lang="en-US" sz="2400" i="1" dirty="0" smtClean="0">
                 <a:solidFill>
                   <a:srgbClr val="000000"/>
                 </a:solidFill>
               </a:rPr>
-              <a:t>P</a:t>
+              <a:t>d</a:t>
+            </a:r>
+            <a:r>
+              <a:rPr lang="en-US" sz="2400" i="1" baseline="-25000" dirty="0" smtClean="0">
+                <a:solidFill>
+                  <a:srgbClr val="000000"/>
+                </a:solidFill>
+              </a:rPr>
+              <a:t>1</a:t>
             </a:r>
             <a:r>
               <a:rPr lang="en-US" sz="2400" dirty="0" smtClean="0">
@@ -13060,7 +13737,23 @@
                   <a:srgbClr val="000000"/>
                 </a:solidFill>
               </a:rPr>
-              <a:t>(</a:t>
+              <a:t> </a:t>
+            </a:r>
+            <a:r>
+              <a:rPr lang="en-US" sz="2400" dirty="0" err="1" smtClean="0">
+                <a:solidFill>
+                  <a:srgbClr val="000000"/>
+                </a:solidFill>
+              </a:rPr>
+              <a:t>và</a:t>
+            </a:r>
+            <a:r>
+              <a:rPr lang="en-US" sz="2400" dirty="0" smtClean="0">
+                <a:solidFill>
+                  <a:srgbClr val="000000"/>
+                </a:solidFill>
+              </a:rPr>
+              <a:t> </a:t>
             </a:r>
             <a:r>
               <a:rPr lang="en-US" sz="2400" i="1" dirty="0" smtClean="0">
@@ -13068,7 +13761,42 @@
                   <a:srgbClr val="000000"/>
                 </a:solidFill>
               </a:rPr>
-              <a:t>q</a:t>
+              <a:t>d</a:t>
+            </a:r>
+            <a:r>
+              <a:rPr lang="en-US" sz="2400" i="1" baseline="-25000" dirty="0" smtClean="0">
+                <a:solidFill>
+                  <a:srgbClr val="000000"/>
+                </a:solidFill>
+              </a:rPr>
+              <a:t>2</a:t>
+            </a:r>
+          </a:p>
+          <a:p>
+            <a:pPr eaLnBrk="1" hangingPunct="1"/>
+            <a:r>
+              <a:rPr lang="en-US" sz="2400" i="1" dirty="0" smtClean="0">
+                <a:solidFill>
+                  <a:srgbClr val="000000"/>
+                </a:solidFill>
+              </a:rPr>
+              <a:t>d</a:t>
+            </a:r>
+            <a:r>
+              <a:rPr lang="en-US" sz="2400" i="1" baseline="-25000" dirty="0" smtClean="0">
+                <a:solidFill>
+                  <a:srgbClr val="000000"/>
+                </a:solidFill>
+              </a:rPr>
+              <a:t>1</a:t>
+            </a:r>
+            <a:r>
+              <a:rPr lang="en-US" sz="2400" i="1" dirty="0" smtClean="0">
+                <a:solidFill>
+                  <a:srgbClr val="000000"/>
+                </a:solidFill>
+              </a:rPr>
+              <a:t> </a:t>
             </a:r>
             <a:r>
               <a:rPr lang="en-US" sz="2400" dirty="0" smtClean="0">
@@ -13076,8 +13804,11 @@
                   <a:srgbClr val="000000"/>
                 </a:solidFill>
               </a:rPr>
-              <a:t>|</a:t>
-            </a:r>
+              <a:t>: Xerox reports a profit but revenue is down </a:t>
+            </a:r>
+          </a:p>
+          <a:p>
+            <a:pPr eaLnBrk="1" hangingPunct="1"/>
             <a:r>
               <a:rPr lang="en-US" sz="2400" i="1" dirty="0" smtClean="0">
                 <a:solidFill>
@@ -13087,12 +13818,12 @@
               <a:t>d</a:t>
             </a:r>
             <a:r>
-              <a:rPr lang="en-US" sz="2400" baseline="-25000" dirty="0" smtClean="0">
-                <a:solidFill>
-                  <a:srgbClr val="000000"/>
-                </a:solidFill>
-              </a:rPr>
-              <a:t>1</a:t>
+              <a:rPr lang="en-US" sz="2400" i="1" baseline="-25000" dirty="0" smtClean="0">
+                <a:solidFill>
+                  <a:srgbClr val="000000"/>
+                </a:solidFill>
+              </a:rPr>
+              <a:t>2</a:t>
             </a:r>
             <a:r>
               <a:rPr lang="en-US" sz="2400" dirty="0" smtClean="0">
@@ -13100,58 +13831,85 @@
                   <a:srgbClr val="000000"/>
                 </a:solidFill>
               </a:rPr>
-              <a:t>) = [(1/8 + 2/16)/2] x [(1/8 + 1/16)/2] </a:t>
+              <a:t>: </a:t>
+            </a:r>
+            <a:r>
+              <a:rPr lang="en-US" sz="2400" dirty="0" err="1" smtClean="0">
+                <a:solidFill>
+                  <a:srgbClr val="000000"/>
+                </a:solidFill>
+              </a:rPr>
+              <a:t>Lucene</a:t>
+            </a:r>
+            <a:r>
+              <a:rPr lang="en-US" sz="2400" dirty="0" smtClean="0">
+                <a:solidFill>
+                  <a:srgbClr val="000000"/>
+                </a:solidFill>
+              </a:rPr>
+              <a:t> narrows quarter loss but decreases further</a:t>
             </a:r>
           </a:p>
           <a:p>
             <a:pPr eaLnBrk="1" hangingPunct="1"/>
             <a:r>
+              <a:rPr lang="en-US" sz="2400" i="1" u="sng" dirty="0" err="1" smtClean="0">
+                <a:solidFill>
+                  <a:srgbClr val="000000"/>
+                </a:solidFill>
+              </a:rPr>
+              <a:t>Truy</a:t>
+            </a:r>
+            <a:r>
+              <a:rPr lang="en-US" sz="2400" i="1" u="sng" dirty="0" smtClean="0">
+                <a:solidFill>
+                  <a:srgbClr val="000000"/>
+                </a:solidFill>
+              </a:rPr>
+              <a:t> </a:t>
+            </a:r>
+            <a:r>
+              <a:rPr lang="en-US" sz="2400" i="1" u="sng" dirty="0" err="1" smtClean="0">
+                <a:solidFill>
+                  <a:srgbClr val="000000"/>
+                </a:solidFill>
+              </a:rPr>
+              <a:t>vấn</a:t>
+            </a:r>
+            <a:r>
+              <a:rPr lang="en-US" sz="2400" i="1" u="sng" dirty="0" smtClean="0">
+                <a:solidFill>
+                  <a:srgbClr val="000000"/>
+                </a:solidFill>
+              </a:rPr>
+              <a:t> q:</a:t>
+            </a:r>
+            <a:r>
               <a:rPr lang="en-US" sz="2400" dirty="0" smtClean="0">
                 <a:solidFill>
                   <a:srgbClr val="000000"/>
                 </a:solidFill>
               </a:rPr>
-              <a:t>P(</a:t>
-            </a:r>
-            <a:r>
-              <a:rPr lang="en-US" sz="2400" i="1" dirty="0" smtClean="0">
-                <a:solidFill>
-                  <a:srgbClr val="000000"/>
-                </a:solidFill>
-              </a:rPr>
-              <a:t>q</a:t>
-            </a:r>
-            <a:r>
-              <a:rPr lang="en-US" sz="2400" dirty="0" smtClean="0">
-                <a:solidFill>
-                  <a:srgbClr val="000000"/>
-                </a:solidFill>
-              </a:rPr>
-              <a:t>|</a:t>
-            </a:r>
-            <a:r>
-              <a:rPr lang="en-US" sz="2400" i="1" dirty="0" smtClean="0">
-                <a:solidFill>
-                  <a:srgbClr val="000000"/>
-                </a:solidFill>
-              </a:rPr>
-              <a:t>d</a:t>
-            </a:r>
-            <a:r>
-              <a:rPr lang="en-US" sz="2400" baseline="-25000" dirty="0" smtClean="0">
-                <a:solidFill>
-                  <a:srgbClr val="000000"/>
-                </a:solidFill>
-              </a:rPr>
-              <a:t>1</a:t>
-            </a:r>
-            <a:r>
-              <a:rPr lang="en-US" sz="2400" dirty="0" smtClean="0">
-                <a:solidFill>
-                  <a:srgbClr val="000000"/>
-                </a:solidFill>
-              </a:rPr>
-              <a:t>) = 1/8 </a:t>
+              <a:t> revenue down</a:t>
+            </a:r>
+          </a:p>
+          <a:p>
+            <a:pPr eaLnBrk="1" hangingPunct="1"/>
+            <a:r>
+              <a:rPr lang="vi-VN" sz="2400" dirty="0">
+                <a:solidFill>
+                  <a:srgbClr val="000000"/>
+                </a:solidFill>
+              </a:rPr>
+              <a:t>Xêp hạng văn bản theo mô hình ngôn ngữ, sử dụng làm mịn tyến tính với </a:t>
+            </a:r>
+            <a:r>
+              <a:rPr lang="el-GR" sz="2400" i="1" dirty="0">
+                <a:solidFill>
+                  <a:srgbClr val="000000"/>
+                </a:solidFill>
+              </a:rPr>
+              <a:t>λ </a:t>
             </a:r>
             <a:r>
               <a:rPr lang="en-US" sz="2400" dirty="0">
@@ -13159,210 +13917,16 @@
                   <a:srgbClr val="000000"/>
                 </a:solidFill>
               </a:rPr>
-              <a:t>x</a:t>
-            </a:r>
-            <a:r>
-              <a:rPr lang="en-US" sz="2400" dirty="0" smtClean="0">
-                <a:solidFill>
-                  <a:srgbClr val="000000"/>
-                </a:solidFill>
-              </a:rPr>
-              <a:t> 3/32 = 3/256</a:t>
+              <a:t>= 0.5</a:t>
             </a:r>
           </a:p>
           <a:p>
             <a:pPr eaLnBrk="1" hangingPunct="1"/>
-            <a:r>
-              <a:rPr lang="en-US" sz="2400" i="1" dirty="0" smtClean="0">
-                <a:solidFill>
-                  <a:srgbClr val="000000"/>
-                </a:solidFill>
-              </a:rPr>
-              <a:t>P</a:t>
-            </a:r>
-            <a:r>
-              <a:rPr lang="en-US" sz="2400" dirty="0" smtClean="0">
-                <a:solidFill>
-                  <a:srgbClr val="000000"/>
-                </a:solidFill>
-              </a:rPr>
-              <a:t>(</a:t>
-            </a:r>
-            <a:r>
-              <a:rPr lang="en-US" sz="2400" i="1" dirty="0" smtClean="0">
-                <a:solidFill>
-                  <a:srgbClr val="000000"/>
-                </a:solidFill>
-              </a:rPr>
-              <a:t>q</a:t>
-            </a:r>
-            <a:r>
-              <a:rPr lang="en-US" sz="2400" dirty="0" smtClean="0">
-                <a:solidFill>
-                  <a:srgbClr val="000000"/>
-                </a:solidFill>
-              </a:rPr>
-              <a:t>|</a:t>
-            </a:r>
-            <a:r>
-              <a:rPr lang="en-US" sz="2400" i="1" dirty="0" smtClean="0">
-                <a:solidFill>
-                  <a:srgbClr val="000000"/>
-                </a:solidFill>
-              </a:rPr>
-              <a:t>d</a:t>
-            </a:r>
-            <a:r>
-              <a:rPr lang="en-US" sz="2400" i="1" baseline="-25000" dirty="0" smtClean="0">
-                <a:solidFill>
-                  <a:srgbClr val="000000"/>
-                </a:solidFill>
-              </a:rPr>
-              <a:t>2</a:t>
-            </a:r>
-            <a:r>
-              <a:rPr lang="en-US" sz="2400" dirty="0" smtClean="0">
-                <a:solidFill>
-                  <a:srgbClr val="000000"/>
-                </a:solidFill>
-              </a:rPr>
-              <a:t>) = [(1/8 + 2/16)/2] x [(0/8 + 1/16)/2] = </a:t>
-            </a:r>
-          </a:p>
-          <a:p>
-            <a:pPr eaLnBrk="1" hangingPunct="1"/>
-            <a:r>
-              <a:rPr lang="en-US" sz="2400" dirty="0" smtClean="0">
-                <a:solidFill>
-                  <a:srgbClr val="000000"/>
-                </a:solidFill>
-              </a:rPr>
-              <a:t>P(q|d</a:t>
-            </a:r>
-            <a:r>
-              <a:rPr lang="en-US" sz="2400" baseline="-25000" dirty="0" smtClean="0">
-                <a:solidFill>
-                  <a:srgbClr val="000000"/>
-                </a:solidFill>
-              </a:rPr>
-              <a:t>2</a:t>
-            </a:r>
-            <a:r>
-              <a:rPr lang="en-US" sz="2400" dirty="0" smtClean="0">
-                <a:solidFill>
-                  <a:srgbClr val="000000"/>
-                </a:solidFill>
-              </a:rPr>
-              <a:t>) = 1/8 x 1/32 = 1/256</a:t>
-            </a:r>
-          </a:p>
-          <a:p>
-            <a:pPr eaLnBrk="1" hangingPunct="1"/>
-            <a:r>
-              <a:rPr lang="en-US" sz="2400" dirty="0" err="1" smtClean="0">
-                <a:solidFill>
-                  <a:srgbClr val="000000"/>
-                </a:solidFill>
-              </a:rPr>
-              <a:t>Xếp</a:t>
-            </a:r>
-            <a:r>
-              <a:rPr lang="en-US" sz="2400" dirty="0" smtClean="0">
-                <a:solidFill>
-                  <a:srgbClr val="000000"/>
-                </a:solidFill>
-              </a:rPr>
-              <a:t> </a:t>
-            </a:r>
-            <a:r>
-              <a:rPr lang="en-US" sz="2400" dirty="0" err="1" smtClean="0">
-                <a:solidFill>
-                  <a:srgbClr val="000000"/>
-                </a:solidFill>
-              </a:rPr>
-              <a:t>hạng</a:t>
-            </a:r>
-            <a:r>
-              <a:rPr lang="en-US" sz="2400" dirty="0" smtClean="0">
-                <a:solidFill>
-                  <a:srgbClr val="000000"/>
-                </a:solidFill>
-              </a:rPr>
-              <a:t> </a:t>
-            </a:r>
-            <a:r>
-              <a:rPr lang="en-US" sz="2400" i="1" dirty="0" smtClean="0">
-                <a:solidFill>
-                  <a:srgbClr val="000000"/>
-                </a:solidFill>
-              </a:rPr>
-              <a:t>d</a:t>
-            </a:r>
-            <a:r>
-              <a:rPr lang="en-US" sz="2400" i="1" baseline="-25000" dirty="0" smtClean="0">
-                <a:solidFill>
-                  <a:srgbClr val="000000"/>
-                </a:solidFill>
-              </a:rPr>
-              <a:t>2</a:t>
-            </a:r>
-            <a:r>
-              <a:rPr lang="en-US" sz="2400" i="1" dirty="0" smtClean="0">
-                <a:solidFill>
-                  <a:srgbClr val="000000"/>
-                </a:solidFill>
-              </a:rPr>
-              <a:t> </a:t>
-            </a:r>
-            <a:r>
-              <a:rPr lang="en-US" sz="2400" dirty="0" err="1" smtClean="0">
-                <a:solidFill>
-                  <a:srgbClr val="000000"/>
-                </a:solidFill>
-              </a:rPr>
-              <a:t>cao</a:t>
-            </a:r>
-            <a:r>
-              <a:rPr lang="en-US" sz="2400" dirty="0" smtClean="0">
-                <a:solidFill>
-                  <a:srgbClr val="000000"/>
-                </a:solidFill>
-              </a:rPr>
-              <a:t> </a:t>
-            </a:r>
-            <a:r>
-              <a:rPr lang="en-US" sz="2400" dirty="0" err="1" smtClean="0">
-                <a:solidFill>
-                  <a:srgbClr val="000000"/>
-                </a:solidFill>
-              </a:rPr>
-              <a:t>hơn</a:t>
-            </a:r>
-            <a:r>
-              <a:rPr lang="en-US" sz="2400" dirty="0" smtClean="0">
-                <a:solidFill>
-                  <a:srgbClr val="000000"/>
-                </a:solidFill>
-              </a:rPr>
-              <a:t> </a:t>
-            </a:r>
-            <a:r>
-              <a:rPr lang="en-US" sz="2400" i="1" dirty="0" smtClean="0">
-                <a:solidFill>
-                  <a:srgbClr val="000000"/>
-                </a:solidFill>
-              </a:rPr>
-              <a:t>d</a:t>
-            </a:r>
-            <a:r>
-              <a:rPr lang="en-US" sz="2400" baseline="-25000" dirty="0" smtClean="0">
-                <a:solidFill>
-                  <a:srgbClr val="000000"/>
-                </a:solidFill>
-              </a:rPr>
-              <a:t>1</a:t>
-            </a:r>
-            <a:endParaRPr lang="vi-VN" sz="2400" baseline="-25000" dirty="0" smtClean="0"/>
+            <a:endParaRPr lang="en-US" sz="2400" dirty="0" smtClean="0">
+              <a:solidFill>
+                <a:srgbClr val="000000"/>
+              </a:solidFill>
+            </a:endParaRPr>
           </a:p>
         </p:txBody>
       </p:sp>
@@ -13396,11 +13960,6 @@
         </p:txBody>
       </p:sp>
     </p:spTree>
-    <p:extLst>
-      <p:ext uri="{BB962C8B-B14F-4D97-AF65-F5344CB8AC3E}">
-        <p14:creationId xmlns:p14="http://schemas.microsoft.com/office/powerpoint/2010/main" val="822703623"/>
-      </p:ext>
-    </p:extLst>
   </p:cSld>
   <p:clrMapOvr>
     <a:masterClrMapping/>
@@ -13442,16 +14001,20 @@
           <a:p>
             <a:pPr eaLnBrk="1" hangingPunct="1"/>
             <a:r>
-              <a:rPr lang="en-US" sz="3600" err="1" smtClean="0"/>
-              <a:t>Bài</a:t>
-            </a:r>
-            <a:r>
-              <a:rPr lang="en-US" sz="3600" smtClean="0"/>
-              <a:t> </a:t>
-            </a:r>
-            <a:r>
-              <a:rPr lang="en-US" sz="3600" smtClean="0"/>
-              <a:t>tập 6.1</a:t>
+              <a:rPr lang="en-US" sz="3600" dirty="0" err="1" smtClean="0"/>
+              <a:t>Ví</a:t>
+            </a:r>
+            <a:r>
+              <a:rPr lang="en-US" sz="3600" dirty="0" smtClean="0"/>
+              <a:t> </a:t>
+            </a:r>
+            <a:r>
+              <a:rPr lang="en-US" sz="3600" dirty="0" err="1" smtClean="0"/>
+              <a:t>dụ</a:t>
+            </a:r>
+            <a:r>
+              <a:rPr lang="en-US" sz="3600" dirty="0" smtClean="0"/>
+              <a:t> 2</a:t>
             </a:r>
             <a:endParaRPr lang="vi-VN" sz="3600" dirty="0" smtClean="0"/>
           </a:p>
@@ -13477,236 +14040,324 @@
           <a:bodyPr/>
           <a:lstStyle/>
           <a:p>
-            <a:pPr algn="just" eaLnBrk="1" hangingPunct="1"/>
-            <a:r>
-              <a:rPr lang="en-US" sz="2400" dirty="0" err="1"/>
-              <a:t>Sử</a:t>
-            </a:r>
-            <a:r>
-              <a:rPr lang="en-US" sz="2400" dirty="0"/>
-              <a:t> </a:t>
-            </a:r>
-            <a:r>
-              <a:rPr lang="en-US" sz="2400" dirty="0" err="1"/>
-              <a:t>dụng</a:t>
-            </a:r>
-            <a:r>
-              <a:rPr lang="en-US" sz="2400" dirty="0"/>
-              <a:t> </a:t>
-            </a:r>
-            <a:r>
-              <a:rPr lang="en-US" sz="2400" dirty="0" err="1"/>
-              <a:t>mô</a:t>
-            </a:r>
-            <a:r>
-              <a:rPr lang="en-US" sz="2400" dirty="0"/>
-              <a:t> </a:t>
-            </a:r>
-            <a:r>
-              <a:rPr lang="en-US" sz="2400" dirty="0" err="1"/>
-              <a:t>hình</a:t>
-            </a:r>
-            <a:r>
-              <a:rPr lang="en-US" sz="2400" dirty="0"/>
-              <a:t> unigram </a:t>
-            </a:r>
-            <a:r>
-              <a:rPr lang="en-US" sz="2400" dirty="0" err="1"/>
-              <a:t>và</a:t>
-            </a:r>
-            <a:r>
-              <a:rPr lang="en-US" sz="2400" dirty="0"/>
-              <a:t> </a:t>
-            </a:r>
-            <a:r>
-              <a:rPr lang="en-US" sz="2400" dirty="0" err="1"/>
-              <a:t>phương</a:t>
-            </a:r>
-            <a:r>
-              <a:rPr lang="en-US" sz="2400" dirty="0"/>
-              <a:t> </a:t>
-            </a:r>
-            <a:r>
-              <a:rPr lang="en-US" sz="2400" dirty="0" err="1"/>
-              <a:t>pháp</a:t>
-            </a:r>
-            <a:r>
-              <a:rPr lang="en-US" sz="2400" dirty="0"/>
-              <a:t> </a:t>
-            </a:r>
-            <a:r>
-              <a:rPr lang="en-US" sz="2400" dirty="0" err="1"/>
-              <a:t>ước</a:t>
-            </a:r>
-            <a:r>
-              <a:rPr lang="en-US" sz="2400" dirty="0"/>
-              <a:t> </a:t>
-            </a:r>
-            <a:r>
-              <a:rPr lang="en-US" sz="2400" dirty="0" err="1"/>
-              <a:t>lượng</a:t>
-            </a:r>
-            <a:r>
-              <a:rPr lang="en-US" sz="2400" dirty="0"/>
-              <a:t> </a:t>
-            </a:r>
-            <a:r>
-              <a:rPr lang="en-US" sz="2400" dirty="0" err="1"/>
-              <a:t>xác</a:t>
-            </a:r>
-            <a:r>
-              <a:rPr lang="en-US" sz="2400" dirty="0"/>
-              <a:t> </a:t>
-            </a:r>
-            <a:r>
-              <a:rPr lang="en-US" sz="2400" dirty="0" err="1"/>
-              <a:t>suất</a:t>
-            </a:r>
-            <a:r>
-              <a:rPr lang="en-US" sz="2400" dirty="0"/>
-              <a:t> </a:t>
-            </a:r>
-            <a:r>
-              <a:rPr lang="en-US" sz="2400" dirty="0" err="1"/>
-              <a:t>cực</a:t>
-            </a:r>
-            <a:r>
-              <a:rPr lang="en-US" sz="2400" dirty="0"/>
-              <a:t> </a:t>
-            </a:r>
-            <a:r>
-              <a:rPr lang="en-US" sz="2400" dirty="0" err="1" smtClean="0"/>
-              <a:t>đại</a:t>
-            </a:r>
-            <a:r>
-              <a:rPr lang="en-US" sz="2400" dirty="0" smtClean="0"/>
-              <a:t>, </a:t>
-            </a:r>
-            <a:r>
-              <a:rPr lang="en-US" sz="2400" dirty="0" err="1" smtClean="0"/>
-              <a:t>hãy</a:t>
-            </a:r>
-            <a:r>
-              <a:rPr lang="en-US" sz="2400" dirty="0" smtClean="0"/>
-              <a:t> </a:t>
-            </a:r>
-            <a:r>
-              <a:rPr lang="en-US" sz="2400" dirty="0" err="1" smtClean="0"/>
-              <a:t>xây</a:t>
-            </a:r>
-            <a:r>
-              <a:rPr lang="en-US" sz="2400" dirty="0" smtClean="0"/>
-              <a:t> </a:t>
-            </a:r>
-            <a:r>
-              <a:rPr lang="en-US" sz="2400" dirty="0" err="1" smtClean="0"/>
-              <a:t>dựng</a:t>
-            </a:r>
-            <a:r>
-              <a:rPr lang="en-US" sz="2400" dirty="0" smtClean="0"/>
-              <a:t> </a:t>
-            </a:r>
-            <a:r>
-              <a:rPr lang="en-US" sz="2400" dirty="0" err="1" smtClean="0"/>
-              <a:t>mô</a:t>
-            </a:r>
-            <a:r>
-              <a:rPr lang="en-US" sz="2400" dirty="0" smtClean="0"/>
-              <a:t> </a:t>
-            </a:r>
-            <a:r>
-              <a:rPr lang="en-US" sz="2400" dirty="0" err="1" smtClean="0"/>
-              <a:t>hình</a:t>
-            </a:r>
-            <a:r>
-              <a:rPr lang="en-US" sz="2400" dirty="0" smtClean="0"/>
-              <a:t> </a:t>
-            </a:r>
-            <a:r>
-              <a:rPr lang="en-US" sz="2400" dirty="0" err="1" smtClean="0"/>
-              <a:t>ngôn</a:t>
-            </a:r>
-            <a:r>
-              <a:rPr lang="en-US" sz="2400" dirty="0" smtClean="0"/>
-              <a:t> </a:t>
-            </a:r>
-            <a:r>
-              <a:rPr lang="en-US" sz="2400" dirty="0" err="1" smtClean="0"/>
-              <a:t>ngữ</a:t>
-            </a:r>
-            <a:r>
-              <a:rPr lang="en-US" sz="2400" dirty="0" smtClean="0"/>
-              <a:t> </a:t>
-            </a:r>
-            <a:r>
-              <a:rPr lang="en-US" sz="2400" dirty="0" err="1" smtClean="0"/>
-              <a:t>cho</a:t>
-            </a:r>
-            <a:r>
-              <a:rPr lang="en-US" sz="2400" dirty="0" smtClean="0"/>
-              <a:t> </a:t>
-            </a:r>
-            <a:r>
-              <a:rPr lang="en-US" sz="2400" dirty="0" err="1" smtClean="0"/>
-              <a:t>văn</a:t>
-            </a:r>
-            <a:r>
-              <a:rPr lang="en-US" sz="2400" dirty="0" smtClean="0"/>
-              <a:t> </a:t>
-            </a:r>
-            <a:r>
-              <a:rPr lang="en-US" sz="2400" dirty="0" err="1" smtClean="0"/>
-              <a:t>bản</a:t>
-            </a:r>
-            <a:r>
-              <a:rPr lang="en-US" sz="2400" dirty="0" smtClean="0"/>
-              <a:t> </a:t>
-            </a:r>
-            <a:r>
-              <a:rPr lang="en-US" sz="2400" dirty="0" err="1" smtClean="0"/>
-              <a:t>sau</a:t>
-            </a:r>
-            <a:r>
-              <a:rPr lang="en-US" sz="2400" dirty="0" smtClean="0"/>
-              <a:t>:</a:t>
-            </a:r>
-          </a:p>
-          <a:p>
             <a:pPr eaLnBrk="1" hangingPunct="1"/>
-            <a:endParaRPr lang="en-US" sz="2400" dirty="0" smtClean="0"/>
-          </a:p>
-          <a:p>
-            <a:pPr marL="0" indent="0" algn="ctr" eaLnBrk="1" hangingPunct="1">
-              <a:buNone/>
-            </a:pPr>
-            <a:r>
-              <a:rPr lang="en-US" sz="2400" dirty="0" smtClean="0"/>
-              <a:t>“The </a:t>
-            </a:r>
-            <a:r>
-              <a:rPr lang="en-US" sz="2400" dirty="0" err="1" smtClean="0"/>
-              <a:t>martian</a:t>
-            </a:r>
-            <a:r>
-              <a:rPr lang="en-US" sz="2400" dirty="0" smtClean="0"/>
-              <a:t> has landed on the </a:t>
-            </a:r>
-            <a:r>
-              <a:rPr lang="en-US" sz="2400" dirty="0" err="1" smtClean="0"/>
-              <a:t>latin</a:t>
-            </a:r>
-            <a:r>
-              <a:rPr lang="en-US" sz="2400" dirty="0" smtClean="0"/>
-              <a:t> pop sensation </a:t>
-            </a:r>
-            <a:r>
-              <a:rPr lang="en-US" sz="2400" dirty="0" err="1" smtClean="0"/>
-              <a:t>ricky</a:t>
-            </a:r>
-            <a:r>
-              <a:rPr lang="en-US" sz="2400" dirty="0" smtClean="0"/>
-              <a:t> martin”</a:t>
-            </a:r>
+            <a:r>
+              <a:rPr lang="en-US" sz="2400" i="1" dirty="0" smtClean="0">
+                <a:solidFill>
+                  <a:srgbClr val="000000"/>
+                </a:solidFill>
+              </a:rPr>
+              <a:t>P</a:t>
+            </a:r>
+            <a:r>
+              <a:rPr lang="en-US" sz="2400" dirty="0" smtClean="0">
+                <a:solidFill>
+                  <a:srgbClr val="000000"/>
+                </a:solidFill>
+              </a:rPr>
+              <a:t>(</a:t>
+            </a:r>
+            <a:r>
+              <a:rPr lang="en-US" sz="2400" i="1" dirty="0" smtClean="0">
+                <a:solidFill>
+                  <a:srgbClr val="000000"/>
+                </a:solidFill>
+              </a:rPr>
+              <a:t>q</a:t>
+            </a:r>
+            <a:r>
+              <a:rPr lang="en-US" sz="2400" dirty="0" smtClean="0">
+                <a:solidFill>
+                  <a:srgbClr val="000000"/>
+                </a:solidFill>
+              </a:rPr>
+              <a:t>|</a:t>
+            </a:r>
+            <a:r>
+              <a:rPr lang="en-US" sz="2400" i="1" dirty="0" smtClean="0">
+                <a:solidFill>
+                  <a:srgbClr val="000000"/>
+                </a:solidFill>
+              </a:rPr>
+              <a:t>d</a:t>
+            </a:r>
+            <a:r>
+              <a:rPr lang="en-US" sz="2400" baseline="-25000" dirty="0" smtClean="0">
+                <a:solidFill>
+                  <a:srgbClr val="000000"/>
+                </a:solidFill>
+              </a:rPr>
+              <a:t>1</a:t>
+            </a:r>
+            <a:r>
+              <a:rPr lang="en-US" sz="2400" dirty="0" smtClean="0">
+                <a:solidFill>
+                  <a:srgbClr val="000000"/>
+                </a:solidFill>
+              </a:rPr>
+              <a:t>) = [(1/8 + 2/16)/2] x [(1/8 + 1/16)/2] </a:t>
+            </a:r>
+          </a:p>
+          <a:p>
+            <a:pPr eaLnBrk="1" hangingPunct="1"/>
+            <a:r>
+              <a:rPr lang="en-US" sz="2400" dirty="0" smtClean="0">
+                <a:solidFill>
+                  <a:srgbClr val="000000"/>
+                </a:solidFill>
+              </a:rPr>
+              <a:t>P(</a:t>
+            </a:r>
+            <a:r>
+              <a:rPr lang="en-US" sz="2400" i="1" dirty="0" smtClean="0">
+                <a:solidFill>
+                  <a:srgbClr val="000000"/>
+                </a:solidFill>
+              </a:rPr>
+              <a:t>q</a:t>
+            </a:r>
+            <a:r>
+              <a:rPr lang="en-US" sz="2400" dirty="0" smtClean="0">
+                <a:solidFill>
+                  <a:srgbClr val="000000"/>
+                </a:solidFill>
+              </a:rPr>
+              <a:t>|</a:t>
+            </a:r>
+            <a:r>
+              <a:rPr lang="en-US" sz="2400" i="1" dirty="0" smtClean="0">
+                <a:solidFill>
+                  <a:srgbClr val="000000"/>
+                </a:solidFill>
+              </a:rPr>
+              <a:t>d</a:t>
+            </a:r>
+            <a:r>
+              <a:rPr lang="en-US" sz="2400" baseline="-25000" dirty="0" smtClean="0">
+                <a:solidFill>
+                  <a:srgbClr val="000000"/>
+                </a:solidFill>
+              </a:rPr>
+              <a:t>1</a:t>
+            </a:r>
+            <a:r>
+              <a:rPr lang="en-US" sz="2400" dirty="0" smtClean="0">
+                <a:solidFill>
+                  <a:srgbClr val="000000"/>
+                </a:solidFill>
+              </a:rPr>
+              <a:t>) = 1/8 </a:t>
+            </a:r>
+            <a:r>
+              <a:rPr lang="en-US" sz="2400" dirty="0">
+                <a:solidFill>
+                  <a:srgbClr val="000000"/>
+                </a:solidFill>
+              </a:rPr>
+              <a:t>x</a:t>
+            </a:r>
+            <a:r>
+              <a:rPr lang="en-US" sz="2400" dirty="0" smtClean="0">
+                <a:solidFill>
+                  <a:srgbClr val="000000"/>
+                </a:solidFill>
+              </a:rPr>
+              <a:t> 3/32 = 3/256</a:t>
+            </a:r>
+          </a:p>
+          <a:p>
+            <a:pPr eaLnBrk="1" hangingPunct="1"/>
+            <a:r>
+              <a:rPr lang="en-US" sz="2400" i="1" dirty="0" smtClean="0">
+                <a:solidFill>
+                  <a:srgbClr val="000000"/>
+                </a:solidFill>
+              </a:rPr>
+              <a:t>P</a:t>
+            </a:r>
+            <a:r>
+              <a:rPr lang="en-US" sz="2400" dirty="0" smtClean="0">
+                <a:solidFill>
+                  <a:srgbClr val="000000"/>
+                </a:solidFill>
+              </a:rPr>
+              <a:t>(</a:t>
+            </a:r>
+            <a:r>
+              <a:rPr lang="en-US" sz="2400" i="1" dirty="0" smtClean="0">
+                <a:solidFill>
+                  <a:srgbClr val="000000"/>
+                </a:solidFill>
+              </a:rPr>
+              <a:t>q</a:t>
+            </a:r>
+            <a:r>
+              <a:rPr lang="en-US" sz="2400" dirty="0" smtClean="0">
+                <a:solidFill>
+                  <a:srgbClr val="000000"/>
+                </a:solidFill>
+              </a:rPr>
+              <a:t>|</a:t>
+            </a:r>
+            <a:r>
+              <a:rPr lang="en-US" sz="2400" i="1" dirty="0" smtClean="0">
+                <a:solidFill>
+                  <a:srgbClr val="000000"/>
+                </a:solidFill>
+              </a:rPr>
+              <a:t>d</a:t>
+            </a:r>
+            <a:r>
+              <a:rPr lang="en-US" sz="2400" i="1" baseline="-25000" dirty="0" smtClean="0">
+                <a:solidFill>
+                  <a:srgbClr val="000000"/>
+                </a:solidFill>
+              </a:rPr>
+              <a:t>2</a:t>
+            </a:r>
+            <a:r>
+              <a:rPr lang="en-US" sz="2400" dirty="0" smtClean="0">
+                <a:solidFill>
+                  <a:srgbClr val="000000"/>
+                </a:solidFill>
+              </a:rPr>
+              <a:t>) = [(1/8 + 2/16)/2] x [(0/8 + 1/16)/2] = </a:t>
+            </a:r>
+          </a:p>
+          <a:p>
+            <a:pPr eaLnBrk="1" hangingPunct="1"/>
+            <a:r>
+              <a:rPr lang="en-US" sz="2400" dirty="0" smtClean="0">
+                <a:solidFill>
+                  <a:srgbClr val="000000"/>
+                </a:solidFill>
+              </a:rPr>
+              <a:t>P(q|d</a:t>
+            </a:r>
+            <a:r>
+              <a:rPr lang="en-US" sz="2400" baseline="-25000" dirty="0" smtClean="0">
+                <a:solidFill>
+                  <a:srgbClr val="000000"/>
+                </a:solidFill>
+              </a:rPr>
+              <a:t>2</a:t>
+            </a:r>
+            <a:r>
+              <a:rPr lang="en-US" sz="2400" dirty="0" smtClean="0">
+                <a:solidFill>
+                  <a:srgbClr val="000000"/>
+                </a:solidFill>
+              </a:rPr>
+              <a:t>) = 1/8 x 1/32 = 1/256</a:t>
+            </a:r>
+          </a:p>
+          <a:p>
+            <a:pPr eaLnBrk="1" hangingPunct="1"/>
+            <a:r>
+              <a:rPr lang="en-US" sz="2400" dirty="0" err="1" smtClean="0">
+                <a:solidFill>
+                  <a:srgbClr val="000000"/>
+                </a:solidFill>
+              </a:rPr>
+              <a:t>Xếp</a:t>
+            </a:r>
+            <a:r>
+              <a:rPr lang="en-US" sz="2400" dirty="0" smtClean="0">
+                <a:solidFill>
+                  <a:srgbClr val="000000"/>
+                </a:solidFill>
+              </a:rPr>
+              <a:t> </a:t>
+            </a:r>
+            <a:r>
+              <a:rPr lang="en-US" sz="2400" dirty="0" err="1" smtClean="0">
+                <a:solidFill>
+                  <a:srgbClr val="000000"/>
+                </a:solidFill>
+              </a:rPr>
+              <a:t>hạng</a:t>
+            </a:r>
+            <a:r>
+              <a:rPr lang="en-US" sz="2400" dirty="0" smtClean="0">
+                <a:solidFill>
+                  <a:srgbClr val="000000"/>
+                </a:solidFill>
+              </a:rPr>
+              <a:t> </a:t>
+            </a:r>
+            <a:r>
+              <a:rPr lang="en-US" sz="2400" i="1" dirty="0" smtClean="0">
+                <a:solidFill>
+                  <a:srgbClr val="000000"/>
+                </a:solidFill>
+              </a:rPr>
+              <a:t>d</a:t>
+            </a:r>
+            <a:r>
+              <a:rPr lang="en-US" sz="2400" i="1" baseline="-25000" dirty="0" smtClean="0">
+                <a:solidFill>
+                  <a:srgbClr val="000000"/>
+                </a:solidFill>
+              </a:rPr>
+              <a:t>2</a:t>
+            </a:r>
+            <a:r>
+              <a:rPr lang="en-US" sz="2400" i="1" dirty="0" smtClean="0">
+                <a:solidFill>
+                  <a:srgbClr val="000000"/>
+                </a:solidFill>
+              </a:rPr>
+              <a:t> </a:t>
+            </a:r>
+            <a:r>
+              <a:rPr lang="en-US" sz="2400" dirty="0" err="1" smtClean="0">
+                <a:solidFill>
+                  <a:srgbClr val="000000"/>
+                </a:solidFill>
+              </a:rPr>
+              <a:t>cao</a:t>
+            </a:r>
+            <a:r>
+              <a:rPr lang="en-US" sz="2400" dirty="0" smtClean="0">
+                <a:solidFill>
+                  <a:srgbClr val="000000"/>
+                </a:solidFill>
+              </a:rPr>
+              <a:t> </a:t>
+            </a:r>
+            <a:r>
+              <a:rPr lang="en-US" sz="2400" dirty="0" err="1" smtClean="0">
+                <a:solidFill>
+                  <a:srgbClr val="000000"/>
+                </a:solidFill>
+              </a:rPr>
+              <a:t>hơn</a:t>
+            </a:r>
+            <a:r>
+              <a:rPr lang="en-US" sz="2400" dirty="0" smtClean="0">
+                <a:solidFill>
+                  <a:srgbClr val="000000"/>
+                </a:solidFill>
+              </a:rPr>
+              <a:t> </a:t>
+            </a:r>
+            <a:r>
+              <a:rPr lang="en-US" sz="2400" i="1" dirty="0" smtClean="0">
+                <a:solidFill>
+                  <a:srgbClr val="000000"/>
+                </a:solidFill>
+              </a:rPr>
+              <a:t>d</a:t>
+            </a:r>
+            <a:r>
+              <a:rPr lang="en-US" sz="2400" baseline="-25000" dirty="0" smtClean="0">
+                <a:solidFill>
+                  <a:srgbClr val="000000"/>
+                </a:solidFill>
+              </a:rPr>
+              <a:t>1</a:t>
+            </a:r>
+            <a:endParaRPr lang="vi-VN" sz="2400" baseline="-25000" dirty="0" smtClean="0"/>
           </a:p>
         </p:txBody>
       </p:sp>
@@ -13742,7 +14393,7 @@
     </p:spTree>
     <p:extLst>
       <p:ext uri="{BB962C8B-B14F-4D97-AF65-F5344CB8AC3E}">
-        <p14:creationId xmlns:p14="http://schemas.microsoft.com/office/powerpoint/2010/main" val="3882282948"/>
+        <p14:creationId xmlns:p14="http://schemas.microsoft.com/office/powerpoint/2010/main" val="822703623"/>
       </p:ext>
     </p:extLst>
   </p:cSld>
@@ -13791,11 +14442,7 @@
             </a:r>
             <a:r>
               <a:rPr lang="en-US" sz="3600" smtClean="0"/>
-              <a:t> </a:t>
-            </a:r>
-            <a:r>
-              <a:rPr lang="en-US" sz="3600" smtClean="0"/>
-              <a:t>tập 6.2</a:t>
+              <a:t> tập 6.1</a:t>
             </a:r>
             <a:endParaRPr lang="vi-VN" sz="3600" dirty="0" smtClean="0"/>
           </a:p>
@@ -13821,42 +14468,237 @@
           <a:bodyPr/>
           <a:lstStyle/>
           <a:p>
-            <a:pPr algn="just" eaLnBrk="1" hangingPunct="1"/>
-            <a:r>
-              <a:rPr lang="vi-VN" sz="2400" dirty="0" smtClean="0"/>
-              <a:t>Hãy viết cho mỗi đại lượng sau một câu mô tả về ảnh hưởng của những đại lượng này đến xếp hạng văn bản theo mô hình ngôn ngữ:</a:t>
-            </a:r>
-          </a:p>
-          <a:p>
-            <a:pPr lvl="1" algn="just" eaLnBrk="1" hangingPunct="1"/>
-            <a:r>
-              <a:rPr lang="vi-VN" sz="2000" dirty="0" smtClean="0"/>
-              <a:t>a) Tần suất từ trong văn bản;</a:t>
-            </a:r>
-          </a:p>
-          <a:p>
-            <a:pPr lvl="1" algn="just" eaLnBrk="1" hangingPunct="1"/>
-            <a:r>
-              <a:rPr lang="vi-VN" sz="2000" dirty="0" smtClean="0"/>
-              <a:t>b) Tần suất bộ dữ liệu của từ;</a:t>
-            </a:r>
-          </a:p>
-          <a:p>
-            <a:pPr lvl="1" algn="just" eaLnBrk="1" hangingPunct="1"/>
-            <a:r>
-              <a:rPr lang="vi-VN" sz="2000" dirty="0" smtClean="0"/>
-              <a:t>c) Tần suất văn bản của từ;</a:t>
-            </a:r>
-          </a:p>
-          <a:p>
-            <a:pPr lvl="1" algn="just" eaLnBrk="1" hangingPunct="1"/>
-            <a:r>
-              <a:rPr lang="vi-VN" sz="2000" dirty="0" smtClean="0"/>
-              <a:t>d) Chuẩn hóa theo độ dài</a:t>
-            </a:r>
-            <a:r>
-              <a:rPr lang="en-US" sz="2000" dirty="0" smtClean="0"/>
-              <a:t>;</a:t>
+            <a:pPr marL="0" indent="0" algn="just" eaLnBrk="1" hangingPunct="1">
+              <a:buNone/>
+            </a:pPr>
+            <a:r>
+              <a:rPr lang="en-US" sz="2400" dirty="0" err="1"/>
+              <a:t>Sử</a:t>
+            </a:r>
+            <a:r>
+              <a:rPr lang="en-US" sz="2400" dirty="0"/>
+              <a:t> </a:t>
+            </a:r>
+            <a:r>
+              <a:rPr lang="en-US" sz="2400" dirty="0" err="1"/>
+              <a:t>dụng</a:t>
+            </a:r>
+            <a:r>
+              <a:rPr lang="en-US" sz="2400" dirty="0"/>
+              <a:t> </a:t>
+            </a:r>
+            <a:r>
+              <a:rPr lang="en-US" sz="2400" dirty="0" err="1"/>
+              <a:t>mô</a:t>
+            </a:r>
+            <a:r>
+              <a:rPr lang="en-US" sz="2400" dirty="0"/>
+              <a:t> </a:t>
+            </a:r>
+            <a:r>
+              <a:rPr lang="en-US" sz="2400" dirty="0" err="1"/>
+              <a:t>hình</a:t>
+            </a:r>
+            <a:r>
+              <a:rPr lang="en-US" sz="2400" dirty="0"/>
+              <a:t> unigram </a:t>
+            </a:r>
+            <a:r>
+              <a:rPr lang="en-US" sz="2400" dirty="0" err="1"/>
+              <a:t>và</a:t>
+            </a:r>
+            <a:r>
+              <a:rPr lang="en-US" sz="2400" dirty="0"/>
+              <a:t> </a:t>
+            </a:r>
+            <a:r>
+              <a:rPr lang="en-US" sz="2400" dirty="0" err="1"/>
+              <a:t>phương</a:t>
+            </a:r>
+            <a:r>
+              <a:rPr lang="en-US" sz="2400" dirty="0"/>
+              <a:t> </a:t>
+            </a:r>
+            <a:r>
+              <a:rPr lang="en-US" sz="2400" dirty="0" err="1"/>
+              <a:t>pháp</a:t>
+            </a:r>
+            <a:r>
+              <a:rPr lang="en-US" sz="2400" dirty="0"/>
+              <a:t> </a:t>
+            </a:r>
+            <a:r>
+              <a:rPr lang="en-US" sz="2400" dirty="0" err="1"/>
+              <a:t>ước</a:t>
+            </a:r>
+            <a:r>
+              <a:rPr lang="en-US" sz="2400" dirty="0"/>
+              <a:t> </a:t>
+            </a:r>
+            <a:r>
+              <a:rPr lang="en-US" sz="2400" dirty="0" err="1"/>
+              <a:t>lượng</a:t>
+            </a:r>
+            <a:r>
+              <a:rPr lang="en-US" sz="2400" dirty="0"/>
+              <a:t> </a:t>
+            </a:r>
+            <a:r>
+              <a:rPr lang="en-US" sz="2400" dirty="0" err="1"/>
+              <a:t>xác</a:t>
+            </a:r>
+            <a:r>
+              <a:rPr lang="en-US" sz="2400" dirty="0"/>
+              <a:t> </a:t>
+            </a:r>
+            <a:r>
+              <a:rPr lang="en-US" sz="2400" dirty="0" err="1"/>
+              <a:t>suất</a:t>
+            </a:r>
+            <a:r>
+              <a:rPr lang="en-US" sz="2400" dirty="0"/>
+              <a:t> </a:t>
+            </a:r>
+            <a:r>
+              <a:rPr lang="en-US" sz="2400" dirty="0" err="1"/>
+              <a:t>cực</a:t>
+            </a:r>
+            <a:r>
+              <a:rPr lang="en-US" sz="2400" dirty="0"/>
+              <a:t> </a:t>
+            </a:r>
+            <a:r>
+              <a:rPr lang="en-US" sz="2400" dirty="0" err="1" smtClean="0"/>
+              <a:t>đại</a:t>
+            </a:r>
+            <a:r>
+              <a:rPr lang="en-US" sz="2400" dirty="0" smtClean="0"/>
+              <a:t>, </a:t>
+            </a:r>
+            <a:r>
+              <a:rPr lang="en-US" sz="2400" dirty="0" err="1" smtClean="0"/>
+              <a:t>hãy</a:t>
+            </a:r>
+            <a:r>
+              <a:rPr lang="en-US" sz="2400" dirty="0" smtClean="0"/>
+              <a:t> </a:t>
+            </a:r>
+            <a:r>
+              <a:rPr lang="en-US" sz="2400" dirty="0" err="1" smtClean="0"/>
+              <a:t>xây</a:t>
+            </a:r>
+            <a:r>
+              <a:rPr lang="en-US" sz="2400" dirty="0" smtClean="0"/>
+              <a:t> </a:t>
+            </a:r>
+            <a:r>
+              <a:rPr lang="en-US" sz="2400" dirty="0" err="1" smtClean="0"/>
+              <a:t>dựng</a:t>
+            </a:r>
+            <a:r>
+              <a:rPr lang="en-US" sz="2400" dirty="0" smtClean="0"/>
+              <a:t> </a:t>
+            </a:r>
+            <a:r>
+              <a:rPr lang="en-US" sz="2400" dirty="0" err="1" smtClean="0"/>
+              <a:t>mô</a:t>
+            </a:r>
+            <a:r>
+              <a:rPr lang="en-US" sz="2400" dirty="0" smtClean="0"/>
+              <a:t> </a:t>
+            </a:r>
+            <a:r>
+              <a:rPr lang="en-US" sz="2400" dirty="0" err="1" smtClean="0"/>
+              <a:t>hình</a:t>
+            </a:r>
+            <a:r>
+              <a:rPr lang="en-US" sz="2400" dirty="0" smtClean="0"/>
+              <a:t> </a:t>
+            </a:r>
+            <a:r>
+              <a:rPr lang="en-US" sz="2400" dirty="0" err="1" smtClean="0"/>
+              <a:t>ngôn</a:t>
+            </a:r>
+            <a:r>
+              <a:rPr lang="en-US" sz="2400" dirty="0" smtClean="0"/>
+              <a:t> </a:t>
+            </a:r>
+            <a:r>
+              <a:rPr lang="en-US" sz="2400" dirty="0" err="1" smtClean="0"/>
+              <a:t>ngữ</a:t>
+            </a:r>
+            <a:r>
+              <a:rPr lang="en-US" sz="2400" dirty="0" smtClean="0"/>
+              <a:t> </a:t>
+            </a:r>
+            <a:r>
+              <a:rPr lang="en-US" sz="2400" dirty="0" err="1" smtClean="0"/>
+              <a:t>cho</a:t>
+            </a:r>
+            <a:r>
+              <a:rPr lang="en-US" sz="2400" dirty="0" smtClean="0"/>
+              <a:t> </a:t>
+            </a:r>
+            <a:r>
+              <a:rPr lang="en-US" sz="2400" dirty="0" err="1" smtClean="0"/>
+              <a:t>văn</a:t>
+            </a:r>
+            <a:r>
+              <a:rPr lang="en-US" sz="2400" dirty="0" smtClean="0"/>
+              <a:t> </a:t>
+            </a:r>
+            <a:r>
+              <a:rPr lang="en-US" sz="2400" dirty="0" err="1" smtClean="0"/>
+              <a:t>bản</a:t>
+            </a:r>
+            <a:r>
+              <a:rPr lang="en-US" sz="2400" dirty="0" smtClean="0"/>
+              <a:t> </a:t>
+            </a:r>
+            <a:r>
+              <a:rPr lang="en-US" sz="2400" dirty="0" err="1" smtClean="0"/>
+              <a:t>sau</a:t>
+            </a:r>
+            <a:r>
+              <a:rPr lang="en-US" sz="2400" dirty="0" smtClean="0"/>
+              <a:t>:</a:t>
+            </a:r>
+          </a:p>
+          <a:p>
+            <a:pPr eaLnBrk="1" hangingPunct="1"/>
+            <a:endParaRPr lang="en-US" sz="2400" dirty="0" smtClean="0"/>
+          </a:p>
+          <a:p>
+            <a:pPr marL="0" indent="0" algn="ctr" eaLnBrk="1" hangingPunct="1">
+              <a:buNone/>
+            </a:pPr>
+            <a:r>
+              <a:rPr lang="en-US" sz="2400" dirty="0" smtClean="0"/>
+              <a:t>“The </a:t>
+            </a:r>
+            <a:r>
+              <a:rPr lang="en-US" sz="2400" dirty="0" err="1" smtClean="0"/>
+              <a:t>martian</a:t>
+            </a:r>
+            <a:r>
+              <a:rPr lang="en-US" sz="2400" dirty="0" smtClean="0"/>
+              <a:t> has landed on the </a:t>
+            </a:r>
+            <a:r>
+              <a:rPr lang="en-US" sz="2400" dirty="0" err="1" smtClean="0"/>
+              <a:t>latin</a:t>
+            </a:r>
+            <a:r>
+              <a:rPr lang="en-US" sz="2400" dirty="0" smtClean="0"/>
+              <a:t> pop sensation </a:t>
+            </a:r>
+            <a:r>
+              <a:rPr lang="en-US" sz="2400" dirty="0" err="1" smtClean="0"/>
+              <a:t>ricky</a:t>
+            </a:r>
+            <a:r>
+              <a:rPr lang="en-US" sz="2400" dirty="0" smtClean="0"/>
+              <a:t> martin”</a:t>
             </a:r>
           </a:p>
         </p:txBody>
@@ -13893,6 +14735,155 @@
     </p:spTree>
     <p:extLst>
       <p:ext uri="{BB962C8B-B14F-4D97-AF65-F5344CB8AC3E}">
+        <p14:creationId xmlns:p14="http://schemas.microsoft.com/office/powerpoint/2010/main" val="3882282948"/>
+      </p:ext>
+    </p:extLst>
+  </p:cSld>
+  <p:clrMapOvr>
+    <a:masterClrMapping/>
+  </p:clrMapOvr>
+</p:sld>
+</file>
+
+<file path=ppt/slides/slide25.xml><?xml version="1.0" encoding="utf-8"?>
+<p:sld xmlns:a="http://schemas.openxmlformats.org/drawingml/2006/main" xmlns:r="http://schemas.openxmlformats.org/officeDocument/2006/relationships" xmlns:p="http://schemas.openxmlformats.org/presentationml/2006/main">
+  <p:cSld>
+    <p:spTree>
+      <p:nvGrpSpPr>
+        <p:cNvPr id="1" name=""/>
+        <p:cNvGrpSpPr/>
+        <p:nvPr/>
+      </p:nvGrpSpPr>
+      <p:grpSpPr>
+        <a:xfrm>
+          <a:off x="0" y="0"/>
+          <a:ext cx="0" cy="0"/>
+          <a:chOff x="0" y="0"/>
+          <a:chExt cx="0" cy="0"/>
+        </a:xfrm>
+      </p:grpSpPr>
+      <p:sp>
+        <p:nvSpPr>
+          <p:cNvPr id="16386" name="Rectangle 2"/>
+          <p:cNvSpPr>
+            <a:spLocks noGrp="1" noChangeArrowheads="1"/>
+          </p:cNvSpPr>
+          <p:nvPr>
+            <p:ph type="title"/>
+          </p:nvPr>
+        </p:nvSpPr>
+        <p:spPr/>
+        <p:txBody>
+          <a:bodyPr/>
+          <a:lstStyle/>
+          <a:p>
+            <a:pPr eaLnBrk="1" hangingPunct="1"/>
+            <a:r>
+              <a:rPr lang="en-US" sz="3600" err="1" smtClean="0"/>
+              <a:t>Bài</a:t>
+            </a:r>
+            <a:r>
+              <a:rPr lang="en-US" sz="3600" smtClean="0"/>
+              <a:t> tập 6.2</a:t>
+            </a:r>
+            <a:endParaRPr lang="vi-VN" sz="3600" dirty="0" smtClean="0"/>
+          </a:p>
+        </p:txBody>
+      </p:sp>
+      <p:sp>
+        <p:nvSpPr>
+          <p:cNvPr id="16387" name="Rectangle 3"/>
+          <p:cNvSpPr>
+            <a:spLocks noGrp="1" noChangeArrowheads="1"/>
+          </p:cNvSpPr>
+          <p:nvPr>
+            <p:ph type="body" idx="1"/>
+          </p:nvPr>
+        </p:nvSpPr>
+        <p:spPr>
+          <a:xfrm>
+            <a:off x="611560" y="2017713"/>
+            <a:ext cx="8343528" cy="4114800"/>
+          </a:xfrm>
+        </p:spPr>
+        <p:txBody>
+          <a:bodyPr/>
+          <a:lstStyle/>
+          <a:p>
+            <a:pPr marL="0" indent="0" algn="just" eaLnBrk="1" hangingPunct="1">
+              <a:buNone/>
+            </a:pPr>
+            <a:r>
+              <a:rPr lang="vi-VN" sz="2400" dirty="0" smtClean="0"/>
+              <a:t>Hãy viết cho mỗi đại lượng sau một câu mô tả về ảnh hưởng của những đại lượng này đến xếp hạng văn bản theo mô hình ngôn ngữ:</a:t>
+            </a:r>
+          </a:p>
+          <a:p>
+            <a:pPr lvl="1" algn="just" eaLnBrk="1" hangingPunct="1"/>
+            <a:r>
+              <a:rPr lang="vi-VN" sz="2000" dirty="0" smtClean="0"/>
+              <a:t>a) Tần suất từ trong văn bản;</a:t>
+            </a:r>
+          </a:p>
+          <a:p>
+            <a:pPr lvl="1" algn="just" eaLnBrk="1" hangingPunct="1"/>
+            <a:r>
+              <a:rPr lang="vi-VN" sz="2000" dirty="0" smtClean="0"/>
+              <a:t>b) Tần suất bộ dữ liệu của từ;</a:t>
+            </a:r>
+          </a:p>
+          <a:p>
+            <a:pPr lvl="1" algn="just" eaLnBrk="1" hangingPunct="1"/>
+            <a:r>
+              <a:rPr lang="vi-VN" sz="2000" dirty="0" smtClean="0"/>
+              <a:t>c) Tần suất văn bản của từ;</a:t>
+            </a:r>
+          </a:p>
+          <a:p>
+            <a:pPr lvl="1" algn="just" eaLnBrk="1" hangingPunct="1"/>
+            <a:r>
+              <a:rPr lang="vi-VN" sz="2000" dirty="0" smtClean="0"/>
+              <a:t>d) Chuẩn hóa theo độ dài</a:t>
+            </a:r>
+            <a:r>
+              <a:rPr lang="en-US" sz="2000" dirty="0" smtClean="0"/>
+              <a:t>;</a:t>
+            </a:r>
+          </a:p>
+        </p:txBody>
+      </p:sp>
+      <p:sp>
+        <p:nvSpPr>
+          <p:cNvPr id="2" name="Slide Number Placeholder 1"/>
+          <p:cNvSpPr>
+            <a:spLocks noGrp="1"/>
+          </p:cNvSpPr>
+          <p:nvPr>
+            <p:ph type="sldNum" sz="quarter" idx="12"/>
+          </p:nvPr>
+        </p:nvSpPr>
+        <p:spPr/>
+        <p:txBody>
+          <a:bodyPr/>
+          <a:lstStyle/>
+          <a:p>
+            <a:pPr>
+              <a:defRPr/>
+            </a:pPr>
+            <a:fld id="{18D75DDA-CB64-4086-83FF-BB38D2754AC9}" type="slidenum">
+              <a:rPr lang="vi-VN" smtClean="0"/>
+              <a:pPr>
+                <a:defRPr/>
+              </a:pPr>
+              <a:t>25</a:t>
+            </a:fld>
+            <a:endParaRPr lang="vi-VN"/>
+          </a:p>
+        </p:txBody>
+      </p:sp>
+    </p:spTree>
+    <p:extLst>
+      <p:ext uri="{BB962C8B-B14F-4D97-AF65-F5344CB8AC3E}">
         <p14:creationId xmlns:p14="http://schemas.microsoft.com/office/powerpoint/2010/main" val="3913895204"/>
       </p:ext>
     </p:extLst>
@@ -13903,7 +14894,7 @@
 </p:sld>
 </file>
 
-<file path=ppt/slides/slide25.xml><?xml version="1.0" encoding="utf-8"?>
+<file path=ppt/slides/slide26.xml><?xml version="1.0" encoding="utf-8"?>
 <p:sld xmlns:a="http://schemas.openxmlformats.org/drawingml/2006/main" xmlns:r="http://schemas.openxmlformats.org/officeDocument/2006/relationships" xmlns:p="http://schemas.openxmlformats.org/presentationml/2006/main">
   <p:cSld>
     <p:spTree>
@@ -14017,7 +15008,7 @@
               <a:pPr>
                 <a:defRPr/>
               </a:pPr>
-              <a:t>25</a:t>
+              <a:t>26</a:t>
             </a:fld>
             <a:endParaRPr lang="vi-VN"/>
           </a:p>
@@ -14189,8 +15180,28 @@
           <a:p>
             <a:pPr eaLnBrk="1" hangingPunct="1"/>
             <a:r>
+              <a:rPr lang="en-US" sz="3600" dirty="0" err="1" smtClean="0"/>
+              <a:t>Mô</a:t>
+            </a:r>
+            <a:r>
+              <a:rPr lang="en-US" sz="3600" dirty="0" smtClean="0"/>
+              <a:t> </a:t>
+            </a:r>
+            <a:r>
+              <a:rPr lang="en-US" sz="3600" dirty="0" err="1" smtClean="0"/>
+              <a:t>hình</a:t>
+            </a:r>
+            <a:r>
+              <a:rPr lang="en-US" sz="3600" dirty="0" smtClean="0"/>
+              <a:t> s</a:t>
+            </a:r>
+            <a:r>
               <a:rPr lang="vi-VN" sz="3600" dirty="0" smtClean="0"/>
-              <a:t>Sinh văn bản dựa trên máy trạng thái hữu hạn</a:t>
+              <a:t>inh dựa </a:t>
+            </a:r>
+            <a:r>
+              <a:rPr lang="vi-VN" sz="3600" dirty="0" smtClean="0"/>
+              <a:t>trên máy trạng thái hữu hạn</a:t>
             </a:r>
           </a:p>
         </p:txBody>
@@ -14207,7 +15218,7 @@
         </p:nvSpPr>
         <p:spPr>
           <a:xfrm>
-            <a:off x="611560" y="2017713"/>
+            <a:off x="611560" y="1844824"/>
             <a:ext cx="8280920" cy="4579937"/>
           </a:xfrm>
         </p:spPr>
@@ -14217,14 +15228,540 @@
           <a:p>
             <a:pPr eaLnBrk="1" hangingPunct="1"/>
             <a:r>
-              <a:rPr lang="vi-VN" sz="2400" dirty="0" smtClean="0"/>
-              <a:t>Ví dụ máy trạng thái hữu hạn</a:t>
-            </a:r>
-            <a:endParaRPr lang="vi-VN" sz="2400" i="1" dirty="0" smtClean="0"/>
+              <a:rPr lang="en-US" sz="2000" dirty="0" err="1" smtClean="0"/>
+              <a:t>Đối</a:t>
+            </a:r>
+            <a:r>
+              <a:rPr lang="en-US" sz="2000" dirty="0" smtClean="0"/>
+              <a:t> </a:t>
+            </a:r>
+            <a:r>
+              <a:rPr lang="en-US" sz="2000" dirty="0" err="1" smtClean="0"/>
+              <a:t>với</a:t>
+            </a:r>
+            <a:r>
+              <a:rPr lang="en-US" sz="2000" dirty="0" smtClean="0"/>
+              <a:t> </a:t>
+            </a:r>
+            <a:r>
+              <a:rPr lang="en-US" sz="2000" dirty="0" err="1" smtClean="0"/>
+              <a:t>mô</a:t>
+            </a:r>
+            <a:r>
+              <a:rPr lang="en-US" sz="2000" dirty="0" smtClean="0"/>
+              <a:t> </a:t>
+            </a:r>
+            <a:r>
+              <a:rPr lang="en-US" sz="2000" dirty="0" err="1" smtClean="0"/>
+              <a:t>hình</a:t>
+            </a:r>
+            <a:r>
+              <a:rPr lang="en-US" sz="2000" dirty="0" smtClean="0"/>
+              <a:t> </a:t>
+            </a:r>
+            <a:r>
+              <a:rPr lang="en-US" sz="2000" dirty="0" err="1" smtClean="0"/>
+              <a:t>sinh</a:t>
+            </a:r>
+            <a:r>
+              <a:rPr lang="en-US" sz="2000" dirty="0" smtClean="0"/>
+              <a:t> </a:t>
+            </a:r>
+            <a:r>
+              <a:rPr lang="en-US" sz="2000" dirty="0" err="1" smtClean="0"/>
+              <a:t>truyền</a:t>
+            </a:r>
+            <a:r>
+              <a:rPr lang="en-US" sz="2000" dirty="0" smtClean="0"/>
+              <a:t> </a:t>
+            </a:r>
+            <a:r>
+              <a:rPr lang="en-US" sz="2000" dirty="0" err="1" smtClean="0"/>
+              <a:t>thống</a:t>
+            </a:r>
+            <a:r>
+              <a:rPr lang="en-US" sz="2000" dirty="0" smtClean="0"/>
+              <a:t>, </a:t>
+            </a:r>
+            <a:r>
+              <a:rPr lang="en-US" sz="2000" dirty="0" err="1" smtClean="0"/>
+              <a:t>m</a:t>
+            </a:r>
+            <a:r>
+              <a:rPr lang="en-US" sz="2000" dirty="0" err="1" smtClean="0"/>
+              <a:t>ỗi</a:t>
+            </a:r>
+            <a:r>
+              <a:rPr lang="en-US" sz="2000" dirty="0" smtClean="0"/>
+              <a:t> </a:t>
+            </a:r>
+            <a:r>
+              <a:rPr lang="en-US" sz="2000" dirty="0" err="1" smtClean="0"/>
+              <a:t>khi</a:t>
+            </a:r>
+            <a:r>
+              <a:rPr lang="en-US" sz="2000" dirty="0" smtClean="0"/>
+              <a:t> </a:t>
+            </a:r>
+            <a:r>
+              <a:rPr lang="en-US" sz="2000" dirty="0" err="1" smtClean="0"/>
+              <a:t>chuyển</a:t>
+            </a:r>
+            <a:r>
+              <a:rPr lang="en-US" sz="2000" dirty="0" smtClean="0"/>
+              <a:t> </a:t>
+            </a:r>
+            <a:r>
+              <a:rPr lang="en-US" sz="2000" dirty="0" err="1" smtClean="0"/>
+              <a:t>trạng</a:t>
+            </a:r>
+            <a:r>
+              <a:rPr lang="en-US" sz="2000" dirty="0" smtClean="0"/>
+              <a:t> </a:t>
+            </a:r>
+            <a:r>
+              <a:rPr lang="en-US" sz="2000" dirty="0" err="1" smtClean="0"/>
+              <a:t>thái</a:t>
+            </a:r>
+            <a:r>
+              <a:rPr lang="en-US" sz="2000" dirty="0" smtClean="0"/>
+              <a:t> </a:t>
+            </a:r>
+            <a:r>
+              <a:rPr lang="en-US" sz="2000" dirty="0" err="1" smtClean="0"/>
+              <a:t>máy</a:t>
+            </a:r>
+            <a:r>
+              <a:rPr lang="en-US" sz="2000" dirty="0" smtClean="0"/>
+              <a:t> </a:t>
+            </a:r>
+            <a:r>
+              <a:rPr lang="en-US" sz="2000" dirty="0" err="1" smtClean="0"/>
+              <a:t>trạng</a:t>
+            </a:r>
+            <a:r>
+              <a:rPr lang="en-US" sz="2000" dirty="0" smtClean="0"/>
+              <a:t> </a:t>
+            </a:r>
+            <a:r>
+              <a:rPr lang="en-US" sz="2000" dirty="0" err="1" smtClean="0"/>
+              <a:t>thái</a:t>
+            </a:r>
+            <a:r>
+              <a:rPr lang="en-US" sz="2000" dirty="0" smtClean="0"/>
+              <a:t> </a:t>
+            </a:r>
+            <a:r>
+              <a:rPr lang="en-US" sz="2000" dirty="0" err="1" smtClean="0"/>
+              <a:t>hữu</a:t>
+            </a:r>
+            <a:r>
+              <a:rPr lang="en-US" sz="2000" dirty="0" smtClean="0"/>
+              <a:t> </a:t>
+            </a:r>
+            <a:r>
+              <a:rPr lang="en-US" sz="2000" dirty="0" err="1" smtClean="0"/>
+              <a:t>hạn</a:t>
+            </a:r>
+            <a:r>
+              <a:rPr lang="en-US" sz="2000" dirty="0" smtClean="0"/>
+              <a:t> </a:t>
+            </a:r>
+            <a:r>
+              <a:rPr lang="en-US" sz="2000" dirty="0" err="1" smtClean="0"/>
+              <a:t>sẽ</a:t>
+            </a:r>
+            <a:r>
+              <a:rPr lang="en-US" sz="2000" dirty="0" smtClean="0"/>
+              <a:t> </a:t>
+            </a:r>
+            <a:r>
+              <a:rPr lang="en-US" sz="2000" dirty="0" err="1" smtClean="0"/>
+              <a:t>sinh</a:t>
+            </a:r>
+            <a:r>
+              <a:rPr lang="en-US" sz="2000" dirty="0" smtClean="0"/>
+              <a:t> </a:t>
+            </a:r>
+            <a:r>
+              <a:rPr lang="en-US" sz="2000" dirty="0" err="1" smtClean="0"/>
+              <a:t>một</a:t>
+            </a:r>
+            <a:r>
+              <a:rPr lang="en-US" sz="2000" dirty="0" smtClean="0"/>
+              <a:t> </a:t>
+            </a:r>
+            <a:r>
+              <a:rPr lang="en-US" sz="2000" dirty="0" err="1" smtClean="0"/>
+              <a:t>từ</a:t>
+            </a:r>
+            <a:r>
+              <a:rPr lang="en-US" sz="2000" dirty="0" smtClean="0"/>
+              <a:t>. Ở </a:t>
+            </a:r>
+            <a:r>
+              <a:rPr lang="en-US" sz="2000" dirty="0" err="1" smtClean="0"/>
+              <a:t>mỗi</a:t>
+            </a:r>
+            <a:r>
+              <a:rPr lang="en-US" sz="2000" dirty="0" smtClean="0"/>
+              <a:t> </a:t>
+            </a:r>
+            <a:r>
+              <a:rPr lang="en-US" sz="2000" dirty="0" err="1" smtClean="0"/>
+              <a:t>trạng</a:t>
+            </a:r>
+            <a:r>
+              <a:rPr lang="en-US" sz="2000" dirty="0" smtClean="0"/>
+              <a:t> </a:t>
+            </a:r>
+            <a:r>
+              <a:rPr lang="en-US" sz="2000" dirty="0" err="1" smtClean="0"/>
+              <a:t>thái</a:t>
+            </a:r>
+            <a:r>
+              <a:rPr lang="en-US" sz="2000" dirty="0" smtClean="0"/>
+              <a:t> </a:t>
+            </a:r>
+            <a:r>
+              <a:rPr lang="en-US" sz="2000" dirty="0" err="1" smtClean="0"/>
+              <a:t>khác</a:t>
+            </a:r>
+            <a:r>
+              <a:rPr lang="en-US" sz="2000" dirty="0" smtClean="0"/>
+              <a:t> </a:t>
+            </a:r>
+            <a:r>
+              <a:rPr lang="en-US" sz="2000" dirty="0" err="1" smtClean="0"/>
+              <a:t>nhau</a:t>
+            </a:r>
+            <a:r>
+              <a:rPr lang="en-US" sz="2000" dirty="0" smtClean="0"/>
+              <a:t> </a:t>
+            </a:r>
+            <a:r>
+              <a:rPr lang="en-US" sz="2000" dirty="0" err="1" smtClean="0"/>
+              <a:t>máy</a:t>
+            </a:r>
+            <a:r>
+              <a:rPr lang="en-US" sz="2000" dirty="0" smtClean="0"/>
+              <a:t> </a:t>
+            </a:r>
+            <a:r>
+              <a:rPr lang="en-US" sz="2000" dirty="0" err="1" smtClean="0"/>
+              <a:t>có</a:t>
+            </a:r>
+            <a:r>
+              <a:rPr lang="en-US" sz="2000" dirty="0" smtClean="0"/>
+              <a:t> </a:t>
+            </a:r>
+            <a:r>
+              <a:rPr lang="en-US" sz="2000" dirty="0" err="1" smtClean="0"/>
+              <a:t>thể</a:t>
+            </a:r>
+            <a:r>
+              <a:rPr lang="en-US" sz="2000" dirty="0" smtClean="0"/>
+              <a:t> </a:t>
+            </a:r>
+            <a:r>
+              <a:rPr lang="en-US" sz="2000" dirty="0" err="1" smtClean="0"/>
+              <a:t>sinh</a:t>
+            </a:r>
+            <a:r>
+              <a:rPr lang="en-US" sz="2000" dirty="0" smtClean="0"/>
+              <a:t> </a:t>
+            </a:r>
+            <a:r>
+              <a:rPr lang="en-US" sz="2000" dirty="0" err="1" smtClean="0"/>
+              <a:t>các</a:t>
+            </a:r>
+            <a:r>
+              <a:rPr lang="en-US" sz="2000" dirty="0" smtClean="0"/>
+              <a:t> </a:t>
+            </a:r>
+            <a:r>
+              <a:rPr lang="en-US" sz="2000" dirty="0" err="1" smtClean="0"/>
+              <a:t>từ</a:t>
+            </a:r>
+            <a:r>
+              <a:rPr lang="en-US" sz="2000" dirty="0" smtClean="0"/>
+              <a:t> </a:t>
+            </a:r>
+            <a:r>
+              <a:rPr lang="en-US" sz="2000" dirty="0" err="1" smtClean="0"/>
+              <a:t>khác</a:t>
+            </a:r>
+            <a:r>
+              <a:rPr lang="en-US" sz="2000" dirty="0" smtClean="0"/>
+              <a:t> </a:t>
+            </a:r>
+            <a:r>
+              <a:rPr lang="en-US" sz="2000" dirty="0" err="1" smtClean="0"/>
+              <a:t>nhau</a:t>
+            </a:r>
+            <a:r>
+              <a:rPr lang="en-US" sz="2000" dirty="0" smtClean="0"/>
+              <a:t>.</a:t>
+            </a:r>
           </a:p>
           <a:p>
             <a:pPr eaLnBrk="1" hangingPunct="1"/>
-            <a:endParaRPr lang="vi-VN" sz="2400" i="1" dirty="0" smtClean="0">
+            <a:r>
+              <a:rPr lang="en-US" sz="2000" dirty="0" err="1"/>
+              <a:t>Tập</a:t>
+            </a:r>
+            <a:r>
+              <a:rPr lang="en-US" sz="2000" dirty="0"/>
+              <a:t> </a:t>
+            </a:r>
+            <a:r>
+              <a:rPr lang="en-US" sz="2000" dirty="0" err="1"/>
+              <a:t>hợp</a:t>
+            </a:r>
+            <a:r>
+              <a:rPr lang="en-US" sz="2000" dirty="0"/>
+              <a:t> </a:t>
+            </a:r>
+            <a:r>
+              <a:rPr lang="en-US" sz="2000" dirty="0" err="1"/>
+              <a:t>tất</a:t>
+            </a:r>
+            <a:r>
+              <a:rPr lang="en-US" sz="2000" dirty="0"/>
+              <a:t> </a:t>
+            </a:r>
+            <a:r>
+              <a:rPr lang="en-US" sz="2000" dirty="0" err="1"/>
+              <a:t>cả</a:t>
+            </a:r>
+            <a:r>
+              <a:rPr lang="en-US" sz="2000" dirty="0"/>
+              <a:t> </a:t>
+            </a:r>
+            <a:r>
+              <a:rPr lang="en-US" sz="2000" dirty="0" err="1"/>
+              <a:t>các</a:t>
+            </a:r>
+            <a:r>
+              <a:rPr lang="en-US" sz="2000" dirty="0"/>
+              <a:t> </a:t>
+            </a:r>
+            <a:r>
+              <a:rPr lang="en-US" sz="2000" dirty="0" err="1"/>
+              <a:t>văn</a:t>
+            </a:r>
+            <a:r>
+              <a:rPr lang="en-US" sz="2000" dirty="0"/>
+              <a:t> </a:t>
+            </a:r>
+            <a:r>
+              <a:rPr lang="en-US" sz="2000" dirty="0" err="1"/>
+              <a:t>bản</a:t>
+            </a:r>
+            <a:r>
+              <a:rPr lang="en-US" sz="2000" dirty="0"/>
+              <a:t> </a:t>
+            </a:r>
+            <a:r>
+              <a:rPr lang="en-US" sz="2000" dirty="0" err="1"/>
+              <a:t>có</a:t>
+            </a:r>
+            <a:r>
+              <a:rPr lang="en-US" sz="2000" dirty="0"/>
+              <a:t> </a:t>
+            </a:r>
+            <a:r>
+              <a:rPr lang="en-US" sz="2000" dirty="0" err="1"/>
+              <a:t>thể</a:t>
+            </a:r>
+            <a:r>
+              <a:rPr lang="en-US" sz="2000" dirty="0"/>
+              <a:t> </a:t>
+            </a:r>
+            <a:r>
+              <a:rPr lang="en-US" sz="2000" dirty="0" err="1" smtClean="0"/>
+              <a:t>được</a:t>
+            </a:r>
+            <a:r>
+              <a:rPr lang="en-US" sz="2000" dirty="0" smtClean="0"/>
+              <a:t> </a:t>
+            </a:r>
+            <a:r>
+              <a:rPr lang="en-US" sz="2000" dirty="0" err="1" smtClean="0"/>
+              <a:t>sinh</a:t>
+            </a:r>
+            <a:r>
+              <a:rPr lang="en-US" sz="2000" dirty="0" smtClean="0"/>
+              <a:t> </a:t>
+            </a:r>
+            <a:r>
+              <a:rPr lang="en-US" sz="2000" dirty="0" err="1"/>
+              <a:t>bởi</a:t>
+            </a:r>
+            <a:r>
+              <a:rPr lang="en-US" sz="2000" dirty="0"/>
+              <a:t> </a:t>
+            </a:r>
+            <a:r>
+              <a:rPr lang="en-US" sz="2000" dirty="0" err="1"/>
+              <a:t>máy</a:t>
+            </a:r>
+            <a:r>
+              <a:rPr lang="en-US" sz="2000" dirty="0"/>
+              <a:t> </a:t>
+            </a:r>
+            <a:r>
+              <a:rPr lang="en-US" sz="2000" dirty="0" err="1"/>
+              <a:t>trạng</a:t>
+            </a:r>
+            <a:r>
+              <a:rPr lang="en-US" sz="2000" dirty="0"/>
+              <a:t> </a:t>
+            </a:r>
+            <a:r>
+              <a:rPr lang="en-US" sz="2000" dirty="0" err="1"/>
+              <a:t>thái</a:t>
+            </a:r>
+            <a:r>
+              <a:rPr lang="en-US" sz="2000" dirty="0"/>
+              <a:t> </a:t>
+            </a:r>
+            <a:r>
+              <a:rPr lang="en-US" sz="2000" dirty="0" err="1"/>
+              <a:t>hữu</a:t>
+            </a:r>
+            <a:r>
+              <a:rPr lang="en-US" sz="2000" dirty="0"/>
+              <a:t> </a:t>
+            </a:r>
+            <a:r>
+              <a:rPr lang="en-US" sz="2000" dirty="0" err="1"/>
+              <a:t>hạn</a:t>
+            </a:r>
+            <a:r>
+              <a:rPr lang="en-US" sz="2000" dirty="0"/>
+              <a:t> </a:t>
+            </a:r>
+            <a:r>
+              <a:rPr lang="en-US" sz="2000" dirty="0" err="1"/>
+              <a:t>gọi</a:t>
+            </a:r>
+            <a:r>
+              <a:rPr lang="en-US" sz="2000" dirty="0"/>
+              <a:t> </a:t>
+            </a:r>
+            <a:r>
+              <a:rPr lang="en-US" sz="2000" dirty="0" err="1"/>
+              <a:t>là</a:t>
+            </a:r>
+            <a:r>
+              <a:rPr lang="en-US" sz="2000" dirty="0"/>
+              <a:t> </a:t>
+            </a:r>
+            <a:r>
+              <a:rPr lang="en-US" sz="2000" dirty="0" err="1"/>
+              <a:t>ngôn</a:t>
+            </a:r>
+            <a:r>
+              <a:rPr lang="en-US" sz="2000" dirty="0"/>
+              <a:t> </a:t>
+            </a:r>
+            <a:r>
+              <a:rPr lang="en-US" sz="2000" dirty="0" err="1"/>
+              <a:t>ngữ</a:t>
+            </a:r>
+            <a:r>
+              <a:rPr lang="en-US" sz="2000" dirty="0"/>
+              <a:t> </a:t>
+            </a:r>
+            <a:r>
+              <a:rPr lang="en-US" sz="2000" dirty="0" err="1"/>
+              <a:t>của</a:t>
+            </a:r>
+            <a:r>
+              <a:rPr lang="en-US" sz="2000" dirty="0"/>
+              <a:t> </a:t>
+            </a:r>
+            <a:r>
+              <a:rPr lang="en-US" sz="2000" dirty="0" err="1"/>
+              <a:t>máy</a:t>
+            </a:r>
+            <a:r>
+              <a:rPr lang="en-US" sz="2000" dirty="0"/>
+              <a:t> </a:t>
+            </a:r>
+            <a:r>
+              <a:rPr lang="en-US" sz="2000" dirty="0" err="1"/>
+              <a:t>trạng</a:t>
+            </a:r>
+            <a:r>
+              <a:rPr lang="en-US" sz="2000" dirty="0"/>
+              <a:t> </a:t>
+            </a:r>
+            <a:r>
+              <a:rPr lang="en-US" sz="2000" dirty="0" err="1"/>
+              <a:t>thái</a:t>
+            </a:r>
+            <a:r>
+              <a:rPr lang="en-US" sz="2000" dirty="0"/>
+              <a:t> </a:t>
+            </a:r>
+            <a:r>
+              <a:rPr lang="en-US" sz="2000" dirty="0" err="1"/>
+              <a:t>hữu</a:t>
+            </a:r>
+            <a:r>
+              <a:rPr lang="en-US" sz="2000" dirty="0"/>
+              <a:t> </a:t>
+            </a:r>
+            <a:r>
+              <a:rPr lang="en-US" sz="2000" dirty="0" err="1"/>
+              <a:t>hạn</a:t>
+            </a:r>
+            <a:r>
+              <a:rPr lang="en-US" sz="2000" dirty="0"/>
+              <a:t> </a:t>
+            </a:r>
+            <a:r>
+              <a:rPr lang="en-US" sz="2000" dirty="0" err="1"/>
+              <a:t>đó</a:t>
+            </a:r>
+            <a:r>
+              <a:rPr lang="en-US" sz="2000" dirty="0"/>
+              <a:t>.</a:t>
+            </a:r>
+          </a:p>
+          <a:p>
+            <a:pPr eaLnBrk="1" hangingPunct="1"/>
+            <a:r>
+              <a:rPr lang="vi-VN" sz="2000" dirty="0" smtClean="0"/>
+              <a:t>Ví </a:t>
+            </a:r>
+            <a:r>
+              <a:rPr lang="vi-VN" sz="2000" dirty="0" smtClean="0"/>
+              <a:t>dụ máy trạng thái hữu </a:t>
+            </a:r>
+            <a:r>
+              <a:rPr lang="vi-VN" sz="2000" dirty="0" smtClean="0"/>
+              <a:t>hạn</a:t>
+            </a:r>
+            <a:r>
+              <a:rPr lang="en-US" sz="2000" dirty="0" smtClean="0"/>
+              <a:t> </a:t>
+            </a:r>
+            <a:r>
+              <a:rPr lang="en-US" sz="2000" dirty="0" err="1" smtClean="0"/>
+              <a:t>sau</a:t>
+            </a:r>
+            <a:r>
+              <a:rPr lang="en-US" sz="2000" dirty="0" smtClean="0"/>
+              <a:t>:</a:t>
+            </a:r>
+            <a:endParaRPr lang="vi-VN" sz="2000" i="1" dirty="0" smtClean="0"/>
+          </a:p>
+          <a:p>
+            <a:pPr eaLnBrk="1" hangingPunct="1"/>
+            <a:endParaRPr lang="vi-VN" sz="2000" i="1" dirty="0" smtClean="0">
               <a:solidFill>
                 <a:srgbClr val="000000"/>
               </a:solidFill>
@@ -14232,7 +15769,7 @@
           </a:p>
           <a:p>
             <a:pPr eaLnBrk="1" hangingPunct="1"/>
-            <a:endParaRPr lang="vi-VN" sz="2400" i="1" dirty="0" smtClean="0">
+            <a:endParaRPr lang="vi-VN" sz="2000" i="1" dirty="0" smtClean="0">
               <a:solidFill>
                 <a:srgbClr val="000000"/>
               </a:solidFill>
@@ -14243,14 +15780,24 @@
               <a:buNone/>
             </a:pPr>
             <a:r>
-              <a:rPr lang="vi-VN" sz="2400" dirty="0" smtClean="0">
+              <a:rPr lang="vi-VN" sz="2000" dirty="0" smtClean="0">
                 <a:solidFill>
                   <a:srgbClr val="000000"/>
                 </a:solidFill>
               </a:rPr>
               <a:t>	</a:t>
             </a:r>
-            <a:endParaRPr lang="vi-VN" sz="2400" dirty="0" smtClean="0">
+            <a:endParaRPr lang="en-US" sz="2000" dirty="0" smtClean="0">
+              <a:solidFill>
+                <a:srgbClr val="000000"/>
+              </a:solidFill>
+            </a:endParaRPr>
+          </a:p>
+          <a:p>
+            <a:pPr marL="0" indent="0" eaLnBrk="1" hangingPunct="1">
+              <a:buNone/>
+            </a:pPr>
+            <a:endParaRPr lang="vi-VN" sz="2000" dirty="0" smtClean="0">
               <a:solidFill>
                 <a:srgbClr val="0070C0"/>
               </a:solidFill>
@@ -14258,33 +15805,34 @@
           </a:p>
           <a:p>
             <a:pPr lvl="1" eaLnBrk="1" hangingPunct="1"/>
-            <a:endParaRPr lang="vi-VN" sz="2000" dirty="0" smtClean="0"/>
+            <a:r>
+              <a:rPr lang="vi-VN" sz="1800" dirty="0" smtClean="0"/>
+              <a:t>Có </a:t>
+            </a:r>
+            <a:r>
+              <a:rPr lang="vi-VN" sz="1800" dirty="0" smtClean="0"/>
+              <a:t>thể sinh các văn bản: I</a:t>
+            </a:r>
+            <a:r>
+              <a:rPr lang="vi-VN" sz="1800" dirty="0" smtClean="0">
+                <a:solidFill>
+                  <a:srgbClr val="0070C0"/>
+                </a:solidFill>
+              </a:rPr>
+              <a:t> </a:t>
+            </a:r>
+            <a:r>
+              <a:rPr lang="vi-VN" sz="1800" dirty="0" smtClean="0"/>
+              <a:t>wish I wish I wish I wish … </a:t>
+            </a:r>
           </a:p>
           <a:p>
             <a:pPr lvl="1" eaLnBrk="1" hangingPunct="1"/>
             <a:r>
-              <a:rPr lang="vi-VN" sz="2000" dirty="0" smtClean="0"/>
-              <a:t>Có thể sinh các văn bản: I</a:t>
-            </a:r>
-            <a:r>
-              <a:rPr lang="vi-VN" sz="2000" dirty="0" smtClean="0">
-                <a:solidFill>
-                  <a:srgbClr val="0070C0"/>
-                </a:solidFill>
-              </a:rPr>
-              <a:t> </a:t>
-            </a:r>
-            <a:r>
-              <a:rPr lang="vi-VN" sz="2000" dirty="0" smtClean="0"/>
-              <a:t>wish I wish I wish I wish … </a:t>
-            </a:r>
-          </a:p>
-          <a:p>
-            <a:pPr lvl="1" eaLnBrk="1" hangingPunct="1"/>
-            <a:r>
-              <a:rPr lang="vi-VN" sz="2000" dirty="0" smtClean="0"/>
+              <a:rPr lang="vi-VN" sz="1800" dirty="0" smtClean="0"/>
               <a:t>Không thể sinh: “wish I wish” hoặc “I wish I”. </a:t>
             </a:r>
+            <a:endParaRPr lang="en-US" sz="1800" dirty="0" smtClean="0"/>
           </a:p>
         </p:txBody>
       </p:sp>
@@ -14311,7 +15859,7 @@
         </p:blipFill>
         <p:spPr bwMode="auto">
           <a:xfrm>
-            <a:off x="2627784" y="2564904"/>
+            <a:off x="2555776" y="3933056"/>
             <a:ext cx="3459162" cy="1368425"/>
           </a:xfrm>
           <a:prstGeom prst="rect">
@@ -14379,8 +15927,8 @@
         </p:nvSpPr>
         <p:spPr>
           <a:xfrm>
-            <a:off x="755576" y="5733256"/>
-            <a:ext cx="6552728" cy="461665"/>
+            <a:off x="611560" y="5949280"/>
+            <a:ext cx="6552728" cy="707886"/>
           </a:xfrm>
           <a:prstGeom prst="rect">
             <a:avLst/>
@@ -14394,14 +15942,69 @@
           <a:lstStyle/>
           <a:p>
             <a:r>
-              <a:rPr lang="vi-VN" sz="2400" b="0" dirty="0" smtClean="0">
+              <a:rPr lang="en-US" sz="2000" b="0" dirty="0" err="1" smtClean="0">
                 <a:solidFill>
                   <a:schemeClr val="tx2"/>
                 </a:solidFill>
               </a:rPr>
-              <a:t>Máy trạng thái hữu hạn: finite automaton</a:t>
-            </a:r>
-            <a:endParaRPr lang="vi-VN" sz="2400" b="0" dirty="0">
+              <a:t>Thuật</a:t>
+            </a:r>
+            <a:r>
+              <a:rPr lang="en-US" sz="2000" b="0" dirty="0" smtClean="0">
+                <a:solidFill>
+                  <a:schemeClr val="tx2"/>
+                </a:solidFill>
+              </a:rPr>
+              <a:t> </a:t>
+            </a:r>
+            <a:r>
+              <a:rPr lang="en-US" sz="2000" b="0" dirty="0" err="1" smtClean="0">
+                <a:solidFill>
+                  <a:schemeClr val="tx2"/>
+                </a:solidFill>
+              </a:rPr>
+              <a:t>ngữ</a:t>
+            </a:r>
+            <a:r>
+              <a:rPr lang="en-US" sz="2000" b="0" dirty="0">
+                <a:solidFill>
+                  <a:schemeClr val="tx2"/>
+                </a:solidFill>
+              </a:rPr>
+              <a:t>:</a:t>
+            </a:r>
+            <a:endParaRPr lang="en-US" sz="2000" b="0" dirty="0" smtClean="0">
+              <a:solidFill>
+                <a:schemeClr val="tx2"/>
+              </a:solidFill>
+            </a:endParaRPr>
+          </a:p>
+          <a:p>
+            <a:r>
+              <a:rPr lang="en-US" sz="2000" b="0" dirty="0" smtClean="0">
+                <a:solidFill>
+                  <a:schemeClr val="tx2"/>
+                </a:solidFill>
+              </a:rPr>
+              <a:t>	</a:t>
+            </a:r>
+            <a:r>
+              <a:rPr lang="vi-VN" sz="2000" b="0" dirty="0" smtClean="0">
+                <a:solidFill>
+                  <a:schemeClr val="tx2"/>
+                </a:solidFill>
+              </a:rPr>
+              <a:t>Máy </a:t>
+            </a:r>
+            <a:r>
+              <a:rPr lang="vi-VN" sz="2000" b="0" dirty="0" smtClean="0">
+                <a:solidFill>
+                  <a:schemeClr val="tx2"/>
+                </a:solidFill>
+              </a:rPr>
+              <a:t>trạng thái hữu hạn: finite automaton</a:t>
+            </a:r>
+            <a:endParaRPr lang="vi-VN" sz="2000" b="0" dirty="0">
               <a:solidFill>
                 <a:schemeClr val="tx2"/>
               </a:solidFill>
@@ -14451,9 +16054,1074 @@
           <a:p>
             <a:pPr eaLnBrk="1" hangingPunct="1"/>
             <a:r>
-              <a:rPr lang="vi-VN" sz="3600" dirty="0" smtClean="0"/>
-              <a:t>Máy một trạng thái</a:t>
-            </a:r>
+              <a:rPr lang="en-US" sz="3600" dirty="0" err="1" smtClean="0"/>
+              <a:t>Mô</a:t>
+            </a:r>
+            <a:r>
+              <a:rPr lang="en-US" sz="3600" dirty="0" smtClean="0"/>
+              <a:t> </a:t>
+            </a:r>
+            <a:r>
+              <a:rPr lang="en-US" sz="3600" dirty="0" err="1" smtClean="0"/>
+              <a:t>hình</a:t>
+            </a:r>
+            <a:r>
+              <a:rPr lang="en-US" sz="3600" dirty="0" smtClean="0"/>
+              <a:t> </a:t>
+            </a:r>
+            <a:r>
+              <a:rPr lang="en-US" sz="3600" dirty="0" err="1" smtClean="0"/>
+              <a:t>ngôn</a:t>
+            </a:r>
+            <a:r>
+              <a:rPr lang="en-US" sz="3600" dirty="0" smtClean="0"/>
+              <a:t> </a:t>
+            </a:r>
+            <a:r>
+              <a:rPr lang="en-US" sz="3600" dirty="0" err="1" smtClean="0"/>
+              <a:t>ngữ</a:t>
+            </a:r>
+            <a:endParaRPr lang="vi-VN" sz="3600" dirty="0" smtClean="0"/>
+          </a:p>
+        </p:txBody>
+      </p:sp>
+      <p:sp>
+        <p:nvSpPr>
+          <p:cNvPr id="2" name="Slide Number Placeholder 1"/>
+          <p:cNvSpPr>
+            <a:spLocks noGrp="1"/>
+          </p:cNvSpPr>
+          <p:nvPr>
+            <p:ph type="sldNum" sz="quarter" idx="12"/>
+          </p:nvPr>
+        </p:nvSpPr>
+        <p:spPr/>
+        <p:txBody>
+          <a:bodyPr/>
+          <a:lstStyle/>
+          <a:p>
+            <a:pPr>
+              <a:defRPr/>
+            </a:pPr>
+            <a:fld id="{18D75DDA-CB64-4086-83FF-BB38D2754AC9}" type="slidenum">
+              <a:rPr lang="vi-VN" smtClean="0"/>
+              <a:pPr>
+                <a:defRPr/>
+              </a:pPr>
+              <a:t>4</a:t>
+            </a:fld>
+            <a:endParaRPr lang="vi-VN"/>
+          </a:p>
+        </p:txBody>
+      </p:sp>
+      <p:sp>
+        <p:nvSpPr>
+          <p:cNvPr id="7" name="Rectangle 3"/>
+          <p:cNvSpPr txBox="1">
+            <a:spLocks noChangeArrowheads="1"/>
+          </p:cNvSpPr>
+          <p:nvPr/>
+        </p:nvSpPr>
+        <p:spPr bwMode="auto">
+          <a:xfrm>
+            <a:off x="611560" y="1988840"/>
+            <a:ext cx="8280920" cy="3528392"/>
+          </a:xfrm>
+          <a:prstGeom prst="rect">
+            <a:avLst/>
+          </a:prstGeom>
+          <a:noFill/>
+          <a:ln>
+            <a:noFill/>
+          </a:ln>
+          <a:effectLst/>
+          <a:extLst>
+            <a:ext uri="{909E8E84-426E-40DD-AFC4-6F175D3DCCD1}">
+              <a14:hiddenFill xmlns:a14="http://schemas.microsoft.com/office/drawing/2010/main">
+                <a:solidFill>
+                  <a:schemeClr val="accent1"/>
+                </a:solidFill>
+              </a14:hiddenFill>
+            </a:ext>
+            <a:ext uri="{91240B29-F687-4F45-9708-019B960494DF}">
+              <a14:hiddenLine xmlns:a14="http://schemas.microsoft.com/office/drawing/2010/main" w="9525">
+                <a:solidFill>
+                  <a:schemeClr val="tx1"/>
+                </a:solidFill>
+                <a:miter lim="800000"/>
+                <a:headEnd/>
+                <a:tailEnd/>
+              </a14:hiddenLine>
+            </a:ext>
+            <a:ext uri="{AF507438-7753-43E0-B8FC-AC1667EBCBE1}">
+              <a14:hiddenEffects xmlns:a14="http://schemas.microsoft.com/office/drawing/2010/main">
+                <a:effectLst>
+                  <a:outerShdw dist="35921" dir="2700000" algn="ctr" rotWithShape="0">
+                    <a:schemeClr val="bg2"/>
+                  </a:outerShdw>
+                </a:effectLst>
+              </a14:hiddenEffects>
+            </a:ext>
+          </a:extLst>
+        </p:spPr>
+        <p:txBody>
+          <a:bodyPr vert="horz" wrap="square" lIns="91440" tIns="45720" rIns="91440" bIns="45720" numCol="1" anchor="t" anchorCtr="0" compatLnSpc="1">
+            <a:prstTxWarp prst="textNoShape">
+              <a:avLst/>
+            </a:prstTxWarp>
+          </a:bodyPr>
+          <a:lstStyle>
+            <a:lvl1pPr marL="342900" indent="-342900" algn="l" rtl="0" eaLnBrk="0" fontAlgn="base" hangingPunct="0">
+              <a:spcBef>
+                <a:spcPct val="20000"/>
+              </a:spcBef>
+              <a:spcAft>
+                <a:spcPct val="0"/>
+              </a:spcAft>
+              <a:buClr>
+                <a:schemeClr val="folHlink"/>
+              </a:buClr>
+              <a:buSzPct val="60000"/>
+              <a:buFont typeface="Wingdings" panose="05000000000000000000" pitchFamily="2" charset="2"/>
+              <a:buChar char="n"/>
+              <a:defRPr sz="3200" kern="1200">
+                <a:solidFill>
+                  <a:schemeClr val="tx1"/>
+                </a:solidFill>
+                <a:latin typeface="+mn-lt"/>
+                <a:ea typeface="+mn-ea"/>
+                <a:cs typeface="+mn-cs"/>
+              </a:defRPr>
+            </a:lvl1pPr>
+            <a:lvl2pPr marL="742950" indent="-285750" algn="l" rtl="0" eaLnBrk="0" fontAlgn="base" hangingPunct="0">
+              <a:spcBef>
+                <a:spcPct val="20000"/>
+              </a:spcBef>
+              <a:spcAft>
+                <a:spcPct val="0"/>
+              </a:spcAft>
+              <a:buClr>
+                <a:schemeClr val="hlink"/>
+              </a:buClr>
+              <a:buSzPct val="55000"/>
+              <a:buFont typeface="Wingdings" panose="05000000000000000000" pitchFamily="2" charset="2"/>
+              <a:buChar char="n"/>
+              <a:defRPr sz="2800" kern="1200">
+                <a:solidFill>
+                  <a:schemeClr val="tx1"/>
+                </a:solidFill>
+                <a:latin typeface="+mn-lt"/>
+                <a:ea typeface="+mn-ea"/>
+                <a:cs typeface="+mn-cs"/>
+              </a:defRPr>
+            </a:lvl2pPr>
+            <a:lvl3pPr marL="1143000" indent="-228600" algn="l" rtl="0" eaLnBrk="0" fontAlgn="base" hangingPunct="0">
+              <a:spcBef>
+                <a:spcPct val="20000"/>
+              </a:spcBef>
+              <a:spcAft>
+                <a:spcPct val="0"/>
+              </a:spcAft>
+              <a:buClr>
+                <a:schemeClr val="folHlink"/>
+              </a:buClr>
+              <a:buSzPct val="50000"/>
+              <a:buFont typeface="Wingdings" panose="05000000000000000000" pitchFamily="2" charset="2"/>
+              <a:buChar char="n"/>
+              <a:defRPr sz="2400" kern="1200">
+                <a:solidFill>
+                  <a:schemeClr val="tx1"/>
+                </a:solidFill>
+                <a:latin typeface="+mn-lt"/>
+                <a:ea typeface="+mn-ea"/>
+                <a:cs typeface="+mn-cs"/>
+              </a:defRPr>
+            </a:lvl3pPr>
+            <a:lvl4pPr marL="1600200" indent="-228600" algn="l" rtl="0" eaLnBrk="0" fontAlgn="base" hangingPunct="0">
+              <a:spcBef>
+                <a:spcPct val="20000"/>
+              </a:spcBef>
+              <a:spcAft>
+                <a:spcPct val="0"/>
+              </a:spcAft>
+              <a:buClr>
+                <a:schemeClr val="accent2"/>
+              </a:buClr>
+              <a:buSzPct val="55000"/>
+              <a:buFont typeface="Wingdings" panose="05000000000000000000" pitchFamily="2" charset="2"/>
+              <a:buChar char="n"/>
+              <a:defRPr sz="2000" kern="1200">
+                <a:solidFill>
+                  <a:schemeClr val="tx1"/>
+                </a:solidFill>
+                <a:latin typeface="+mn-lt"/>
+                <a:ea typeface="+mn-ea"/>
+                <a:cs typeface="+mn-cs"/>
+              </a:defRPr>
+            </a:lvl4pPr>
+            <a:lvl5pPr marL="2057400" indent="-228600" algn="l" rtl="0" eaLnBrk="0" fontAlgn="base" hangingPunct="0">
+              <a:spcBef>
+                <a:spcPct val="20000"/>
+              </a:spcBef>
+              <a:spcAft>
+                <a:spcPct val="0"/>
+              </a:spcAft>
+              <a:buClr>
+                <a:schemeClr val="accent1"/>
+              </a:buClr>
+              <a:buSzPct val="50000"/>
+              <a:buFont typeface="Wingdings" panose="05000000000000000000" pitchFamily="2" charset="2"/>
+              <a:buChar char="n"/>
+              <a:defRPr sz="2000" kern="1200">
+                <a:solidFill>
+                  <a:schemeClr val="tx1"/>
+                </a:solidFill>
+                <a:latin typeface="+mn-lt"/>
+                <a:ea typeface="+mn-ea"/>
+                <a:cs typeface="+mn-cs"/>
+              </a:defRPr>
+            </a:lvl5pPr>
+            <a:lvl6pPr marL="2514600" indent="-228600" algn="l" defTabSz="914400" rtl="0" eaLnBrk="1" latinLnBrk="0" hangingPunct="1">
+              <a:lnSpc>
+                <a:spcPct val="90000"/>
+              </a:lnSpc>
+              <a:spcBef>
+                <a:spcPts val="500"/>
+              </a:spcBef>
+              <a:buFont typeface="Arial" panose="020B0604020202020204" pitchFamily="34" charset="0"/>
+              <a:buChar char="•"/>
+              <a:defRPr sz="1800" kern="1200">
+                <a:solidFill>
+                  <a:schemeClr val="tx1"/>
+                </a:solidFill>
+                <a:latin typeface="+mn-lt"/>
+                <a:ea typeface="+mn-ea"/>
+                <a:cs typeface="+mn-cs"/>
+              </a:defRPr>
+            </a:lvl6pPr>
+            <a:lvl7pPr marL="2971800" indent="-228600" algn="l" defTabSz="914400" rtl="0" eaLnBrk="1" latinLnBrk="0" hangingPunct="1">
+              <a:lnSpc>
+                <a:spcPct val="90000"/>
+              </a:lnSpc>
+              <a:spcBef>
+                <a:spcPts val="500"/>
+              </a:spcBef>
+              <a:buFont typeface="Arial" panose="020B0604020202020204" pitchFamily="34" charset="0"/>
+              <a:buChar char="•"/>
+              <a:defRPr sz="1800" kern="1200">
+                <a:solidFill>
+                  <a:schemeClr val="tx1"/>
+                </a:solidFill>
+                <a:latin typeface="+mn-lt"/>
+                <a:ea typeface="+mn-ea"/>
+                <a:cs typeface="+mn-cs"/>
+              </a:defRPr>
+            </a:lvl7pPr>
+            <a:lvl8pPr marL="3429000" indent="-228600" algn="l" defTabSz="914400" rtl="0" eaLnBrk="1" latinLnBrk="0" hangingPunct="1">
+              <a:lnSpc>
+                <a:spcPct val="90000"/>
+              </a:lnSpc>
+              <a:spcBef>
+                <a:spcPts val="500"/>
+              </a:spcBef>
+              <a:buFont typeface="Arial" panose="020B0604020202020204" pitchFamily="34" charset="0"/>
+              <a:buChar char="•"/>
+              <a:defRPr sz="1800" kern="1200">
+                <a:solidFill>
+                  <a:schemeClr val="tx1"/>
+                </a:solidFill>
+                <a:latin typeface="+mn-lt"/>
+                <a:ea typeface="+mn-ea"/>
+                <a:cs typeface="+mn-cs"/>
+              </a:defRPr>
+            </a:lvl8pPr>
+            <a:lvl9pPr marL="3886200" indent="-228600" algn="l" defTabSz="914400" rtl="0" eaLnBrk="1" latinLnBrk="0" hangingPunct="1">
+              <a:lnSpc>
+                <a:spcPct val="90000"/>
+              </a:lnSpc>
+              <a:spcBef>
+                <a:spcPts val="500"/>
+              </a:spcBef>
+              <a:buFont typeface="Arial" panose="020B0604020202020204" pitchFamily="34" charset="0"/>
+              <a:buChar char="•"/>
+              <a:defRPr sz="1800" kern="1200">
+                <a:solidFill>
+                  <a:schemeClr val="tx1"/>
+                </a:solidFill>
+                <a:latin typeface="+mn-lt"/>
+                <a:ea typeface="+mn-ea"/>
+                <a:cs typeface="+mn-cs"/>
+              </a:defRPr>
+            </a:lvl9pPr>
+          </a:lstStyle>
+          <a:p>
+            <a:pPr algn="just" eaLnBrk="1" hangingPunct="1"/>
+            <a:r>
+              <a:rPr lang="en-US" sz="2400" b="0" dirty="0" err="1" smtClean="0"/>
+              <a:t>Mô</a:t>
+            </a:r>
+            <a:r>
+              <a:rPr lang="en-US" sz="2400" b="0" dirty="0" smtClean="0"/>
+              <a:t> </a:t>
+            </a:r>
+            <a:r>
+              <a:rPr lang="en-US" sz="2400" b="0" dirty="0" err="1" smtClean="0"/>
+              <a:t>hình</a:t>
+            </a:r>
+            <a:r>
+              <a:rPr lang="en-US" sz="2400" b="0" dirty="0" smtClean="0"/>
+              <a:t> </a:t>
+            </a:r>
+            <a:r>
+              <a:rPr lang="en-US" sz="2400" b="0" dirty="0" err="1" smtClean="0"/>
+              <a:t>ngôn</a:t>
+            </a:r>
+            <a:r>
+              <a:rPr lang="en-US" sz="2400" b="0" dirty="0" smtClean="0"/>
+              <a:t> </a:t>
+            </a:r>
+            <a:r>
+              <a:rPr lang="en-US" sz="2400" b="0" dirty="0" err="1" smtClean="0"/>
+              <a:t>ngữ</a:t>
+            </a:r>
+            <a:r>
+              <a:rPr lang="en-US" sz="2400" b="0" dirty="0" smtClean="0"/>
+              <a:t> </a:t>
+            </a:r>
+            <a:r>
+              <a:rPr lang="en-US" sz="2400" b="0" dirty="0" err="1" smtClean="0"/>
+              <a:t>là</a:t>
+            </a:r>
+            <a:r>
+              <a:rPr lang="en-US" sz="2400" b="0" dirty="0" smtClean="0"/>
+              <a:t> </a:t>
+            </a:r>
+            <a:r>
+              <a:rPr lang="en-US" sz="2400" b="0" dirty="0" err="1" smtClean="0"/>
+              <a:t>một</a:t>
+            </a:r>
+            <a:r>
+              <a:rPr lang="en-US" sz="2400" b="0" dirty="0" smtClean="0"/>
+              <a:t> </a:t>
+            </a:r>
+            <a:r>
+              <a:rPr lang="en-US" sz="2400" b="0" dirty="0" err="1" smtClean="0"/>
+              <a:t>mô</a:t>
+            </a:r>
+            <a:r>
+              <a:rPr lang="en-US" sz="2400" b="0" dirty="0" smtClean="0"/>
+              <a:t> </a:t>
+            </a:r>
+            <a:r>
+              <a:rPr lang="en-US" sz="2400" b="0" dirty="0" err="1" smtClean="0"/>
+              <a:t>hình</a:t>
+            </a:r>
+            <a:r>
+              <a:rPr lang="en-US" sz="2400" b="0" dirty="0" smtClean="0"/>
+              <a:t> </a:t>
+            </a:r>
+            <a:r>
+              <a:rPr lang="en-US" sz="2400" b="0" dirty="0" err="1" smtClean="0"/>
+              <a:t>mở</a:t>
+            </a:r>
+            <a:r>
+              <a:rPr lang="en-US" sz="2400" b="0" dirty="0" smtClean="0"/>
+              <a:t> </a:t>
+            </a:r>
+            <a:r>
+              <a:rPr lang="en-US" sz="2400" b="0" dirty="0" err="1" smtClean="0"/>
+              <a:t>rộng</a:t>
+            </a:r>
+            <a:r>
+              <a:rPr lang="en-US" sz="2400" b="0" dirty="0" smtClean="0"/>
+              <a:t> </a:t>
+            </a:r>
+            <a:r>
+              <a:rPr lang="en-US" sz="2400" b="0" dirty="0" err="1" smtClean="0"/>
+              <a:t>của</a:t>
+            </a:r>
+            <a:r>
+              <a:rPr lang="en-US" sz="2400" b="0" dirty="0" smtClean="0"/>
+              <a:t> </a:t>
+            </a:r>
+            <a:r>
+              <a:rPr lang="en-US" sz="2400" b="0" dirty="0" err="1" smtClean="0"/>
+              <a:t>mô</a:t>
+            </a:r>
+            <a:r>
+              <a:rPr lang="en-US" sz="2400" b="0" dirty="0" smtClean="0"/>
+              <a:t> </a:t>
+            </a:r>
+            <a:r>
+              <a:rPr lang="en-US" sz="2400" b="0" dirty="0" err="1" smtClean="0"/>
+              <a:t>hình</a:t>
+            </a:r>
+            <a:r>
+              <a:rPr lang="en-US" sz="2400" b="0" dirty="0" smtClean="0"/>
+              <a:t> </a:t>
+            </a:r>
+            <a:r>
+              <a:rPr lang="en-US" sz="2400" b="0" dirty="0" err="1" smtClean="0"/>
+              <a:t>sinh</a:t>
+            </a:r>
+            <a:r>
+              <a:rPr lang="en-US" sz="2400" b="0" dirty="0" smtClean="0"/>
+              <a:t> </a:t>
+            </a:r>
+            <a:r>
+              <a:rPr lang="en-US" sz="2400" b="0" dirty="0" err="1" smtClean="0"/>
+              <a:t>truyền</a:t>
+            </a:r>
+            <a:r>
+              <a:rPr lang="en-US" sz="2400" b="0" dirty="0" smtClean="0"/>
+              <a:t> </a:t>
+            </a:r>
+            <a:r>
+              <a:rPr lang="en-US" sz="2400" b="0" dirty="0" err="1" smtClean="0"/>
+              <a:t>thống</a:t>
+            </a:r>
+            <a:r>
+              <a:rPr lang="en-US" sz="2400" b="0" dirty="0" smtClean="0"/>
+              <a:t>, </a:t>
+            </a:r>
+            <a:r>
+              <a:rPr lang="en-US" sz="2400" b="0" dirty="0" err="1" smtClean="0"/>
+              <a:t>bổ</a:t>
+            </a:r>
+            <a:r>
+              <a:rPr lang="en-US" sz="2400" b="0" dirty="0" smtClean="0"/>
+              <a:t> </a:t>
+            </a:r>
+            <a:r>
+              <a:rPr lang="en-US" sz="2400" b="0" dirty="0" err="1" smtClean="0"/>
+              <a:t>xung</a:t>
+            </a:r>
+            <a:r>
+              <a:rPr lang="en-US" sz="2400" b="0" dirty="0" smtClean="0"/>
+              <a:t> </a:t>
+            </a:r>
+            <a:r>
+              <a:rPr lang="en-US" sz="2400" b="0" dirty="0" err="1" smtClean="0"/>
+              <a:t>thêm</a:t>
+            </a:r>
+            <a:r>
+              <a:rPr lang="en-US" sz="2400" b="0" dirty="0" smtClean="0"/>
+              <a:t> </a:t>
+            </a:r>
+            <a:r>
+              <a:rPr lang="en-US" sz="2400" b="0" dirty="0" err="1" smtClean="0"/>
+              <a:t>bảng</a:t>
+            </a:r>
+            <a:r>
+              <a:rPr lang="en-US" sz="2400" b="0" dirty="0" smtClean="0"/>
+              <a:t> </a:t>
+            </a:r>
+            <a:r>
+              <a:rPr lang="en-US" sz="2400" b="0" dirty="0" err="1" smtClean="0"/>
+              <a:t>phân</a:t>
+            </a:r>
+            <a:r>
+              <a:rPr lang="en-US" sz="2400" b="0" dirty="0" smtClean="0"/>
+              <a:t> </a:t>
+            </a:r>
+            <a:r>
+              <a:rPr lang="en-US" sz="2400" b="0" dirty="0" err="1" smtClean="0"/>
+              <a:t>bố</a:t>
+            </a:r>
+            <a:r>
+              <a:rPr lang="en-US" sz="2400" b="0" dirty="0" smtClean="0"/>
+              <a:t> </a:t>
+            </a:r>
+            <a:r>
+              <a:rPr lang="en-US" sz="2400" b="0" dirty="0" err="1" smtClean="0"/>
+              <a:t>xác</a:t>
+            </a:r>
+            <a:r>
+              <a:rPr lang="en-US" sz="2400" b="0" dirty="0" smtClean="0"/>
+              <a:t> </a:t>
+            </a:r>
+            <a:r>
+              <a:rPr lang="en-US" sz="2400" b="0" dirty="0" err="1" smtClean="0"/>
+              <a:t>suất</a:t>
+            </a:r>
+            <a:r>
+              <a:rPr lang="en-US" sz="2400" b="0" dirty="0" smtClean="0"/>
+              <a:t> </a:t>
+            </a:r>
+            <a:r>
+              <a:rPr lang="en-US" sz="2400" b="0" dirty="0" err="1" smtClean="0"/>
+              <a:t>sinh</a:t>
+            </a:r>
+            <a:r>
+              <a:rPr lang="en-US" sz="2400" b="0" dirty="0" smtClean="0"/>
+              <a:t> </a:t>
+            </a:r>
+            <a:r>
+              <a:rPr lang="en-US" sz="2400" b="0" dirty="0" err="1" smtClean="0"/>
+              <a:t>từ</a:t>
+            </a:r>
+            <a:r>
+              <a:rPr lang="en-US" sz="2400" b="0" dirty="0" smtClean="0"/>
+              <a:t> </a:t>
+            </a:r>
+            <a:r>
+              <a:rPr lang="en-US" sz="2400" b="0" dirty="0" err="1" smtClean="0"/>
+              <a:t>thuộc</a:t>
+            </a:r>
+            <a:r>
+              <a:rPr lang="en-US" sz="2400" b="0" dirty="0" smtClean="0"/>
+              <a:t> </a:t>
+            </a:r>
+            <a:r>
+              <a:rPr lang="en-US" sz="2400" b="0" dirty="0" err="1" smtClean="0"/>
+              <a:t>bộ</a:t>
+            </a:r>
+            <a:r>
+              <a:rPr lang="en-US" sz="2400" b="0" dirty="0" smtClean="0"/>
+              <a:t> </a:t>
+            </a:r>
+            <a:r>
+              <a:rPr lang="en-US" sz="2400" b="0" dirty="0" err="1" smtClean="0"/>
+              <a:t>từ</a:t>
+            </a:r>
+            <a:r>
+              <a:rPr lang="en-US" sz="2400" b="0" dirty="0" smtClean="0"/>
+              <a:t> </a:t>
+            </a:r>
+            <a:r>
+              <a:rPr lang="en-US" sz="2400" b="0" dirty="0" err="1" smtClean="0"/>
+              <a:t>vựng</a:t>
+            </a:r>
+            <a:r>
+              <a:rPr lang="en-US" sz="2400" b="0" dirty="0" smtClean="0"/>
+              <a:t> </a:t>
+            </a:r>
+            <a:r>
+              <a:rPr lang="en-US" sz="2400" b="0" dirty="0" err="1" smtClean="0"/>
+              <a:t>cho</a:t>
+            </a:r>
+            <a:r>
+              <a:rPr lang="en-US" sz="2400" b="0" dirty="0" smtClean="0"/>
+              <a:t> </a:t>
+            </a:r>
+            <a:r>
+              <a:rPr lang="en-US" sz="2400" b="0" dirty="0" err="1" smtClean="0"/>
+              <a:t>mỗi</a:t>
+            </a:r>
+            <a:r>
+              <a:rPr lang="en-US" sz="2400" b="0" dirty="0" smtClean="0"/>
+              <a:t> </a:t>
+            </a:r>
+            <a:r>
+              <a:rPr lang="en-US" sz="2400" b="0" dirty="0" err="1" smtClean="0"/>
+              <a:t>trạng</a:t>
+            </a:r>
+            <a:r>
+              <a:rPr lang="en-US" sz="2400" b="0" dirty="0" smtClean="0"/>
+              <a:t> </a:t>
+            </a:r>
+            <a:r>
+              <a:rPr lang="en-US" sz="2400" b="0" dirty="0" err="1" smtClean="0"/>
+              <a:t>thái</a:t>
+            </a:r>
+            <a:r>
+              <a:rPr lang="en-US" sz="2400" b="0" dirty="0" smtClean="0"/>
+              <a:t>.</a:t>
+            </a:r>
+          </a:p>
+          <a:p>
+            <a:pPr algn="just" eaLnBrk="1" hangingPunct="1"/>
+            <a:r>
+              <a:rPr lang="en-US" sz="2400" b="0" dirty="0" err="1" smtClean="0"/>
+              <a:t>Cách</a:t>
+            </a:r>
+            <a:r>
+              <a:rPr lang="en-US" sz="2400" b="0" dirty="0" smtClean="0"/>
+              <a:t> </a:t>
+            </a:r>
+            <a:r>
+              <a:rPr lang="en-US" sz="2400" b="0" dirty="0" err="1" smtClean="0"/>
+              <a:t>xếp</a:t>
+            </a:r>
+            <a:r>
+              <a:rPr lang="en-US" sz="2400" b="0" dirty="0" smtClean="0"/>
+              <a:t> </a:t>
+            </a:r>
+            <a:r>
+              <a:rPr lang="en-US" sz="2400" b="0" dirty="0" err="1" smtClean="0"/>
+              <a:t>hạng</a:t>
+            </a:r>
+            <a:r>
+              <a:rPr lang="en-US" sz="2400" b="0" dirty="0" smtClean="0"/>
+              <a:t> </a:t>
+            </a:r>
+            <a:r>
+              <a:rPr lang="en-US" sz="2400" b="0" dirty="0" err="1" smtClean="0"/>
+              <a:t>theo</a:t>
+            </a:r>
+            <a:r>
+              <a:rPr lang="en-US" sz="2400" b="0" dirty="0" smtClean="0"/>
+              <a:t> </a:t>
+            </a:r>
+            <a:r>
+              <a:rPr lang="en-US" sz="2400" b="0" dirty="0" err="1" smtClean="0"/>
+              <a:t>mô</a:t>
+            </a:r>
+            <a:r>
+              <a:rPr lang="en-US" sz="2400" b="0" dirty="0" smtClean="0"/>
+              <a:t> </a:t>
+            </a:r>
+            <a:r>
+              <a:rPr lang="en-US" sz="2400" b="0" dirty="0" err="1" smtClean="0"/>
+              <a:t>hình</a:t>
+            </a:r>
+            <a:r>
+              <a:rPr lang="en-US" sz="2400" b="0" dirty="0" smtClean="0"/>
+              <a:t> </a:t>
+            </a:r>
+            <a:r>
+              <a:rPr lang="en-US" sz="2400" b="0" dirty="0" err="1" smtClean="0"/>
+              <a:t>ngôn</a:t>
+            </a:r>
+            <a:r>
+              <a:rPr lang="en-US" sz="2400" b="0" dirty="0" smtClean="0"/>
+              <a:t> </a:t>
+            </a:r>
+            <a:r>
+              <a:rPr lang="en-US" sz="2400" b="0" dirty="0" err="1" smtClean="0"/>
+              <a:t>ngữ</a:t>
+            </a:r>
+            <a:r>
+              <a:rPr lang="en-US" sz="2400" b="0" dirty="0" smtClean="0"/>
+              <a:t>:</a:t>
+            </a:r>
+          </a:p>
+          <a:p>
+            <a:pPr lvl="1" algn="just" eaLnBrk="1" hangingPunct="1"/>
+            <a:r>
+              <a:rPr lang="en-US" sz="2000" b="0" dirty="0" err="1" smtClean="0"/>
+              <a:t>Thiết</a:t>
+            </a:r>
+            <a:r>
+              <a:rPr lang="en-US" sz="2000" b="0" dirty="0" smtClean="0"/>
+              <a:t> </a:t>
+            </a:r>
+            <a:r>
+              <a:rPr lang="en-US" sz="2000" b="0" dirty="0" err="1" smtClean="0"/>
+              <a:t>lập</a:t>
+            </a:r>
+            <a:r>
+              <a:rPr lang="en-US" sz="2000" b="0" dirty="0" smtClean="0"/>
+              <a:t> </a:t>
+            </a:r>
+            <a:r>
+              <a:rPr lang="en-US" sz="2000" b="0" dirty="0" err="1" smtClean="0"/>
+              <a:t>mô</a:t>
+            </a:r>
+            <a:r>
+              <a:rPr lang="en-US" sz="2000" b="0" dirty="0" smtClean="0"/>
+              <a:t> </a:t>
+            </a:r>
+            <a:r>
+              <a:rPr lang="en-US" sz="2000" b="0" dirty="0" err="1" smtClean="0"/>
+              <a:t>hình</a:t>
+            </a:r>
+            <a:r>
+              <a:rPr lang="en-US" sz="2000" b="0" dirty="0" smtClean="0"/>
+              <a:t> </a:t>
+            </a:r>
+            <a:r>
+              <a:rPr lang="en-US" sz="2000" b="0" dirty="0" err="1" smtClean="0"/>
+              <a:t>ngôn</a:t>
+            </a:r>
+            <a:r>
+              <a:rPr lang="en-US" sz="2000" b="0" dirty="0" smtClean="0"/>
+              <a:t> </a:t>
+            </a:r>
+            <a:r>
+              <a:rPr lang="en-US" sz="2000" b="0" dirty="0" err="1" smtClean="0"/>
+              <a:t>ngữ</a:t>
+            </a:r>
+            <a:r>
+              <a:rPr lang="en-US" sz="2000" b="0" dirty="0" smtClean="0"/>
+              <a:t> </a:t>
+            </a:r>
+            <a:r>
+              <a:rPr lang="en-US" sz="2000" b="0" dirty="0" err="1" smtClean="0"/>
+              <a:t>cho</a:t>
+            </a:r>
+            <a:r>
+              <a:rPr lang="en-US" sz="2000" b="0" dirty="0" smtClean="0"/>
+              <a:t> </a:t>
+            </a:r>
+            <a:r>
+              <a:rPr lang="en-US" sz="2000" b="0" dirty="0" err="1" smtClean="0"/>
+              <a:t>mỗi</a:t>
+            </a:r>
+            <a:r>
+              <a:rPr lang="en-US" sz="2000" b="0" dirty="0" smtClean="0"/>
+              <a:t> </a:t>
+            </a:r>
+            <a:r>
+              <a:rPr lang="en-US" sz="2000" b="0" dirty="0" err="1" smtClean="0"/>
+              <a:t>văn</a:t>
+            </a:r>
+            <a:r>
+              <a:rPr lang="en-US" sz="2000" b="0" dirty="0" smtClean="0"/>
+              <a:t> </a:t>
+            </a:r>
+            <a:r>
+              <a:rPr lang="en-US" sz="2000" b="0" dirty="0" err="1" smtClean="0"/>
+              <a:t>bản</a:t>
+            </a:r>
+            <a:r>
+              <a:rPr lang="en-US" sz="2000" b="0" dirty="0" smtClean="0"/>
+              <a:t>;</a:t>
+            </a:r>
+          </a:p>
+          <a:p>
+            <a:pPr lvl="1" algn="just" eaLnBrk="1" hangingPunct="1"/>
+            <a:r>
+              <a:rPr lang="en-US" sz="2000" b="0" dirty="0" err="1" smtClean="0"/>
+              <a:t>Xếp</a:t>
+            </a:r>
+            <a:r>
+              <a:rPr lang="en-US" sz="2000" b="0" dirty="0" smtClean="0"/>
+              <a:t> </a:t>
+            </a:r>
+            <a:r>
+              <a:rPr lang="en-US" sz="2000" b="0" dirty="0" err="1" smtClean="0"/>
+              <a:t>hạng</a:t>
+            </a:r>
+            <a:r>
+              <a:rPr lang="en-US" sz="2000" b="0" dirty="0" smtClean="0"/>
+              <a:t> </a:t>
+            </a:r>
+            <a:r>
+              <a:rPr lang="en-US" sz="2000" b="0" dirty="0" err="1" smtClean="0"/>
+              <a:t>văn</a:t>
+            </a:r>
+            <a:r>
+              <a:rPr lang="en-US" sz="2000" b="0" dirty="0" smtClean="0"/>
+              <a:t> </a:t>
+            </a:r>
+            <a:r>
+              <a:rPr lang="en-US" sz="2000" b="0" dirty="0" err="1" smtClean="0"/>
+              <a:t>bản</a:t>
+            </a:r>
+            <a:r>
+              <a:rPr lang="en-US" sz="2000" b="0" dirty="0" smtClean="0"/>
+              <a:t> </a:t>
+            </a:r>
+            <a:r>
+              <a:rPr lang="en-US" sz="2000" b="0" dirty="0" err="1" smtClean="0"/>
+              <a:t>theo</a:t>
+            </a:r>
+            <a:r>
+              <a:rPr lang="en-US" sz="2000" b="0" dirty="0" smtClean="0"/>
+              <a:t> </a:t>
+            </a:r>
+            <a:r>
+              <a:rPr lang="en-US" sz="2000" b="0" dirty="0" err="1" smtClean="0"/>
+              <a:t>thứ</a:t>
+            </a:r>
+            <a:r>
+              <a:rPr lang="en-US" sz="2000" b="0" dirty="0" smtClean="0"/>
+              <a:t> </a:t>
+            </a:r>
+            <a:r>
+              <a:rPr lang="en-US" sz="2000" b="0" dirty="0" err="1" smtClean="0"/>
+              <a:t>tự</a:t>
+            </a:r>
+            <a:r>
+              <a:rPr lang="en-US" sz="2000" b="0" dirty="0" smtClean="0"/>
+              <a:t> </a:t>
+            </a:r>
+            <a:r>
+              <a:rPr lang="en-US" sz="2000" b="0" dirty="0" err="1" smtClean="0"/>
+              <a:t>giảm</a:t>
+            </a:r>
+            <a:r>
+              <a:rPr lang="en-US" sz="2000" b="0" dirty="0" smtClean="0"/>
+              <a:t> </a:t>
+            </a:r>
+            <a:r>
+              <a:rPr lang="en-US" sz="2000" b="0" dirty="0" err="1" smtClean="0"/>
+              <a:t>dần</a:t>
+            </a:r>
+            <a:r>
+              <a:rPr lang="en-US" sz="2000" b="0" dirty="0" smtClean="0"/>
+              <a:t> </a:t>
+            </a:r>
+            <a:r>
+              <a:rPr lang="en-US" sz="2000" b="0" dirty="0" err="1" smtClean="0"/>
+              <a:t>xác</a:t>
+            </a:r>
+            <a:r>
+              <a:rPr lang="en-US" sz="2000" b="0" dirty="0" smtClean="0"/>
+              <a:t> </a:t>
+            </a:r>
+            <a:r>
+              <a:rPr lang="en-US" sz="2000" b="0" dirty="0" err="1" smtClean="0"/>
+              <a:t>suất</a:t>
+            </a:r>
+            <a:r>
+              <a:rPr lang="en-US" sz="2000" b="0" dirty="0" smtClean="0"/>
+              <a:t> </a:t>
+            </a:r>
+            <a:r>
+              <a:rPr lang="en-US" sz="2000" b="0" dirty="0" err="1" smtClean="0"/>
+              <a:t>sinh</a:t>
+            </a:r>
+            <a:r>
+              <a:rPr lang="en-US" sz="2000" b="0" dirty="0" smtClean="0"/>
+              <a:t> </a:t>
+            </a:r>
+            <a:r>
+              <a:rPr lang="en-US" sz="2000" b="0" dirty="0" err="1" smtClean="0"/>
+              <a:t>truy</a:t>
+            </a:r>
+            <a:r>
+              <a:rPr lang="en-US" sz="2000" b="0" dirty="0" smtClean="0"/>
+              <a:t> </a:t>
+            </a:r>
+            <a:r>
+              <a:rPr lang="en-US" sz="2000" b="0" dirty="0" err="1" smtClean="0"/>
+              <a:t>vấn</a:t>
+            </a:r>
+            <a:r>
+              <a:rPr lang="en-US" sz="2000" b="0" dirty="0" smtClean="0"/>
+              <a:t> </a:t>
+            </a:r>
+            <a:r>
+              <a:rPr lang="en-US" sz="2000" b="0" dirty="0" err="1" smtClean="0"/>
+              <a:t>của</a:t>
+            </a:r>
+            <a:r>
+              <a:rPr lang="en-US" sz="2000" b="0" dirty="0" smtClean="0"/>
+              <a:t> </a:t>
+            </a:r>
+            <a:r>
+              <a:rPr lang="en-US" sz="2000" b="0" dirty="0" err="1" smtClean="0"/>
+              <a:t>mô</a:t>
+            </a:r>
+            <a:r>
+              <a:rPr lang="en-US" sz="2000" b="0" dirty="0" smtClean="0"/>
+              <a:t> </a:t>
+            </a:r>
+            <a:r>
+              <a:rPr lang="en-US" sz="2000" b="0" dirty="0" err="1" smtClean="0"/>
+              <a:t>hình</a:t>
+            </a:r>
+            <a:r>
+              <a:rPr lang="en-US" sz="2000" b="0" dirty="0" smtClean="0"/>
+              <a:t> </a:t>
+            </a:r>
+            <a:r>
+              <a:rPr lang="en-US" sz="2000" b="0" dirty="0" err="1" smtClean="0"/>
+              <a:t>ngôn</a:t>
+            </a:r>
+            <a:r>
+              <a:rPr lang="en-US" sz="2000" b="0" dirty="0" smtClean="0"/>
+              <a:t> </a:t>
+            </a:r>
+            <a:r>
+              <a:rPr lang="en-US" sz="2000" b="0" dirty="0" err="1" smtClean="0"/>
+              <a:t>ngữ</a:t>
+            </a:r>
+            <a:r>
+              <a:rPr lang="en-US" sz="2000" b="0" dirty="0" smtClean="0"/>
+              <a:t> </a:t>
+            </a:r>
+            <a:r>
+              <a:rPr lang="en-US" sz="2000" b="0" dirty="0" err="1" smtClean="0"/>
+              <a:t>tương</a:t>
+            </a:r>
+            <a:r>
+              <a:rPr lang="en-US" sz="2000" b="0" dirty="0" smtClean="0"/>
+              <a:t> </a:t>
+            </a:r>
+            <a:r>
+              <a:rPr lang="en-US" sz="2000" b="0" dirty="0" err="1" smtClean="0"/>
+              <a:t>ứng</a:t>
+            </a:r>
+            <a:r>
+              <a:rPr lang="en-US" sz="2000" b="0" dirty="0" smtClean="0"/>
+              <a:t>.</a:t>
+            </a:r>
+            <a:endParaRPr lang="en-US" sz="2000" b="0" dirty="0" smtClean="0"/>
+          </a:p>
+        </p:txBody>
+      </p:sp>
+    </p:spTree>
+  </p:cSld>
+  <p:clrMapOvr>
+    <a:masterClrMapping/>
+  </p:clrMapOvr>
+</p:sld>
+</file>
+
+<file path=ppt/slides/slide5.xml><?xml version="1.0" encoding="utf-8"?>
+<p:sld xmlns:a="http://schemas.openxmlformats.org/drawingml/2006/main" xmlns:r="http://schemas.openxmlformats.org/officeDocument/2006/relationships" xmlns:p="http://schemas.openxmlformats.org/presentationml/2006/main">
+  <p:cSld>
+    <p:spTree>
+      <p:nvGrpSpPr>
+        <p:cNvPr id="1" name=""/>
+        <p:cNvGrpSpPr/>
+        <p:nvPr/>
+      </p:nvGrpSpPr>
+      <p:grpSpPr>
+        <a:xfrm>
+          <a:off x="0" y="0"/>
+          <a:ext cx="0" cy="0"/>
+          <a:chOff x="0" y="0"/>
+          <a:chExt cx="0" cy="0"/>
+        </a:xfrm>
+      </p:grpSpPr>
+      <p:sp>
+        <p:nvSpPr>
+          <p:cNvPr id="8194" name="Rectangle 2"/>
+          <p:cNvSpPr>
+            <a:spLocks noGrp="1" noChangeArrowheads="1"/>
+          </p:cNvSpPr>
+          <p:nvPr>
+            <p:ph type="title"/>
+          </p:nvPr>
+        </p:nvSpPr>
+        <p:spPr/>
+        <p:txBody>
+          <a:bodyPr/>
+          <a:lstStyle/>
+          <a:p>
+            <a:pPr eaLnBrk="1" hangingPunct="1"/>
+            <a:r>
+              <a:rPr lang="en-US" sz="3600" dirty="0" err="1" smtClean="0"/>
+              <a:t>Ví</a:t>
+            </a:r>
+            <a:r>
+              <a:rPr lang="en-US" sz="3600" dirty="0" smtClean="0"/>
+              <a:t> </a:t>
+            </a:r>
+            <a:r>
+              <a:rPr lang="en-US" sz="3600" dirty="0" err="1" smtClean="0"/>
+              <a:t>dụ</a:t>
+            </a:r>
+            <a:r>
+              <a:rPr lang="en-US" sz="3600" dirty="0"/>
+              <a:t/>
+            </a:r>
+            <a:br>
+              <a:rPr lang="en-US" sz="3600" dirty="0"/>
+            </a:br>
+            <a:r>
+              <a:rPr lang="en-US" sz="3600" dirty="0" err="1" smtClean="0"/>
+              <a:t>mô</a:t>
+            </a:r>
+            <a:r>
+              <a:rPr lang="en-US" sz="3600" dirty="0" smtClean="0"/>
+              <a:t> </a:t>
+            </a:r>
+            <a:r>
+              <a:rPr lang="en-US" sz="3600" dirty="0" err="1"/>
+              <a:t>hình</a:t>
+            </a:r>
+            <a:r>
+              <a:rPr lang="en-US" sz="3600" dirty="0"/>
+              <a:t> </a:t>
+            </a:r>
+            <a:r>
+              <a:rPr lang="en-US" sz="3600" dirty="0" err="1"/>
+              <a:t>ngôn</a:t>
+            </a:r>
+            <a:r>
+              <a:rPr lang="en-US" sz="3600" dirty="0"/>
+              <a:t> </a:t>
+            </a:r>
+            <a:r>
+              <a:rPr lang="en-US" sz="3600" dirty="0" err="1"/>
+              <a:t>ngữ</a:t>
+            </a:r>
+            <a:r>
+              <a:rPr lang="en-US" sz="3600" dirty="0"/>
+              <a:t> </a:t>
+            </a:r>
+            <a:r>
+              <a:rPr lang="en-US" sz="3600" dirty="0" err="1"/>
+              <a:t>dựa</a:t>
+            </a:r>
+            <a:r>
+              <a:rPr lang="en-US" sz="3600" dirty="0"/>
+              <a:t> </a:t>
+            </a:r>
+            <a:r>
+              <a:rPr lang="en-US" sz="3600" dirty="0" err="1"/>
+              <a:t>trên</a:t>
+            </a:r>
+            <a:r>
+              <a:rPr lang="en-US" sz="3600" dirty="0"/>
+              <a:t> </a:t>
+            </a:r>
+            <a:r>
+              <a:rPr lang="en-US" sz="3600" dirty="0" err="1"/>
+              <a:t>máy</a:t>
+            </a:r>
+            <a:r>
+              <a:rPr lang="en-US" sz="3600" dirty="0"/>
+              <a:t> </a:t>
+            </a:r>
+            <a:r>
+              <a:rPr lang="en-US" sz="3600" dirty="0" err="1"/>
+              <a:t>trạng</a:t>
+            </a:r>
+            <a:r>
+              <a:rPr lang="en-US" sz="3600" dirty="0"/>
+              <a:t> </a:t>
+            </a:r>
+            <a:r>
+              <a:rPr lang="en-US" sz="3600" dirty="0" err="1"/>
+              <a:t>thái</a:t>
+            </a:r>
+            <a:r>
+              <a:rPr lang="en-US" sz="3600" dirty="0"/>
+              <a:t> </a:t>
+            </a:r>
+            <a:r>
+              <a:rPr lang="en-US" sz="3600" dirty="0" err="1"/>
+              <a:t>hữu</a:t>
+            </a:r>
+            <a:r>
+              <a:rPr lang="en-US" sz="3600" dirty="0"/>
+              <a:t> </a:t>
+            </a:r>
+            <a:r>
+              <a:rPr lang="en-US" sz="3600" dirty="0" err="1"/>
+              <a:t>hạn</a:t>
+            </a:r>
+            <a:r>
+              <a:rPr lang="en-US" sz="3600" dirty="0"/>
+              <a:t> </a:t>
+            </a:r>
+            <a:r>
+              <a:rPr lang="en-US" sz="3600" dirty="0" err="1"/>
+              <a:t>một</a:t>
+            </a:r>
+            <a:r>
+              <a:rPr lang="en-US" sz="3600" dirty="0"/>
+              <a:t> </a:t>
+            </a:r>
+            <a:r>
+              <a:rPr lang="en-US" sz="3600" dirty="0" err="1"/>
+              <a:t>trạng</a:t>
+            </a:r>
+            <a:r>
+              <a:rPr lang="en-US" sz="3600" dirty="0"/>
+              <a:t> </a:t>
+            </a:r>
+            <a:r>
+              <a:rPr lang="en-US" sz="3600" dirty="0" err="1"/>
+              <a:t>thái</a:t>
+            </a:r>
+            <a:endParaRPr lang="vi-VN" sz="3600" dirty="0" smtClean="0"/>
           </a:p>
         </p:txBody>
       </p:sp>
@@ -14469,8 +17137,8 @@
         </p:nvSpPr>
         <p:spPr>
           <a:xfrm>
-            <a:off x="323850" y="4221088"/>
-            <a:ext cx="8424863" cy="2231976"/>
+            <a:off x="539552" y="4365104"/>
+            <a:ext cx="8209161" cy="1656184"/>
           </a:xfrm>
         </p:spPr>
         <p:txBody>
@@ -14483,7 +17151,7 @@
               <a:defRPr/>
             </a:pPr>
             <a:r>
-              <a:rPr lang="en-US" sz="2400" dirty="0" smtClean="0">
+              <a:rPr lang="en-US" sz="2000" dirty="0" smtClean="0">
                 <a:solidFill>
                   <a:srgbClr val="000000"/>
                 </a:solidFill>
@@ -14498,21 +17166,90 @@
               <a:defRPr/>
             </a:pPr>
             <a:r>
-              <a:rPr lang="en-US" sz="2400" i="1" dirty="0" smtClean="0">
-                <a:solidFill>
-                  <a:srgbClr val="000000"/>
-                </a:solidFill>
-              </a:rPr>
-              <a:t>P</a:t>
-            </a:r>
-            <a:r>
-              <a:rPr lang="en-US" sz="2400" dirty="0" smtClean="0">
-                <a:solidFill>
-                  <a:srgbClr val="000000"/>
-                </a:solidFill>
-              </a:rPr>
-              <a:t>(string) = 0.01 x 0.03 x 0.04 x 0.01 x 0.02 x 0.01 x 0.2 = 0.0000000000048</a:t>
-            </a:r>
+              <a:rPr lang="en-US" sz="2000" dirty="0" err="1" smtClean="0">
+                <a:solidFill>
+                  <a:srgbClr val="000000"/>
+                </a:solidFill>
+              </a:rPr>
+              <a:t>Xác</a:t>
+            </a:r>
+            <a:r>
+              <a:rPr lang="en-US" sz="2000" dirty="0" smtClean="0">
+                <a:solidFill>
+                  <a:srgbClr val="000000"/>
+                </a:solidFill>
+              </a:rPr>
+              <a:t> </a:t>
+            </a:r>
+            <a:r>
+              <a:rPr lang="en-US" sz="2000" dirty="0" err="1" smtClean="0">
+                <a:solidFill>
+                  <a:srgbClr val="000000"/>
+                </a:solidFill>
+              </a:rPr>
+              <a:t>suất</a:t>
+            </a:r>
+            <a:r>
+              <a:rPr lang="en-US" sz="2000" dirty="0" smtClean="0">
+                <a:solidFill>
+                  <a:srgbClr val="000000"/>
+                </a:solidFill>
+              </a:rPr>
+              <a:t> </a:t>
+            </a:r>
+            <a:r>
+              <a:rPr lang="en-US" sz="2000" dirty="0" err="1" smtClean="0">
+                <a:solidFill>
+                  <a:srgbClr val="000000"/>
+                </a:solidFill>
+              </a:rPr>
+              <a:t>sinh</a:t>
+            </a:r>
+            <a:r>
+              <a:rPr lang="en-US" sz="2000" dirty="0" smtClean="0">
+                <a:solidFill>
+                  <a:srgbClr val="000000"/>
+                </a:solidFill>
+              </a:rPr>
+              <a:t> </a:t>
+            </a:r>
+            <a:r>
+              <a:rPr lang="en-US" sz="2000" dirty="0" err="1" smtClean="0">
+                <a:solidFill>
+                  <a:srgbClr val="000000"/>
+                </a:solidFill>
+              </a:rPr>
+              <a:t>chuỗi</a:t>
+            </a:r>
+            <a:r>
+              <a:rPr lang="en-US" sz="2000" dirty="0" smtClean="0">
+                <a:solidFill>
+                  <a:srgbClr val="000000"/>
+                </a:solidFill>
+              </a:rPr>
+              <a:t> string </a:t>
+            </a:r>
+            <a:r>
+              <a:rPr lang="en-US" sz="2000" dirty="0" err="1" smtClean="0">
+                <a:solidFill>
+                  <a:srgbClr val="000000"/>
+                </a:solidFill>
+              </a:rPr>
+              <a:t>là</a:t>
+            </a:r>
+            <a:r>
+              <a:rPr lang="en-US" sz="2000" dirty="0" smtClean="0">
+                <a:solidFill>
+                  <a:srgbClr val="000000"/>
+                </a:solidFill>
+              </a:rPr>
+              <a:t>:</a:t>
+            </a:r>
+            <a:endParaRPr lang="en-US" sz="2000" dirty="0" smtClean="0">
+              <a:solidFill>
+                <a:srgbClr val="000000"/>
+              </a:solidFill>
+            </a:endParaRPr>
           </a:p>
           <a:p>
             <a:pPr marL="0" indent="0" eaLnBrk="1" hangingPunct="1">
@@ -14520,11 +17257,30 @@
               <a:buNone/>
               <a:defRPr/>
             </a:pPr>
-            <a:endParaRPr lang="en-US" sz="2400" dirty="0">
-              <a:solidFill>
-                <a:srgbClr val="000000"/>
-              </a:solidFill>
-            </a:endParaRPr>
+            <a:r>
+              <a:rPr lang="en-US" sz="2000" i="1" dirty="0" smtClean="0">
+                <a:solidFill>
+                  <a:srgbClr val="000000"/>
+                </a:solidFill>
+              </a:rPr>
+              <a:t>P</a:t>
+            </a:r>
+            <a:r>
+              <a:rPr lang="en-US" sz="2000" dirty="0" smtClean="0">
+                <a:solidFill>
+                  <a:srgbClr val="000000"/>
+                </a:solidFill>
+              </a:rPr>
+              <a:t>(string</a:t>
+            </a:r>
+            <a:r>
+              <a:rPr lang="en-US" sz="2000" dirty="0" smtClean="0">
+                <a:solidFill>
+                  <a:srgbClr val="000000"/>
+                </a:solidFill>
+              </a:rPr>
+              <a:t>) = 0.01 x 0.03 x 0.04 x 0.01 x 0.02 x 0.01 x 0.2 = 0.0000000000048</a:t>
+            </a:r>
           </a:p>
           <a:p>
             <a:pPr marL="0" indent="0" eaLnBrk="1" hangingPunct="1">
@@ -14532,7 +17288,7 @@
               <a:defRPr/>
             </a:pPr>
             <a:r>
-              <a:rPr lang="en-US" sz="2400" dirty="0" err="1" smtClean="0">
+              <a:rPr lang="en-US" sz="2000" dirty="0" err="1" smtClean="0">
                 <a:solidFill>
                   <a:srgbClr val="000000"/>
                 </a:solidFill>
@@ -14540,15 +17296,15 @@
               <a:t>Trong</a:t>
             </a:r>
             <a:r>
-              <a:rPr lang="en-US" sz="2400" dirty="0" smtClean="0">
-                <a:solidFill>
-                  <a:srgbClr val="000000"/>
-                </a:solidFill>
-              </a:rPr>
-              <a:t> </a:t>
-            </a:r>
-            <a:r>
-              <a:rPr lang="en-US" sz="2400" dirty="0" err="1" smtClean="0">
+              <a:rPr lang="en-US" sz="2000" dirty="0" smtClean="0">
+                <a:solidFill>
+                  <a:srgbClr val="000000"/>
+                </a:solidFill>
+              </a:rPr>
+              <a:t> </a:t>
+            </a:r>
+            <a:r>
+              <a:rPr lang="en-US" sz="2000" dirty="0" err="1" smtClean="0">
                 <a:solidFill>
                   <a:srgbClr val="000000"/>
                 </a:solidFill>
@@ -14556,15 +17312,15 @@
               <a:t>đó</a:t>
             </a:r>
             <a:r>
-              <a:rPr lang="en-US" sz="2400" dirty="0" smtClean="0">
-                <a:solidFill>
-                  <a:srgbClr val="000000"/>
-                </a:solidFill>
-              </a:rPr>
-              <a:t> </a:t>
-            </a:r>
-            <a:r>
-              <a:rPr lang="en-US" sz="2400" dirty="0">
+              <a:rPr lang="en-US" sz="2000" dirty="0" smtClean="0">
+                <a:solidFill>
+                  <a:srgbClr val="000000"/>
+                </a:solidFill>
+              </a:rPr>
+              <a:t> </a:t>
+            </a:r>
+            <a:r>
+              <a:rPr lang="en-US" sz="2000" dirty="0">
                 <a:solidFill>
                   <a:srgbClr val="000000"/>
                 </a:solidFill>
@@ -14572,7 +17328,7 @@
               <a:t>STOP </a:t>
             </a:r>
             <a:r>
-              <a:rPr lang="en-US" sz="2400" dirty="0" err="1">
+              <a:rPr lang="en-US" sz="2000" dirty="0" err="1">
                 <a:solidFill>
                   <a:srgbClr val="000000"/>
                 </a:solidFill>
@@ -14580,15 +17336,15 @@
               <a:t>là</a:t>
             </a:r>
             <a:r>
-              <a:rPr lang="en-US" sz="2400" dirty="0">
-                <a:solidFill>
-                  <a:srgbClr val="000000"/>
-                </a:solidFill>
-              </a:rPr>
-              <a:t> </a:t>
-            </a:r>
-            <a:r>
-              <a:rPr lang="en-US" sz="2400" dirty="0" err="1">
+              <a:rPr lang="en-US" sz="2000" dirty="0">
+                <a:solidFill>
+                  <a:srgbClr val="000000"/>
+                </a:solidFill>
+              </a:rPr>
+              <a:t> </a:t>
+            </a:r>
+            <a:r>
+              <a:rPr lang="en-US" sz="2000" dirty="0" err="1">
                 <a:solidFill>
                   <a:srgbClr val="000000"/>
                 </a:solidFill>
@@ -14596,15 +17352,15 @@
               <a:t>trạng</a:t>
             </a:r>
             <a:r>
-              <a:rPr lang="en-US" sz="2400" dirty="0">
-                <a:solidFill>
-                  <a:srgbClr val="000000"/>
-                </a:solidFill>
-              </a:rPr>
-              <a:t> </a:t>
-            </a:r>
-            <a:r>
-              <a:rPr lang="en-US" sz="2400" dirty="0" err="1">
+              <a:rPr lang="en-US" sz="2000" dirty="0">
+                <a:solidFill>
+                  <a:srgbClr val="000000"/>
+                </a:solidFill>
+              </a:rPr>
+              <a:t> </a:t>
+            </a:r>
+            <a:r>
+              <a:rPr lang="en-US" sz="2000" dirty="0" err="1">
                 <a:solidFill>
                   <a:srgbClr val="000000"/>
                 </a:solidFill>
@@ -14612,15 +17368,15 @@
               <a:t>thái</a:t>
             </a:r>
             <a:r>
-              <a:rPr lang="en-US" sz="2400" dirty="0">
-                <a:solidFill>
-                  <a:srgbClr val="000000"/>
-                </a:solidFill>
-              </a:rPr>
-              <a:t> </a:t>
-            </a:r>
-            <a:r>
-              <a:rPr lang="en-US" sz="2400" dirty="0" err="1">
+              <a:rPr lang="en-US" sz="2000" dirty="0">
+                <a:solidFill>
+                  <a:srgbClr val="000000"/>
+                </a:solidFill>
+              </a:rPr>
+              <a:t> </a:t>
+            </a:r>
+            <a:r>
+              <a:rPr lang="en-US" sz="2000" dirty="0" err="1">
                 <a:solidFill>
                   <a:srgbClr val="000000"/>
                 </a:solidFill>
@@ -14628,14 +17384,14 @@
               <a:t>dừng</a:t>
             </a:r>
             <a:r>
-              <a:rPr lang="en-US" sz="2400" dirty="0">
+              <a:rPr lang="en-US" sz="2000" dirty="0">
                 <a:solidFill>
                   <a:srgbClr val="000000"/>
                 </a:solidFill>
               </a:rPr>
               <a:t>.</a:t>
             </a:r>
-            <a:endParaRPr lang="vi-VN" sz="2400" dirty="0" smtClean="0">
+            <a:endParaRPr lang="vi-VN" sz="2000" dirty="0" smtClean="0">
               <a:solidFill>
                 <a:srgbClr val="000000"/>
               </a:solidFill>
@@ -14666,7 +17422,7 @@
         </p:blipFill>
         <p:spPr bwMode="auto">
           <a:xfrm>
-            <a:off x="966788" y="2478236"/>
+            <a:off x="966788" y="2816944"/>
             <a:ext cx="1879600" cy="1295400"/>
           </a:xfrm>
           <a:prstGeom prst="rect">
@@ -14720,7 +17476,7 @@
         </p:blipFill>
         <p:spPr bwMode="auto">
           <a:xfrm>
-            <a:off x="3552825" y="1844824"/>
+            <a:off x="3534394" y="2060848"/>
             <a:ext cx="4403725" cy="2195512"/>
           </a:xfrm>
           <a:prstGeom prst="rect">
@@ -14774,13 +17530,18 @@
               <a:pPr>
                 <a:defRPr/>
               </a:pPr>
-              <a:t>4</a:t>
+              <a:t>5</a:t>
             </a:fld>
             <a:endParaRPr lang="vi-VN"/>
           </a:p>
         </p:txBody>
       </p:sp>
     </p:spTree>
+    <p:extLst>
+      <p:ext uri="{BB962C8B-B14F-4D97-AF65-F5344CB8AC3E}">
+        <p14:creationId xmlns:p14="http://schemas.microsoft.com/office/powerpoint/2010/main" val="1417813000"/>
+      </p:ext>
+    </p:extLst>
   </p:cSld>
   <p:clrMapOvr>
     <a:masterClrMapping/>
@@ -14788,7 +17549,7 @@
 </p:sld>
 </file>
 
-<file path=ppt/slides/slide5.xml><?xml version="1.0" encoding="utf-8"?>
+<file path=ppt/slides/slide6.xml><?xml version="1.0" encoding="utf-8"?>
 <p:sld xmlns:a="http://schemas.openxmlformats.org/drawingml/2006/main" xmlns:r="http://schemas.openxmlformats.org/officeDocument/2006/relationships" xmlns:p="http://schemas.openxmlformats.org/presentationml/2006/main">
   <p:cSld>
     <p:spTree>
@@ -14823,15 +17584,35 @@
             <a:pPr eaLnBrk="1" hangingPunct="1"/>
             <a:r>
               <a:rPr lang="en-US" sz="3600" dirty="0" err="1" smtClean="0"/>
-              <a:t>Xếp</a:t>
+              <a:t>Ví</a:t>
             </a:r>
             <a:r>
               <a:rPr lang="en-US" sz="3600" dirty="0" smtClean="0"/>
               <a:t> </a:t>
             </a:r>
             <a:r>
-              <a:rPr lang="en-US" sz="3600" smtClean="0"/>
-              <a:t>hạng </a:t>
+              <a:rPr lang="en-US" sz="3600" dirty="0" err="1" smtClean="0"/>
+              <a:t>dụ</a:t>
+            </a:r>
+            <a:r>
+              <a:rPr lang="en-US" sz="3600" dirty="0" smtClean="0"/>
+              <a:t> </a:t>
+            </a:r>
+            <a:r>
+              <a:rPr lang="en-US" sz="3600" dirty="0" err="1" smtClean="0"/>
+              <a:t>xếp</a:t>
+            </a:r>
+            <a:r>
+              <a:rPr lang="en-US" sz="3600" dirty="0" smtClean="0"/>
+              <a:t> </a:t>
+            </a:r>
+            <a:r>
+              <a:rPr lang="en-US" sz="3600" dirty="0" err="1" smtClean="0"/>
+              <a:t>hạng</a:t>
+            </a:r>
+            <a:r>
+              <a:rPr lang="en-US" sz="3600" dirty="0" smtClean="0"/>
+              <a:t> </a:t>
             </a:r>
             <a:r>
               <a:rPr lang="en-US" sz="3600" dirty="0" err="1" smtClean="0"/>
@@ -15233,7 +18014,7 @@
               <a:pPr>
                 <a:defRPr/>
               </a:pPr>
-              <a:t>5</a:t>
+              <a:t>6</a:t>
             </a:fld>
             <a:endParaRPr lang="vi-VN"/>
           </a:p>
@@ -15301,7 +18082,7 @@
 </p:sld>
 </file>
 
-<file path=ppt/slides/slide6.xml><?xml version="1.0" encoding="utf-8"?>
+<file path=ppt/slides/slide7.xml><?xml version="1.0" encoding="utf-8"?>
 <p:sld xmlns:a="http://schemas.openxmlformats.org/drawingml/2006/main" xmlns:r="http://schemas.openxmlformats.org/officeDocument/2006/relationships" xmlns:p="http://schemas.openxmlformats.org/presentationml/2006/main">
   <p:cSld>
     <p:spTree>
@@ -15438,7 +18219,7 @@
               <a:pPr>
                 <a:defRPr/>
               </a:pPr>
-              <a:t>6</a:t>
+              <a:t>7</a:t>
             </a:fld>
             <a:endParaRPr lang="vi-VN"/>
           </a:p>
@@ -15464,7 +18245,7 @@
 </p:sld>
 </file>
 
-<file path=ppt/slides/slide7.xml><?xml version="1.0" encoding="utf-8"?>
+<file path=ppt/slides/slide8.xml><?xml version="1.0" encoding="utf-8"?>
 <p:sld xmlns:a="http://schemas.openxmlformats.org/drawingml/2006/main" xmlns:r="http://schemas.openxmlformats.org/officeDocument/2006/relationships" xmlns:p="http://schemas.openxmlformats.org/presentationml/2006/main">
   <p:cSld>
     <p:spTree>
@@ -15666,7 +18447,7 @@
               <a:pPr>
                 <a:defRPr/>
               </a:pPr>
-              <a:t>7</a:t>
+              <a:t>8</a:t>
             </a:fld>
             <a:endParaRPr lang="vi-VN"/>
           </a:p>
@@ -15676,329 +18457,6 @@
     <p:extLst>
       <p:ext uri="{BB962C8B-B14F-4D97-AF65-F5344CB8AC3E}">
         <p14:creationId xmlns:p14="http://schemas.microsoft.com/office/powerpoint/2010/main" val="2383892325"/>
-      </p:ext>
-    </p:extLst>
-  </p:cSld>
-  <p:clrMapOvr>
-    <a:masterClrMapping/>
-  </p:clrMapOvr>
-</p:sld>
-</file>
-
-<file path=ppt/slides/slide8.xml><?xml version="1.0" encoding="utf-8"?>
-<p:sld xmlns:a="http://schemas.openxmlformats.org/drawingml/2006/main" xmlns:r="http://schemas.openxmlformats.org/officeDocument/2006/relationships" xmlns:p="http://schemas.openxmlformats.org/presentationml/2006/main">
-  <p:cSld>
-    <p:spTree>
-      <p:nvGrpSpPr>
-        <p:cNvPr id="1" name=""/>
-        <p:cNvGrpSpPr/>
-        <p:nvPr/>
-      </p:nvGrpSpPr>
-      <p:grpSpPr>
-        <a:xfrm>
-          <a:off x="0" y="0"/>
-          <a:ext cx="0" cy="0"/>
-          <a:chOff x="0" y="0"/>
-          <a:chExt cx="0" cy="0"/>
-        </a:xfrm>
-      </p:grpSpPr>
-      <p:sp>
-        <p:nvSpPr>
-          <p:cNvPr id="10242" name="Rectangle 2"/>
-          <p:cNvSpPr>
-            <a:spLocks noGrp="1" noChangeArrowheads="1"/>
-          </p:cNvSpPr>
-          <p:nvPr>
-            <p:ph type="title"/>
-          </p:nvPr>
-        </p:nvSpPr>
-        <p:spPr>
-          <a:noFill/>
-          <a:ln>
-            <a:noFill/>
-          </a:ln>
-          <a:effectLst/>
-          <a:extLst>
-            <a:ext uri="{909E8E84-426E-40DD-AFC4-6F175D3DCCD1}">
-              <a14:hiddenFill xmlns:a14="http://schemas.microsoft.com/office/drawing/2010/main">
-                <a:solidFill>
-                  <a:schemeClr val="accent1"/>
-                </a:solidFill>
-              </a14:hiddenFill>
-            </a:ext>
-            <a:ext uri="{91240B29-F687-4F45-9708-019B960494DF}">
-              <a14:hiddenLine xmlns:a14="http://schemas.microsoft.com/office/drawing/2010/main" w="9525">
-                <a:solidFill>
-                  <a:schemeClr val="tx1"/>
-                </a:solidFill>
-                <a:miter lim="800000"/>
-                <a:headEnd/>
-                <a:tailEnd/>
-              </a14:hiddenLine>
-            </a:ext>
-            <a:ext uri="{AF507438-7753-43E0-B8FC-AC1667EBCBE1}">
-              <a14:hiddenEffects xmlns:a14="http://schemas.microsoft.com/office/drawing/2010/main">
-                <a:effectLst>
-                  <a:outerShdw dist="35921" dir="2700000" algn="ctr" rotWithShape="0">
-                    <a:schemeClr val="bg2"/>
-                  </a:outerShdw>
-                </a:effectLst>
-              </a14:hiddenEffects>
-            </a:ext>
-          </a:extLst>
-        </p:spPr>
-        <p:txBody>
-          <a:bodyPr vert="horz" wrap="square" lIns="91440" tIns="45720" rIns="91440" bIns="45720" numCol="1" anchor="b" anchorCtr="0" compatLnSpc="1">
-            <a:prstTxWarp prst="textNoShape">
-              <a:avLst/>
-            </a:prstTxWarp>
-          </a:bodyPr>
-          <a:lstStyle/>
-          <a:p>
-            <a:pPr eaLnBrk="1" hangingPunct="1"/>
-            <a:r>
-              <a:rPr lang="en-US" sz="3600" dirty="0" err="1"/>
-              <a:t>Giả</a:t>
-            </a:r>
-            <a:r>
-              <a:rPr lang="en-US" sz="3600" dirty="0"/>
-              <a:t> </a:t>
-            </a:r>
-            <a:r>
-              <a:rPr lang="en-US" sz="3600" dirty="0" err="1"/>
-              <a:t>thuyết</a:t>
-            </a:r>
-            <a:r>
-              <a:rPr lang="en-US" sz="3600" dirty="0"/>
-              <a:t> </a:t>
-            </a:r>
-            <a:r>
-              <a:rPr lang="en-US" sz="3600" dirty="0" err="1"/>
-              <a:t>phân</a:t>
-            </a:r>
-            <a:r>
-              <a:rPr lang="en-US" sz="3600" dirty="0"/>
-              <a:t> </a:t>
-            </a:r>
-            <a:r>
-              <a:rPr lang="en-US" sz="3600" dirty="0" err="1"/>
-              <a:t>bố</a:t>
-            </a:r>
-            <a:r>
-              <a:rPr lang="en-US" sz="3600" dirty="0"/>
-              <a:t> </a:t>
-            </a:r>
-            <a:r>
-              <a:rPr lang="en-US" sz="3600" dirty="0" err="1"/>
-              <a:t>đa</a:t>
-            </a:r>
-            <a:r>
-              <a:rPr lang="en-US" sz="3600" dirty="0"/>
-              <a:t> </a:t>
-            </a:r>
-            <a:r>
-              <a:rPr lang="en-US" sz="3600" dirty="0" err="1"/>
-              <a:t>thức</a:t>
-            </a:r>
-            <a:endParaRPr lang="vi-VN" sz="3600" dirty="0"/>
-          </a:p>
-        </p:txBody>
-      </p:sp>
-      <p:sp>
-        <p:nvSpPr>
-          <p:cNvPr id="10243" name="Rectangle 3"/>
-          <p:cNvSpPr>
-            <a:spLocks noGrp="1" noChangeArrowheads="1"/>
-          </p:cNvSpPr>
-          <p:nvPr>
-            <p:ph type="body" idx="1"/>
-          </p:nvPr>
-        </p:nvSpPr>
-        <p:spPr>
-          <a:xfrm>
-            <a:off x="611560" y="2017713"/>
-            <a:ext cx="8343528" cy="1123255"/>
-          </a:xfrm>
-        </p:spPr>
-        <p:txBody>
-          <a:bodyPr/>
-          <a:lstStyle/>
-          <a:p>
-            <a:pPr eaLnBrk="1" hangingPunct="1"/>
-            <a:r>
-              <a:rPr lang="en-US" sz="2400" dirty="0" err="1" smtClean="0">
-                <a:solidFill>
-                  <a:srgbClr val="000000"/>
-                </a:solidFill>
-              </a:rPr>
-              <a:t>Giả</a:t>
-            </a:r>
-            <a:r>
-              <a:rPr lang="en-US" sz="2400" dirty="0" smtClean="0">
-                <a:solidFill>
-                  <a:srgbClr val="000000"/>
-                </a:solidFill>
-              </a:rPr>
-              <a:t> </a:t>
-            </a:r>
-            <a:r>
-              <a:rPr lang="en-US" sz="2400" dirty="0" err="1" smtClean="0">
-                <a:solidFill>
-                  <a:srgbClr val="000000"/>
-                </a:solidFill>
-              </a:rPr>
-              <a:t>thuyết</a:t>
-            </a:r>
-            <a:r>
-              <a:rPr lang="en-US" sz="2400" dirty="0" smtClean="0">
-                <a:solidFill>
-                  <a:srgbClr val="000000"/>
-                </a:solidFill>
-              </a:rPr>
-              <a:t> </a:t>
-            </a:r>
-            <a:r>
-              <a:rPr lang="en-US" sz="2400" dirty="0" err="1" smtClean="0">
-                <a:solidFill>
-                  <a:srgbClr val="000000"/>
-                </a:solidFill>
-              </a:rPr>
-              <a:t>phân</a:t>
-            </a:r>
-            <a:r>
-              <a:rPr lang="en-US" sz="2400" dirty="0" smtClean="0">
-                <a:solidFill>
-                  <a:srgbClr val="000000"/>
-                </a:solidFill>
-              </a:rPr>
-              <a:t> </a:t>
-            </a:r>
-            <a:r>
-              <a:rPr lang="en-US" sz="2400" dirty="0" err="1" smtClean="0">
-                <a:solidFill>
-                  <a:srgbClr val="000000"/>
-                </a:solidFill>
-              </a:rPr>
-              <a:t>bố</a:t>
-            </a:r>
-            <a:r>
-              <a:rPr lang="en-US" sz="2400" dirty="0" smtClean="0">
-                <a:solidFill>
-                  <a:srgbClr val="000000"/>
-                </a:solidFill>
-              </a:rPr>
-              <a:t> </a:t>
-            </a:r>
-            <a:r>
-              <a:rPr lang="en-US" sz="2400" dirty="0" err="1" smtClean="0">
-                <a:solidFill>
-                  <a:srgbClr val="000000"/>
-                </a:solidFill>
-              </a:rPr>
-              <a:t>đa</a:t>
-            </a:r>
-            <a:r>
-              <a:rPr lang="en-US" sz="2400" dirty="0" smtClean="0">
-                <a:solidFill>
-                  <a:srgbClr val="000000"/>
-                </a:solidFill>
-              </a:rPr>
-              <a:t> </a:t>
-            </a:r>
-            <a:r>
-              <a:rPr lang="en-US" sz="2400" dirty="0" err="1" smtClean="0">
-                <a:solidFill>
-                  <a:srgbClr val="000000"/>
-                </a:solidFill>
-              </a:rPr>
-              <a:t>thức</a:t>
-            </a:r>
-            <a:r>
-              <a:rPr lang="en-US" sz="2400" dirty="0" smtClean="0">
-                <a:solidFill>
-                  <a:srgbClr val="000000"/>
-                </a:solidFill>
-              </a:rPr>
-              <a:t>:</a:t>
-            </a:r>
-          </a:p>
-          <a:p>
-            <a:pPr marL="0" indent="0" eaLnBrk="1" hangingPunct="1">
-              <a:buNone/>
-            </a:pPr>
-            <a:endParaRPr lang="en-US" sz="2400" dirty="0" smtClean="0">
-              <a:solidFill>
-                <a:srgbClr val="000000"/>
-              </a:solidFill>
-            </a:endParaRPr>
-          </a:p>
-          <a:p>
-            <a:pPr eaLnBrk="1" hangingPunct="1"/>
-            <a:endParaRPr lang="en-US" sz="2400" dirty="0" smtClean="0">
-              <a:solidFill>
-                <a:srgbClr val="000000"/>
-              </a:solidFill>
-            </a:endParaRPr>
-          </a:p>
-        </p:txBody>
-      </p:sp>
-      <p:sp>
-        <p:nvSpPr>
-          <p:cNvPr id="3" name="Slide Number Placeholder 2"/>
-          <p:cNvSpPr>
-            <a:spLocks noGrp="1"/>
-          </p:cNvSpPr>
-          <p:nvPr>
-            <p:ph type="sldNum" sz="quarter" idx="12"/>
-          </p:nvPr>
-        </p:nvSpPr>
-        <p:spPr/>
-        <p:txBody>
-          <a:bodyPr/>
-          <a:lstStyle/>
-          <a:p>
-            <a:pPr>
-              <a:defRPr/>
-            </a:pPr>
-            <a:fld id="{18D75DDA-CB64-4086-83FF-BB38D2754AC9}" type="slidenum">
-              <a:rPr lang="vi-VN" smtClean="0"/>
-              <a:pPr>
-                <a:defRPr/>
-              </a:pPr>
-              <a:t>8</a:t>
-            </a:fld>
-            <a:endParaRPr lang="vi-VN"/>
-          </a:p>
-        </p:txBody>
-      </p:sp>
-      <p:pic>
-        <p:nvPicPr>
-          <p:cNvPr id="4" name="Picture 3"/>
-          <p:cNvPicPr>
-            <a:picLocks noChangeAspect="1"/>
-          </p:cNvPicPr>
-          <p:nvPr/>
-        </p:nvPicPr>
-        <p:blipFill>
-          <a:blip r:embed="rId2"/>
-          <a:stretch>
-            <a:fillRect/>
-          </a:stretch>
-        </p:blipFill>
-        <p:spPr>
-          <a:xfrm>
-            <a:off x="987798" y="2636912"/>
-            <a:ext cx="6734175" cy="762000"/>
-          </a:xfrm>
-          <a:prstGeom prst="rect">
-            <a:avLst/>
-          </a:prstGeom>
-        </p:spPr>
-      </p:pic>
-    </p:spTree>
-    <p:extLst>
-      <p:ext uri="{BB962C8B-B14F-4D97-AF65-F5344CB8AC3E}">
-        <p14:creationId xmlns:p14="http://schemas.microsoft.com/office/powerpoint/2010/main" val="3149005814"/>
       </p:ext>
     </p:extLst>
   </p:cSld>
@@ -16035,16 +18493,95 @@
             <p:ph type="title"/>
           </p:nvPr>
         </p:nvSpPr>
-        <p:spPr/>
+        <p:spPr>
+          <a:noFill/>
+          <a:ln>
+            <a:noFill/>
+          </a:ln>
+          <a:effectLst/>
+          <a:extLst>
+            <a:ext uri="{909E8E84-426E-40DD-AFC4-6F175D3DCCD1}">
+              <a14:hiddenFill xmlns:a14="http://schemas.microsoft.com/office/drawing/2010/main">
+                <a:solidFill>
+                  <a:schemeClr val="accent1"/>
+                </a:solidFill>
+              </a14:hiddenFill>
+            </a:ext>
+            <a:ext uri="{91240B29-F687-4F45-9708-019B960494DF}">
+              <a14:hiddenLine xmlns:a14="http://schemas.microsoft.com/office/drawing/2010/main" w="9525">
+                <a:solidFill>
+                  <a:schemeClr val="tx1"/>
+                </a:solidFill>
+                <a:miter lim="800000"/>
+                <a:headEnd/>
+                <a:tailEnd/>
+              </a14:hiddenLine>
+            </a:ext>
+            <a:ext uri="{AF507438-7753-43E0-B8FC-AC1667EBCBE1}">
+              <a14:hiddenEffects xmlns:a14="http://schemas.microsoft.com/office/drawing/2010/main">
+                <a:effectLst>
+                  <a:outerShdw dist="35921" dir="2700000" algn="ctr" rotWithShape="0">
+                    <a:schemeClr val="bg2"/>
+                  </a:outerShdw>
+                </a:effectLst>
+              </a14:hiddenEffects>
+            </a:ext>
+          </a:extLst>
+        </p:spPr>
         <p:txBody>
-          <a:bodyPr/>
+          <a:bodyPr vert="horz" wrap="square" lIns="91440" tIns="45720" rIns="91440" bIns="45720" numCol="1" anchor="b" anchorCtr="0" compatLnSpc="1">
+            <a:prstTxWarp prst="textNoShape">
+              <a:avLst/>
+            </a:prstTxWarp>
+          </a:bodyPr>
           <a:lstStyle/>
           <a:p>
             <a:pPr eaLnBrk="1" hangingPunct="1"/>
             <a:r>
-              <a:rPr lang="vi-VN" sz="3600" dirty="0" smtClean="0"/>
-              <a:t>Đại lượng xếp hạng</a:t>
-            </a:r>
+              <a:rPr lang="en-US" sz="3600" dirty="0" err="1"/>
+              <a:t>Giả</a:t>
+            </a:r>
+            <a:r>
+              <a:rPr lang="en-US" sz="3600" dirty="0"/>
+              <a:t> </a:t>
+            </a:r>
+            <a:r>
+              <a:rPr lang="en-US" sz="3600" dirty="0" err="1"/>
+              <a:t>thuyết</a:t>
+            </a:r>
+            <a:r>
+              <a:rPr lang="en-US" sz="3600" dirty="0"/>
+              <a:t> </a:t>
+            </a:r>
+            <a:r>
+              <a:rPr lang="en-US" sz="3600" dirty="0" err="1"/>
+              <a:t>phân</a:t>
+            </a:r>
+            <a:r>
+              <a:rPr lang="en-US" sz="3600" dirty="0"/>
+              <a:t> </a:t>
+            </a:r>
+            <a:r>
+              <a:rPr lang="en-US" sz="3600" dirty="0" err="1"/>
+              <a:t>bố</a:t>
+            </a:r>
+            <a:r>
+              <a:rPr lang="en-US" sz="3600" dirty="0"/>
+              <a:t> </a:t>
+            </a:r>
+            <a:r>
+              <a:rPr lang="en-US" sz="3600" dirty="0" err="1"/>
+              <a:t>đa</a:t>
+            </a:r>
+            <a:r>
+              <a:rPr lang="en-US" sz="3600" dirty="0"/>
+              <a:t> </a:t>
+            </a:r>
+            <a:r>
+              <a:rPr lang="en-US" sz="3600" dirty="0" err="1"/>
+              <a:t>thức</a:t>
+            </a:r>
+            <a:endParaRPr lang="vi-VN" sz="3600" dirty="0"/>
           </a:p>
         </p:txBody>
       </p:sp>
@@ -16061,7 +18598,7 @@
         <p:spPr>
           <a:xfrm>
             <a:off x="611560" y="2017713"/>
-            <a:ext cx="8343528" cy="2923455"/>
+            <a:ext cx="8343528" cy="1123255"/>
           </a:xfrm>
         </p:spPr>
         <p:txBody>
@@ -16070,19 +18607,107 @@
           <a:p>
             <a:pPr eaLnBrk="1" hangingPunct="1"/>
             <a:r>
-              <a:rPr lang="vi-VN" sz="2400" dirty="0" smtClean="0">
-                <a:solidFill>
-                  <a:srgbClr val="000000"/>
-                </a:solidFill>
-              </a:rPr>
-              <a:t>Theo luật Bayes</a:t>
+              <a:rPr lang="en-US" sz="2400" dirty="0" err="1" smtClean="0">
+                <a:solidFill>
+                  <a:srgbClr val="000000"/>
+                </a:solidFill>
+              </a:rPr>
+              <a:t>Giả</a:t>
+            </a:r>
+            <a:r>
+              <a:rPr lang="en-US" sz="2400" dirty="0" smtClean="0">
+                <a:solidFill>
+                  <a:srgbClr val="000000"/>
+                </a:solidFill>
+              </a:rPr>
+              <a:t> </a:t>
+            </a:r>
+            <a:r>
+              <a:rPr lang="en-US" sz="2400" dirty="0" err="1" smtClean="0">
+                <a:solidFill>
+                  <a:srgbClr val="000000"/>
+                </a:solidFill>
+              </a:rPr>
+              <a:t>thuyết</a:t>
+            </a:r>
+            <a:r>
+              <a:rPr lang="en-US" sz="2400" dirty="0" smtClean="0">
+                <a:solidFill>
+                  <a:srgbClr val="000000"/>
+                </a:solidFill>
+              </a:rPr>
+              <a:t> </a:t>
+            </a:r>
+            <a:r>
+              <a:rPr lang="en-US" sz="2400" dirty="0" err="1" smtClean="0">
+                <a:solidFill>
+                  <a:srgbClr val="000000"/>
+                </a:solidFill>
+              </a:rPr>
+              <a:t>phân</a:t>
+            </a:r>
+            <a:r>
+              <a:rPr lang="en-US" sz="2400" dirty="0" smtClean="0">
+                <a:solidFill>
+                  <a:srgbClr val="000000"/>
+                </a:solidFill>
+              </a:rPr>
+              <a:t> </a:t>
+            </a:r>
+            <a:r>
+              <a:rPr lang="en-US" sz="2400" dirty="0" err="1" smtClean="0">
+                <a:solidFill>
+                  <a:srgbClr val="000000"/>
+                </a:solidFill>
+              </a:rPr>
+              <a:t>bố</a:t>
+            </a:r>
+            <a:r>
+              <a:rPr lang="en-US" sz="2400" dirty="0" smtClean="0">
+                <a:solidFill>
+                  <a:srgbClr val="000000"/>
+                </a:solidFill>
+              </a:rPr>
+              <a:t> </a:t>
+            </a:r>
+            <a:r>
+              <a:rPr lang="en-US" sz="2400" dirty="0" err="1" smtClean="0">
+                <a:solidFill>
+                  <a:srgbClr val="000000"/>
+                </a:solidFill>
+              </a:rPr>
+              <a:t>đa</a:t>
+            </a:r>
+            <a:r>
+              <a:rPr lang="en-US" sz="2400" dirty="0" smtClean="0">
+                <a:solidFill>
+                  <a:srgbClr val="000000"/>
+                </a:solidFill>
+              </a:rPr>
+              <a:t> </a:t>
+            </a:r>
+            <a:r>
+              <a:rPr lang="en-US" sz="2400" dirty="0" err="1" smtClean="0">
+                <a:solidFill>
+                  <a:srgbClr val="000000"/>
+                </a:solidFill>
+              </a:rPr>
+              <a:t>thức</a:t>
+            </a:r>
+            <a:r>
+              <a:rPr lang="en-US" sz="2400" dirty="0" smtClean="0">
+                <a:solidFill>
+                  <a:srgbClr val="000000"/>
+                </a:solidFill>
+              </a:rPr>
+              <a:t>:</a:t>
             </a:r>
           </a:p>
           <a:p>
             <a:pPr marL="0" indent="0" eaLnBrk="1" hangingPunct="1">
               <a:buNone/>
             </a:pPr>
-            <a:endParaRPr lang="vi-VN" sz="2400" dirty="0" smtClean="0">
+            <a:endParaRPr lang="en-US" sz="2400" dirty="0" smtClean="0">
               <a:solidFill>
                 <a:srgbClr val="000000"/>
               </a:solidFill>
@@ -16090,81 +18715,14 @@
           </a:p>
           <a:p>
             <a:pPr eaLnBrk="1" hangingPunct="1"/>
-            <a:endParaRPr lang="vi-VN" sz="2400" dirty="0" smtClean="0">
+            <a:endParaRPr lang="en-US" sz="2400" dirty="0" smtClean="0">
               <a:solidFill>
                 <a:srgbClr val="000000"/>
               </a:solidFill>
             </a:endParaRPr>
           </a:p>
-          <a:p>
-            <a:pPr lvl="1" eaLnBrk="1" hangingPunct="1"/>
-            <a:r>
-              <a:rPr lang="vi-VN" sz="2000" dirty="0" smtClean="0">
-                <a:solidFill>
-                  <a:srgbClr val="000000"/>
-                </a:solidFill>
-              </a:rPr>
-              <a:t>P(q) là hằng số;</a:t>
-            </a:r>
-          </a:p>
-          <a:p>
-            <a:pPr eaLnBrk="1" hangingPunct="1"/>
-            <a:r>
-              <a:rPr lang="vi-VN" sz="2400" dirty="0" smtClean="0">
-                <a:solidFill>
-                  <a:srgbClr val="000000"/>
-                </a:solidFill>
-              </a:rPr>
-              <a:t>Giả sử P(d) là đồng nhất đối với tất cả văn bản;</a:t>
-            </a:r>
-          </a:p>
-          <a:p>
-            <a:pPr lvl="1" eaLnBrk="1" hangingPunct="1"/>
-            <a:r>
-              <a:rPr lang="vi-VN" sz="2000" dirty="0" smtClean="0">
-                <a:solidFill>
-                  <a:srgbClr val="000000"/>
-                </a:solidFill>
-              </a:rPr>
-              <a:t>Có thể xếp hạng theo P(q|d): Xác suất sinh truy vấn.</a:t>
-            </a:r>
-          </a:p>
-          <a:p>
-            <a:pPr marL="0" indent="0" eaLnBrk="1" hangingPunct="1">
-              <a:buNone/>
-            </a:pPr>
-            <a:endParaRPr lang="vi-VN" sz="2400" dirty="0" smtClean="0">
-              <a:solidFill>
-                <a:srgbClr val="000000"/>
-              </a:solidFill>
-            </a:endParaRPr>
-          </a:p>
         </p:txBody>
       </p:sp>
-      <p:pic>
-        <p:nvPicPr>
-          <p:cNvPr id="2" name="Picture 1"/>
-          <p:cNvPicPr>
-            <a:picLocks noChangeAspect="1"/>
-          </p:cNvPicPr>
-          <p:nvPr/>
-        </p:nvPicPr>
-        <p:blipFill>
-          <a:blip r:embed="rId2"/>
-          <a:stretch>
-            <a:fillRect/>
-          </a:stretch>
-        </p:blipFill>
-        <p:spPr>
-          <a:xfrm>
-            <a:off x="1979712" y="2564904"/>
-            <a:ext cx="4733925" cy="600075"/>
-          </a:xfrm>
-          <a:prstGeom prst="rect">
-            <a:avLst/>
-          </a:prstGeom>
-        </p:spPr>
-      </p:pic>
       <p:sp>
         <p:nvSpPr>
           <p:cNvPr id="3" name="Slide Number Placeholder 2"/>
@@ -16194,49 +18752,34 @@
           </a:p>
         </p:txBody>
       </p:sp>
-      <p:sp>
-        <p:nvSpPr>
-          <p:cNvPr id="4" name="TextBox 3"/>
-          <p:cNvSpPr txBox="1"/>
+      <p:pic>
+        <p:nvPicPr>
+          <p:cNvPr id="4" name="Picture 3"/>
+          <p:cNvPicPr>
+            <a:picLocks noChangeAspect="1"/>
+          </p:cNvPicPr>
           <p:nvPr/>
-        </p:nvSpPr>
+        </p:nvPicPr>
+        <p:blipFill>
+          <a:blip r:embed="rId2"/>
+          <a:stretch>
+            <a:fillRect/>
+          </a:stretch>
+        </p:blipFill>
         <p:spPr>
           <a:xfrm>
-            <a:off x="288826" y="5229200"/>
-            <a:ext cx="8631238" cy="830997"/>
+            <a:off x="987798" y="2636912"/>
+            <a:ext cx="6734175" cy="762000"/>
           </a:xfrm>
           <a:prstGeom prst="rect">
             <a:avLst/>
           </a:prstGeom>
-          <a:noFill/>
         </p:spPr>
-        <p:txBody>
-          <a:bodyPr wrap="square" rtlCol="0">
-            <a:spAutoFit/>
-          </a:bodyPr>
-          <a:lstStyle/>
-          <a:p>
-            <a:pPr algn="just"/>
-            <a:r>
-              <a:rPr lang="vi-VN" sz="2400" b="0" dirty="0" smtClean="0">
-                <a:solidFill>
-                  <a:schemeClr val="tx2"/>
-                </a:solidFill>
-              </a:rPr>
-              <a:t>Văn bản thường dài hơn và thuận tiên hơn để tính các đại lượng xác suất so với truy vấn.</a:t>
-            </a:r>
-            <a:endParaRPr lang="vi-VN" sz="2400" b="0" dirty="0">
-              <a:solidFill>
-                <a:schemeClr val="tx2"/>
-              </a:solidFill>
-            </a:endParaRPr>
-          </a:p>
-        </p:txBody>
-      </p:sp>
+      </p:pic>
     </p:spTree>
     <p:extLst>
       <p:ext uri="{BB962C8B-B14F-4D97-AF65-F5344CB8AC3E}">
-        <p14:creationId xmlns:p14="http://schemas.microsoft.com/office/powerpoint/2010/main" val="3940973416"/>
+        <p14:creationId xmlns:p14="http://schemas.microsoft.com/office/powerpoint/2010/main" val="3149005814"/>
       </p:ext>
     </p:extLst>
   </p:cSld>
@@ -16837,7 +19380,7 @@
   </a:extraClrSchemeLst>
   <a:extLst>
     <a:ext uri="{05A4C25C-085E-4340-85A3-A5531E510DB2}">
-      <thm15:themeFamily xmlns:thm15="http://schemas.microsoft.com/office/thememl/2012/main" xmlns="" name="Office Theme" id="{62F939B6-93AF-4DB8-9C6B-D6C7DFDC589F}" vid="{4A3C46E8-61CC-4603-A589-7422A47A8E4A}"/>
+      <thm15:themeFamily xmlns="" xmlns:thm15="http://schemas.microsoft.com/office/thememl/2012/main" name="Office Theme" id="{62F939B6-93AF-4DB8-9C6B-D6C7DFDC589F}" vid="{4A3C46E8-61CC-4603-A589-7422A47A8E4A}"/>
     </a:ext>
   </a:extLst>
 </a:theme>
@@ -16886,7 +19429,7 @@
     </a:clrScheme>
     <a:fontScheme name="Office">
       <a:majorFont>
-        <a:latin typeface="Calibri Light" panose="020F0302020204030204"/>
+        <a:latin typeface="Calibri Light"/>
         <a:ea typeface=""/>
         <a:cs typeface=""/>
         <a:font script="Jpan" typeface="ＭＳ Ｐゴシック"/>
@@ -16921,7 +19464,7 @@
         <a:font script="Geor" typeface="Sylfaen"/>
       </a:majorFont>
       <a:minorFont>
-        <a:latin typeface="Calibri" panose="020F0502020204030204"/>
+        <a:latin typeface="Calibri"/>
         <a:ea typeface=""/>
         <a:cs typeface=""/>
         <a:font script="Jpan" typeface="ＭＳ Ｐゴシック"/>
@@ -17098,7 +19641,7 @@
   <a:extraClrSchemeLst/>
   <a:extLst>
     <a:ext uri="{05A4C25C-085E-4340-85A3-A5531E510DB2}">
-      <thm15:themeFamily xmlns:thm15="http://schemas.microsoft.com/office/thememl/2012/main" xmlns="" name="Office Theme" id="{62F939B6-93AF-4DB8-9C6B-D6C7DFDC589F}" vid="{4A3C46E8-61CC-4603-A589-7422A47A8E4A}"/>
+      <thm15:themeFamily xmlns="" xmlns:thm15="http://schemas.microsoft.com/office/thememl/2012/main" name="Office Theme" id="{62F939B6-93AF-4DB8-9C6B-D6C7DFDC589F}" vid="{4A3C46E8-61CC-4603-A589-7422A47A8E4A}"/>
     </a:ext>
   </a:extLst>
 </a:theme>

--- a/Bài 6 Mô hình ngôn ngữ.pptx
+++ b/Bài 6 Mô hình ngôn ngữ.pptx
@@ -164,7 +164,7 @@
   </p:defaultTextStyle>
   <p:extLst>
     <p:ext uri="{EFAFB233-063F-42B5-8137-9DF3F51BA10A}">
-      <p15:sldGuideLst xmlns="" xmlns:p15="http://schemas.microsoft.com/office/powerpoint/2012/main">
+      <p15:sldGuideLst xmlns:p15="http://schemas.microsoft.com/office/powerpoint/2012/main" xmlns="">
         <p15:guide id="1" orient="horz" pos="2160">
           <p15:clr>
             <a:srgbClr val="A4A3A4"/>
@@ -7555,6 +7555,70 @@
                   <a:schemeClr val="tx2"/>
                 </a:solidFill>
               </a:rPr>
+              <a:t> thuận tiên hơn </a:t>
+            </a:r>
+            <a:r>
+              <a:rPr lang="en-US" sz="2400" b="0" dirty="0" err="1" smtClean="0">
+                <a:solidFill>
+                  <a:schemeClr val="tx2"/>
+                </a:solidFill>
+              </a:rPr>
+              <a:t>khi</a:t>
+            </a:r>
+            <a:r>
+              <a:rPr lang="en-US" sz="2400" b="0" dirty="0" smtClean="0">
+                <a:solidFill>
+                  <a:schemeClr val="tx2"/>
+                </a:solidFill>
+              </a:rPr>
+              <a:t> </a:t>
+            </a:r>
+            <a:r>
+              <a:rPr lang="en-US" sz="2400" b="0" dirty="0" err="1" smtClean="0">
+                <a:solidFill>
+                  <a:schemeClr val="tx2"/>
+                </a:solidFill>
+              </a:rPr>
+              <a:t>sử</a:t>
+            </a:r>
+            <a:r>
+              <a:rPr lang="en-US" sz="2400" b="0" dirty="0" smtClean="0">
+                <a:solidFill>
+                  <a:schemeClr val="tx2"/>
+                </a:solidFill>
+              </a:rPr>
+              <a:t> </a:t>
+            </a:r>
+            <a:r>
+              <a:rPr lang="en-US" sz="2400" b="0" dirty="0" err="1" smtClean="0">
+                <a:solidFill>
+                  <a:schemeClr val="tx2"/>
+                </a:solidFill>
+              </a:rPr>
+              <a:t>dụng</a:t>
+            </a:r>
+            <a:r>
+              <a:rPr lang="en-US" sz="2400" b="0" dirty="0" smtClean="0">
+                <a:solidFill>
+                  <a:schemeClr val="tx2"/>
+                </a:solidFill>
+              </a:rPr>
+              <a:t> </a:t>
+            </a:r>
+            <a:r>
+              <a:rPr lang="en-US" sz="2400" b="0" dirty="0" err="1" smtClean="0">
+                <a:solidFill>
+                  <a:schemeClr val="tx2"/>
+                </a:solidFill>
+              </a:rPr>
+              <a:t>để</a:t>
+            </a:r>
+            <a:r>
+              <a:rPr lang="en-US" sz="2400" b="0" dirty="0" smtClean="0">
+                <a:solidFill>
+                  <a:schemeClr val="tx2"/>
+                </a:solidFill>
+              </a:rPr>
               <a:t> </a:t>
             </a:r>
             <a:r>
@@ -7563,95 +7627,7 @@
                   <a:schemeClr val="tx2"/>
                 </a:solidFill>
               </a:rPr>
-              <a:t>thuận tiên hơn </a:t>
-            </a:r>
-            <a:r>
-              <a:rPr lang="en-US" sz="2400" b="0" dirty="0" err="1" smtClean="0">
-                <a:solidFill>
-                  <a:schemeClr val="tx2"/>
-                </a:solidFill>
-              </a:rPr>
-              <a:t>khi</a:t>
-            </a:r>
-            <a:r>
-              <a:rPr lang="en-US" sz="2400" b="0" dirty="0" smtClean="0">
-                <a:solidFill>
-                  <a:schemeClr val="tx2"/>
-                </a:solidFill>
-              </a:rPr>
-              <a:t> </a:t>
-            </a:r>
-            <a:r>
-              <a:rPr lang="en-US" sz="2400" b="0" dirty="0" err="1" smtClean="0">
-                <a:solidFill>
-                  <a:schemeClr val="tx2"/>
-                </a:solidFill>
-              </a:rPr>
-              <a:t>sử</a:t>
-            </a:r>
-            <a:r>
-              <a:rPr lang="en-US" sz="2400" b="0" dirty="0" smtClean="0">
-                <a:solidFill>
-                  <a:schemeClr val="tx2"/>
-                </a:solidFill>
-              </a:rPr>
-              <a:t> </a:t>
-            </a:r>
-            <a:r>
-              <a:rPr lang="en-US" sz="2400" b="0" dirty="0" err="1" smtClean="0">
-                <a:solidFill>
-                  <a:schemeClr val="tx2"/>
-                </a:solidFill>
-              </a:rPr>
-              <a:t>dụng</a:t>
-            </a:r>
-            <a:r>
-              <a:rPr lang="en-US" sz="2400" b="0" dirty="0" smtClean="0">
-                <a:solidFill>
-                  <a:schemeClr val="tx2"/>
-                </a:solidFill>
-              </a:rPr>
-              <a:t> </a:t>
-            </a:r>
-            <a:r>
-              <a:rPr lang="en-US" sz="2400" b="0" dirty="0" err="1" smtClean="0">
-                <a:solidFill>
-                  <a:schemeClr val="tx2"/>
-                </a:solidFill>
-              </a:rPr>
-              <a:t>để</a:t>
-            </a:r>
-            <a:r>
-              <a:rPr lang="en-US" sz="2400" b="0" dirty="0" smtClean="0">
-                <a:solidFill>
-                  <a:schemeClr val="tx2"/>
-                </a:solidFill>
-              </a:rPr>
-              <a:t> </a:t>
-            </a:r>
-            <a:r>
-              <a:rPr lang="vi-VN" sz="2400" b="0" dirty="0" smtClean="0">
-                <a:solidFill>
-                  <a:schemeClr val="tx2"/>
-                </a:solidFill>
-              </a:rPr>
-              <a:t>tính </a:t>
-            </a:r>
-            <a:r>
-              <a:rPr lang="vi-VN" sz="2400" b="0" dirty="0" smtClean="0">
-                <a:solidFill>
-                  <a:schemeClr val="tx2"/>
-                </a:solidFill>
-              </a:rPr>
-              <a:t>các đại lượng xác </a:t>
-            </a:r>
-            <a:r>
-              <a:rPr lang="vi-VN" sz="2400" b="0" dirty="0" smtClean="0">
-                <a:solidFill>
-                  <a:schemeClr val="tx2"/>
-                </a:solidFill>
-              </a:rPr>
-              <a:t>suất.</a:t>
+              <a:t>tính các đại lượng xác suất.</a:t>
             </a:r>
             <a:endParaRPr lang="vi-VN" sz="2400" b="0" dirty="0">
               <a:solidFill>
@@ -7671,6 +7647,13 @@
   <p:clrMapOvr>
     <a:masterClrMapping/>
   </p:clrMapOvr>
+  <p:timing>
+    <p:tnLst>
+      <p:par>
+        <p:cTn id="1" dur="indefinite" restart="never" nodeType="tmRoot"/>
+      </p:par>
+    </p:tnLst>
+  </p:timing>
 </p:sld>
 </file>
 
@@ -8386,6 +8369,13 @@
   <p:clrMapOvr>
     <a:masterClrMapping/>
   </p:clrMapOvr>
+  <p:timing>
+    <p:tnLst>
+      <p:par>
+        <p:cTn id="1" dur="indefinite" restart="never" nodeType="tmRoot"/>
+      </p:par>
+    </p:tnLst>
+  </p:timing>
 </p:sld>
 </file>
 
@@ -8551,11 +8541,6 @@
               </a:rPr>
               <a:t>:</a:t>
             </a:r>
-            <a:endParaRPr lang="vi-VN" sz="2400" dirty="0" smtClean="0">
-              <a:solidFill>
-                <a:srgbClr val="000000"/>
-              </a:solidFill>
-            </a:endParaRPr>
           </a:p>
           <a:p>
             <a:pPr eaLnBrk="1" hangingPunct="1"/>
@@ -9561,15 +9546,7 @@
                   <a:schemeClr val="tx2"/>
                 </a:solidFill>
               </a:rPr>
-              <a:t>Ước </a:t>
-            </a:r>
-            <a:r>
-              <a:rPr lang="vi-VN" sz="2000" b="0" dirty="0" smtClean="0">
-                <a:solidFill>
-                  <a:schemeClr val="tx2"/>
-                </a:solidFill>
-              </a:rPr>
-              <a:t>lượng khả năng cực đại: Maximum likelihood estimation.</a:t>
+              <a:t>Ước lượng khả năng cực đại: Maximum likelihood estimation.</a:t>
             </a:r>
             <a:endParaRPr lang="vi-VN" sz="2000" b="0" dirty="0">
               <a:solidFill>
@@ -9589,6 +9566,13 @@
   <p:clrMapOvr>
     <a:masterClrMapping/>
   </p:clrMapOvr>
+  <p:timing>
+    <p:tnLst>
+      <p:par>
+        <p:cTn id="1" dur="indefinite" restart="never" nodeType="tmRoot"/>
+      </p:par>
+    </p:tnLst>
+  </p:timing>
 </p:sld>
 </file>
 
@@ -9627,11 +9611,7 @@
             <a:pPr eaLnBrk="1" hangingPunct="1"/>
             <a:r>
               <a:rPr lang="vi-VN" sz="3600" dirty="0" smtClean="0"/>
-              <a:t>Mô </a:t>
-            </a:r>
-            <a:r>
-              <a:rPr lang="vi-VN" sz="3600" dirty="0" smtClean="0"/>
-              <a:t>hình</a:t>
+              <a:t>Mô hình</a:t>
             </a:r>
             <a:r>
               <a:rPr lang="en-US" sz="3600" dirty="0" smtClean="0"/>
@@ -9659,17 +9639,13 @@
             </a:r>
             <a:r>
               <a:rPr lang="vi-VN" sz="3600" dirty="0" smtClean="0"/>
-              <a:t> </a:t>
-            </a:r>
-            <a:r>
-              <a:rPr lang="vi-VN" sz="3600" dirty="0" smtClean="0"/>
-              <a:t>bộ dữ liệu</a:t>
+              <a:t> bộ dữ liệu</a:t>
             </a:r>
           </a:p>
         </p:txBody>
       </p:sp>
-      <mc:AlternateContent xmlns:mc="http://schemas.openxmlformats.org/markup-compatibility/2006">
-        <mc:Choice xmlns:a14="http://schemas.microsoft.com/office/drawing/2010/main" Requires="a14">
+      <mc:AlternateContent xmlns:mc="http://schemas.openxmlformats.org/markup-compatibility/2006" xmlns:a14="http://schemas.microsoft.com/office/drawing/2010/main">
+        <mc:Choice Requires="a14">
           <p:sp>
             <p:nvSpPr>
               <p:cNvPr id="12291" name="Rectangle 3"/>
@@ -9753,15 +9729,7 @@
                       <a:srgbClr val="000000"/>
                     </a:solidFill>
                   </a:rPr>
-                  <a:t>bộ </a:t>
-                </a:r>
-                <a:r>
-                  <a:rPr lang="vi-VN" sz="2800" dirty="0" smtClean="0">
-                    <a:solidFill>
-                      <a:srgbClr val="000000"/>
-                    </a:solidFill>
-                  </a:rPr>
-                  <a:t>dữ liệu sinh từ </a:t>
+                  <a:t>bộ dữ liệu sinh từ </a:t>
                 </a:r>
                 <a:r>
                   <a:rPr lang="vi-VN" sz="2800" i="1" dirty="0" smtClean="0">
@@ -9891,11 +9859,6 @@
                   </a:rPr>
                   <a:t>:</a:t>
                 </a:r>
-                <a:endParaRPr lang="vi-VN" sz="2800" dirty="0" smtClean="0">
-                  <a:solidFill>
-                    <a:srgbClr val="000000"/>
-                  </a:solidFill>
-                </a:endParaRPr>
               </a:p>
               <a:p>
                 <a:pPr marL="0" indent="0" algn="just" eaLnBrk="1" hangingPunct="1">
@@ -10178,15 +10141,7 @@
                       <a:srgbClr val="000000"/>
                     </a:solidFill>
                   </a:rPr>
-                  <a:t> </a:t>
-                </a:r>
-                <a:r>
-                  <a:rPr lang="vi-VN" sz="2400" dirty="0" smtClean="0">
-                    <a:solidFill>
-                      <a:srgbClr val="000000"/>
-                    </a:solidFill>
-                  </a:rPr>
-                  <a:t>bộ dữ liệu </a:t>
+                  <a:t> bộ dữ liệu </a:t>
                 </a:r>
                 <a:r>
                   <a:rPr lang="vi-VN" sz="2400" i="1" dirty="0" smtClean="0">
@@ -10372,7 +10327,7 @@
             </p:txBody>
           </p:sp>
         </mc:Choice>
-        <mc:Fallback>
+        <mc:Fallback xmlns="">
           <p:sp>
             <p:nvSpPr>
               <p:cNvPr id="12291" name="Rectangle 3"/>
@@ -10444,6 +10399,13 @@
   <p:clrMapOvr>
     <a:masterClrMapping/>
   </p:clrMapOvr>
+  <p:timing>
+    <p:tnLst>
+      <p:par>
+        <p:cTn id="1" dur="indefinite" restart="never" nodeType="tmRoot"/>
+      </p:par>
+    </p:tnLst>
+  </p:timing>
 </p:sld>
 </file>
 
@@ -10487,8 +10449,8 @@
           </a:p>
         </p:txBody>
       </p:sp>
-      <mc:AlternateContent xmlns:mc="http://schemas.openxmlformats.org/markup-compatibility/2006">
-        <mc:Choice xmlns:a14="http://schemas.microsoft.com/office/drawing/2010/main" Requires="a14">
+      <mc:AlternateContent xmlns:mc="http://schemas.openxmlformats.org/markup-compatibility/2006" xmlns:a14="http://schemas.microsoft.com/office/drawing/2010/main">
+        <mc:Choice Requires="a14">
           <p:sp>
             <p:nvSpPr>
               <p:cNvPr id="12291" name="Rectangle 3"/>
@@ -10516,39 +10478,7 @@
                       <a:srgbClr val="000000"/>
                     </a:solidFill>
                   </a:rPr>
-                  <a:t>Kết hợp </a:t>
-                </a:r>
-                <a:r>
-                  <a:rPr lang="vi-VN" sz="2800" dirty="0" smtClean="0">
-                    <a:solidFill>
-                      <a:srgbClr val="000000"/>
-                    </a:solidFill>
-                  </a:rPr>
-                  <a:t>văn </a:t>
-                </a:r>
-                <a:r>
-                  <a:rPr lang="vi-VN" sz="2800" dirty="0" smtClean="0">
-                    <a:solidFill>
-                      <a:srgbClr val="000000"/>
-                    </a:solidFill>
-                  </a:rPr>
-                  <a:t>bản và </a:t>
-                </a:r>
-                <a:r>
-                  <a:rPr lang="vi-VN" sz="2800" dirty="0" smtClean="0">
-                    <a:solidFill>
-                      <a:srgbClr val="000000"/>
-                    </a:solidFill>
-                  </a:rPr>
-                  <a:t>bộ </a:t>
-                </a:r>
-                <a:r>
-                  <a:rPr lang="vi-VN" sz="2800" dirty="0" smtClean="0">
-                    <a:solidFill>
-                      <a:srgbClr val="000000"/>
-                    </a:solidFill>
-                  </a:rPr>
-                  <a:t>dữ liệu</a:t>
+                  <a:t>Kết hợp văn bản và bộ dữ liệu</a:t>
                 </a:r>
               </a:p>
               <a:p>
@@ -11091,7 +11021,7 @@
             </p:txBody>
           </p:sp>
         </mc:Choice>
-        <mc:Fallback>
+        <mc:Fallback xmlns="">
           <p:sp>
             <p:nvSpPr>
               <p:cNvPr id="12291" name="Rectangle 3"/>
@@ -11228,15 +11158,7 @@
                   <a:schemeClr val="tx2"/>
                 </a:solidFill>
               </a:rPr>
-              <a:t>Làm </a:t>
-            </a:r>
-            <a:r>
-              <a:rPr lang="vi-VN" sz="2400" b="0" dirty="0" smtClean="0">
-                <a:solidFill>
-                  <a:schemeClr val="tx2"/>
-                </a:solidFill>
-              </a:rPr>
-              <a:t>mịn tuyến tính: Linear interpolation</a:t>
+              <a:t>Làm mịn tuyến tính: Linear interpolation</a:t>
             </a:r>
             <a:endParaRPr lang="vi-VN" sz="2400" b="0" dirty="0">
               <a:solidFill>
@@ -11256,6 +11178,13 @@
   <p:clrMapOvr>
     <a:masterClrMapping/>
   </p:clrMapOvr>
+  <p:timing>
+    <p:tnLst>
+      <p:par>
+        <p:cTn id="1" dur="indefinite" restart="never" nodeType="tmRoot"/>
+      </p:par>
+    </p:tnLst>
+  </p:timing>
 </p:sld>
 </file>
 
@@ -11326,17 +11255,13 @@
             </a:r>
             <a:r>
               <a:rPr lang="vi-VN" sz="3600" dirty="0" smtClean="0"/>
-              <a:t> </a:t>
-            </a:r>
-            <a:r>
-              <a:rPr lang="vi-VN" sz="3600" dirty="0" smtClean="0"/>
-              <a:t>sau khi làm mịn</a:t>
+              <a:t> sau khi làm mịn</a:t>
             </a:r>
           </a:p>
         </p:txBody>
       </p:sp>
-      <mc:AlternateContent xmlns:mc="http://schemas.openxmlformats.org/markup-compatibility/2006">
-        <mc:Choice xmlns:a14="http://schemas.microsoft.com/office/drawing/2010/main" Requires="a14">
+      <mc:AlternateContent xmlns:mc="http://schemas.openxmlformats.org/markup-compatibility/2006" xmlns:a14="http://schemas.microsoft.com/office/drawing/2010/main">
+        <mc:Choice Requires="a14">
           <p:sp>
             <p:nvSpPr>
               <p:cNvPr id="12291" name="Rectangle 3"/>
@@ -11771,7 +11696,7 @@
             </p:txBody>
           </p:sp>
         </mc:Choice>
-        <mc:Fallback>
+        <mc:Fallback xmlns="">
           <p:sp>
             <p:nvSpPr>
               <p:cNvPr id="12291" name="Rectangle 3"/>
@@ -11990,6 +11915,13 @@
   <p:clrMapOvr>
     <a:masterClrMapping/>
   </p:clrMapOvr>
+  <p:timing>
+    <p:tnLst>
+      <p:par>
+        <p:cTn id="1" dur="indefinite" restart="never" nodeType="tmRoot"/>
+      </p:par>
+    </p:tnLst>
+  </p:timing>
 </p:sld>
 </file>
 
@@ -12231,6 +12163,13 @@
   <p:clrMapOvr>
     <a:masterClrMapping/>
   </p:clrMapOvr>
+  <p:timing>
+    <p:tnLst>
+      <p:par>
+        <p:cTn id="1" dur="indefinite" restart="never" nodeType="tmRoot"/>
+      </p:par>
+    </p:tnLst>
+  </p:timing>
 </p:sld>
 </file>
 
@@ -12415,6 +12354,13 @@
   <p:clrMapOvr>
     <a:masterClrMapping/>
   </p:clrMapOvr>
+  <p:timing>
+    <p:tnLst>
+      <p:par>
+        <p:cTn id="1" dur="indefinite" restart="never" nodeType="tmRoot"/>
+      </p:par>
+    </p:tnLst>
+  </p:timing>
 </p:sld>
 </file>
 
@@ -12862,6 +12808,13 @@
   <p:clrMapOvr>
     <a:masterClrMapping/>
   </p:clrMapOvr>
+  <p:timing>
+    <p:tnLst>
+      <p:par>
+        <p:cTn id="1" dur="indefinite" restart="never" nodeType="tmRoot"/>
+      </p:par>
+    </p:tnLst>
+  </p:timing>
 </p:sld>
 </file>
 
@@ -13311,6 +13264,13 @@
   <p:clrMapOvr>
     <a:masterClrMapping/>
   </p:clrMapOvr>
+  <p:timing>
+    <p:tnLst>
+      <p:par>
+        <p:cTn id="1" dur="indefinite" restart="never" nodeType="tmRoot"/>
+      </p:par>
+    </p:tnLst>
+  </p:timing>
 </p:sld>
 </file>
 
@@ -13595,6 +13555,13 @@
   <p:clrMapOvr>
     <a:masterClrMapping/>
   </p:clrMapOvr>
+  <p:timing>
+    <p:tnLst>
+      <p:par>
+        <p:cTn id="1" dur="indefinite" restart="never" nodeType="tmRoot"/>
+      </p:par>
+    </p:tnLst>
+  </p:timing>
 </p:sld>
 </file>
 
@@ -13964,6 +13931,13 @@
   <p:clrMapOvr>
     <a:masterClrMapping/>
   </p:clrMapOvr>
+  <p:timing>
+    <p:tnLst>
+      <p:par>
+        <p:cTn id="1" dur="indefinite" restart="never" nodeType="tmRoot"/>
+      </p:par>
+    </p:tnLst>
+  </p:timing>
 </p:sld>
 </file>
 
@@ -14400,6 +14374,13 @@
   <p:clrMapOvr>
     <a:masterClrMapping/>
   </p:clrMapOvr>
+  <p:timing>
+    <p:tnLst>
+      <p:par>
+        <p:cTn id="1" dur="indefinite" restart="never" nodeType="tmRoot"/>
+      </p:par>
+    </p:tnLst>
+  </p:timing>
 </p:sld>
 </file>
 
@@ -14472,124 +14453,8 @@
               <a:buNone/>
             </a:pPr>
             <a:r>
-              <a:rPr lang="en-US" sz="2400" dirty="0" err="1"/>
-              <a:t>Sử</a:t>
-            </a:r>
-            <a:r>
-              <a:rPr lang="en-US" sz="2400" dirty="0"/>
-              <a:t> </a:t>
-            </a:r>
-            <a:r>
-              <a:rPr lang="en-US" sz="2400" dirty="0" err="1"/>
-              <a:t>dụng</a:t>
-            </a:r>
-            <a:r>
-              <a:rPr lang="en-US" sz="2400" dirty="0"/>
-              <a:t> </a:t>
-            </a:r>
-            <a:r>
-              <a:rPr lang="en-US" sz="2400" dirty="0" err="1"/>
-              <a:t>mô</a:t>
-            </a:r>
-            <a:r>
-              <a:rPr lang="en-US" sz="2400" dirty="0"/>
-              <a:t> </a:t>
-            </a:r>
-            <a:r>
-              <a:rPr lang="en-US" sz="2400" dirty="0" err="1"/>
-              <a:t>hình</a:t>
-            </a:r>
-            <a:r>
-              <a:rPr lang="en-US" sz="2400" dirty="0"/>
-              <a:t> unigram </a:t>
-            </a:r>
-            <a:r>
-              <a:rPr lang="en-US" sz="2400" dirty="0" err="1"/>
-              <a:t>và</a:t>
-            </a:r>
-            <a:r>
-              <a:rPr lang="en-US" sz="2400" dirty="0"/>
-              <a:t> </a:t>
-            </a:r>
-            <a:r>
-              <a:rPr lang="en-US" sz="2400" dirty="0" err="1"/>
-              <a:t>phương</a:t>
-            </a:r>
-            <a:r>
-              <a:rPr lang="en-US" sz="2400" dirty="0"/>
-              <a:t> </a:t>
-            </a:r>
-            <a:r>
-              <a:rPr lang="en-US" sz="2400" dirty="0" err="1"/>
-              <a:t>pháp</a:t>
-            </a:r>
-            <a:r>
-              <a:rPr lang="en-US" sz="2400" dirty="0"/>
-              <a:t> </a:t>
-            </a:r>
-            <a:r>
-              <a:rPr lang="en-US" sz="2400" dirty="0" err="1"/>
-              <a:t>ước</a:t>
-            </a:r>
-            <a:r>
-              <a:rPr lang="en-US" sz="2400" dirty="0"/>
-              <a:t> </a:t>
-            </a:r>
-            <a:r>
-              <a:rPr lang="en-US" sz="2400" dirty="0" err="1"/>
-              <a:t>lượng</a:t>
-            </a:r>
-            <a:r>
-              <a:rPr lang="en-US" sz="2400" dirty="0"/>
-              <a:t> </a:t>
-            </a:r>
-            <a:r>
-              <a:rPr lang="en-US" sz="2400" dirty="0" err="1"/>
-              <a:t>xác</a:t>
-            </a:r>
-            <a:r>
-              <a:rPr lang="en-US" sz="2400" dirty="0"/>
-              <a:t> </a:t>
-            </a:r>
-            <a:r>
-              <a:rPr lang="en-US" sz="2400" dirty="0" err="1"/>
-              <a:t>suất</a:t>
-            </a:r>
-            <a:r>
-              <a:rPr lang="en-US" sz="2400" dirty="0"/>
-              <a:t> </a:t>
-            </a:r>
-            <a:r>
-              <a:rPr lang="en-US" sz="2400" dirty="0" err="1"/>
-              <a:t>cực</a:t>
-            </a:r>
-            <a:r>
-              <a:rPr lang="en-US" sz="2400" dirty="0"/>
-              <a:t> </a:t>
-            </a:r>
-            <a:r>
-              <a:rPr lang="en-US" sz="2400" dirty="0" err="1" smtClean="0"/>
-              <a:t>đại</a:t>
-            </a:r>
-            <a:r>
-              <a:rPr lang="en-US" sz="2400" dirty="0" smtClean="0"/>
-              <a:t>, </a:t>
-            </a:r>
-            <a:r>
-              <a:rPr lang="en-US" sz="2400" dirty="0" err="1" smtClean="0"/>
-              <a:t>hãy</a:t>
-            </a:r>
-            <a:r>
-              <a:rPr lang="en-US" sz="2400" dirty="0" smtClean="0"/>
-              <a:t> </a:t>
-            </a:r>
-            <a:r>
-              <a:rPr lang="en-US" sz="2400" dirty="0" err="1" smtClean="0"/>
-              <a:t>xây</a:t>
-            </a:r>
-            <a:r>
-              <a:rPr lang="en-US" sz="2400" dirty="0" smtClean="0"/>
-              <a:t> </a:t>
+              <a:rPr lang="en-US" sz="2400" smtClean="0"/>
+              <a:t>Hãy xây </a:t>
             </a:r>
             <a:r>
               <a:rPr lang="en-US" sz="2400" dirty="0" err="1" smtClean="0"/>
@@ -14648,21 +14513,18 @@
               <a:t> </a:t>
             </a:r>
             <a:r>
-              <a:rPr lang="en-US" sz="2400" dirty="0" err="1" smtClean="0"/>
+              <a:rPr lang="en-US" sz="2400" err="1" smtClean="0"/>
               <a:t>bản</a:t>
             </a:r>
             <a:r>
-              <a:rPr lang="en-US" sz="2400" dirty="0" smtClean="0"/>
-              <a:t> </a:t>
-            </a:r>
-            <a:r>
-              <a:rPr lang="en-US" sz="2400" dirty="0" err="1" smtClean="0"/>
-              <a:t>sau</a:t>
-            </a:r>
-            <a:r>
-              <a:rPr lang="en-US" sz="2400" dirty="0" smtClean="0"/>
-              <a:t>:</a:t>
-            </a:r>
+              <a:rPr lang="en-US" sz="2400" smtClean="0"/>
+              <a:t> </a:t>
+            </a:r>
+            <a:r>
+              <a:rPr lang="en-US" sz="2400" smtClean="0"/>
+              <a:t>sau sử dụng giả thuyết Unigram và MLE:</a:t>
+            </a:r>
+            <a:endParaRPr lang="en-US" sz="2400" dirty="0" smtClean="0"/>
           </a:p>
           <a:p>
             <a:pPr eaLnBrk="1" hangingPunct="1"/>
@@ -14690,15 +14552,31 @@
             </a:r>
             <a:r>
               <a:rPr lang="en-US" sz="2400" dirty="0" smtClean="0"/>
-              <a:t> pop sensation </a:t>
-            </a:r>
-            <a:r>
-              <a:rPr lang="en-US" sz="2400" dirty="0" err="1" smtClean="0"/>
-              <a:t>ricky</a:t>
+              <a:t> pop </a:t>
+            </a:r>
+            <a:r>
+              <a:rPr lang="en-US" sz="2400" smtClean="0"/>
+              <a:t>sensation </a:t>
+            </a:r>
+            <a:r>
+              <a:rPr lang="en-US" sz="2400" err="1"/>
+              <a:t>R</a:t>
+            </a:r>
+            <a:r>
+              <a:rPr lang="en-US" sz="2400" smtClean="0"/>
+              <a:t>icky </a:t>
+            </a:r>
+            <a:r>
+              <a:rPr lang="en-US" sz="2400" dirty="0"/>
+              <a:t>M</a:t>
+            </a:r>
+            <a:r>
+              <a:rPr lang="en-US" sz="2400" smtClean="0"/>
+              <a:t>artin</a:t>
             </a:r>
             <a:r>
               <a:rPr lang="en-US" sz="2400" dirty="0" smtClean="0"/>
-              <a:t> martin”</a:t>
+              <a:t>”</a:t>
             </a:r>
           </a:p>
         </p:txBody>
@@ -14742,6 +14620,13 @@
   <p:clrMapOvr>
     <a:masterClrMapping/>
   </p:clrMapOvr>
+  <p:timing>
+    <p:tnLst>
+      <p:par>
+        <p:cTn id="1" dur="indefinite" restart="never" nodeType="tmRoot"/>
+      </p:par>
+    </p:tnLst>
+  </p:timing>
 </p:sld>
 </file>
 
@@ -14891,6 +14776,13 @@
   <p:clrMapOvr>
     <a:masterClrMapping/>
   </p:clrMapOvr>
+  <p:timing>
+    <p:tnLst>
+      <p:par>
+        <p:cTn id="1" dur="indefinite" restart="never" nodeType="tmRoot"/>
+      </p:par>
+    </p:tnLst>
+  </p:timing>
 </p:sld>
 </file>
 
@@ -15197,11 +15089,7 @@
             </a:r>
             <a:r>
               <a:rPr lang="vi-VN" sz="3600" dirty="0" smtClean="0"/>
-              <a:t>inh dựa </a:t>
-            </a:r>
-            <a:r>
-              <a:rPr lang="vi-VN" sz="3600" dirty="0" smtClean="0"/>
-              <a:t>trên máy trạng thái hữu hạn</a:t>
+              <a:t>inh dựa trên máy trạng thái hữu hạn</a:t>
             </a:r>
           </a:p>
         </p:txBody>
@@ -15285,11 +15173,7 @@
             </a:r>
             <a:r>
               <a:rPr lang="en-US" sz="2000" dirty="0" err="1" smtClean="0"/>
-              <a:t>m</a:t>
-            </a:r>
-            <a:r>
-              <a:rPr lang="en-US" sz="2000" dirty="0" err="1" smtClean="0"/>
-              <a:t>ỗi</a:t>
+              <a:t>mỗi</a:t>
             </a:r>
             <a:r>
               <a:rPr lang="en-US" sz="2000" dirty="0" smtClean="0"/>
@@ -15735,15 +15619,7 @@
             <a:pPr eaLnBrk="1" hangingPunct="1"/>
             <a:r>
               <a:rPr lang="vi-VN" sz="2000" dirty="0" smtClean="0"/>
-              <a:t>Ví </a:t>
-            </a:r>
-            <a:r>
-              <a:rPr lang="vi-VN" sz="2000" dirty="0" smtClean="0"/>
-              <a:t>dụ máy trạng thái hữu </a:t>
-            </a:r>
-            <a:r>
-              <a:rPr lang="vi-VN" sz="2000" dirty="0" smtClean="0"/>
-              <a:t>hạn</a:t>
+              <a:t>Ví dụ máy trạng thái hữu hạn</a:t>
             </a:r>
             <a:r>
               <a:rPr lang="en-US" sz="2000" dirty="0" smtClean="0"/>
@@ -15807,11 +15683,7 @@
             <a:pPr lvl="1" eaLnBrk="1" hangingPunct="1"/>
             <a:r>
               <a:rPr lang="vi-VN" sz="1800" dirty="0" smtClean="0"/>
-              <a:t>Có </a:t>
-            </a:r>
-            <a:r>
-              <a:rPr lang="vi-VN" sz="1800" dirty="0" smtClean="0"/>
-              <a:t>thể sinh các văn bản: I</a:t>
+              <a:t>Có thể sinh các văn bản: I</a:t>
             </a:r>
             <a:r>
               <a:rPr lang="vi-VN" sz="1800" dirty="0" smtClean="0">
@@ -15994,15 +15866,7 @@
                   <a:schemeClr val="tx2"/>
                 </a:solidFill>
               </a:rPr>
-              <a:t>Máy </a:t>
-            </a:r>
-            <a:r>
-              <a:rPr lang="vi-VN" sz="2000" b="0" dirty="0" smtClean="0">
-                <a:solidFill>
-                  <a:schemeClr val="tx2"/>
-                </a:solidFill>
-              </a:rPr>
-              <a:t>trạng thái hữu hạn: finite automaton</a:t>
+              <a:t>Máy trạng thái hữu hạn: finite automaton</a:t>
             </a:r>
             <a:endParaRPr lang="vi-VN" sz="2000" b="0" dirty="0">
               <a:solidFill>
@@ -16017,6 +15881,13 @@
   <p:clrMapOvr>
     <a:masterClrMapping/>
   </p:clrMapOvr>
+  <p:timing>
+    <p:tnLst>
+      <p:par>
+        <p:cTn id="1" dur="indefinite" restart="never" nodeType="tmRoot"/>
+      </p:par>
+    </p:tnLst>
+  </p:timing>
 </p:sld>
 </file>
 
@@ -16949,7 +16820,6 @@
               <a:rPr lang="en-US" sz="2000" b="0" dirty="0" smtClean="0"/>
               <a:t>.</a:t>
             </a:r>
-            <a:endParaRPr lang="en-US" sz="2000" b="0" dirty="0" smtClean="0"/>
           </a:p>
         </p:txBody>
       </p:sp>
@@ -16958,6 +16828,13 @@
   <p:clrMapOvr>
     <a:masterClrMapping/>
   </p:clrMapOvr>
+  <p:timing>
+    <p:tnLst>
+      <p:par>
+        <p:cTn id="1" dur="indefinite" restart="never" nodeType="tmRoot"/>
+      </p:par>
+    </p:tnLst>
+  </p:timing>
 </p:sld>
 </file>
 
@@ -17245,11 +17122,6 @@
               </a:rPr>
               <a:t>:</a:t>
             </a:r>
-            <a:endParaRPr lang="en-US" sz="2000" dirty="0" smtClean="0">
-              <a:solidFill>
-                <a:srgbClr val="000000"/>
-              </a:solidFill>
-            </a:endParaRPr>
           </a:p>
           <a:p>
             <a:pPr marL="0" indent="0" eaLnBrk="1" hangingPunct="1">
@@ -17271,15 +17143,7 @@
                   <a:srgbClr val="000000"/>
                 </a:solidFill>
               </a:rPr>
-              <a:t>(string</a:t>
-            </a:r>
-            <a:r>
-              <a:rPr lang="en-US" sz="2000" dirty="0" smtClean="0">
-                <a:solidFill>
-                  <a:srgbClr val="000000"/>
-                </a:solidFill>
-              </a:rPr>
-              <a:t>) = 0.01 x 0.03 x 0.04 x 0.01 x 0.02 x 0.01 x 0.2 = 0.0000000000048</a:t>
+              <a:t>(string) = 0.01 x 0.03 x 0.04 x 0.01 x 0.02 x 0.01 x 0.2 = 0.0000000000048</a:t>
             </a:r>
           </a:p>
           <a:p>
@@ -17546,6 +17410,13 @@
   <p:clrMapOvr>
     <a:masterClrMapping/>
   </p:clrMapOvr>
+  <p:timing>
+    <p:tnLst>
+      <p:par>
+        <p:cTn id="1" dur="indefinite" restart="never" nodeType="tmRoot"/>
+      </p:par>
+    </p:tnLst>
+  </p:timing>
 </p:sld>
 </file>
 
@@ -18079,6 +17950,13 @@
   <p:clrMapOvr>
     <a:masterClrMapping/>
   </p:clrMapOvr>
+  <p:timing>
+    <p:tnLst>
+      <p:par>
+        <p:cTn id="1" dur="indefinite" restart="never" nodeType="tmRoot"/>
+      </p:par>
+    </p:tnLst>
+  </p:timing>
 </p:sld>
 </file>
 
@@ -18463,6 +18341,13 @@
   <p:clrMapOvr>
     <a:masterClrMapping/>
   </p:clrMapOvr>
+  <p:timing>
+    <p:tnLst>
+      <p:par>
+        <p:cTn id="1" dur="indefinite" restart="never" nodeType="tmRoot"/>
+      </p:par>
+    </p:tnLst>
+  </p:timing>
 </p:sld>
 </file>
 
@@ -18786,6 +18671,13 @@
   <p:clrMapOvr>
     <a:masterClrMapping/>
   </p:clrMapOvr>
+  <p:timing>
+    <p:tnLst>
+      <p:par>
+        <p:cTn id="1" dur="indefinite" restart="never" nodeType="tmRoot"/>
+      </p:par>
+    </p:tnLst>
+  </p:timing>
 </p:sld>
 </file>
 
@@ -19380,7 +19272,7 @@
   </a:extraClrSchemeLst>
   <a:extLst>
     <a:ext uri="{05A4C25C-085E-4340-85A3-A5531E510DB2}">
-      <thm15:themeFamily xmlns="" xmlns:thm15="http://schemas.microsoft.com/office/thememl/2012/main" name="Office Theme" id="{62F939B6-93AF-4DB8-9C6B-D6C7DFDC589F}" vid="{4A3C46E8-61CC-4603-A589-7422A47A8E4A}"/>
+      <thm15:themeFamily xmlns:thm15="http://schemas.microsoft.com/office/thememl/2012/main" xmlns="" name="Office Theme" id="{62F939B6-93AF-4DB8-9C6B-D6C7DFDC589F}" vid="{4A3C46E8-61CC-4603-A589-7422A47A8E4A}"/>
     </a:ext>
   </a:extLst>
 </a:theme>
@@ -19641,7 +19533,7 @@
   <a:extraClrSchemeLst/>
   <a:extLst>
     <a:ext uri="{05A4C25C-085E-4340-85A3-A5531E510DB2}">
-      <thm15:themeFamily xmlns="" xmlns:thm15="http://schemas.microsoft.com/office/thememl/2012/main" name="Office Theme" id="{62F939B6-93AF-4DB8-9C6B-D6C7DFDC589F}" vid="{4A3C46E8-61CC-4603-A589-7422A47A8E4A}"/>
+      <thm15:themeFamily xmlns:thm15="http://schemas.microsoft.com/office/thememl/2012/main" xmlns="" name="Office Theme" id="{62F939B6-93AF-4DB8-9C6B-D6C7DFDC589F}" vid="{4A3C46E8-61CC-4603-A589-7422A47A8E4A}"/>
     </a:ext>
   </a:extLst>
 </a:theme>

--- a/Bài 6 Mô hình ngôn ngữ.pptx
+++ b/Bài 6 Mô hình ngôn ngữ.pptx
@@ -5,7 +5,7 @@
     <p:sldMasterId id="2147483652" r:id="rId1"/>
   </p:sldMasterIdLst>
   <p:notesMasterIdLst>
-    <p:notesMasterId r:id="rId28"/>
+    <p:notesMasterId r:id="rId29"/>
   </p:notesMasterIdLst>
   <p:sldIdLst>
     <p:sldId id="313" r:id="rId2"/>
@@ -33,7 +33,8 @@
     <p:sldId id="421" r:id="rId24"/>
     <p:sldId id="431" r:id="rId25"/>
     <p:sldId id="434" r:id="rId26"/>
-    <p:sldId id="418" r:id="rId27"/>
+    <p:sldId id="436" r:id="rId27"/>
+    <p:sldId id="418" r:id="rId28"/>
   </p:sldIdLst>
   <p:sldSz cx="9144000" cy="6858000" type="screen4x3"/>
   <p:notesSz cx="6858000" cy="9144000"/>
@@ -164,7 +165,7 @@
   </p:defaultTextStyle>
   <p:extLst>
     <p:ext uri="{EFAFB233-063F-42B5-8137-9DF3F51BA10A}">
-      <p15:sldGuideLst xmlns:p15="http://schemas.microsoft.com/office/powerpoint/2012/main" xmlns="">
+      <p15:sldGuideLst xmlns="" xmlns:p15="http://schemas.microsoft.com/office/powerpoint/2012/main">
         <p15:guide id="1" orient="horz" pos="2160">
           <p15:clr>
             <a:srgbClr val="A4A3A4"/>
@@ -14518,11 +14519,7 @@
             </a:r>
             <a:r>
               <a:rPr lang="en-US" sz="2400" smtClean="0"/>
-              <a:t> </a:t>
-            </a:r>
-            <a:r>
-              <a:rPr lang="en-US" sz="2400" smtClean="0"/>
-              <a:t>sau sử dụng giả thuyết Unigram và MLE:</a:t>
+              <a:t> sau sử dụng giả thuyết Unigram và MLE:</a:t>
             </a:r>
             <a:endParaRPr lang="en-US" sz="2400" dirty="0" smtClean="0"/>
           </a:p>
@@ -14805,6 +14802,749 @@
       </p:grpSpPr>
       <p:sp>
         <p:nvSpPr>
+          <p:cNvPr id="16386" name="Rectangle 2"/>
+          <p:cNvSpPr>
+            <a:spLocks noGrp="1" noChangeArrowheads="1"/>
+          </p:cNvSpPr>
+          <p:nvPr>
+            <p:ph type="title"/>
+          </p:nvPr>
+        </p:nvSpPr>
+        <p:spPr/>
+        <p:txBody>
+          <a:bodyPr/>
+          <a:lstStyle/>
+          <a:p>
+            <a:pPr eaLnBrk="1" hangingPunct="1"/>
+            <a:r>
+              <a:rPr lang="en-US" sz="3600" err="1" smtClean="0"/>
+              <a:t>Bài</a:t>
+            </a:r>
+            <a:r>
+              <a:rPr lang="en-US" sz="3600" smtClean="0"/>
+              <a:t> tập </a:t>
+            </a:r>
+            <a:r>
+              <a:rPr lang="en-US" sz="3600" smtClean="0"/>
+              <a:t>6.3</a:t>
+            </a:r>
+            <a:endParaRPr lang="vi-VN" sz="3600" dirty="0" smtClean="0"/>
+          </a:p>
+        </p:txBody>
+      </p:sp>
+      <p:sp>
+        <p:nvSpPr>
+          <p:cNvPr id="16387" name="Rectangle 3"/>
+          <p:cNvSpPr>
+            <a:spLocks noGrp="1" noChangeArrowheads="1"/>
+          </p:cNvSpPr>
+          <p:nvPr>
+            <p:ph type="body" idx="1"/>
+          </p:nvPr>
+        </p:nvSpPr>
+        <p:spPr>
+          <a:xfrm>
+            <a:off x="611560" y="2017713"/>
+            <a:ext cx="8343528" cy="547191"/>
+          </a:xfrm>
+        </p:spPr>
+        <p:txBody>
+          <a:bodyPr/>
+          <a:lstStyle/>
+          <a:p>
+            <a:pPr marL="0" indent="0" algn="just" eaLnBrk="1" hangingPunct="1">
+              <a:buNone/>
+            </a:pPr>
+            <a:r>
+              <a:rPr lang="en-US" sz="2400" smtClean="0"/>
+              <a:t>Cho bộ dữ liệu văn bản:</a:t>
+            </a:r>
+            <a:endParaRPr lang="en-US" sz="2000" dirty="0" smtClean="0"/>
+          </a:p>
+        </p:txBody>
+      </p:sp>
+      <p:sp>
+        <p:nvSpPr>
+          <p:cNvPr id="2" name="Slide Number Placeholder 1"/>
+          <p:cNvSpPr>
+            <a:spLocks noGrp="1"/>
+          </p:cNvSpPr>
+          <p:nvPr>
+            <p:ph type="sldNum" sz="quarter" idx="12"/>
+          </p:nvPr>
+        </p:nvSpPr>
+        <p:spPr/>
+        <p:txBody>
+          <a:bodyPr/>
+          <a:lstStyle/>
+          <a:p>
+            <a:pPr>
+              <a:defRPr/>
+            </a:pPr>
+            <a:fld id="{18D75DDA-CB64-4086-83FF-BB38D2754AC9}" type="slidenum">
+              <a:rPr lang="vi-VN" smtClean="0"/>
+              <a:pPr>
+                <a:defRPr/>
+              </a:pPr>
+              <a:t>26</a:t>
+            </a:fld>
+            <a:endParaRPr lang="vi-VN"/>
+          </a:p>
+        </p:txBody>
+      </p:sp>
+      <p:pic>
+        <p:nvPicPr>
+          <p:cNvPr id="1026" name="Picture 2"/>
+          <p:cNvPicPr>
+            <a:picLocks noChangeAspect="1" noChangeArrowheads="1"/>
+          </p:cNvPicPr>
+          <p:nvPr/>
+        </p:nvPicPr>
+        <p:blipFill>
+          <a:blip r:embed="rId2">
+            <a:extLst>
+              <a:ext uri="{28A0092B-C50C-407E-A947-70E740481C1C}">
+                <a14:useLocalDpi xmlns:a14="http://schemas.microsoft.com/office/drawing/2010/main" val="0"/>
+              </a:ext>
+            </a:extLst>
+          </a:blip>
+          <a:srcRect/>
+          <a:stretch>
+            <a:fillRect/>
+          </a:stretch>
+        </p:blipFill>
+        <p:spPr bwMode="auto">
+          <a:xfrm>
+            <a:off x="1228725" y="2476500"/>
+            <a:ext cx="5112512" cy="1456556"/>
+          </a:xfrm>
+          <a:prstGeom prst="rect">
+            <a:avLst/>
+          </a:prstGeom>
+          <a:noFill/>
+          <a:ln>
+            <a:noFill/>
+          </a:ln>
+          <a:extLst>
+            <a:ext uri="{909E8E84-426E-40DD-AFC4-6F175D3DCCD1}">
+              <a14:hiddenFill xmlns:a14="http://schemas.microsoft.com/office/drawing/2010/main">
+                <a:solidFill>
+                  <a:schemeClr val="accent1"/>
+                </a:solidFill>
+              </a14:hiddenFill>
+            </a:ext>
+            <a:ext uri="{91240B29-F687-4F45-9708-019B960494DF}">
+              <a14:hiddenLine xmlns:a14="http://schemas.microsoft.com/office/drawing/2010/main" w="9525">
+                <a:solidFill>
+                  <a:schemeClr val="tx1"/>
+                </a:solidFill>
+                <a:miter lim="800000"/>
+                <a:headEnd/>
+                <a:tailEnd/>
+              </a14:hiddenLine>
+            </a:ext>
+          </a:extLst>
+        </p:spPr>
+      </p:pic>
+      <p:sp>
+        <p:nvSpPr>
+          <p:cNvPr id="6" name="Rectangle 3"/>
+          <p:cNvSpPr txBox="1">
+            <a:spLocks noChangeArrowheads="1"/>
+          </p:cNvSpPr>
+          <p:nvPr/>
+        </p:nvSpPr>
+        <p:spPr bwMode="auto">
+          <a:xfrm>
+            <a:off x="611560" y="3933056"/>
+            <a:ext cx="8343528" cy="792088"/>
+          </a:xfrm>
+          <a:prstGeom prst="rect">
+            <a:avLst/>
+          </a:prstGeom>
+          <a:noFill/>
+          <a:ln>
+            <a:noFill/>
+          </a:ln>
+          <a:effectLst/>
+          <a:extLst>
+            <a:ext uri="{909E8E84-426E-40DD-AFC4-6F175D3DCCD1}">
+              <a14:hiddenFill xmlns:a14="http://schemas.microsoft.com/office/drawing/2010/main">
+                <a:solidFill>
+                  <a:schemeClr val="accent1"/>
+                </a:solidFill>
+              </a14:hiddenFill>
+            </a:ext>
+            <a:ext uri="{91240B29-F687-4F45-9708-019B960494DF}">
+              <a14:hiddenLine xmlns:a14="http://schemas.microsoft.com/office/drawing/2010/main" w="9525">
+                <a:solidFill>
+                  <a:schemeClr val="tx1"/>
+                </a:solidFill>
+                <a:miter lim="800000"/>
+                <a:headEnd/>
+                <a:tailEnd/>
+              </a14:hiddenLine>
+            </a:ext>
+            <a:ext uri="{AF507438-7753-43E0-B8FC-AC1667EBCBE1}">
+              <a14:hiddenEffects xmlns:a14="http://schemas.microsoft.com/office/drawing/2010/main">
+                <a:effectLst>
+                  <a:outerShdw dist="35921" dir="2700000" algn="ctr" rotWithShape="0">
+                    <a:schemeClr val="bg2"/>
+                  </a:outerShdw>
+                </a:effectLst>
+              </a14:hiddenEffects>
+            </a:ext>
+          </a:extLst>
+        </p:spPr>
+        <p:txBody>
+          <a:bodyPr vert="horz" wrap="square" lIns="91440" tIns="45720" rIns="91440" bIns="45720" numCol="1" anchor="t" anchorCtr="0" compatLnSpc="1">
+            <a:prstTxWarp prst="textNoShape">
+              <a:avLst/>
+            </a:prstTxWarp>
+          </a:bodyPr>
+          <a:lstStyle>
+            <a:lvl1pPr marL="342900" indent="-342900" algn="l" rtl="0" eaLnBrk="0" fontAlgn="base" hangingPunct="0">
+              <a:spcBef>
+                <a:spcPct val="20000"/>
+              </a:spcBef>
+              <a:spcAft>
+                <a:spcPct val="0"/>
+              </a:spcAft>
+              <a:buClr>
+                <a:schemeClr val="folHlink"/>
+              </a:buClr>
+              <a:buSzPct val="60000"/>
+              <a:buFont typeface="Wingdings" panose="05000000000000000000" pitchFamily="2" charset="2"/>
+              <a:buChar char="n"/>
+              <a:defRPr sz="3200" kern="1200">
+                <a:solidFill>
+                  <a:schemeClr val="tx1"/>
+                </a:solidFill>
+                <a:latin typeface="+mn-lt"/>
+                <a:ea typeface="+mn-ea"/>
+                <a:cs typeface="+mn-cs"/>
+              </a:defRPr>
+            </a:lvl1pPr>
+            <a:lvl2pPr marL="742950" indent="-285750" algn="l" rtl="0" eaLnBrk="0" fontAlgn="base" hangingPunct="0">
+              <a:spcBef>
+                <a:spcPct val="20000"/>
+              </a:spcBef>
+              <a:spcAft>
+                <a:spcPct val="0"/>
+              </a:spcAft>
+              <a:buClr>
+                <a:schemeClr val="hlink"/>
+              </a:buClr>
+              <a:buSzPct val="55000"/>
+              <a:buFont typeface="Wingdings" panose="05000000000000000000" pitchFamily="2" charset="2"/>
+              <a:buChar char="n"/>
+              <a:defRPr sz="2800" kern="1200">
+                <a:solidFill>
+                  <a:schemeClr val="tx1"/>
+                </a:solidFill>
+                <a:latin typeface="+mn-lt"/>
+                <a:ea typeface="+mn-ea"/>
+                <a:cs typeface="+mn-cs"/>
+              </a:defRPr>
+            </a:lvl2pPr>
+            <a:lvl3pPr marL="1143000" indent="-228600" algn="l" rtl="0" eaLnBrk="0" fontAlgn="base" hangingPunct="0">
+              <a:spcBef>
+                <a:spcPct val="20000"/>
+              </a:spcBef>
+              <a:spcAft>
+                <a:spcPct val="0"/>
+              </a:spcAft>
+              <a:buClr>
+                <a:schemeClr val="folHlink"/>
+              </a:buClr>
+              <a:buSzPct val="50000"/>
+              <a:buFont typeface="Wingdings" panose="05000000000000000000" pitchFamily="2" charset="2"/>
+              <a:buChar char="n"/>
+              <a:defRPr sz="2400" kern="1200">
+                <a:solidFill>
+                  <a:schemeClr val="tx1"/>
+                </a:solidFill>
+                <a:latin typeface="+mn-lt"/>
+                <a:ea typeface="+mn-ea"/>
+                <a:cs typeface="+mn-cs"/>
+              </a:defRPr>
+            </a:lvl3pPr>
+            <a:lvl4pPr marL="1600200" indent="-228600" algn="l" rtl="0" eaLnBrk="0" fontAlgn="base" hangingPunct="0">
+              <a:spcBef>
+                <a:spcPct val="20000"/>
+              </a:spcBef>
+              <a:spcAft>
+                <a:spcPct val="0"/>
+              </a:spcAft>
+              <a:buClr>
+                <a:schemeClr val="accent2"/>
+              </a:buClr>
+              <a:buSzPct val="55000"/>
+              <a:buFont typeface="Wingdings" panose="05000000000000000000" pitchFamily="2" charset="2"/>
+              <a:buChar char="n"/>
+              <a:defRPr sz="2000" kern="1200">
+                <a:solidFill>
+                  <a:schemeClr val="tx1"/>
+                </a:solidFill>
+                <a:latin typeface="+mn-lt"/>
+                <a:ea typeface="+mn-ea"/>
+                <a:cs typeface="+mn-cs"/>
+              </a:defRPr>
+            </a:lvl4pPr>
+            <a:lvl5pPr marL="2057400" indent="-228600" algn="l" rtl="0" eaLnBrk="0" fontAlgn="base" hangingPunct="0">
+              <a:spcBef>
+                <a:spcPct val="20000"/>
+              </a:spcBef>
+              <a:spcAft>
+                <a:spcPct val="0"/>
+              </a:spcAft>
+              <a:buClr>
+                <a:schemeClr val="accent1"/>
+              </a:buClr>
+              <a:buSzPct val="50000"/>
+              <a:buFont typeface="Wingdings" panose="05000000000000000000" pitchFamily="2" charset="2"/>
+              <a:buChar char="n"/>
+              <a:defRPr sz="2000" kern="1200">
+                <a:solidFill>
+                  <a:schemeClr val="tx1"/>
+                </a:solidFill>
+                <a:latin typeface="+mn-lt"/>
+                <a:ea typeface="+mn-ea"/>
+                <a:cs typeface="+mn-cs"/>
+              </a:defRPr>
+            </a:lvl5pPr>
+            <a:lvl6pPr marL="2514600" indent="-228600" algn="l" defTabSz="914400" rtl="0" eaLnBrk="1" latinLnBrk="0" hangingPunct="1">
+              <a:lnSpc>
+                <a:spcPct val="90000"/>
+              </a:lnSpc>
+              <a:spcBef>
+                <a:spcPts val="500"/>
+              </a:spcBef>
+              <a:buFont typeface="Arial" panose="020B0604020202020204" pitchFamily="34" charset="0"/>
+              <a:buChar char="•"/>
+              <a:defRPr sz="1800" kern="1200">
+                <a:solidFill>
+                  <a:schemeClr val="tx1"/>
+                </a:solidFill>
+                <a:latin typeface="+mn-lt"/>
+                <a:ea typeface="+mn-ea"/>
+                <a:cs typeface="+mn-cs"/>
+              </a:defRPr>
+            </a:lvl6pPr>
+            <a:lvl7pPr marL="2971800" indent="-228600" algn="l" defTabSz="914400" rtl="0" eaLnBrk="1" latinLnBrk="0" hangingPunct="1">
+              <a:lnSpc>
+                <a:spcPct val="90000"/>
+              </a:lnSpc>
+              <a:spcBef>
+                <a:spcPts val="500"/>
+              </a:spcBef>
+              <a:buFont typeface="Arial" panose="020B0604020202020204" pitchFamily="34" charset="0"/>
+              <a:buChar char="•"/>
+              <a:defRPr sz="1800" kern="1200">
+                <a:solidFill>
+                  <a:schemeClr val="tx1"/>
+                </a:solidFill>
+                <a:latin typeface="+mn-lt"/>
+                <a:ea typeface="+mn-ea"/>
+                <a:cs typeface="+mn-cs"/>
+              </a:defRPr>
+            </a:lvl7pPr>
+            <a:lvl8pPr marL="3429000" indent="-228600" algn="l" defTabSz="914400" rtl="0" eaLnBrk="1" latinLnBrk="0" hangingPunct="1">
+              <a:lnSpc>
+                <a:spcPct val="90000"/>
+              </a:lnSpc>
+              <a:spcBef>
+                <a:spcPts val="500"/>
+              </a:spcBef>
+              <a:buFont typeface="Arial" panose="020B0604020202020204" pitchFamily="34" charset="0"/>
+              <a:buChar char="•"/>
+              <a:defRPr sz="1800" kern="1200">
+                <a:solidFill>
+                  <a:schemeClr val="tx1"/>
+                </a:solidFill>
+                <a:latin typeface="+mn-lt"/>
+                <a:ea typeface="+mn-ea"/>
+                <a:cs typeface="+mn-cs"/>
+              </a:defRPr>
+            </a:lvl8pPr>
+            <a:lvl9pPr marL="3886200" indent="-228600" algn="l" defTabSz="914400" rtl="0" eaLnBrk="1" latinLnBrk="0" hangingPunct="1">
+              <a:lnSpc>
+                <a:spcPct val="90000"/>
+              </a:lnSpc>
+              <a:spcBef>
+                <a:spcPts val="500"/>
+              </a:spcBef>
+              <a:buFont typeface="Arial" panose="020B0604020202020204" pitchFamily="34" charset="0"/>
+              <a:buChar char="•"/>
+              <a:defRPr sz="1800" kern="1200">
+                <a:solidFill>
+                  <a:schemeClr val="tx1"/>
+                </a:solidFill>
+                <a:latin typeface="+mn-lt"/>
+                <a:ea typeface="+mn-ea"/>
+                <a:cs typeface="+mn-cs"/>
+              </a:defRPr>
+            </a:lvl9pPr>
+          </a:lstStyle>
+          <a:p>
+            <a:pPr marL="0" indent="0" algn="just" eaLnBrk="1" hangingPunct="1">
+              <a:buFont typeface="Wingdings" panose="05000000000000000000" pitchFamily="2" charset="2"/>
+              <a:buNone/>
+            </a:pPr>
+            <a:r>
+              <a:rPr lang="en-US" sz="2400" b="0" smtClean="0"/>
+              <a:t>Cho hệ số làm mịn = 0.5, hãy điền vảo bảng phân bố xác suất sau:</a:t>
+            </a:r>
+            <a:endParaRPr lang="en-US" sz="2000" b="0" dirty="0" smtClean="0"/>
+          </a:p>
+        </p:txBody>
+      </p:sp>
+      <p:pic>
+        <p:nvPicPr>
+          <p:cNvPr id="1027" name="Picture 3"/>
+          <p:cNvPicPr>
+            <a:picLocks noChangeAspect="1" noChangeArrowheads="1"/>
+          </p:cNvPicPr>
+          <p:nvPr/>
+        </p:nvPicPr>
+        <p:blipFill>
+          <a:blip r:embed="rId3">
+            <a:extLst>
+              <a:ext uri="{28A0092B-C50C-407E-A947-70E740481C1C}">
+                <a14:useLocalDpi xmlns:a14="http://schemas.microsoft.com/office/drawing/2010/main" val="0"/>
+              </a:ext>
+            </a:extLst>
+          </a:blip>
+          <a:srcRect/>
+          <a:stretch>
+            <a:fillRect/>
+          </a:stretch>
+        </p:blipFill>
+        <p:spPr bwMode="auto">
+          <a:xfrm>
+            <a:off x="1228725" y="4725144"/>
+            <a:ext cx="4855443" cy="1235931"/>
+          </a:xfrm>
+          <a:prstGeom prst="rect">
+            <a:avLst/>
+          </a:prstGeom>
+          <a:noFill/>
+          <a:ln>
+            <a:noFill/>
+          </a:ln>
+          <a:extLst>
+            <a:ext uri="{909E8E84-426E-40DD-AFC4-6F175D3DCCD1}">
+              <a14:hiddenFill xmlns:a14="http://schemas.microsoft.com/office/drawing/2010/main">
+                <a:solidFill>
+                  <a:schemeClr val="accent1"/>
+                </a:solidFill>
+              </a14:hiddenFill>
+            </a:ext>
+            <a:ext uri="{91240B29-F687-4F45-9708-019B960494DF}">
+              <a14:hiddenLine xmlns:a14="http://schemas.microsoft.com/office/drawing/2010/main" w="9525">
+                <a:solidFill>
+                  <a:schemeClr val="tx1"/>
+                </a:solidFill>
+                <a:miter lim="800000"/>
+                <a:headEnd/>
+                <a:tailEnd/>
+              </a14:hiddenLine>
+            </a:ext>
+          </a:extLst>
+        </p:spPr>
+      </p:pic>
+      <p:sp>
+        <p:nvSpPr>
+          <p:cNvPr id="8" name="Rectangle 3"/>
+          <p:cNvSpPr txBox="1">
+            <a:spLocks noChangeArrowheads="1"/>
+          </p:cNvSpPr>
+          <p:nvPr/>
+        </p:nvSpPr>
+        <p:spPr bwMode="auto">
+          <a:xfrm>
+            <a:off x="611560" y="5961075"/>
+            <a:ext cx="8343528" cy="792088"/>
+          </a:xfrm>
+          <a:prstGeom prst="rect">
+            <a:avLst/>
+          </a:prstGeom>
+          <a:noFill/>
+          <a:ln>
+            <a:noFill/>
+          </a:ln>
+          <a:effectLst/>
+          <a:extLst>
+            <a:ext uri="{909E8E84-426E-40DD-AFC4-6F175D3DCCD1}">
+              <a14:hiddenFill xmlns:a14="http://schemas.microsoft.com/office/drawing/2010/main">
+                <a:solidFill>
+                  <a:schemeClr val="accent1"/>
+                </a:solidFill>
+              </a14:hiddenFill>
+            </a:ext>
+            <a:ext uri="{91240B29-F687-4F45-9708-019B960494DF}">
+              <a14:hiddenLine xmlns:a14="http://schemas.microsoft.com/office/drawing/2010/main" w="9525">
+                <a:solidFill>
+                  <a:schemeClr val="tx1"/>
+                </a:solidFill>
+                <a:miter lim="800000"/>
+                <a:headEnd/>
+                <a:tailEnd/>
+              </a14:hiddenLine>
+            </a:ext>
+            <a:ext uri="{AF507438-7753-43E0-B8FC-AC1667EBCBE1}">
+              <a14:hiddenEffects xmlns:a14="http://schemas.microsoft.com/office/drawing/2010/main">
+                <a:effectLst>
+                  <a:outerShdw dist="35921" dir="2700000" algn="ctr" rotWithShape="0">
+                    <a:schemeClr val="bg2"/>
+                  </a:outerShdw>
+                </a:effectLst>
+              </a14:hiddenEffects>
+            </a:ext>
+          </a:extLst>
+        </p:spPr>
+        <p:txBody>
+          <a:bodyPr vert="horz" wrap="square" lIns="91440" tIns="45720" rIns="91440" bIns="45720" numCol="1" anchor="t" anchorCtr="0" compatLnSpc="1">
+            <a:prstTxWarp prst="textNoShape">
+              <a:avLst/>
+            </a:prstTxWarp>
+          </a:bodyPr>
+          <a:lstStyle>
+            <a:lvl1pPr marL="342900" indent="-342900" algn="l" rtl="0" eaLnBrk="0" fontAlgn="base" hangingPunct="0">
+              <a:spcBef>
+                <a:spcPct val="20000"/>
+              </a:spcBef>
+              <a:spcAft>
+                <a:spcPct val="0"/>
+              </a:spcAft>
+              <a:buClr>
+                <a:schemeClr val="folHlink"/>
+              </a:buClr>
+              <a:buSzPct val="60000"/>
+              <a:buFont typeface="Wingdings" panose="05000000000000000000" pitchFamily="2" charset="2"/>
+              <a:buChar char="n"/>
+              <a:defRPr sz="3200" kern="1200">
+                <a:solidFill>
+                  <a:schemeClr val="tx1"/>
+                </a:solidFill>
+                <a:latin typeface="+mn-lt"/>
+                <a:ea typeface="+mn-ea"/>
+                <a:cs typeface="+mn-cs"/>
+              </a:defRPr>
+            </a:lvl1pPr>
+            <a:lvl2pPr marL="742950" indent="-285750" algn="l" rtl="0" eaLnBrk="0" fontAlgn="base" hangingPunct="0">
+              <a:spcBef>
+                <a:spcPct val="20000"/>
+              </a:spcBef>
+              <a:spcAft>
+                <a:spcPct val="0"/>
+              </a:spcAft>
+              <a:buClr>
+                <a:schemeClr val="hlink"/>
+              </a:buClr>
+              <a:buSzPct val="55000"/>
+              <a:buFont typeface="Wingdings" panose="05000000000000000000" pitchFamily="2" charset="2"/>
+              <a:buChar char="n"/>
+              <a:defRPr sz="2800" kern="1200">
+                <a:solidFill>
+                  <a:schemeClr val="tx1"/>
+                </a:solidFill>
+                <a:latin typeface="+mn-lt"/>
+                <a:ea typeface="+mn-ea"/>
+                <a:cs typeface="+mn-cs"/>
+              </a:defRPr>
+            </a:lvl2pPr>
+            <a:lvl3pPr marL="1143000" indent="-228600" algn="l" rtl="0" eaLnBrk="0" fontAlgn="base" hangingPunct="0">
+              <a:spcBef>
+                <a:spcPct val="20000"/>
+              </a:spcBef>
+              <a:spcAft>
+                <a:spcPct val="0"/>
+              </a:spcAft>
+              <a:buClr>
+                <a:schemeClr val="folHlink"/>
+              </a:buClr>
+              <a:buSzPct val="50000"/>
+              <a:buFont typeface="Wingdings" panose="05000000000000000000" pitchFamily="2" charset="2"/>
+              <a:buChar char="n"/>
+              <a:defRPr sz="2400" kern="1200">
+                <a:solidFill>
+                  <a:schemeClr val="tx1"/>
+                </a:solidFill>
+                <a:latin typeface="+mn-lt"/>
+                <a:ea typeface="+mn-ea"/>
+                <a:cs typeface="+mn-cs"/>
+              </a:defRPr>
+            </a:lvl3pPr>
+            <a:lvl4pPr marL="1600200" indent="-228600" algn="l" rtl="0" eaLnBrk="0" fontAlgn="base" hangingPunct="0">
+              <a:spcBef>
+                <a:spcPct val="20000"/>
+              </a:spcBef>
+              <a:spcAft>
+                <a:spcPct val="0"/>
+              </a:spcAft>
+              <a:buClr>
+                <a:schemeClr val="accent2"/>
+              </a:buClr>
+              <a:buSzPct val="55000"/>
+              <a:buFont typeface="Wingdings" panose="05000000000000000000" pitchFamily="2" charset="2"/>
+              <a:buChar char="n"/>
+              <a:defRPr sz="2000" kern="1200">
+                <a:solidFill>
+                  <a:schemeClr val="tx1"/>
+                </a:solidFill>
+                <a:latin typeface="+mn-lt"/>
+                <a:ea typeface="+mn-ea"/>
+                <a:cs typeface="+mn-cs"/>
+              </a:defRPr>
+            </a:lvl4pPr>
+            <a:lvl5pPr marL="2057400" indent="-228600" algn="l" rtl="0" eaLnBrk="0" fontAlgn="base" hangingPunct="0">
+              <a:spcBef>
+                <a:spcPct val="20000"/>
+              </a:spcBef>
+              <a:spcAft>
+                <a:spcPct val="0"/>
+              </a:spcAft>
+              <a:buClr>
+                <a:schemeClr val="accent1"/>
+              </a:buClr>
+              <a:buSzPct val="50000"/>
+              <a:buFont typeface="Wingdings" panose="05000000000000000000" pitchFamily="2" charset="2"/>
+              <a:buChar char="n"/>
+              <a:defRPr sz="2000" kern="1200">
+                <a:solidFill>
+                  <a:schemeClr val="tx1"/>
+                </a:solidFill>
+                <a:latin typeface="+mn-lt"/>
+                <a:ea typeface="+mn-ea"/>
+                <a:cs typeface="+mn-cs"/>
+              </a:defRPr>
+            </a:lvl5pPr>
+            <a:lvl6pPr marL="2514600" indent="-228600" algn="l" defTabSz="914400" rtl="0" eaLnBrk="1" latinLnBrk="0" hangingPunct="1">
+              <a:lnSpc>
+                <a:spcPct val="90000"/>
+              </a:lnSpc>
+              <a:spcBef>
+                <a:spcPts val="500"/>
+              </a:spcBef>
+              <a:buFont typeface="Arial" panose="020B0604020202020204" pitchFamily="34" charset="0"/>
+              <a:buChar char="•"/>
+              <a:defRPr sz="1800" kern="1200">
+                <a:solidFill>
+                  <a:schemeClr val="tx1"/>
+                </a:solidFill>
+                <a:latin typeface="+mn-lt"/>
+                <a:ea typeface="+mn-ea"/>
+                <a:cs typeface="+mn-cs"/>
+              </a:defRPr>
+            </a:lvl6pPr>
+            <a:lvl7pPr marL="2971800" indent="-228600" algn="l" defTabSz="914400" rtl="0" eaLnBrk="1" latinLnBrk="0" hangingPunct="1">
+              <a:lnSpc>
+                <a:spcPct val="90000"/>
+              </a:lnSpc>
+              <a:spcBef>
+                <a:spcPts val="500"/>
+              </a:spcBef>
+              <a:buFont typeface="Arial" panose="020B0604020202020204" pitchFamily="34" charset="0"/>
+              <a:buChar char="•"/>
+              <a:defRPr sz="1800" kern="1200">
+                <a:solidFill>
+                  <a:schemeClr val="tx1"/>
+                </a:solidFill>
+                <a:latin typeface="+mn-lt"/>
+                <a:ea typeface="+mn-ea"/>
+                <a:cs typeface="+mn-cs"/>
+              </a:defRPr>
+            </a:lvl7pPr>
+            <a:lvl8pPr marL="3429000" indent="-228600" algn="l" defTabSz="914400" rtl="0" eaLnBrk="1" latinLnBrk="0" hangingPunct="1">
+              <a:lnSpc>
+                <a:spcPct val="90000"/>
+              </a:lnSpc>
+              <a:spcBef>
+                <a:spcPts val="500"/>
+              </a:spcBef>
+              <a:buFont typeface="Arial" panose="020B0604020202020204" pitchFamily="34" charset="0"/>
+              <a:buChar char="•"/>
+              <a:defRPr sz="1800" kern="1200">
+                <a:solidFill>
+                  <a:schemeClr val="tx1"/>
+                </a:solidFill>
+                <a:latin typeface="+mn-lt"/>
+                <a:ea typeface="+mn-ea"/>
+                <a:cs typeface="+mn-cs"/>
+              </a:defRPr>
+            </a:lvl8pPr>
+            <a:lvl9pPr marL="3886200" indent="-228600" algn="l" defTabSz="914400" rtl="0" eaLnBrk="1" latinLnBrk="0" hangingPunct="1">
+              <a:lnSpc>
+                <a:spcPct val="90000"/>
+              </a:lnSpc>
+              <a:spcBef>
+                <a:spcPts val="500"/>
+              </a:spcBef>
+              <a:buFont typeface="Arial" panose="020B0604020202020204" pitchFamily="34" charset="0"/>
+              <a:buChar char="•"/>
+              <a:defRPr sz="1800" kern="1200">
+                <a:solidFill>
+                  <a:schemeClr val="tx1"/>
+                </a:solidFill>
+                <a:latin typeface="+mn-lt"/>
+                <a:ea typeface="+mn-ea"/>
+                <a:cs typeface="+mn-cs"/>
+              </a:defRPr>
+            </a:lvl9pPr>
+          </a:lstStyle>
+          <a:p>
+            <a:pPr marL="0" indent="0" algn="just" eaLnBrk="1" hangingPunct="1">
+              <a:buFont typeface="Wingdings" panose="05000000000000000000" pitchFamily="2" charset="2"/>
+              <a:buNone/>
+            </a:pPr>
+            <a:r>
+              <a:rPr lang="en-US" sz="2400" b="0" smtClean="0"/>
+              <a:t>Xếp hạng các văn bản cho câu truy vấn: click shears</a:t>
+            </a:r>
+            <a:endParaRPr lang="en-US" sz="2000" b="0" dirty="0" smtClean="0"/>
+          </a:p>
+        </p:txBody>
+      </p:sp>
+    </p:spTree>
+    <p:extLst>
+      <p:ext uri="{BB962C8B-B14F-4D97-AF65-F5344CB8AC3E}">
+        <p14:creationId xmlns:p14="http://schemas.microsoft.com/office/powerpoint/2010/main" val="3969427550"/>
+      </p:ext>
+    </p:extLst>
+  </p:cSld>
+  <p:clrMapOvr>
+    <a:masterClrMapping/>
+  </p:clrMapOvr>
+  <p:timing>
+    <p:tnLst>
+      <p:par>
+        <p:cTn id="1" dur="indefinite" restart="never" nodeType="tmRoot"/>
+      </p:par>
+    </p:tnLst>
+  </p:timing>
+</p:sld>
+</file>
+
+<file path=ppt/slides/slide27.xml><?xml version="1.0" encoding="utf-8"?>
+<p:sld xmlns:a="http://schemas.openxmlformats.org/drawingml/2006/main" xmlns:r="http://schemas.openxmlformats.org/officeDocument/2006/relationships" xmlns:p="http://schemas.openxmlformats.org/presentationml/2006/main">
+  <p:cSld>
+    <p:spTree>
+      <p:nvGrpSpPr>
+        <p:cNvPr id="1" name=""/>
+        <p:cNvGrpSpPr/>
+        <p:nvPr/>
+      </p:nvGrpSpPr>
+      <p:grpSpPr>
+        <a:xfrm>
+          <a:off x="0" y="0"/>
+          <a:ext cx="0" cy="0"/>
+          <a:chOff x="0" y="0"/>
+          <a:chExt cx="0" cy="0"/>
+        </a:xfrm>
+      </p:grpSpPr>
+      <p:sp>
+        <p:nvSpPr>
           <p:cNvPr id="18434" name="Rectangle 2"/>
           <p:cNvSpPr>
             <a:spLocks noGrp="1" noChangeArrowheads="1"/>
@@ -14900,7 +15640,7 @@
               <a:pPr>
                 <a:defRPr/>
               </a:pPr>
-              <a:t>26</a:t>
+              <a:t>27</a:t>
             </a:fld>
             <a:endParaRPr lang="vi-VN"/>
           </a:p>
@@ -19272,7 +20012,7 @@
   </a:extraClrSchemeLst>
   <a:extLst>
     <a:ext uri="{05A4C25C-085E-4340-85A3-A5531E510DB2}">
-      <thm15:themeFamily xmlns:thm15="http://schemas.microsoft.com/office/thememl/2012/main" xmlns="" name="Office Theme" id="{62F939B6-93AF-4DB8-9C6B-D6C7DFDC589F}" vid="{4A3C46E8-61CC-4603-A589-7422A47A8E4A}"/>
+      <thm15:themeFamily xmlns="" xmlns:thm15="http://schemas.microsoft.com/office/thememl/2012/main" name="Office Theme" id="{62F939B6-93AF-4DB8-9C6B-D6C7DFDC589F}" vid="{4A3C46E8-61CC-4603-A589-7422A47A8E4A}"/>
     </a:ext>
   </a:extLst>
 </a:theme>
@@ -19533,7 +20273,7 @@
   <a:extraClrSchemeLst/>
   <a:extLst>
     <a:ext uri="{05A4C25C-085E-4340-85A3-A5531E510DB2}">
-      <thm15:themeFamily xmlns:thm15="http://schemas.microsoft.com/office/thememl/2012/main" xmlns="" name="Office Theme" id="{62F939B6-93AF-4DB8-9C6B-D6C7DFDC589F}" vid="{4A3C46E8-61CC-4603-A589-7422A47A8E4A}"/>
+      <thm15:themeFamily xmlns="" xmlns:thm15="http://schemas.microsoft.com/office/thememl/2012/main" name="Office Theme" id="{62F939B6-93AF-4DB8-9C6B-D6C7DFDC589F}" vid="{4A3C46E8-61CC-4603-A589-7422A47A8E4A}"/>
     </a:ext>
   </a:extLst>
 </a:theme>
